--- a/presentation/XAI_counterfactual.pptx
+++ b/presentation/XAI_counterfactual.pptx
@@ -6,7 +6,7 @@
     <p:sldMasterId id="2147483668" r:id="rId2"/>
   </p:sldMasterIdLst>
   <p:notesMasterIdLst>
-    <p:notesMasterId r:id="rId16"/>
+    <p:notesMasterId r:id="rId18"/>
   </p:notesMasterIdLst>
   <p:sldIdLst>
     <p:sldId id="256" r:id="rId3"/>
@@ -16,12 +16,14 @@
     <p:sldId id="266" r:id="rId7"/>
     <p:sldId id="270" r:id="rId8"/>
     <p:sldId id="264" r:id="rId9"/>
-    <p:sldId id="265" r:id="rId10"/>
-    <p:sldId id="263" r:id="rId11"/>
-    <p:sldId id="271" r:id="rId12"/>
-    <p:sldId id="267" r:id="rId13"/>
-    <p:sldId id="268" r:id="rId14"/>
-    <p:sldId id="269" r:id="rId15"/>
+    <p:sldId id="263" r:id="rId10"/>
+    <p:sldId id="271" r:id="rId11"/>
+    <p:sldId id="267" r:id="rId12"/>
+    <p:sldId id="268" r:id="rId13"/>
+    <p:sldId id="269" r:id="rId14"/>
+    <p:sldId id="272" r:id="rId15"/>
+    <p:sldId id="273" r:id="rId16"/>
+    <p:sldId id="274" r:id="rId17"/>
   </p:sldIdLst>
   <p:sldSz cx="12192000" cy="6858000"/>
   <p:notesSz cx="6858000" cy="9144000"/>
@@ -151,6 +153,33 @@
     </a:lvl9pPr>
   </p:defaultTextStyle>
   <p:extLst>
+    <p:ext uri="{521415D9-36F7-43E2-AB2F-B90AF26B5E84}">
+      <p14:sectionLst xmlns:p14="http://schemas.microsoft.com/office/powerpoint/2010/main">
+        <p14:section name="默认节" id="{685E8DDE-DD1A-42A0-85F8-06B1FA57160B}">
+          <p14:sldIdLst>
+            <p14:sldId id="256"/>
+            <p14:sldId id="260"/>
+            <p14:sldId id="261"/>
+            <p14:sldId id="262"/>
+            <p14:sldId id="266"/>
+            <p14:sldId id="270"/>
+            <p14:sldId id="264"/>
+            <p14:sldId id="263"/>
+            <p14:sldId id="271"/>
+            <p14:sldId id="267"/>
+            <p14:sldId id="268"/>
+            <p14:sldId id="269"/>
+            <p14:sldId id="272"/>
+          </p14:sldIdLst>
+        </p14:section>
+        <p14:section name="backup" id="{090DF132-E2C9-4A98-ABAE-A05BDF060F0B}">
+          <p14:sldIdLst>
+            <p14:sldId id="273"/>
+            <p14:sldId id="274"/>
+          </p14:sldIdLst>
+        </p14:section>
+      </p14:sectionLst>
+    </p:ext>
     <p:ext uri="{EFAFB233-063F-42B5-8137-9DF3F51BA10A}">
       <p15:sldGuideLst xmlns:p15="http://schemas.microsoft.com/office/powerpoint/2012/main"/>
     </p:ext>
@@ -871,6 +900,753 @@
   <dgm:styleLbl name="fgShp">
     <dgm:fillClrLst meth="repeat">
       <a:schemeClr val="accent1">
+        <a:tint val="60000"/>
+      </a:schemeClr>
+    </dgm:fillClrLst>
+    <dgm:linClrLst meth="repeat">
+      <a:schemeClr val="lt1"/>
+    </dgm:linClrLst>
+    <dgm:effectClrLst/>
+    <dgm:txLinClrLst/>
+    <dgm:txFillClrLst meth="repeat">
+      <a:schemeClr val="dk1"/>
+    </dgm:txFillClrLst>
+    <dgm:txEffectClrLst/>
+  </dgm:styleLbl>
+  <dgm:styleLbl name="revTx">
+    <dgm:fillClrLst meth="repeat">
+      <a:schemeClr val="lt1">
+        <a:alpha val="0"/>
+      </a:schemeClr>
+    </dgm:fillClrLst>
+    <dgm:linClrLst meth="repeat">
+      <a:schemeClr val="dk1">
+        <a:alpha val="0"/>
+      </a:schemeClr>
+    </dgm:linClrLst>
+    <dgm:effectClrLst/>
+    <dgm:txLinClrLst/>
+    <dgm:txFillClrLst meth="repeat">
+      <a:schemeClr val="tx1"/>
+    </dgm:txFillClrLst>
+    <dgm:txEffectClrLst/>
+  </dgm:styleLbl>
+</dgm:colorsDef>
+</file>
+
+<file path=ppt/diagrams/colors2.xml><?xml version="1.0" encoding="utf-8"?>
+<dgm:colorsDef xmlns:dgm="http://schemas.openxmlformats.org/drawingml/2006/diagram" xmlns:a="http://schemas.openxmlformats.org/drawingml/2006/main" uniqueId="urn:microsoft.com/office/officeart/2005/8/colors/accent2_2">
+  <dgm:title val=""/>
+  <dgm:desc val=""/>
+  <dgm:catLst>
+    <dgm:cat type="accent2" pri="11200"/>
+  </dgm:catLst>
+  <dgm:styleLbl name="node0">
+    <dgm:fillClrLst meth="repeat">
+      <a:schemeClr val="accent2"/>
+    </dgm:fillClrLst>
+    <dgm:linClrLst meth="repeat">
+      <a:schemeClr val="lt1"/>
+    </dgm:linClrLst>
+    <dgm:effectClrLst/>
+    <dgm:txLinClrLst/>
+    <dgm:txFillClrLst/>
+    <dgm:txEffectClrLst/>
+  </dgm:styleLbl>
+  <dgm:styleLbl name="node1">
+    <dgm:fillClrLst meth="repeat">
+      <a:schemeClr val="accent2"/>
+    </dgm:fillClrLst>
+    <dgm:linClrLst meth="repeat">
+      <a:schemeClr val="lt1"/>
+    </dgm:linClrLst>
+    <dgm:effectClrLst/>
+    <dgm:txLinClrLst/>
+    <dgm:txFillClrLst/>
+    <dgm:txEffectClrLst/>
+  </dgm:styleLbl>
+  <dgm:styleLbl name="alignNode1">
+    <dgm:fillClrLst meth="repeat">
+      <a:schemeClr val="accent2"/>
+    </dgm:fillClrLst>
+    <dgm:linClrLst meth="repeat">
+      <a:schemeClr val="accent2"/>
+    </dgm:linClrLst>
+    <dgm:effectClrLst/>
+    <dgm:txLinClrLst/>
+    <dgm:txFillClrLst/>
+    <dgm:txEffectClrLst/>
+  </dgm:styleLbl>
+  <dgm:styleLbl name="lnNode1">
+    <dgm:fillClrLst meth="repeat">
+      <a:schemeClr val="accent2"/>
+    </dgm:fillClrLst>
+    <dgm:linClrLst meth="repeat">
+      <a:schemeClr val="lt1"/>
+    </dgm:linClrLst>
+    <dgm:effectClrLst/>
+    <dgm:txLinClrLst/>
+    <dgm:txFillClrLst/>
+    <dgm:txEffectClrLst/>
+  </dgm:styleLbl>
+  <dgm:styleLbl name="vennNode1">
+    <dgm:fillClrLst meth="repeat">
+      <a:schemeClr val="accent2">
+        <a:alpha val="50000"/>
+      </a:schemeClr>
+    </dgm:fillClrLst>
+    <dgm:linClrLst meth="repeat">
+      <a:schemeClr val="lt1"/>
+    </dgm:linClrLst>
+    <dgm:effectClrLst/>
+    <dgm:txLinClrLst/>
+    <dgm:txFillClrLst/>
+    <dgm:txEffectClrLst/>
+  </dgm:styleLbl>
+  <dgm:styleLbl name="node2">
+    <dgm:fillClrLst meth="repeat">
+      <a:schemeClr val="accent2"/>
+    </dgm:fillClrLst>
+    <dgm:linClrLst meth="repeat">
+      <a:schemeClr val="lt1"/>
+    </dgm:linClrLst>
+    <dgm:effectClrLst/>
+    <dgm:txLinClrLst/>
+    <dgm:txFillClrLst/>
+    <dgm:txEffectClrLst/>
+  </dgm:styleLbl>
+  <dgm:styleLbl name="node3">
+    <dgm:fillClrLst meth="repeat">
+      <a:schemeClr val="accent2"/>
+    </dgm:fillClrLst>
+    <dgm:linClrLst meth="repeat">
+      <a:schemeClr val="lt1"/>
+    </dgm:linClrLst>
+    <dgm:effectClrLst/>
+    <dgm:txLinClrLst/>
+    <dgm:txFillClrLst/>
+    <dgm:txEffectClrLst/>
+  </dgm:styleLbl>
+  <dgm:styleLbl name="node4">
+    <dgm:fillClrLst meth="repeat">
+      <a:schemeClr val="accent2"/>
+    </dgm:fillClrLst>
+    <dgm:linClrLst meth="repeat">
+      <a:schemeClr val="lt1"/>
+    </dgm:linClrLst>
+    <dgm:effectClrLst/>
+    <dgm:txLinClrLst/>
+    <dgm:txFillClrLst/>
+    <dgm:txEffectClrLst/>
+  </dgm:styleLbl>
+  <dgm:styleLbl name="fgImgPlace1">
+    <dgm:fillClrLst meth="repeat">
+      <a:schemeClr val="accent2">
+        <a:tint val="50000"/>
+      </a:schemeClr>
+    </dgm:fillClrLst>
+    <dgm:linClrLst meth="repeat">
+      <a:schemeClr val="lt1"/>
+    </dgm:linClrLst>
+    <dgm:effectClrLst/>
+    <dgm:txLinClrLst/>
+    <dgm:txFillClrLst meth="repeat">
+      <a:schemeClr val="lt1"/>
+    </dgm:txFillClrLst>
+    <dgm:txEffectClrLst/>
+  </dgm:styleLbl>
+  <dgm:styleLbl name="alignImgPlace1">
+    <dgm:fillClrLst meth="repeat">
+      <a:schemeClr val="accent2">
+        <a:tint val="50000"/>
+      </a:schemeClr>
+    </dgm:fillClrLst>
+    <dgm:linClrLst meth="repeat">
+      <a:schemeClr val="lt1"/>
+    </dgm:linClrLst>
+    <dgm:effectClrLst/>
+    <dgm:txLinClrLst/>
+    <dgm:txFillClrLst meth="repeat">
+      <a:schemeClr val="lt1"/>
+    </dgm:txFillClrLst>
+    <dgm:txEffectClrLst/>
+  </dgm:styleLbl>
+  <dgm:styleLbl name="bgImgPlace1">
+    <dgm:fillClrLst meth="repeat">
+      <a:schemeClr val="accent2">
+        <a:tint val="50000"/>
+      </a:schemeClr>
+    </dgm:fillClrLst>
+    <dgm:linClrLst meth="repeat">
+      <a:schemeClr val="lt1"/>
+    </dgm:linClrLst>
+    <dgm:effectClrLst/>
+    <dgm:txLinClrLst/>
+    <dgm:txFillClrLst meth="repeat">
+      <a:schemeClr val="lt1"/>
+    </dgm:txFillClrLst>
+    <dgm:txEffectClrLst/>
+  </dgm:styleLbl>
+  <dgm:styleLbl name="sibTrans2D1">
+    <dgm:fillClrLst meth="repeat">
+      <a:schemeClr val="accent2">
+        <a:tint val="60000"/>
+      </a:schemeClr>
+    </dgm:fillClrLst>
+    <dgm:linClrLst meth="repeat">
+      <a:schemeClr val="accent2">
+        <a:tint val="60000"/>
+      </a:schemeClr>
+    </dgm:linClrLst>
+    <dgm:effectClrLst/>
+    <dgm:txLinClrLst/>
+    <dgm:txFillClrLst/>
+    <dgm:txEffectClrLst/>
+  </dgm:styleLbl>
+  <dgm:styleLbl name="fgSibTrans2D1">
+    <dgm:fillClrLst meth="repeat">
+      <a:schemeClr val="accent2">
+        <a:tint val="60000"/>
+      </a:schemeClr>
+    </dgm:fillClrLst>
+    <dgm:linClrLst meth="repeat">
+      <a:schemeClr val="accent2">
+        <a:tint val="60000"/>
+      </a:schemeClr>
+    </dgm:linClrLst>
+    <dgm:effectClrLst/>
+    <dgm:txLinClrLst/>
+    <dgm:txFillClrLst/>
+    <dgm:txEffectClrLst/>
+  </dgm:styleLbl>
+  <dgm:styleLbl name="bgSibTrans2D1">
+    <dgm:fillClrLst meth="repeat">
+      <a:schemeClr val="accent2">
+        <a:tint val="60000"/>
+      </a:schemeClr>
+    </dgm:fillClrLst>
+    <dgm:linClrLst meth="repeat">
+      <a:schemeClr val="accent2">
+        <a:tint val="60000"/>
+      </a:schemeClr>
+    </dgm:linClrLst>
+    <dgm:effectClrLst/>
+    <dgm:txLinClrLst/>
+    <dgm:txFillClrLst/>
+    <dgm:txEffectClrLst/>
+  </dgm:styleLbl>
+  <dgm:styleLbl name="sibTrans1D1">
+    <dgm:fillClrLst meth="repeat">
+      <a:schemeClr val="accent2"/>
+    </dgm:fillClrLst>
+    <dgm:linClrLst meth="repeat">
+      <a:schemeClr val="accent2"/>
+    </dgm:linClrLst>
+    <dgm:effectClrLst/>
+    <dgm:txLinClrLst/>
+    <dgm:txFillClrLst meth="repeat">
+      <a:schemeClr val="tx1"/>
+    </dgm:txFillClrLst>
+    <dgm:txEffectClrLst/>
+  </dgm:styleLbl>
+  <dgm:styleLbl name="callout">
+    <dgm:fillClrLst meth="repeat">
+      <a:schemeClr val="accent2"/>
+    </dgm:fillClrLst>
+    <dgm:linClrLst meth="repeat">
+      <a:schemeClr val="accent2">
+        <a:tint val="50000"/>
+      </a:schemeClr>
+    </dgm:linClrLst>
+    <dgm:effectClrLst/>
+    <dgm:txLinClrLst/>
+    <dgm:txFillClrLst meth="repeat">
+      <a:schemeClr val="tx1"/>
+    </dgm:txFillClrLst>
+    <dgm:txEffectClrLst/>
+  </dgm:styleLbl>
+  <dgm:styleLbl name="asst0">
+    <dgm:fillClrLst meth="repeat">
+      <a:schemeClr val="accent2"/>
+    </dgm:fillClrLst>
+    <dgm:linClrLst meth="repeat">
+      <a:schemeClr val="lt1"/>
+    </dgm:linClrLst>
+    <dgm:effectClrLst/>
+    <dgm:txLinClrLst/>
+    <dgm:txFillClrLst/>
+    <dgm:txEffectClrLst/>
+  </dgm:styleLbl>
+  <dgm:styleLbl name="asst1">
+    <dgm:fillClrLst meth="repeat">
+      <a:schemeClr val="accent2"/>
+    </dgm:fillClrLst>
+    <dgm:linClrLst meth="repeat">
+      <a:schemeClr val="lt1"/>
+    </dgm:linClrLst>
+    <dgm:effectClrLst/>
+    <dgm:txLinClrLst/>
+    <dgm:txFillClrLst/>
+    <dgm:txEffectClrLst/>
+  </dgm:styleLbl>
+  <dgm:styleLbl name="asst2">
+    <dgm:fillClrLst meth="repeat">
+      <a:schemeClr val="accent2"/>
+    </dgm:fillClrLst>
+    <dgm:linClrLst meth="repeat">
+      <a:schemeClr val="lt1"/>
+    </dgm:linClrLst>
+    <dgm:effectClrLst/>
+    <dgm:txLinClrLst/>
+    <dgm:txFillClrLst/>
+    <dgm:txEffectClrLst/>
+  </dgm:styleLbl>
+  <dgm:styleLbl name="asst3">
+    <dgm:fillClrLst meth="repeat">
+      <a:schemeClr val="accent2"/>
+    </dgm:fillClrLst>
+    <dgm:linClrLst meth="repeat">
+      <a:schemeClr val="lt1"/>
+    </dgm:linClrLst>
+    <dgm:effectClrLst/>
+    <dgm:txLinClrLst/>
+    <dgm:txFillClrLst/>
+    <dgm:txEffectClrLst/>
+  </dgm:styleLbl>
+  <dgm:styleLbl name="asst4">
+    <dgm:fillClrLst meth="repeat">
+      <a:schemeClr val="accent2"/>
+    </dgm:fillClrLst>
+    <dgm:linClrLst meth="repeat">
+      <a:schemeClr val="lt1"/>
+    </dgm:linClrLst>
+    <dgm:effectClrLst/>
+    <dgm:txLinClrLst/>
+    <dgm:txFillClrLst/>
+    <dgm:txEffectClrLst/>
+  </dgm:styleLbl>
+  <dgm:styleLbl name="parChTrans2D1">
+    <dgm:fillClrLst meth="repeat">
+      <a:schemeClr val="accent2">
+        <a:tint val="60000"/>
+      </a:schemeClr>
+    </dgm:fillClrLst>
+    <dgm:linClrLst meth="repeat">
+      <a:schemeClr val="accent2">
+        <a:tint val="60000"/>
+      </a:schemeClr>
+    </dgm:linClrLst>
+    <dgm:effectClrLst/>
+    <dgm:txLinClrLst/>
+    <dgm:txFillClrLst meth="repeat">
+      <a:schemeClr val="lt1"/>
+    </dgm:txFillClrLst>
+    <dgm:txEffectClrLst/>
+  </dgm:styleLbl>
+  <dgm:styleLbl name="parChTrans2D2">
+    <dgm:fillClrLst meth="repeat">
+      <a:schemeClr val="accent2"/>
+    </dgm:fillClrLst>
+    <dgm:linClrLst meth="repeat">
+      <a:schemeClr val="accent2"/>
+    </dgm:linClrLst>
+    <dgm:effectClrLst/>
+    <dgm:txLinClrLst/>
+    <dgm:txFillClrLst meth="repeat">
+      <a:schemeClr val="lt1"/>
+    </dgm:txFillClrLst>
+    <dgm:txEffectClrLst/>
+  </dgm:styleLbl>
+  <dgm:styleLbl name="parChTrans2D3">
+    <dgm:fillClrLst meth="repeat">
+      <a:schemeClr val="accent2"/>
+    </dgm:fillClrLst>
+    <dgm:linClrLst meth="repeat">
+      <a:schemeClr val="accent2"/>
+    </dgm:linClrLst>
+    <dgm:effectClrLst/>
+    <dgm:txLinClrLst/>
+    <dgm:txFillClrLst meth="repeat">
+      <a:schemeClr val="lt1"/>
+    </dgm:txFillClrLst>
+    <dgm:txEffectClrLst/>
+  </dgm:styleLbl>
+  <dgm:styleLbl name="parChTrans2D4">
+    <dgm:fillClrLst meth="repeat">
+      <a:schemeClr val="accent2"/>
+    </dgm:fillClrLst>
+    <dgm:linClrLst meth="repeat">
+      <a:schemeClr val="accent2"/>
+    </dgm:linClrLst>
+    <dgm:effectClrLst/>
+    <dgm:txLinClrLst/>
+    <dgm:txFillClrLst meth="repeat">
+      <a:schemeClr val="lt1"/>
+    </dgm:txFillClrLst>
+    <dgm:txEffectClrLst/>
+  </dgm:styleLbl>
+  <dgm:styleLbl name="parChTrans1D1">
+    <dgm:fillClrLst meth="repeat">
+      <a:schemeClr val="accent2"/>
+    </dgm:fillClrLst>
+    <dgm:linClrLst meth="repeat">
+      <a:schemeClr val="accent2">
+        <a:shade val="60000"/>
+      </a:schemeClr>
+    </dgm:linClrLst>
+    <dgm:effectClrLst/>
+    <dgm:txLinClrLst/>
+    <dgm:txFillClrLst meth="repeat">
+      <a:schemeClr val="tx1"/>
+    </dgm:txFillClrLst>
+    <dgm:txEffectClrLst/>
+  </dgm:styleLbl>
+  <dgm:styleLbl name="parChTrans1D2">
+    <dgm:fillClrLst meth="repeat">
+      <a:schemeClr val="accent2"/>
+    </dgm:fillClrLst>
+    <dgm:linClrLst meth="repeat">
+      <a:schemeClr val="accent2">
+        <a:shade val="60000"/>
+      </a:schemeClr>
+    </dgm:linClrLst>
+    <dgm:effectClrLst/>
+    <dgm:txLinClrLst/>
+    <dgm:txFillClrLst meth="repeat">
+      <a:schemeClr val="tx1"/>
+    </dgm:txFillClrLst>
+    <dgm:txEffectClrLst/>
+  </dgm:styleLbl>
+  <dgm:styleLbl name="parChTrans1D3">
+    <dgm:fillClrLst meth="repeat">
+      <a:schemeClr val="accent2"/>
+    </dgm:fillClrLst>
+    <dgm:linClrLst meth="repeat">
+      <a:schemeClr val="accent2">
+        <a:shade val="80000"/>
+      </a:schemeClr>
+    </dgm:linClrLst>
+    <dgm:effectClrLst/>
+    <dgm:txLinClrLst/>
+    <dgm:txFillClrLst meth="repeat">
+      <a:schemeClr val="tx1"/>
+    </dgm:txFillClrLst>
+    <dgm:txEffectClrLst/>
+  </dgm:styleLbl>
+  <dgm:styleLbl name="parChTrans1D4">
+    <dgm:fillClrLst meth="repeat">
+      <a:schemeClr val="accent2"/>
+    </dgm:fillClrLst>
+    <dgm:linClrLst meth="repeat">
+      <a:schemeClr val="accent2">
+        <a:shade val="80000"/>
+      </a:schemeClr>
+    </dgm:linClrLst>
+    <dgm:effectClrLst/>
+    <dgm:txLinClrLst/>
+    <dgm:txFillClrLst meth="repeat">
+      <a:schemeClr val="tx1"/>
+    </dgm:txFillClrLst>
+    <dgm:txEffectClrLst/>
+  </dgm:styleLbl>
+  <dgm:styleLbl name="fgAcc1">
+    <dgm:fillClrLst meth="repeat">
+      <a:schemeClr val="lt1">
+        <a:alpha val="90000"/>
+      </a:schemeClr>
+    </dgm:fillClrLst>
+    <dgm:linClrLst meth="repeat">
+      <a:schemeClr val="accent2"/>
+    </dgm:linClrLst>
+    <dgm:effectClrLst/>
+    <dgm:txLinClrLst/>
+    <dgm:txFillClrLst meth="repeat">
+      <a:schemeClr val="dk1"/>
+    </dgm:txFillClrLst>
+    <dgm:txEffectClrLst/>
+  </dgm:styleLbl>
+  <dgm:styleLbl name="conFgAcc1">
+    <dgm:fillClrLst meth="repeat">
+      <a:schemeClr val="lt1">
+        <a:alpha val="90000"/>
+      </a:schemeClr>
+    </dgm:fillClrLst>
+    <dgm:linClrLst meth="repeat">
+      <a:schemeClr val="accent2"/>
+    </dgm:linClrLst>
+    <dgm:effectClrLst/>
+    <dgm:txLinClrLst/>
+    <dgm:txFillClrLst meth="repeat">
+      <a:schemeClr val="dk1"/>
+    </dgm:txFillClrLst>
+    <dgm:txEffectClrLst/>
+  </dgm:styleLbl>
+  <dgm:styleLbl name="alignAcc1">
+    <dgm:fillClrLst meth="repeat">
+      <a:schemeClr val="lt1">
+        <a:alpha val="90000"/>
+      </a:schemeClr>
+    </dgm:fillClrLst>
+    <dgm:linClrLst meth="repeat">
+      <a:schemeClr val="accent2"/>
+    </dgm:linClrLst>
+    <dgm:effectClrLst/>
+    <dgm:txLinClrLst/>
+    <dgm:txFillClrLst meth="repeat">
+      <a:schemeClr val="dk1"/>
+    </dgm:txFillClrLst>
+    <dgm:txEffectClrLst/>
+  </dgm:styleLbl>
+  <dgm:styleLbl name="trAlignAcc1">
+    <dgm:fillClrLst meth="repeat">
+      <a:schemeClr val="lt1">
+        <a:alpha val="40000"/>
+      </a:schemeClr>
+    </dgm:fillClrLst>
+    <dgm:linClrLst meth="repeat">
+      <a:schemeClr val="accent2"/>
+    </dgm:linClrLst>
+    <dgm:effectClrLst/>
+    <dgm:txLinClrLst/>
+    <dgm:txFillClrLst meth="repeat">
+      <a:schemeClr val="dk1"/>
+    </dgm:txFillClrLst>
+    <dgm:txEffectClrLst/>
+  </dgm:styleLbl>
+  <dgm:styleLbl name="bgAcc1">
+    <dgm:fillClrLst meth="repeat">
+      <a:schemeClr val="lt1">
+        <a:alpha val="90000"/>
+      </a:schemeClr>
+    </dgm:fillClrLst>
+    <dgm:linClrLst meth="repeat">
+      <a:schemeClr val="accent2"/>
+    </dgm:linClrLst>
+    <dgm:effectClrLst/>
+    <dgm:txLinClrLst/>
+    <dgm:txFillClrLst meth="repeat">
+      <a:schemeClr val="dk1"/>
+    </dgm:txFillClrLst>
+    <dgm:txEffectClrLst/>
+  </dgm:styleLbl>
+  <dgm:styleLbl name="solidFgAcc1">
+    <dgm:fillClrLst meth="repeat">
+      <a:schemeClr val="lt1"/>
+    </dgm:fillClrLst>
+    <dgm:linClrLst meth="repeat">
+      <a:schemeClr val="accent2"/>
+    </dgm:linClrLst>
+    <dgm:effectClrLst/>
+    <dgm:txLinClrLst/>
+    <dgm:txFillClrLst meth="repeat">
+      <a:schemeClr val="dk1"/>
+    </dgm:txFillClrLst>
+    <dgm:txEffectClrLst/>
+  </dgm:styleLbl>
+  <dgm:styleLbl name="solidAlignAcc1">
+    <dgm:fillClrLst meth="repeat">
+      <a:schemeClr val="lt1"/>
+    </dgm:fillClrLst>
+    <dgm:linClrLst meth="repeat">
+      <a:schemeClr val="accent2"/>
+    </dgm:linClrLst>
+    <dgm:effectClrLst/>
+    <dgm:txLinClrLst/>
+    <dgm:txFillClrLst meth="repeat">
+      <a:schemeClr val="dk1"/>
+    </dgm:txFillClrLst>
+    <dgm:txEffectClrLst/>
+  </dgm:styleLbl>
+  <dgm:styleLbl name="solidBgAcc1">
+    <dgm:fillClrLst meth="repeat">
+      <a:schemeClr val="lt1"/>
+    </dgm:fillClrLst>
+    <dgm:linClrLst meth="repeat">
+      <a:schemeClr val="accent2"/>
+    </dgm:linClrLst>
+    <dgm:effectClrLst/>
+    <dgm:txLinClrLst/>
+    <dgm:txFillClrLst meth="repeat">
+      <a:schemeClr val="dk1"/>
+    </dgm:txFillClrLst>
+    <dgm:txEffectClrLst/>
+  </dgm:styleLbl>
+  <dgm:styleLbl name="fgAccFollowNode1">
+    <dgm:fillClrLst meth="repeat">
+      <a:schemeClr val="accent2">
+        <a:alpha val="90000"/>
+        <a:tint val="40000"/>
+      </a:schemeClr>
+    </dgm:fillClrLst>
+    <dgm:linClrLst meth="repeat">
+      <a:schemeClr val="accent2">
+        <a:alpha val="90000"/>
+        <a:tint val="40000"/>
+      </a:schemeClr>
+    </dgm:linClrLst>
+    <dgm:effectClrLst/>
+    <dgm:txLinClrLst/>
+    <dgm:txFillClrLst meth="repeat">
+      <a:schemeClr val="dk1"/>
+    </dgm:txFillClrLst>
+    <dgm:txEffectClrLst/>
+  </dgm:styleLbl>
+  <dgm:styleLbl name="alignAccFollowNode1">
+    <dgm:fillClrLst meth="repeat">
+      <a:schemeClr val="accent2">
+        <a:alpha val="90000"/>
+        <a:tint val="40000"/>
+      </a:schemeClr>
+    </dgm:fillClrLst>
+    <dgm:linClrLst meth="repeat">
+      <a:schemeClr val="accent2">
+        <a:alpha val="90000"/>
+        <a:tint val="40000"/>
+      </a:schemeClr>
+    </dgm:linClrLst>
+    <dgm:effectClrLst/>
+    <dgm:txLinClrLst/>
+    <dgm:txFillClrLst meth="repeat">
+      <a:schemeClr val="dk1"/>
+    </dgm:txFillClrLst>
+    <dgm:txEffectClrLst/>
+  </dgm:styleLbl>
+  <dgm:styleLbl name="bgAccFollowNode1">
+    <dgm:fillClrLst meth="repeat">
+      <a:schemeClr val="accent2">
+        <a:alpha val="90000"/>
+        <a:tint val="40000"/>
+      </a:schemeClr>
+    </dgm:fillClrLst>
+    <dgm:linClrLst meth="repeat">
+      <a:schemeClr val="accent2">
+        <a:alpha val="90000"/>
+        <a:tint val="40000"/>
+      </a:schemeClr>
+    </dgm:linClrLst>
+    <dgm:effectClrLst/>
+    <dgm:txLinClrLst/>
+    <dgm:txFillClrLst meth="repeat">
+      <a:schemeClr val="dk1"/>
+    </dgm:txFillClrLst>
+    <dgm:txEffectClrLst/>
+  </dgm:styleLbl>
+  <dgm:styleLbl name="fgAcc0">
+    <dgm:fillClrLst meth="repeat">
+      <a:schemeClr val="lt1">
+        <a:alpha val="90000"/>
+      </a:schemeClr>
+    </dgm:fillClrLst>
+    <dgm:linClrLst meth="repeat">
+      <a:schemeClr val="accent2"/>
+    </dgm:linClrLst>
+    <dgm:effectClrLst/>
+    <dgm:txLinClrLst/>
+    <dgm:txFillClrLst meth="repeat">
+      <a:schemeClr val="dk1"/>
+    </dgm:txFillClrLst>
+    <dgm:txEffectClrLst/>
+  </dgm:styleLbl>
+  <dgm:styleLbl name="fgAcc2">
+    <dgm:fillClrLst meth="repeat">
+      <a:schemeClr val="lt1">
+        <a:alpha val="90000"/>
+      </a:schemeClr>
+    </dgm:fillClrLst>
+    <dgm:linClrLst meth="repeat">
+      <a:schemeClr val="accent2"/>
+    </dgm:linClrLst>
+    <dgm:effectClrLst/>
+    <dgm:txLinClrLst/>
+    <dgm:txFillClrLst meth="repeat">
+      <a:schemeClr val="dk1"/>
+    </dgm:txFillClrLst>
+    <dgm:txEffectClrLst/>
+  </dgm:styleLbl>
+  <dgm:styleLbl name="fgAcc3">
+    <dgm:fillClrLst meth="repeat">
+      <a:schemeClr val="lt1">
+        <a:alpha val="90000"/>
+      </a:schemeClr>
+    </dgm:fillClrLst>
+    <dgm:linClrLst meth="repeat">
+      <a:schemeClr val="accent2"/>
+    </dgm:linClrLst>
+    <dgm:effectClrLst/>
+    <dgm:txLinClrLst/>
+    <dgm:txFillClrLst meth="repeat">
+      <a:schemeClr val="dk1"/>
+    </dgm:txFillClrLst>
+    <dgm:txEffectClrLst/>
+  </dgm:styleLbl>
+  <dgm:styleLbl name="fgAcc4">
+    <dgm:fillClrLst meth="repeat">
+      <a:schemeClr val="lt1">
+        <a:alpha val="90000"/>
+      </a:schemeClr>
+    </dgm:fillClrLst>
+    <dgm:linClrLst meth="repeat">
+      <a:schemeClr val="accent2"/>
+    </dgm:linClrLst>
+    <dgm:effectClrLst/>
+    <dgm:txLinClrLst/>
+    <dgm:txFillClrLst meth="repeat">
+      <a:schemeClr val="dk1"/>
+    </dgm:txFillClrLst>
+    <dgm:txEffectClrLst/>
+  </dgm:styleLbl>
+  <dgm:styleLbl name="bgShp">
+    <dgm:fillClrLst meth="repeat">
+      <a:schemeClr val="accent2">
+        <a:tint val="40000"/>
+      </a:schemeClr>
+    </dgm:fillClrLst>
+    <dgm:linClrLst meth="repeat">
+      <a:schemeClr val="accent2"/>
+    </dgm:linClrLst>
+    <dgm:effectClrLst/>
+    <dgm:txLinClrLst/>
+    <dgm:txFillClrLst meth="repeat">
+      <a:schemeClr val="dk1"/>
+    </dgm:txFillClrLst>
+    <dgm:txEffectClrLst/>
+  </dgm:styleLbl>
+  <dgm:styleLbl name="dkBgShp">
+    <dgm:fillClrLst meth="repeat">
+      <a:schemeClr val="accent2">
+        <a:shade val="80000"/>
+      </a:schemeClr>
+    </dgm:fillClrLst>
+    <dgm:linClrLst meth="repeat">
+      <a:schemeClr val="accent2"/>
+    </dgm:linClrLst>
+    <dgm:effectClrLst/>
+    <dgm:txLinClrLst/>
+    <dgm:txFillClrLst meth="repeat">
+      <a:schemeClr val="lt1"/>
+    </dgm:txFillClrLst>
+    <dgm:txEffectClrLst/>
+  </dgm:styleLbl>
+  <dgm:styleLbl name="trBgShp">
+    <dgm:fillClrLst meth="repeat">
+      <a:schemeClr val="accent2">
+        <a:tint val="50000"/>
+        <a:alpha val="40000"/>
+      </a:schemeClr>
+    </dgm:fillClrLst>
+    <dgm:linClrLst meth="repeat">
+      <a:schemeClr val="accent2"/>
+    </dgm:linClrLst>
+    <dgm:effectClrLst/>
+    <dgm:txLinClrLst/>
+    <dgm:txFillClrLst meth="repeat">
+      <a:schemeClr val="lt1"/>
+    </dgm:txFillClrLst>
+    <dgm:txEffectClrLst/>
+  </dgm:styleLbl>
+  <dgm:styleLbl name="fgShp">
+    <dgm:fillClrLst meth="repeat">
+      <a:schemeClr val="accent2">
         <a:tint val="60000"/>
       </a:schemeClr>
     </dgm:fillClrLst>
@@ -1068,6 +1844,194 @@
     </a:ext>
     <a:ext uri="{C62137D5-CB1D-491B-B009-E17868A290BF}">
       <dgm14:recolorImg xmlns:dgm14="http://schemas.microsoft.com/office/drawing/2010/diagram" val="1"/>
+    </a:ext>
+  </dgm:extLst>
+</dgm:dataModel>
+</file>
+
+<file path=ppt/diagrams/data2.xml><?xml version="1.0" encoding="utf-8"?>
+<dgm:dataModel xmlns:dgm="http://schemas.openxmlformats.org/drawingml/2006/diagram" xmlns:a="http://schemas.openxmlformats.org/drawingml/2006/main">
+  <dgm:ptLst>
+    <dgm:pt modelId="{B261CA4F-2112-41D9-AEE8-E64442B3260F}" type="doc">
+      <dgm:prSet loTypeId="urn:microsoft.com/office/officeart/2009/3/layout/PlusandMinus" loCatId="relationship" qsTypeId="urn:microsoft.com/office/officeart/2005/8/quickstyle/simple1" qsCatId="simple" csTypeId="urn:microsoft.com/office/officeart/2005/8/colors/accent2_2" csCatId="accent2" phldr="1"/>
+      <dgm:spPr/>
+      <dgm:t>
+        <a:bodyPr/>
+        <a:lstStyle/>
+        <a:p>
+          <a:endParaRPr lang="zh-CN" altLang="en-US"/>
+        </a:p>
+      </dgm:t>
+    </dgm:pt>
+    <dgm:pt modelId="{68BE27A8-DC28-4E7A-867B-DC5233EBF7AD}">
+      <dgm:prSet phldrT="[文本]"/>
+      <dgm:spPr/>
+      <dgm:t>
+        <a:bodyPr/>
+        <a:lstStyle/>
+        <a:p>
+          <a:r>
+            <a:rPr lang="en-US" altLang="zh-CN" dirty="0"/>
+            <a:t>is similar to natural think way, easy to interpret.</a:t>
+          </a:r>
+        </a:p>
+        <a:p>
+          <a:r>
+            <a:rPr lang="en-US" altLang="zh-CN" dirty="0"/>
+            <a:t>does not include internal model nodes in the explanation, also lay audience can understand.</a:t>
+          </a:r>
+        </a:p>
+        <a:p>
+          <a:r>
+            <a:rPr lang="en-US" altLang="zh-CN" dirty="0"/>
+            <a:t>offers the explanation but also the suggested action.</a:t>
+          </a:r>
+          <a:endParaRPr lang="zh-CN" altLang="en-US" dirty="0"/>
+        </a:p>
+      </dgm:t>
+    </dgm:pt>
+    <dgm:pt modelId="{EFC493D7-2240-4D0E-A113-DDED3569908D}" type="parTrans" cxnId="{F918C6B8-9288-4BE4-9E32-427C127435BE}">
+      <dgm:prSet/>
+      <dgm:spPr/>
+      <dgm:t>
+        <a:bodyPr/>
+        <a:lstStyle/>
+        <a:p>
+          <a:endParaRPr lang="zh-CN" altLang="en-US"/>
+        </a:p>
+      </dgm:t>
+    </dgm:pt>
+    <dgm:pt modelId="{7DF49026-BEAF-46D5-A03D-7A1D6A036B47}" type="sibTrans" cxnId="{F918C6B8-9288-4BE4-9E32-427C127435BE}">
+      <dgm:prSet/>
+      <dgm:spPr/>
+      <dgm:t>
+        <a:bodyPr/>
+        <a:lstStyle/>
+        <a:p>
+          <a:endParaRPr lang="zh-CN" altLang="en-US"/>
+        </a:p>
+      </dgm:t>
+    </dgm:pt>
+    <dgm:pt modelId="{E5320B8B-EE9B-4CB4-AEDA-B4E92308ED88}">
+      <dgm:prSet phldrT="[文本]"/>
+      <dgm:spPr/>
+      <dgm:t>
+        <a:bodyPr/>
+        <a:lstStyle/>
+        <a:p>
+          <a:r>
+            <a:rPr lang="en-US" altLang="zh-CN" dirty="0" err="1"/>
+            <a:t>prones</a:t>
+          </a:r>
+          <a:r>
+            <a:rPr lang="en-US" altLang="zh-CN" dirty="0"/>
+            <a:t> to generate adversarial examples.</a:t>
+          </a:r>
+        </a:p>
+        <a:p>
+          <a:r>
+            <a:rPr lang="en-US" altLang="zh-CN" dirty="0"/>
+            <a:t>lacks actionability. Causality graphs are not always available in real life.</a:t>
+          </a:r>
+        </a:p>
+        <a:p>
+          <a:r>
+            <a:rPr lang="en-US" altLang="zh-CN" dirty="0"/>
+            <a:t>  </a:t>
+          </a:r>
+          <a:endParaRPr lang="zh-CN" altLang="en-US" dirty="0"/>
+        </a:p>
+      </dgm:t>
+    </dgm:pt>
+    <dgm:pt modelId="{78B190E6-575B-4C9B-B8D2-642C51D7B948}" type="parTrans" cxnId="{962B7BDC-116C-429C-A77A-0A58CCEEF85E}">
+      <dgm:prSet/>
+      <dgm:spPr/>
+      <dgm:t>
+        <a:bodyPr/>
+        <a:lstStyle/>
+        <a:p>
+          <a:endParaRPr lang="zh-CN" altLang="en-US"/>
+        </a:p>
+      </dgm:t>
+    </dgm:pt>
+    <dgm:pt modelId="{2EFE4F01-FDFA-4BDF-92DA-34785FAEE0BB}" type="sibTrans" cxnId="{962B7BDC-116C-429C-A77A-0A58CCEEF85E}">
+      <dgm:prSet/>
+      <dgm:spPr/>
+      <dgm:t>
+        <a:bodyPr/>
+        <a:lstStyle/>
+        <a:p>
+          <a:endParaRPr lang="zh-CN" altLang="en-US"/>
+        </a:p>
+      </dgm:t>
+    </dgm:pt>
+    <dgm:pt modelId="{4416C3EC-C9DC-40D6-A410-A69AE722332B}" type="pres">
+      <dgm:prSet presAssocID="{B261CA4F-2112-41D9-AEE8-E64442B3260F}" presName="Name0" presStyleCnt="0">
+        <dgm:presLayoutVars>
+          <dgm:chMax val="2"/>
+          <dgm:chPref val="2"/>
+          <dgm:dir/>
+          <dgm:animOne/>
+          <dgm:resizeHandles val="exact"/>
+        </dgm:presLayoutVars>
+      </dgm:prSet>
+      <dgm:spPr/>
+    </dgm:pt>
+    <dgm:pt modelId="{5E1F5AB4-23EF-4951-88D4-05A943F4A128}" type="pres">
+      <dgm:prSet presAssocID="{B261CA4F-2112-41D9-AEE8-E64442B3260F}" presName="Background" presStyleLbl="bgImgPlace1" presStyleIdx="0" presStyleCnt="1" custLinFactNeighborX="-5964" custLinFactNeighborY="-3672"/>
+      <dgm:spPr/>
+    </dgm:pt>
+    <dgm:pt modelId="{3FD108AB-A550-4430-97EE-49101F43F9E3}" type="pres">
+      <dgm:prSet presAssocID="{B261CA4F-2112-41D9-AEE8-E64442B3260F}" presName="ParentText1" presStyleLbl="revTx" presStyleIdx="0" presStyleCnt="2">
+        <dgm:presLayoutVars>
+          <dgm:chMax val="0"/>
+          <dgm:chPref val="0"/>
+          <dgm:bulletEnabled val="1"/>
+        </dgm:presLayoutVars>
+      </dgm:prSet>
+      <dgm:spPr/>
+    </dgm:pt>
+    <dgm:pt modelId="{12DF5AC7-E803-4DF0-960C-03399879468E}" type="pres">
+      <dgm:prSet presAssocID="{B261CA4F-2112-41D9-AEE8-E64442B3260F}" presName="ParentText2" presStyleLbl="revTx" presStyleIdx="1" presStyleCnt="2" custScaleX="95513">
+        <dgm:presLayoutVars>
+          <dgm:chMax val="0"/>
+          <dgm:chPref val="0"/>
+          <dgm:bulletEnabled val="1"/>
+        </dgm:presLayoutVars>
+      </dgm:prSet>
+      <dgm:spPr/>
+    </dgm:pt>
+    <dgm:pt modelId="{E17771EF-1CA4-4A06-B93F-803BE1B8B510}" type="pres">
+      <dgm:prSet presAssocID="{B261CA4F-2112-41D9-AEE8-E64442B3260F}" presName="Plus" presStyleLbl="alignNode1" presStyleIdx="0" presStyleCnt="2"/>
+      <dgm:spPr/>
+    </dgm:pt>
+    <dgm:pt modelId="{BB409A67-0639-4102-AB69-189F82B32C28}" type="pres">
+      <dgm:prSet presAssocID="{B261CA4F-2112-41D9-AEE8-E64442B3260F}" presName="Minus" presStyleLbl="alignNode1" presStyleIdx="1" presStyleCnt="2"/>
+      <dgm:spPr/>
+    </dgm:pt>
+    <dgm:pt modelId="{A887F9E2-E01E-41E2-9367-58D55C34B0E8}" type="pres">
+      <dgm:prSet presAssocID="{B261CA4F-2112-41D9-AEE8-E64442B3260F}" presName="Divider" presStyleLbl="parChTrans1D1" presStyleIdx="0" presStyleCnt="1"/>
+      <dgm:spPr/>
+    </dgm:pt>
+  </dgm:ptLst>
+  <dgm:cxnLst>
+    <dgm:cxn modelId="{CF880004-697A-4091-BE14-44F1A425E1A9}" type="presOf" srcId="{E5320B8B-EE9B-4CB4-AEDA-B4E92308ED88}" destId="{12DF5AC7-E803-4DF0-960C-03399879468E}" srcOrd="0" destOrd="0" presId="urn:microsoft.com/office/officeart/2009/3/layout/PlusandMinus"/>
+    <dgm:cxn modelId="{C47FDB04-F545-4C68-9EB4-10C20A31B066}" type="presOf" srcId="{68BE27A8-DC28-4E7A-867B-DC5233EBF7AD}" destId="{3FD108AB-A550-4430-97EE-49101F43F9E3}" srcOrd="0" destOrd="0" presId="urn:microsoft.com/office/officeart/2009/3/layout/PlusandMinus"/>
+    <dgm:cxn modelId="{F918C6B8-9288-4BE4-9E32-427C127435BE}" srcId="{B261CA4F-2112-41D9-AEE8-E64442B3260F}" destId="{68BE27A8-DC28-4E7A-867B-DC5233EBF7AD}" srcOrd="0" destOrd="0" parTransId="{EFC493D7-2240-4D0E-A113-DDED3569908D}" sibTransId="{7DF49026-BEAF-46D5-A03D-7A1D6A036B47}"/>
+    <dgm:cxn modelId="{730D5EBF-2214-4A21-A0FB-849BDC80D308}" type="presOf" srcId="{B261CA4F-2112-41D9-AEE8-E64442B3260F}" destId="{4416C3EC-C9DC-40D6-A410-A69AE722332B}" srcOrd="0" destOrd="0" presId="urn:microsoft.com/office/officeart/2009/3/layout/PlusandMinus"/>
+    <dgm:cxn modelId="{962B7BDC-116C-429C-A77A-0A58CCEEF85E}" srcId="{B261CA4F-2112-41D9-AEE8-E64442B3260F}" destId="{E5320B8B-EE9B-4CB4-AEDA-B4E92308ED88}" srcOrd="1" destOrd="0" parTransId="{78B190E6-575B-4C9B-B8D2-642C51D7B948}" sibTransId="{2EFE4F01-FDFA-4BDF-92DA-34785FAEE0BB}"/>
+    <dgm:cxn modelId="{FC8EDD83-3797-420E-A5C9-CE4FDD199290}" type="presParOf" srcId="{4416C3EC-C9DC-40D6-A410-A69AE722332B}" destId="{5E1F5AB4-23EF-4951-88D4-05A943F4A128}" srcOrd="0" destOrd="0" presId="urn:microsoft.com/office/officeart/2009/3/layout/PlusandMinus"/>
+    <dgm:cxn modelId="{156524B7-32A3-4C88-9BE7-E98A15E99EB0}" type="presParOf" srcId="{4416C3EC-C9DC-40D6-A410-A69AE722332B}" destId="{3FD108AB-A550-4430-97EE-49101F43F9E3}" srcOrd="1" destOrd="0" presId="urn:microsoft.com/office/officeart/2009/3/layout/PlusandMinus"/>
+    <dgm:cxn modelId="{ED3C6812-5A33-4631-BB1D-C5A8A59B487B}" type="presParOf" srcId="{4416C3EC-C9DC-40D6-A410-A69AE722332B}" destId="{12DF5AC7-E803-4DF0-960C-03399879468E}" srcOrd="2" destOrd="0" presId="urn:microsoft.com/office/officeart/2009/3/layout/PlusandMinus"/>
+    <dgm:cxn modelId="{D41DB86F-1EF5-425F-8A4B-AF98A22990BA}" type="presParOf" srcId="{4416C3EC-C9DC-40D6-A410-A69AE722332B}" destId="{E17771EF-1CA4-4A06-B93F-803BE1B8B510}" srcOrd="3" destOrd="0" presId="urn:microsoft.com/office/officeart/2009/3/layout/PlusandMinus"/>
+    <dgm:cxn modelId="{5358949B-2C1D-4C0F-8C33-36E1D5682358}" type="presParOf" srcId="{4416C3EC-C9DC-40D6-A410-A69AE722332B}" destId="{BB409A67-0639-4102-AB69-189F82B32C28}" srcOrd="4" destOrd="0" presId="urn:microsoft.com/office/officeart/2009/3/layout/PlusandMinus"/>
+    <dgm:cxn modelId="{FC450A08-CE08-4306-9872-2775B7B94E90}" type="presParOf" srcId="{4416C3EC-C9DC-40D6-A410-A69AE722332B}" destId="{A887F9E2-E01E-41E2-9367-58D55C34B0E8}" srcOrd="5" destOrd="0" presId="urn:microsoft.com/office/officeart/2009/3/layout/PlusandMinus"/>
+  </dgm:cxnLst>
+  <dgm:bg/>
+  <dgm:whole/>
+  <dgm:extLst>
+    <a:ext uri="http://schemas.microsoft.com/office/drawing/2008/diagram">
+      <dsp:dataModelExt xmlns:dsp="http://schemas.microsoft.com/office/drawing/2008/diagram" relId="rId6" minVer="http://schemas.openxmlformats.org/drawingml/2006/diagram"/>
     </a:ext>
   </dgm:extLst>
 </dgm:dataModel>
@@ -1333,6 +2297,405 @@
         <a:off x="4563501" y="381313"/>
         <a:ext cx="1781783" cy="2361459"/>
       </dsp:txXfrm>
+    </dsp:sp>
+  </dsp:spTree>
+</dsp:drawing>
+</file>
+
+<file path=ppt/diagrams/drawing2.xml><?xml version="1.0" encoding="utf-8"?>
+<dsp:drawing xmlns:dgm="http://schemas.openxmlformats.org/drawingml/2006/diagram" xmlns:dsp="http://schemas.microsoft.com/office/drawing/2008/diagram" xmlns:a="http://schemas.openxmlformats.org/drawingml/2006/main">
+  <dsp:spTree>
+    <dsp:nvGrpSpPr>
+      <dsp:cNvPr id="0" name=""/>
+      <dsp:cNvGrpSpPr/>
+    </dsp:nvGrpSpPr>
+    <dsp:grpSpPr/>
+    <dsp:sp modelId="{5E1F5AB4-23EF-4951-88D4-05A943F4A128}">
+      <dsp:nvSpPr>
+        <dsp:cNvPr id="0" name=""/>
+        <dsp:cNvSpPr/>
+      </dsp:nvSpPr>
+      <dsp:spPr>
+        <a:xfrm>
+          <a:off x="1578367" y="622818"/>
+          <a:ext cx="6962324" cy="3598087"/>
+        </a:xfrm>
+        <a:prstGeom prst="rect">
+          <a:avLst/>
+        </a:prstGeom>
+        <a:solidFill>
+          <a:schemeClr val="accent2">
+            <a:tint val="50000"/>
+            <a:hueOff val="0"/>
+            <a:satOff val="0"/>
+            <a:lumOff val="0"/>
+            <a:alphaOff val="0"/>
+          </a:schemeClr>
+        </a:solidFill>
+        <a:ln w="25400" cap="flat" cmpd="sng" algn="ctr">
+          <a:solidFill>
+            <a:schemeClr val="lt1">
+              <a:hueOff val="0"/>
+              <a:satOff val="0"/>
+              <a:lumOff val="0"/>
+              <a:alphaOff val="0"/>
+            </a:schemeClr>
+          </a:solidFill>
+          <a:prstDash val="solid"/>
+        </a:ln>
+        <a:effectLst/>
+      </dsp:spPr>
+      <dsp:style>
+        <a:lnRef idx="2">
+          <a:scrgbClr r="0" g="0" b="0"/>
+        </a:lnRef>
+        <a:fillRef idx="1">
+          <a:scrgbClr r="0" g="0" b="0"/>
+        </a:fillRef>
+        <a:effectRef idx="0">
+          <a:scrgbClr r="0" g="0" b="0"/>
+        </a:effectRef>
+        <a:fontRef idx="minor"/>
+      </dsp:style>
+    </dsp:sp>
+    <dsp:sp modelId="{3FD108AB-A550-4430-97EE-49101F43F9E3}">
+      <dsp:nvSpPr>
+        <dsp:cNvPr id="0" name=""/>
+        <dsp:cNvSpPr/>
+      </dsp:nvSpPr>
+      <dsp:spPr>
+        <a:xfrm>
+          <a:off x="2201669" y="1175740"/>
+          <a:ext cx="3233079" cy="3078119"/>
+        </a:xfrm>
+        <a:prstGeom prst="rect">
+          <a:avLst/>
+        </a:prstGeom>
+        <a:noFill/>
+        <a:ln>
+          <a:noFill/>
+        </a:ln>
+        <a:effectLst/>
+      </dsp:spPr>
+      <dsp:style>
+        <a:lnRef idx="0">
+          <a:scrgbClr r="0" g="0" b="0"/>
+        </a:lnRef>
+        <a:fillRef idx="0">
+          <a:scrgbClr r="0" g="0" b="0"/>
+        </a:fillRef>
+        <a:effectRef idx="0">
+          <a:scrgbClr r="0" g="0" b="0"/>
+        </a:effectRef>
+        <a:fontRef idx="minor"/>
+      </dsp:style>
+      <dsp:txBody>
+        <a:bodyPr spcFirstLastPara="0" vert="horz" wrap="square" lIns="41910" tIns="41910" rIns="41910" bIns="41910" numCol="1" spcCol="1270" anchor="t" anchorCtr="0">
+          <a:noAutofit/>
+        </a:bodyPr>
+        <a:lstStyle/>
+        <a:p>
+          <a:pPr marL="0" lvl="0" indent="0" algn="l" defTabSz="977900">
+            <a:lnSpc>
+              <a:spcPct val="90000"/>
+            </a:lnSpc>
+            <a:spcBef>
+              <a:spcPct val="0"/>
+            </a:spcBef>
+            <a:spcAft>
+              <a:spcPct val="35000"/>
+            </a:spcAft>
+            <a:buNone/>
+          </a:pPr>
+          <a:r>
+            <a:rPr lang="en-US" altLang="zh-CN" sz="2200" kern="1200" dirty="0"/>
+            <a:t>is similar to natural think way, easy to interpret.</a:t>
+          </a:r>
+        </a:p>
+        <a:p>
+          <a:pPr marL="0" lvl="0" indent="0" algn="l" defTabSz="977900">
+            <a:lnSpc>
+              <a:spcPct val="90000"/>
+            </a:lnSpc>
+            <a:spcBef>
+              <a:spcPct val="0"/>
+            </a:spcBef>
+            <a:spcAft>
+              <a:spcPct val="35000"/>
+            </a:spcAft>
+            <a:buNone/>
+          </a:pPr>
+          <a:r>
+            <a:rPr lang="en-US" altLang="zh-CN" sz="2200" kern="1200" dirty="0"/>
+            <a:t>does not include internal model nodes in the explanation, also lay audience can understand.</a:t>
+          </a:r>
+        </a:p>
+        <a:p>
+          <a:pPr marL="0" lvl="0" indent="0" algn="l" defTabSz="977900">
+            <a:lnSpc>
+              <a:spcPct val="90000"/>
+            </a:lnSpc>
+            <a:spcBef>
+              <a:spcPct val="0"/>
+            </a:spcBef>
+            <a:spcAft>
+              <a:spcPct val="35000"/>
+            </a:spcAft>
+            <a:buNone/>
+          </a:pPr>
+          <a:r>
+            <a:rPr lang="en-US" altLang="zh-CN" sz="2200" kern="1200" dirty="0"/>
+            <a:t>offers the explanation but also the suggested action.</a:t>
+          </a:r>
+          <a:endParaRPr lang="zh-CN" altLang="en-US" sz="2200" kern="1200" dirty="0"/>
+        </a:p>
+      </dsp:txBody>
+      <dsp:txXfrm>
+        <a:off x="2201669" y="1175740"/>
+        <a:ext cx="3233079" cy="3078119"/>
+      </dsp:txXfrm>
+    </dsp:sp>
+    <dsp:sp modelId="{12DF5AC7-E803-4DF0-960C-03399879468E}">
+      <dsp:nvSpPr>
+        <dsp:cNvPr id="0" name=""/>
+        <dsp:cNvSpPr/>
+      </dsp:nvSpPr>
+      <dsp:spPr>
+        <a:xfrm>
+          <a:off x="5579307" y="1175740"/>
+          <a:ext cx="3088011" cy="3078119"/>
+        </a:xfrm>
+        <a:prstGeom prst="rect">
+          <a:avLst/>
+        </a:prstGeom>
+        <a:noFill/>
+        <a:ln>
+          <a:noFill/>
+        </a:ln>
+        <a:effectLst/>
+      </dsp:spPr>
+      <dsp:style>
+        <a:lnRef idx="0">
+          <a:scrgbClr r="0" g="0" b="0"/>
+        </a:lnRef>
+        <a:fillRef idx="0">
+          <a:scrgbClr r="0" g="0" b="0"/>
+        </a:fillRef>
+        <a:effectRef idx="0">
+          <a:scrgbClr r="0" g="0" b="0"/>
+        </a:effectRef>
+        <a:fontRef idx="minor"/>
+      </dsp:style>
+      <dsp:txBody>
+        <a:bodyPr spcFirstLastPara="0" vert="horz" wrap="square" lIns="41910" tIns="41910" rIns="41910" bIns="41910" numCol="1" spcCol="1270" anchor="t" anchorCtr="0">
+          <a:noAutofit/>
+        </a:bodyPr>
+        <a:lstStyle/>
+        <a:p>
+          <a:pPr marL="0" lvl="0" indent="0" algn="l" defTabSz="977900">
+            <a:lnSpc>
+              <a:spcPct val="90000"/>
+            </a:lnSpc>
+            <a:spcBef>
+              <a:spcPct val="0"/>
+            </a:spcBef>
+            <a:spcAft>
+              <a:spcPct val="35000"/>
+            </a:spcAft>
+            <a:buNone/>
+          </a:pPr>
+          <a:r>
+            <a:rPr lang="en-US" altLang="zh-CN" sz="2200" kern="1200" dirty="0" err="1"/>
+            <a:t>prones</a:t>
+          </a:r>
+          <a:r>
+            <a:rPr lang="en-US" altLang="zh-CN" sz="2200" kern="1200" dirty="0"/>
+            <a:t> to generate adversarial examples.</a:t>
+          </a:r>
+        </a:p>
+        <a:p>
+          <a:pPr marL="0" lvl="0" indent="0" algn="l" defTabSz="977900">
+            <a:lnSpc>
+              <a:spcPct val="90000"/>
+            </a:lnSpc>
+            <a:spcBef>
+              <a:spcPct val="0"/>
+            </a:spcBef>
+            <a:spcAft>
+              <a:spcPct val="35000"/>
+            </a:spcAft>
+            <a:buNone/>
+          </a:pPr>
+          <a:r>
+            <a:rPr lang="en-US" altLang="zh-CN" sz="2200" kern="1200" dirty="0"/>
+            <a:t>lacks actionability. Causality graphs are not always available in real life.</a:t>
+          </a:r>
+        </a:p>
+        <a:p>
+          <a:pPr marL="0" lvl="0" indent="0" algn="l" defTabSz="977900">
+            <a:lnSpc>
+              <a:spcPct val="90000"/>
+            </a:lnSpc>
+            <a:spcBef>
+              <a:spcPct val="0"/>
+            </a:spcBef>
+            <a:spcAft>
+              <a:spcPct val="35000"/>
+            </a:spcAft>
+            <a:buNone/>
+          </a:pPr>
+          <a:r>
+            <a:rPr lang="en-US" altLang="zh-CN" sz="2200" kern="1200" dirty="0"/>
+            <a:t>  </a:t>
+          </a:r>
+          <a:endParaRPr lang="zh-CN" altLang="en-US" sz="2200" kern="1200" dirty="0"/>
+        </a:p>
+      </dsp:txBody>
+      <dsp:txXfrm>
+        <a:off x="5579307" y="1175740"/>
+        <a:ext cx="3088011" cy="3078119"/>
+      </dsp:txXfrm>
+    </dsp:sp>
+    <dsp:sp modelId="{E17771EF-1CA4-4A06-B93F-803BE1B8B510}">
+      <dsp:nvSpPr>
+        <dsp:cNvPr id="0" name=""/>
+        <dsp:cNvSpPr/>
+      </dsp:nvSpPr>
+      <dsp:spPr>
+        <a:xfrm>
+          <a:off x="1273359" y="34883"/>
+          <a:ext cx="1360454" cy="1360454"/>
+        </a:xfrm>
+        <a:prstGeom prst="plus">
+          <a:avLst>
+            <a:gd name="adj" fmla="val 32810"/>
+          </a:avLst>
+        </a:prstGeom>
+        <a:solidFill>
+          <a:schemeClr val="accent2">
+            <a:hueOff val="0"/>
+            <a:satOff val="0"/>
+            <a:lumOff val="0"/>
+            <a:alphaOff val="0"/>
+          </a:schemeClr>
+        </a:solidFill>
+        <a:ln w="25400" cap="flat" cmpd="sng" algn="ctr">
+          <a:solidFill>
+            <a:schemeClr val="accent2">
+              <a:hueOff val="0"/>
+              <a:satOff val="0"/>
+              <a:lumOff val="0"/>
+              <a:alphaOff val="0"/>
+            </a:schemeClr>
+          </a:solidFill>
+          <a:prstDash val="solid"/>
+        </a:ln>
+        <a:effectLst/>
+      </dsp:spPr>
+      <dsp:style>
+        <a:lnRef idx="2">
+          <a:scrgbClr r="0" g="0" b="0"/>
+        </a:lnRef>
+        <a:fillRef idx="1">
+          <a:scrgbClr r="0" g="0" b="0"/>
+        </a:fillRef>
+        <a:effectRef idx="0">
+          <a:scrgbClr r="0" g="0" b="0"/>
+        </a:effectRef>
+        <a:fontRef idx="minor">
+          <a:schemeClr val="lt1"/>
+        </a:fontRef>
+      </dsp:style>
+    </dsp:sp>
+    <dsp:sp modelId="{BB409A67-0639-4102-AB69-189F82B32C28}">
+      <dsp:nvSpPr>
+        <dsp:cNvPr id="0" name=""/>
+        <dsp:cNvSpPr/>
+      </dsp:nvSpPr>
+      <dsp:spPr>
+        <a:xfrm>
+          <a:off x="7995604" y="524135"/>
+          <a:ext cx="1280427" cy="438791"/>
+        </a:xfrm>
+        <a:prstGeom prst="rect">
+          <a:avLst/>
+        </a:prstGeom>
+        <a:solidFill>
+          <a:schemeClr val="accent2">
+            <a:hueOff val="0"/>
+            <a:satOff val="0"/>
+            <a:lumOff val="0"/>
+            <a:alphaOff val="0"/>
+          </a:schemeClr>
+        </a:solidFill>
+        <a:ln w="25400" cap="flat" cmpd="sng" algn="ctr">
+          <a:solidFill>
+            <a:schemeClr val="accent2">
+              <a:hueOff val="0"/>
+              <a:satOff val="0"/>
+              <a:lumOff val="0"/>
+              <a:alphaOff val="0"/>
+            </a:schemeClr>
+          </a:solidFill>
+          <a:prstDash val="solid"/>
+        </a:ln>
+        <a:effectLst/>
+      </dsp:spPr>
+      <dsp:style>
+        <a:lnRef idx="2">
+          <a:scrgbClr r="0" g="0" b="0"/>
+        </a:lnRef>
+        <a:fillRef idx="1">
+          <a:scrgbClr r="0" g="0" b="0"/>
+        </a:fillRef>
+        <a:effectRef idx="0">
+          <a:scrgbClr r="0" g="0" b="0"/>
+        </a:effectRef>
+        <a:fontRef idx="minor">
+          <a:schemeClr val="lt1"/>
+        </a:fontRef>
+      </dsp:style>
+    </dsp:sp>
+    <dsp:sp modelId="{A887F9E2-E01E-41E2-9367-58D55C34B0E8}">
+      <dsp:nvSpPr>
+        <dsp:cNvPr id="0" name=""/>
+        <dsp:cNvSpPr/>
+      </dsp:nvSpPr>
+      <dsp:spPr>
+        <a:xfrm>
+          <a:off x="5474762" y="1182322"/>
+          <a:ext cx="800" cy="2939900"/>
+        </a:xfrm>
+        <a:prstGeom prst="line">
+          <a:avLst/>
+        </a:prstGeom>
+        <a:noFill/>
+        <a:ln w="25400" cap="flat" cmpd="sng" algn="ctr">
+          <a:solidFill>
+            <a:schemeClr val="accent2">
+              <a:shade val="60000"/>
+              <a:hueOff val="0"/>
+              <a:satOff val="0"/>
+              <a:lumOff val="0"/>
+              <a:alphaOff val="0"/>
+            </a:schemeClr>
+          </a:solidFill>
+          <a:prstDash val="solid"/>
+        </a:ln>
+        <a:effectLst/>
+      </dsp:spPr>
+      <dsp:style>
+        <a:lnRef idx="2">
+          <a:scrgbClr r="0" g="0" b="0"/>
+        </a:lnRef>
+        <a:fillRef idx="0">
+          <a:scrgbClr r="0" g="0" b="0"/>
+        </a:fillRef>
+        <a:effectRef idx="0">
+          <a:scrgbClr r="0" g="0" b="0"/>
+        </a:effectRef>
+        <a:fontRef idx="minor"/>
+      </dsp:style>
     </dsp:sp>
   </dsp:spTree>
 </dsp:drawing>
@@ -2213,6 +3576,226 @@
 </dgm:layoutDef>
 </file>
 
+<file path=ppt/diagrams/layout2.xml><?xml version="1.0" encoding="utf-8"?>
+<dgm:layoutDef xmlns:dgm="http://schemas.openxmlformats.org/drawingml/2006/diagram" xmlns:a="http://schemas.openxmlformats.org/drawingml/2006/main" uniqueId="urn:microsoft.com/office/officeart/2009/3/layout/PlusandMinus">
+  <dgm:title val=""/>
+  <dgm:desc val=""/>
+  <dgm:catLst>
+    <dgm:cat type="relationship" pri="3600"/>
+  </dgm:catLst>
+  <dgm:sampData>
+    <dgm:dataModel>
+      <dgm:ptLst>
+        <dgm:pt modelId="0" type="doc"/>
+        <dgm:pt modelId="10">
+          <dgm:prSet phldr="1"/>
+        </dgm:pt>
+        <dgm:pt modelId="20">
+          <dgm:prSet phldr="1"/>
+        </dgm:pt>
+      </dgm:ptLst>
+      <dgm:cxnLst>
+        <dgm:cxn modelId="30" srcId="0" destId="10" srcOrd="0" destOrd="0"/>
+        <dgm:cxn modelId="40" srcId="0" destId="20" srcOrd="1" destOrd="0"/>
+      </dgm:cxnLst>
+      <dgm:bg/>
+      <dgm:whole/>
+    </dgm:dataModel>
+  </dgm:sampData>
+  <dgm:styleData>
+    <dgm:dataModel>
+      <dgm:ptLst>
+        <dgm:pt modelId="0" type="doc"/>
+        <dgm:pt modelId="10">
+          <dgm:prSet phldr="1"/>
+        </dgm:pt>
+        <dgm:pt modelId="20">
+          <dgm:prSet phldr="1"/>
+        </dgm:pt>
+      </dgm:ptLst>
+      <dgm:cxnLst>
+        <dgm:cxn modelId="30" srcId="0" destId="10" srcOrd="0" destOrd="0"/>
+        <dgm:cxn modelId="40" srcId="0" destId="20" srcOrd="1" destOrd="0"/>
+      </dgm:cxnLst>
+      <dgm:bg/>
+      <dgm:whole/>
+    </dgm:dataModel>
+  </dgm:styleData>
+  <dgm:clrData>
+    <dgm:dataModel>
+      <dgm:ptLst>
+        <dgm:pt modelId="0" type="doc"/>
+        <dgm:pt modelId="10">
+          <dgm:prSet phldr="1"/>
+        </dgm:pt>
+        <dgm:pt modelId="20">
+          <dgm:prSet phldr="1"/>
+        </dgm:pt>
+      </dgm:ptLst>
+      <dgm:cxnLst>
+        <dgm:cxn modelId="30" srcId="0" destId="10" srcOrd="0" destOrd="0"/>
+        <dgm:cxn modelId="40" srcId="0" destId="20" srcOrd="1" destOrd="0"/>
+      </dgm:cxnLst>
+      <dgm:bg/>
+      <dgm:whole/>
+    </dgm:dataModel>
+  </dgm:clrData>
+  <dgm:layoutNode name="Name0">
+    <dgm:varLst>
+      <dgm:chMax val="2"/>
+      <dgm:chPref val="2"/>
+      <dgm:dir/>
+      <dgm:animOne/>
+      <dgm:resizeHandles val="exact"/>
+    </dgm:varLst>
+    <dgm:alg type="composite">
+      <dgm:param type="ar" val="1.8238"/>
+    </dgm:alg>
+    <dgm:shape xmlns:r="http://schemas.openxmlformats.org/officeDocument/2006/relationships" r:blip="">
+      <dgm:adjLst/>
+    </dgm:shape>
+    <dgm:choose name="Name1">
+      <dgm:if name="Name2" func="var" arg="dir" op="equ" val="norm">
+        <dgm:constrLst>
+          <dgm:constr type="primFontSz" for="des" ptType="node" op="equ" val="65"/>
+          <dgm:constr type="l" for="ch" forName="Background" refType="w" fact="0.09"/>
+          <dgm:constr type="t" for="ch" forName="Background" refType="h" fact="0.1641"/>
+          <dgm:constr type="w" for="ch" forName="Background" refType="w" fact="0.87"/>
+          <dgm:constr type="h" for="ch" forName="Background" refType="h" fact="0.82"/>
+          <dgm:constr type="l" for="ch" forName="ParentText1" refType="w" fact="0.116"/>
+          <dgm:constr type="t" for="ch" forName="ParentText1" refType="h" fact="0.26"/>
+          <dgm:constr type="w" for="ch" forName="ParentText1" refType="w" fact="0.404"/>
+          <dgm:constr type="h" for="ch" forName="ParentText1" refType="h" fact="0.7015"/>
+          <dgm:constr type="l" for="ch" forName="ParentText2" refType="w" fact="0.529"/>
+          <dgm:constr type="t" for="ch" forName="ParentText2" refType="h" fact="0.26"/>
+          <dgm:constr type="w" for="ch" forName="ParentText2" refType="w" fact="0.404"/>
+          <dgm:constr type="h" for="ch" forName="ParentText2" refType="h" fact="0.7015"/>
+          <dgm:constr type="l" for="ch" forName="Plus" refType="w" fact="0"/>
+          <dgm:constr type="t" for="ch" forName="Plus" refType="h" fact="0"/>
+          <dgm:constr type="w" for="ch" forName="Plus" refType="w" fact="0.17"/>
+          <dgm:constr type="h" for="ch" forName="Plus" refType="w" refFor="ch" refForName="Plus"/>
+          <dgm:constr type="l" for="ch" forName="Minus" refType="w" fact="0.84"/>
+          <dgm:constr type="t" for="ch" forName="Minus" refType="h" fact="0.1115"/>
+          <dgm:constr type="w" for="ch" forName="Minus" refType="w" fact="0.16"/>
+          <dgm:constr type="h" for="ch" forName="Minus" refType="h" fact="0.1"/>
+          <dgm:constr type="l" for="ch" forName="Divider" refType="w" fact="0.525"/>
+          <dgm:constr type="t" for="ch" forName="Divider" refType="h" fact="0.2615"/>
+          <dgm:constr type="w" for="ch" forName="Divider" refType="w" fact="0.0001"/>
+          <dgm:constr type="h" for="ch" forName="Divider" refType="h" fact="0.67"/>
+        </dgm:constrLst>
+      </dgm:if>
+      <dgm:else name="Name3">
+        <dgm:constrLst>
+          <dgm:constr type="primFontSz" for="des" ptType="node" op="equ" val="65"/>
+          <dgm:constr type="r" for="ch" forName="Background" refType="w" fact="-0.09"/>
+          <dgm:constr type="t" for="ch" forName="Background" refType="h" fact="0.1641"/>
+          <dgm:constr type="w" for="ch" forName="Background" refType="w" fact="0.87"/>
+          <dgm:constr type="h" for="ch" forName="Background" refType="h" fact="0.82"/>
+          <dgm:constr type="r" for="ch" forName="ParentText1" refType="w" fact="-0.116"/>
+          <dgm:constr type="t" for="ch" forName="ParentText1" refType="h" fact="0.26"/>
+          <dgm:constr type="w" for="ch" forName="ParentText1" refType="w" fact="0.404"/>
+          <dgm:constr type="h" for="ch" forName="ParentText1" refType="h" fact="0.7015"/>
+          <dgm:constr type="r" for="ch" forName="ParentText2" refType="w" fact="-0.529"/>
+          <dgm:constr type="t" for="ch" forName="ParentText2" refType="h" fact="0.26"/>
+          <dgm:constr type="w" for="ch" forName="ParentText2" refType="w" fact="0.404"/>
+          <dgm:constr type="h" for="ch" forName="ParentText2" refType="h" fact="0.7015"/>
+          <dgm:constr type="r" for="ch" forName="Plus" refType="w" fact="0"/>
+          <dgm:constr type="t" for="ch" forName="Plus" refType="h" fact="0"/>
+          <dgm:constr type="w" for="ch" forName="Plus" refType="w" fact="0.17"/>
+          <dgm:constr type="h" for="ch" forName="Plus" refType="w" refFor="ch" refForName="Plus"/>
+          <dgm:constr type="r" for="ch" forName="Minus" refType="w" fact="-0.84"/>
+          <dgm:constr type="t" for="ch" forName="Minus" refType="h" fact="0.1115"/>
+          <dgm:constr type="w" for="ch" forName="Minus" refType="w" fact="0.16"/>
+          <dgm:constr type="h" for="ch" forName="Minus" refType="h" fact="0.1"/>
+          <dgm:constr type="r" for="ch" forName="Divider" refType="w" fact="-0.525"/>
+          <dgm:constr type="t" for="ch" forName="Divider" refType="h" fact="0.2615"/>
+          <dgm:constr type="w" for="ch" forName="Divider" refType="w" fact="0.0001"/>
+          <dgm:constr type="h" for="ch" forName="Divider" refType="h" fact="0.67"/>
+        </dgm:constrLst>
+      </dgm:else>
+    </dgm:choose>
+    <dgm:layoutNode name="Background" styleLbl="bgImgPlace1">
+      <dgm:alg type="sp"/>
+      <dgm:shape xmlns:r="http://schemas.openxmlformats.org/officeDocument/2006/relationships" type="rect" r:blip="">
+        <dgm:adjLst/>
+      </dgm:shape>
+      <dgm:presOf/>
+    </dgm:layoutNode>
+    <dgm:layoutNode name="ParentText1" styleLbl="revTx">
+      <dgm:varLst>
+        <dgm:chMax val="0"/>
+        <dgm:chPref val="0"/>
+        <dgm:bulletEnabled val="1"/>
+      </dgm:varLst>
+      <dgm:alg type="tx">
+        <dgm:param type="parTxLTRAlign" val="l"/>
+        <dgm:param type="txAnchorVert" val="t"/>
+      </dgm:alg>
+      <dgm:shape xmlns:r="http://schemas.openxmlformats.org/officeDocument/2006/relationships" type="rect" r:blip="">
+        <dgm:adjLst/>
+      </dgm:shape>
+      <dgm:presOf axis="ch desOrSelf" ptType="node node" st="1 1" cnt="1 0"/>
+      <dgm:constrLst>
+        <dgm:constr type="lMarg" refType="primFontSz" fact="0.15"/>
+        <dgm:constr type="rMarg" refType="primFontSz" fact="0.15"/>
+        <dgm:constr type="tMarg" refType="primFontSz" fact="0.15"/>
+        <dgm:constr type="bMarg" refType="primFontSz" fact="0.15"/>
+      </dgm:constrLst>
+      <dgm:ruleLst>
+        <dgm:rule type="primFontSz" val="5" fact="NaN" max="NaN"/>
+      </dgm:ruleLst>
+    </dgm:layoutNode>
+    <dgm:layoutNode name="ParentText2" styleLbl="revTx">
+      <dgm:varLst>
+        <dgm:chMax val="0"/>
+        <dgm:chPref val="0"/>
+        <dgm:bulletEnabled val="1"/>
+      </dgm:varLst>
+      <dgm:alg type="tx">
+        <dgm:param type="parTxLTRAlign" val="l"/>
+        <dgm:param type="txAnchorVert" val="t"/>
+      </dgm:alg>
+      <dgm:shape xmlns:r="http://schemas.openxmlformats.org/officeDocument/2006/relationships" type="rect" r:blip="">
+        <dgm:adjLst/>
+      </dgm:shape>
+      <dgm:presOf axis="ch desOrSelf" ptType="node node" st="2 1" cnt="1 0"/>
+      <dgm:constrLst>
+        <dgm:constr type="lMarg" refType="primFontSz" fact="0.15"/>
+        <dgm:constr type="rMarg" refType="primFontSz" fact="0.15"/>
+        <dgm:constr type="tMarg" refType="primFontSz" fact="0.15"/>
+        <dgm:constr type="bMarg" refType="primFontSz" fact="0.15"/>
+      </dgm:constrLst>
+      <dgm:ruleLst>
+        <dgm:rule type="primFontSz" val="5" fact="NaN" max="NaN"/>
+      </dgm:ruleLst>
+    </dgm:layoutNode>
+    <dgm:layoutNode name="Plus" styleLbl="alignNode1">
+      <dgm:alg type="sp"/>
+      <dgm:shape xmlns:r="http://schemas.openxmlformats.org/officeDocument/2006/relationships" type="plus" r:blip="">
+        <dgm:adjLst>
+          <dgm:adj idx="1" val="0.3281"/>
+        </dgm:adjLst>
+      </dgm:shape>
+      <dgm:presOf/>
+    </dgm:layoutNode>
+    <dgm:layoutNode name="Minus" styleLbl="alignNode1">
+      <dgm:alg type="sp"/>
+      <dgm:shape xmlns:r="http://schemas.openxmlformats.org/officeDocument/2006/relationships" type="rect" r:blip="">
+        <dgm:adjLst/>
+      </dgm:shape>
+      <dgm:presOf/>
+    </dgm:layoutNode>
+    <dgm:layoutNode name="Divider" styleLbl="parChTrans1D1">
+      <dgm:alg type="sp"/>
+      <dgm:shape xmlns:r="http://schemas.openxmlformats.org/officeDocument/2006/relationships" type="line" r:blip="">
+        <dgm:adjLst/>
+      </dgm:shape>
+      <dgm:presOf/>
+    </dgm:layoutNode>
+  </dgm:layoutNode>
+</dgm:layoutDef>
+</file>
+
 <file path=ppt/diagrams/quickStyle1.xml><?xml version="1.0" encoding="utf-8"?>
 <dgm:styleDef xmlns:dgm="http://schemas.openxmlformats.org/drawingml/2006/diagram" xmlns:a="http://schemas.openxmlformats.org/drawingml/2006/main" uniqueId="urn:microsoft.com/office/officeart/2005/8/quickstyle/simple3">
   <dgm:title val=""/>
@@ -3245,6 +4828,1040 @@
         <a:scrgbClr r="0" g="0" b="0"/>
       </a:fillRef>
       <a:effectRef idx="1">
+        <a:scrgbClr r="0" g="0" b="0"/>
+      </a:effectRef>
+      <a:fontRef idx="minor"/>
+    </dgm:style>
+  </dgm:styleLbl>
+  <dgm:styleLbl name="revTx">
+    <dgm:scene3d>
+      <a:camera prst="orthographicFront"/>
+      <a:lightRig rig="threePt" dir="t"/>
+    </dgm:scene3d>
+    <dgm:sp3d/>
+    <dgm:txPr/>
+    <dgm:style>
+      <a:lnRef idx="0">
+        <a:scrgbClr r="0" g="0" b="0"/>
+      </a:lnRef>
+      <a:fillRef idx="0">
+        <a:scrgbClr r="0" g="0" b="0"/>
+      </a:fillRef>
+      <a:effectRef idx="0">
+        <a:scrgbClr r="0" g="0" b="0"/>
+      </a:effectRef>
+      <a:fontRef idx="minor"/>
+    </dgm:style>
+  </dgm:styleLbl>
+</dgm:styleDef>
+</file>
+
+<file path=ppt/diagrams/quickStyle2.xml><?xml version="1.0" encoding="utf-8"?>
+<dgm:styleDef xmlns:dgm="http://schemas.openxmlformats.org/drawingml/2006/diagram" xmlns:a="http://schemas.openxmlformats.org/drawingml/2006/main" uniqueId="urn:microsoft.com/office/officeart/2005/8/quickstyle/simple1">
+  <dgm:title val=""/>
+  <dgm:desc val=""/>
+  <dgm:catLst>
+    <dgm:cat type="simple" pri="10100"/>
+  </dgm:catLst>
+  <dgm:scene3d>
+    <a:camera prst="orthographicFront"/>
+    <a:lightRig rig="threePt" dir="t"/>
+  </dgm:scene3d>
+  <dgm:styleLbl name="node0">
+    <dgm:scene3d>
+      <a:camera prst="orthographicFront"/>
+      <a:lightRig rig="threePt" dir="t"/>
+    </dgm:scene3d>
+    <dgm:sp3d/>
+    <dgm:txPr/>
+    <dgm:style>
+      <a:lnRef idx="2">
+        <a:scrgbClr r="0" g="0" b="0"/>
+      </a:lnRef>
+      <a:fillRef idx="1">
+        <a:scrgbClr r="0" g="0" b="0"/>
+      </a:fillRef>
+      <a:effectRef idx="0">
+        <a:scrgbClr r="0" g="0" b="0"/>
+      </a:effectRef>
+      <a:fontRef idx="minor">
+        <a:schemeClr val="lt1"/>
+      </a:fontRef>
+    </dgm:style>
+  </dgm:styleLbl>
+  <dgm:styleLbl name="lnNode1">
+    <dgm:scene3d>
+      <a:camera prst="orthographicFront"/>
+      <a:lightRig rig="threePt" dir="t"/>
+    </dgm:scene3d>
+    <dgm:sp3d/>
+    <dgm:txPr/>
+    <dgm:style>
+      <a:lnRef idx="2">
+        <a:scrgbClr r="0" g="0" b="0"/>
+      </a:lnRef>
+      <a:fillRef idx="1">
+        <a:scrgbClr r="0" g="0" b="0"/>
+      </a:fillRef>
+      <a:effectRef idx="0">
+        <a:scrgbClr r="0" g="0" b="0"/>
+      </a:effectRef>
+      <a:fontRef idx="minor">
+        <a:schemeClr val="lt1"/>
+      </a:fontRef>
+    </dgm:style>
+  </dgm:styleLbl>
+  <dgm:styleLbl name="vennNode1">
+    <dgm:scene3d>
+      <a:camera prst="orthographicFront"/>
+      <a:lightRig rig="threePt" dir="t"/>
+    </dgm:scene3d>
+    <dgm:sp3d/>
+    <dgm:txPr/>
+    <dgm:style>
+      <a:lnRef idx="2">
+        <a:scrgbClr r="0" g="0" b="0"/>
+      </a:lnRef>
+      <a:fillRef idx="1">
+        <a:scrgbClr r="0" g="0" b="0"/>
+      </a:fillRef>
+      <a:effectRef idx="0">
+        <a:scrgbClr r="0" g="0" b="0"/>
+      </a:effectRef>
+      <a:fontRef idx="minor">
+        <a:schemeClr val="tx1"/>
+      </a:fontRef>
+    </dgm:style>
+  </dgm:styleLbl>
+  <dgm:styleLbl name="alignNode1">
+    <dgm:scene3d>
+      <a:camera prst="orthographicFront"/>
+      <a:lightRig rig="threePt" dir="t"/>
+    </dgm:scene3d>
+    <dgm:sp3d/>
+    <dgm:txPr/>
+    <dgm:style>
+      <a:lnRef idx="2">
+        <a:scrgbClr r="0" g="0" b="0"/>
+      </a:lnRef>
+      <a:fillRef idx="1">
+        <a:scrgbClr r="0" g="0" b="0"/>
+      </a:fillRef>
+      <a:effectRef idx="0">
+        <a:scrgbClr r="0" g="0" b="0"/>
+      </a:effectRef>
+      <a:fontRef idx="minor">
+        <a:schemeClr val="lt1"/>
+      </a:fontRef>
+    </dgm:style>
+  </dgm:styleLbl>
+  <dgm:styleLbl name="node1">
+    <dgm:scene3d>
+      <a:camera prst="orthographicFront"/>
+      <a:lightRig rig="threePt" dir="t"/>
+    </dgm:scene3d>
+    <dgm:sp3d/>
+    <dgm:txPr/>
+    <dgm:style>
+      <a:lnRef idx="2">
+        <a:scrgbClr r="0" g="0" b="0"/>
+      </a:lnRef>
+      <a:fillRef idx="1">
+        <a:scrgbClr r="0" g="0" b="0"/>
+      </a:fillRef>
+      <a:effectRef idx="0">
+        <a:scrgbClr r="0" g="0" b="0"/>
+      </a:effectRef>
+      <a:fontRef idx="minor">
+        <a:schemeClr val="lt1"/>
+      </a:fontRef>
+    </dgm:style>
+  </dgm:styleLbl>
+  <dgm:styleLbl name="node2">
+    <dgm:scene3d>
+      <a:camera prst="orthographicFront"/>
+      <a:lightRig rig="threePt" dir="t"/>
+    </dgm:scene3d>
+    <dgm:sp3d/>
+    <dgm:txPr/>
+    <dgm:style>
+      <a:lnRef idx="2">
+        <a:scrgbClr r="0" g="0" b="0"/>
+      </a:lnRef>
+      <a:fillRef idx="1">
+        <a:scrgbClr r="0" g="0" b="0"/>
+      </a:fillRef>
+      <a:effectRef idx="0">
+        <a:scrgbClr r="0" g="0" b="0"/>
+      </a:effectRef>
+      <a:fontRef idx="minor">
+        <a:schemeClr val="lt1"/>
+      </a:fontRef>
+    </dgm:style>
+  </dgm:styleLbl>
+  <dgm:styleLbl name="node3">
+    <dgm:scene3d>
+      <a:camera prst="orthographicFront"/>
+      <a:lightRig rig="threePt" dir="t"/>
+    </dgm:scene3d>
+    <dgm:sp3d/>
+    <dgm:txPr/>
+    <dgm:style>
+      <a:lnRef idx="2">
+        <a:scrgbClr r="0" g="0" b="0"/>
+      </a:lnRef>
+      <a:fillRef idx="1">
+        <a:scrgbClr r="0" g="0" b="0"/>
+      </a:fillRef>
+      <a:effectRef idx="0">
+        <a:scrgbClr r="0" g="0" b="0"/>
+      </a:effectRef>
+      <a:fontRef idx="minor">
+        <a:schemeClr val="lt1"/>
+      </a:fontRef>
+    </dgm:style>
+  </dgm:styleLbl>
+  <dgm:styleLbl name="node4">
+    <dgm:scene3d>
+      <a:camera prst="orthographicFront"/>
+      <a:lightRig rig="threePt" dir="t"/>
+    </dgm:scene3d>
+    <dgm:sp3d/>
+    <dgm:txPr/>
+    <dgm:style>
+      <a:lnRef idx="2">
+        <a:scrgbClr r="0" g="0" b="0"/>
+      </a:lnRef>
+      <a:fillRef idx="1">
+        <a:scrgbClr r="0" g="0" b="0"/>
+      </a:fillRef>
+      <a:effectRef idx="0">
+        <a:scrgbClr r="0" g="0" b="0"/>
+      </a:effectRef>
+      <a:fontRef idx="minor">
+        <a:schemeClr val="lt1"/>
+      </a:fontRef>
+    </dgm:style>
+  </dgm:styleLbl>
+  <dgm:styleLbl name="fgImgPlace1">
+    <dgm:scene3d>
+      <a:camera prst="orthographicFront"/>
+      <a:lightRig rig="threePt" dir="t"/>
+    </dgm:scene3d>
+    <dgm:sp3d/>
+    <dgm:txPr/>
+    <dgm:style>
+      <a:lnRef idx="2">
+        <a:scrgbClr r="0" g="0" b="0"/>
+      </a:lnRef>
+      <a:fillRef idx="1">
+        <a:scrgbClr r="0" g="0" b="0"/>
+      </a:fillRef>
+      <a:effectRef idx="0">
+        <a:scrgbClr r="0" g="0" b="0"/>
+      </a:effectRef>
+      <a:fontRef idx="minor"/>
+    </dgm:style>
+  </dgm:styleLbl>
+  <dgm:styleLbl name="alignImgPlace1">
+    <dgm:scene3d>
+      <a:camera prst="orthographicFront"/>
+      <a:lightRig rig="threePt" dir="t"/>
+    </dgm:scene3d>
+    <dgm:sp3d/>
+    <dgm:txPr/>
+    <dgm:style>
+      <a:lnRef idx="2">
+        <a:scrgbClr r="0" g="0" b="0"/>
+      </a:lnRef>
+      <a:fillRef idx="1">
+        <a:scrgbClr r="0" g="0" b="0"/>
+      </a:fillRef>
+      <a:effectRef idx="0">
+        <a:scrgbClr r="0" g="0" b="0"/>
+      </a:effectRef>
+      <a:fontRef idx="minor"/>
+    </dgm:style>
+  </dgm:styleLbl>
+  <dgm:styleLbl name="bgImgPlace1">
+    <dgm:scene3d>
+      <a:camera prst="orthographicFront"/>
+      <a:lightRig rig="threePt" dir="t"/>
+    </dgm:scene3d>
+    <dgm:sp3d/>
+    <dgm:txPr/>
+    <dgm:style>
+      <a:lnRef idx="2">
+        <a:scrgbClr r="0" g="0" b="0"/>
+      </a:lnRef>
+      <a:fillRef idx="1">
+        <a:scrgbClr r="0" g="0" b="0"/>
+      </a:fillRef>
+      <a:effectRef idx="0">
+        <a:scrgbClr r="0" g="0" b="0"/>
+      </a:effectRef>
+      <a:fontRef idx="minor"/>
+    </dgm:style>
+  </dgm:styleLbl>
+  <dgm:styleLbl name="sibTrans2D1">
+    <dgm:scene3d>
+      <a:camera prst="orthographicFront"/>
+      <a:lightRig rig="threePt" dir="t"/>
+    </dgm:scene3d>
+    <dgm:sp3d/>
+    <dgm:txPr/>
+    <dgm:style>
+      <a:lnRef idx="0">
+        <a:scrgbClr r="0" g="0" b="0"/>
+      </a:lnRef>
+      <a:fillRef idx="1">
+        <a:scrgbClr r="0" g="0" b="0"/>
+      </a:fillRef>
+      <a:effectRef idx="0">
+        <a:scrgbClr r="0" g="0" b="0"/>
+      </a:effectRef>
+      <a:fontRef idx="minor">
+        <a:schemeClr val="lt1"/>
+      </a:fontRef>
+    </dgm:style>
+  </dgm:styleLbl>
+  <dgm:styleLbl name="fgSibTrans2D1">
+    <dgm:scene3d>
+      <a:camera prst="orthographicFront"/>
+      <a:lightRig rig="threePt" dir="t"/>
+    </dgm:scene3d>
+    <dgm:sp3d/>
+    <dgm:txPr/>
+    <dgm:style>
+      <a:lnRef idx="0">
+        <a:scrgbClr r="0" g="0" b="0"/>
+      </a:lnRef>
+      <a:fillRef idx="1">
+        <a:scrgbClr r="0" g="0" b="0"/>
+      </a:fillRef>
+      <a:effectRef idx="0">
+        <a:scrgbClr r="0" g="0" b="0"/>
+      </a:effectRef>
+      <a:fontRef idx="minor">
+        <a:schemeClr val="lt1"/>
+      </a:fontRef>
+    </dgm:style>
+  </dgm:styleLbl>
+  <dgm:styleLbl name="bgSibTrans2D1">
+    <dgm:scene3d>
+      <a:camera prst="orthographicFront"/>
+      <a:lightRig rig="threePt" dir="t"/>
+    </dgm:scene3d>
+    <dgm:sp3d/>
+    <dgm:txPr/>
+    <dgm:style>
+      <a:lnRef idx="0">
+        <a:scrgbClr r="0" g="0" b="0"/>
+      </a:lnRef>
+      <a:fillRef idx="1">
+        <a:scrgbClr r="0" g="0" b="0"/>
+      </a:fillRef>
+      <a:effectRef idx="0">
+        <a:scrgbClr r="0" g="0" b="0"/>
+      </a:effectRef>
+      <a:fontRef idx="minor">
+        <a:schemeClr val="lt1"/>
+      </a:fontRef>
+    </dgm:style>
+  </dgm:styleLbl>
+  <dgm:styleLbl name="sibTrans1D1">
+    <dgm:scene3d>
+      <a:camera prst="orthographicFront"/>
+      <a:lightRig rig="threePt" dir="t"/>
+    </dgm:scene3d>
+    <dgm:sp3d/>
+    <dgm:txPr/>
+    <dgm:style>
+      <a:lnRef idx="1">
+        <a:scrgbClr r="0" g="0" b="0"/>
+      </a:lnRef>
+      <a:fillRef idx="0">
+        <a:scrgbClr r="0" g="0" b="0"/>
+      </a:fillRef>
+      <a:effectRef idx="0">
+        <a:scrgbClr r="0" g="0" b="0"/>
+      </a:effectRef>
+      <a:fontRef idx="minor"/>
+    </dgm:style>
+  </dgm:styleLbl>
+  <dgm:styleLbl name="callout">
+    <dgm:scene3d>
+      <a:camera prst="orthographicFront"/>
+      <a:lightRig rig="threePt" dir="t"/>
+    </dgm:scene3d>
+    <dgm:sp3d/>
+    <dgm:txPr/>
+    <dgm:style>
+      <a:lnRef idx="2">
+        <a:scrgbClr r="0" g="0" b="0"/>
+      </a:lnRef>
+      <a:fillRef idx="1">
+        <a:scrgbClr r="0" g="0" b="0"/>
+      </a:fillRef>
+      <a:effectRef idx="0">
+        <a:scrgbClr r="0" g="0" b="0"/>
+      </a:effectRef>
+      <a:fontRef idx="minor"/>
+    </dgm:style>
+  </dgm:styleLbl>
+  <dgm:styleLbl name="asst0">
+    <dgm:scene3d>
+      <a:camera prst="orthographicFront"/>
+      <a:lightRig rig="threePt" dir="t"/>
+    </dgm:scene3d>
+    <dgm:sp3d/>
+    <dgm:txPr/>
+    <dgm:style>
+      <a:lnRef idx="2">
+        <a:scrgbClr r="0" g="0" b="0"/>
+      </a:lnRef>
+      <a:fillRef idx="1">
+        <a:scrgbClr r="0" g="0" b="0"/>
+      </a:fillRef>
+      <a:effectRef idx="0">
+        <a:scrgbClr r="0" g="0" b="0"/>
+      </a:effectRef>
+      <a:fontRef idx="minor">
+        <a:schemeClr val="lt1"/>
+      </a:fontRef>
+    </dgm:style>
+  </dgm:styleLbl>
+  <dgm:styleLbl name="asst1">
+    <dgm:scene3d>
+      <a:camera prst="orthographicFront"/>
+      <a:lightRig rig="threePt" dir="t"/>
+    </dgm:scene3d>
+    <dgm:sp3d/>
+    <dgm:txPr/>
+    <dgm:style>
+      <a:lnRef idx="2">
+        <a:scrgbClr r="0" g="0" b="0"/>
+      </a:lnRef>
+      <a:fillRef idx="1">
+        <a:scrgbClr r="0" g="0" b="0"/>
+      </a:fillRef>
+      <a:effectRef idx="0">
+        <a:scrgbClr r="0" g="0" b="0"/>
+      </a:effectRef>
+      <a:fontRef idx="minor">
+        <a:schemeClr val="lt1"/>
+      </a:fontRef>
+    </dgm:style>
+  </dgm:styleLbl>
+  <dgm:styleLbl name="asst2">
+    <dgm:scene3d>
+      <a:camera prst="orthographicFront"/>
+      <a:lightRig rig="threePt" dir="t"/>
+    </dgm:scene3d>
+    <dgm:sp3d/>
+    <dgm:txPr/>
+    <dgm:style>
+      <a:lnRef idx="2">
+        <a:scrgbClr r="0" g="0" b="0"/>
+      </a:lnRef>
+      <a:fillRef idx="1">
+        <a:scrgbClr r="0" g="0" b="0"/>
+      </a:fillRef>
+      <a:effectRef idx="0">
+        <a:scrgbClr r="0" g="0" b="0"/>
+      </a:effectRef>
+      <a:fontRef idx="minor">
+        <a:schemeClr val="lt1"/>
+      </a:fontRef>
+    </dgm:style>
+  </dgm:styleLbl>
+  <dgm:styleLbl name="asst3">
+    <dgm:scene3d>
+      <a:camera prst="orthographicFront"/>
+      <a:lightRig rig="threePt" dir="t"/>
+    </dgm:scene3d>
+    <dgm:sp3d/>
+    <dgm:txPr/>
+    <dgm:style>
+      <a:lnRef idx="2">
+        <a:scrgbClr r="0" g="0" b="0"/>
+      </a:lnRef>
+      <a:fillRef idx="1">
+        <a:scrgbClr r="0" g="0" b="0"/>
+      </a:fillRef>
+      <a:effectRef idx="0">
+        <a:scrgbClr r="0" g="0" b="0"/>
+      </a:effectRef>
+      <a:fontRef idx="minor">
+        <a:schemeClr val="lt1"/>
+      </a:fontRef>
+    </dgm:style>
+  </dgm:styleLbl>
+  <dgm:styleLbl name="asst4">
+    <dgm:scene3d>
+      <a:camera prst="orthographicFront"/>
+      <a:lightRig rig="threePt" dir="t"/>
+    </dgm:scene3d>
+    <dgm:sp3d/>
+    <dgm:txPr/>
+    <dgm:style>
+      <a:lnRef idx="2">
+        <a:scrgbClr r="0" g="0" b="0"/>
+      </a:lnRef>
+      <a:fillRef idx="1">
+        <a:scrgbClr r="0" g="0" b="0"/>
+      </a:fillRef>
+      <a:effectRef idx="0">
+        <a:scrgbClr r="0" g="0" b="0"/>
+      </a:effectRef>
+      <a:fontRef idx="minor">
+        <a:schemeClr val="lt1"/>
+      </a:fontRef>
+    </dgm:style>
+  </dgm:styleLbl>
+  <dgm:styleLbl name="parChTrans2D1">
+    <dgm:scene3d>
+      <a:camera prst="orthographicFront"/>
+      <a:lightRig rig="threePt" dir="t"/>
+    </dgm:scene3d>
+    <dgm:sp3d/>
+    <dgm:txPr/>
+    <dgm:style>
+      <a:lnRef idx="2">
+        <a:scrgbClr r="0" g="0" b="0"/>
+      </a:lnRef>
+      <a:fillRef idx="1">
+        <a:scrgbClr r="0" g="0" b="0"/>
+      </a:fillRef>
+      <a:effectRef idx="0">
+        <a:scrgbClr r="0" g="0" b="0"/>
+      </a:effectRef>
+      <a:fontRef idx="minor">
+        <a:schemeClr val="lt1"/>
+      </a:fontRef>
+    </dgm:style>
+  </dgm:styleLbl>
+  <dgm:styleLbl name="parChTrans2D2">
+    <dgm:scene3d>
+      <a:camera prst="orthographicFront"/>
+      <a:lightRig rig="threePt" dir="t"/>
+    </dgm:scene3d>
+    <dgm:sp3d/>
+    <dgm:txPr/>
+    <dgm:style>
+      <a:lnRef idx="2">
+        <a:scrgbClr r="0" g="0" b="0"/>
+      </a:lnRef>
+      <a:fillRef idx="1">
+        <a:scrgbClr r="0" g="0" b="0"/>
+      </a:fillRef>
+      <a:effectRef idx="0">
+        <a:scrgbClr r="0" g="0" b="0"/>
+      </a:effectRef>
+      <a:fontRef idx="minor">
+        <a:schemeClr val="lt1"/>
+      </a:fontRef>
+    </dgm:style>
+  </dgm:styleLbl>
+  <dgm:styleLbl name="parChTrans2D3">
+    <dgm:scene3d>
+      <a:camera prst="orthographicFront"/>
+      <a:lightRig rig="threePt" dir="t"/>
+    </dgm:scene3d>
+    <dgm:sp3d/>
+    <dgm:txPr/>
+    <dgm:style>
+      <a:lnRef idx="2">
+        <a:scrgbClr r="0" g="0" b="0"/>
+      </a:lnRef>
+      <a:fillRef idx="1">
+        <a:scrgbClr r="0" g="0" b="0"/>
+      </a:fillRef>
+      <a:effectRef idx="0">
+        <a:scrgbClr r="0" g="0" b="0"/>
+      </a:effectRef>
+      <a:fontRef idx="minor">
+        <a:schemeClr val="lt1"/>
+      </a:fontRef>
+    </dgm:style>
+  </dgm:styleLbl>
+  <dgm:styleLbl name="parChTrans2D4">
+    <dgm:scene3d>
+      <a:camera prst="orthographicFront"/>
+      <a:lightRig rig="threePt" dir="t"/>
+    </dgm:scene3d>
+    <dgm:sp3d/>
+    <dgm:txPr/>
+    <dgm:style>
+      <a:lnRef idx="2">
+        <a:scrgbClr r="0" g="0" b="0"/>
+      </a:lnRef>
+      <a:fillRef idx="1">
+        <a:scrgbClr r="0" g="0" b="0"/>
+      </a:fillRef>
+      <a:effectRef idx="0">
+        <a:scrgbClr r="0" g="0" b="0"/>
+      </a:effectRef>
+      <a:fontRef idx="minor">
+        <a:schemeClr val="lt1"/>
+      </a:fontRef>
+    </dgm:style>
+  </dgm:styleLbl>
+  <dgm:styleLbl name="parChTrans1D1">
+    <dgm:scene3d>
+      <a:camera prst="orthographicFront"/>
+      <a:lightRig rig="threePt" dir="t"/>
+    </dgm:scene3d>
+    <dgm:sp3d/>
+    <dgm:txPr/>
+    <dgm:style>
+      <a:lnRef idx="2">
+        <a:scrgbClr r="0" g="0" b="0"/>
+      </a:lnRef>
+      <a:fillRef idx="0">
+        <a:scrgbClr r="0" g="0" b="0"/>
+      </a:fillRef>
+      <a:effectRef idx="0">
+        <a:scrgbClr r="0" g="0" b="0"/>
+      </a:effectRef>
+      <a:fontRef idx="minor"/>
+    </dgm:style>
+  </dgm:styleLbl>
+  <dgm:styleLbl name="parChTrans1D2">
+    <dgm:scene3d>
+      <a:camera prst="orthographicFront"/>
+      <a:lightRig rig="threePt" dir="t"/>
+    </dgm:scene3d>
+    <dgm:sp3d/>
+    <dgm:txPr/>
+    <dgm:style>
+      <a:lnRef idx="2">
+        <a:scrgbClr r="0" g="0" b="0"/>
+      </a:lnRef>
+      <a:fillRef idx="0">
+        <a:scrgbClr r="0" g="0" b="0"/>
+      </a:fillRef>
+      <a:effectRef idx="0">
+        <a:scrgbClr r="0" g="0" b="0"/>
+      </a:effectRef>
+      <a:fontRef idx="minor"/>
+    </dgm:style>
+  </dgm:styleLbl>
+  <dgm:styleLbl name="parChTrans1D3">
+    <dgm:scene3d>
+      <a:camera prst="orthographicFront"/>
+      <a:lightRig rig="threePt" dir="t"/>
+    </dgm:scene3d>
+    <dgm:sp3d/>
+    <dgm:txPr/>
+    <dgm:style>
+      <a:lnRef idx="2">
+        <a:scrgbClr r="0" g="0" b="0"/>
+      </a:lnRef>
+      <a:fillRef idx="0">
+        <a:scrgbClr r="0" g="0" b="0"/>
+      </a:fillRef>
+      <a:effectRef idx="0">
+        <a:scrgbClr r="0" g="0" b="0"/>
+      </a:effectRef>
+      <a:fontRef idx="minor"/>
+    </dgm:style>
+  </dgm:styleLbl>
+  <dgm:styleLbl name="parChTrans1D4">
+    <dgm:scene3d>
+      <a:camera prst="orthographicFront"/>
+      <a:lightRig rig="threePt" dir="t"/>
+    </dgm:scene3d>
+    <dgm:sp3d/>
+    <dgm:txPr/>
+    <dgm:style>
+      <a:lnRef idx="2">
+        <a:scrgbClr r="0" g="0" b="0"/>
+      </a:lnRef>
+      <a:fillRef idx="0">
+        <a:scrgbClr r="0" g="0" b="0"/>
+      </a:fillRef>
+      <a:effectRef idx="0">
+        <a:scrgbClr r="0" g="0" b="0"/>
+      </a:effectRef>
+      <a:fontRef idx="minor"/>
+    </dgm:style>
+  </dgm:styleLbl>
+  <dgm:styleLbl name="fgAcc1">
+    <dgm:scene3d>
+      <a:camera prst="orthographicFront"/>
+      <a:lightRig rig="threePt" dir="t"/>
+    </dgm:scene3d>
+    <dgm:sp3d/>
+    <dgm:txPr/>
+    <dgm:style>
+      <a:lnRef idx="2">
+        <a:scrgbClr r="0" g="0" b="0"/>
+      </a:lnRef>
+      <a:fillRef idx="1">
+        <a:scrgbClr r="0" g="0" b="0"/>
+      </a:fillRef>
+      <a:effectRef idx="0">
+        <a:scrgbClr r="0" g="0" b="0"/>
+      </a:effectRef>
+      <a:fontRef idx="minor"/>
+    </dgm:style>
+  </dgm:styleLbl>
+  <dgm:styleLbl name="conFgAcc1">
+    <dgm:scene3d>
+      <a:camera prst="orthographicFront"/>
+      <a:lightRig rig="threePt" dir="t"/>
+    </dgm:scene3d>
+    <dgm:sp3d/>
+    <dgm:txPr/>
+    <dgm:style>
+      <a:lnRef idx="2">
+        <a:scrgbClr r="0" g="0" b="0"/>
+      </a:lnRef>
+      <a:fillRef idx="1">
+        <a:scrgbClr r="0" g="0" b="0"/>
+      </a:fillRef>
+      <a:effectRef idx="0">
+        <a:scrgbClr r="0" g="0" b="0"/>
+      </a:effectRef>
+      <a:fontRef idx="minor"/>
+    </dgm:style>
+  </dgm:styleLbl>
+  <dgm:styleLbl name="alignAcc1">
+    <dgm:scene3d>
+      <a:camera prst="orthographicFront"/>
+      <a:lightRig rig="threePt" dir="t"/>
+    </dgm:scene3d>
+    <dgm:sp3d/>
+    <dgm:txPr/>
+    <dgm:style>
+      <a:lnRef idx="2">
+        <a:scrgbClr r="0" g="0" b="0"/>
+      </a:lnRef>
+      <a:fillRef idx="1">
+        <a:scrgbClr r="0" g="0" b="0"/>
+      </a:fillRef>
+      <a:effectRef idx="0">
+        <a:scrgbClr r="0" g="0" b="0"/>
+      </a:effectRef>
+      <a:fontRef idx="minor"/>
+    </dgm:style>
+  </dgm:styleLbl>
+  <dgm:styleLbl name="trAlignAcc1">
+    <dgm:scene3d>
+      <a:camera prst="orthographicFront"/>
+      <a:lightRig rig="threePt" dir="t"/>
+    </dgm:scene3d>
+    <dgm:sp3d/>
+    <dgm:txPr/>
+    <dgm:style>
+      <a:lnRef idx="1">
+        <a:scrgbClr r="0" g="0" b="0"/>
+      </a:lnRef>
+      <a:fillRef idx="1">
+        <a:scrgbClr r="0" g="0" b="0"/>
+      </a:fillRef>
+      <a:effectRef idx="0">
+        <a:scrgbClr r="0" g="0" b="0"/>
+      </a:effectRef>
+      <a:fontRef idx="minor"/>
+    </dgm:style>
+  </dgm:styleLbl>
+  <dgm:styleLbl name="bgAcc1">
+    <dgm:scene3d>
+      <a:camera prst="orthographicFront"/>
+      <a:lightRig rig="threePt" dir="t"/>
+    </dgm:scene3d>
+    <dgm:sp3d/>
+    <dgm:txPr/>
+    <dgm:style>
+      <a:lnRef idx="2">
+        <a:scrgbClr r="0" g="0" b="0"/>
+      </a:lnRef>
+      <a:fillRef idx="1">
+        <a:scrgbClr r="0" g="0" b="0"/>
+      </a:fillRef>
+      <a:effectRef idx="0">
+        <a:scrgbClr r="0" g="0" b="0"/>
+      </a:effectRef>
+      <a:fontRef idx="minor"/>
+    </dgm:style>
+  </dgm:styleLbl>
+  <dgm:styleLbl name="solidFgAcc1">
+    <dgm:scene3d>
+      <a:camera prst="orthographicFront"/>
+      <a:lightRig rig="threePt" dir="t"/>
+    </dgm:scene3d>
+    <dgm:sp3d/>
+    <dgm:txPr/>
+    <dgm:style>
+      <a:lnRef idx="2">
+        <a:scrgbClr r="0" g="0" b="0"/>
+      </a:lnRef>
+      <a:fillRef idx="1">
+        <a:scrgbClr r="0" g="0" b="0"/>
+      </a:fillRef>
+      <a:effectRef idx="0">
+        <a:scrgbClr r="0" g="0" b="0"/>
+      </a:effectRef>
+      <a:fontRef idx="minor"/>
+    </dgm:style>
+  </dgm:styleLbl>
+  <dgm:styleLbl name="solidAlignAcc1">
+    <dgm:scene3d>
+      <a:camera prst="orthographicFront"/>
+      <a:lightRig rig="threePt" dir="t"/>
+    </dgm:scene3d>
+    <dgm:sp3d/>
+    <dgm:txPr/>
+    <dgm:style>
+      <a:lnRef idx="2">
+        <a:scrgbClr r="0" g="0" b="0"/>
+      </a:lnRef>
+      <a:fillRef idx="1">
+        <a:scrgbClr r="0" g="0" b="0"/>
+      </a:fillRef>
+      <a:effectRef idx="0">
+        <a:scrgbClr r="0" g="0" b="0"/>
+      </a:effectRef>
+      <a:fontRef idx="minor"/>
+    </dgm:style>
+  </dgm:styleLbl>
+  <dgm:styleLbl name="solidBgAcc1">
+    <dgm:scene3d>
+      <a:camera prst="orthographicFront"/>
+      <a:lightRig rig="threePt" dir="t"/>
+    </dgm:scene3d>
+    <dgm:sp3d/>
+    <dgm:txPr/>
+    <dgm:style>
+      <a:lnRef idx="2">
+        <a:scrgbClr r="0" g="0" b="0"/>
+      </a:lnRef>
+      <a:fillRef idx="1">
+        <a:scrgbClr r="0" g="0" b="0"/>
+      </a:fillRef>
+      <a:effectRef idx="0">
+        <a:scrgbClr r="0" g="0" b="0"/>
+      </a:effectRef>
+      <a:fontRef idx="minor"/>
+    </dgm:style>
+  </dgm:styleLbl>
+  <dgm:styleLbl name="fgAccFollowNode1">
+    <dgm:scene3d>
+      <a:camera prst="orthographicFront"/>
+      <a:lightRig rig="threePt" dir="t"/>
+    </dgm:scene3d>
+    <dgm:sp3d/>
+    <dgm:txPr/>
+    <dgm:style>
+      <a:lnRef idx="2">
+        <a:scrgbClr r="0" g="0" b="0"/>
+      </a:lnRef>
+      <a:fillRef idx="1">
+        <a:scrgbClr r="0" g="0" b="0"/>
+      </a:fillRef>
+      <a:effectRef idx="0">
+        <a:scrgbClr r="0" g="0" b="0"/>
+      </a:effectRef>
+      <a:fontRef idx="minor"/>
+    </dgm:style>
+  </dgm:styleLbl>
+  <dgm:styleLbl name="alignAccFollowNode1">
+    <dgm:scene3d>
+      <a:camera prst="orthographicFront"/>
+      <a:lightRig rig="threePt" dir="t"/>
+    </dgm:scene3d>
+    <dgm:sp3d/>
+    <dgm:txPr/>
+    <dgm:style>
+      <a:lnRef idx="2">
+        <a:scrgbClr r="0" g="0" b="0"/>
+      </a:lnRef>
+      <a:fillRef idx="1">
+        <a:scrgbClr r="0" g="0" b="0"/>
+      </a:fillRef>
+      <a:effectRef idx="0">
+        <a:scrgbClr r="0" g="0" b="0"/>
+      </a:effectRef>
+      <a:fontRef idx="minor"/>
+    </dgm:style>
+  </dgm:styleLbl>
+  <dgm:styleLbl name="bgAccFollowNode1">
+    <dgm:scene3d>
+      <a:camera prst="orthographicFront"/>
+      <a:lightRig rig="threePt" dir="t"/>
+    </dgm:scene3d>
+    <dgm:sp3d/>
+    <dgm:txPr/>
+    <dgm:style>
+      <a:lnRef idx="2">
+        <a:scrgbClr r="0" g="0" b="0"/>
+      </a:lnRef>
+      <a:fillRef idx="1">
+        <a:scrgbClr r="0" g="0" b="0"/>
+      </a:fillRef>
+      <a:effectRef idx="0">
+        <a:scrgbClr r="0" g="0" b="0"/>
+      </a:effectRef>
+      <a:fontRef idx="minor"/>
+    </dgm:style>
+  </dgm:styleLbl>
+  <dgm:styleLbl name="fgAcc0">
+    <dgm:scene3d>
+      <a:camera prst="orthographicFront"/>
+      <a:lightRig rig="threePt" dir="t"/>
+    </dgm:scene3d>
+    <dgm:sp3d/>
+    <dgm:txPr/>
+    <dgm:style>
+      <a:lnRef idx="2">
+        <a:scrgbClr r="0" g="0" b="0"/>
+      </a:lnRef>
+      <a:fillRef idx="1">
+        <a:scrgbClr r="0" g="0" b="0"/>
+      </a:fillRef>
+      <a:effectRef idx="0">
+        <a:scrgbClr r="0" g="0" b="0"/>
+      </a:effectRef>
+      <a:fontRef idx="minor"/>
+    </dgm:style>
+  </dgm:styleLbl>
+  <dgm:styleLbl name="fgAcc2">
+    <dgm:scene3d>
+      <a:camera prst="orthographicFront"/>
+      <a:lightRig rig="threePt" dir="t"/>
+    </dgm:scene3d>
+    <dgm:sp3d/>
+    <dgm:txPr/>
+    <dgm:style>
+      <a:lnRef idx="2">
+        <a:scrgbClr r="0" g="0" b="0"/>
+      </a:lnRef>
+      <a:fillRef idx="1">
+        <a:scrgbClr r="0" g="0" b="0"/>
+      </a:fillRef>
+      <a:effectRef idx="0">
+        <a:scrgbClr r="0" g="0" b="0"/>
+      </a:effectRef>
+      <a:fontRef idx="minor"/>
+    </dgm:style>
+  </dgm:styleLbl>
+  <dgm:styleLbl name="fgAcc3">
+    <dgm:scene3d>
+      <a:camera prst="orthographicFront"/>
+      <a:lightRig rig="threePt" dir="t"/>
+    </dgm:scene3d>
+    <dgm:sp3d/>
+    <dgm:txPr/>
+    <dgm:style>
+      <a:lnRef idx="2">
+        <a:scrgbClr r="0" g="0" b="0"/>
+      </a:lnRef>
+      <a:fillRef idx="1">
+        <a:scrgbClr r="0" g="0" b="0"/>
+      </a:fillRef>
+      <a:effectRef idx="0">
+        <a:scrgbClr r="0" g="0" b="0"/>
+      </a:effectRef>
+      <a:fontRef idx="minor"/>
+    </dgm:style>
+  </dgm:styleLbl>
+  <dgm:styleLbl name="fgAcc4">
+    <dgm:scene3d>
+      <a:camera prst="orthographicFront"/>
+      <a:lightRig rig="threePt" dir="t"/>
+    </dgm:scene3d>
+    <dgm:sp3d/>
+    <dgm:txPr/>
+    <dgm:style>
+      <a:lnRef idx="2">
+        <a:scrgbClr r="0" g="0" b="0"/>
+      </a:lnRef>
+      <a:fillRef idx="1">
+        <a:scrgbClr r="0" g="0" b="0"/>
+      </a:fillRef>
+      <a:effectRef idx="0">
+        <a:scrgbClr r="0" g="0" b="0"/>
+      </a:effectRef>
+      <a:fontRef idx="minor"/>
+    </dgm:style>
+  </dgm:styleLbl>
+  <dgm:styleLbl name="bgShp">
+    <dgm:scene3d>
+      <a:camera prst="orthographicFront"/>
+      <a:lightRig rig="threePt" dir="t"/>
+    </dgm:scene3d>
+    <dgm:sp3d/>
+    <dgm:txPr/>
+    <dgm:style>
+      <a:lnRef idx="0">
+        <a:scrgbClr r="0" g="0" b="0"/>
+      </a:lnRef>
+      <a:fillRef idx="1">
+        <a:scrgbClr r="0" g="0" b="0"/>
+      </a:fillRef>
+      <a:effectRef idx="0">
+        <a:scrgbClr r="0" g="0" b="0"/>
+      </a:effectRef>
+      <a:fontRef idx="minor"/>
+    </dgm:style>
+  </dgm:styleLbl>
+  <dgm:styleLbl name="dkBgShp">
+    <dgm:scene3d>
+      <a:camera prst="orthographicFront"/>
+      <a:lightRig rig="threePt" dir="t"/>
+    </dgm:scene3d>
+    <dgm:sp3d/>
+    <dgm:txPr/>
+    <dgm:style>
+      <a:lnRef idx="0">
+        <a:scrgbClr r="0" g="0" b="0"/>
+      </a:lnRef>
+      <a:fillRef idx="1">
+        <a:scrgbClr r="0" g="0" b="0"/>
+      </a:fillRef>
+      <a:effectRef idx="0">
+        <a:scrgbClr r="0" g="0" b="0"/>
+      </a:effectRef>
+      <a:fontRef idx="minor"/>
+    </dgm:style>
+  </dgm:styleLbl>
+  <dgm:styleLbl name="trBgShp">
+    <dgm:scene3d>
+      <a:camera prst="orthographicFront"/>
+      <a:lightRig rig="threePt" dir="t"/>
+    </dgm:scene3d>
+    <dgm:sp3d/>
+    <dgm:txPr/>
+    <dgm:style>
+      <a:lnRef idx="0">
+        <a:scrgbClr r="0" g="0" b="0"/>
+      </a:lnRef>
+      <a:fillRef idx="1">
+        <a:scrgbClr r="0" g="0" b="0"/>
+      </a:fillRef>
+      <a:effectRef idx="0">
+        <a:scrgbClr r="0" g="0" b="0"/>
+      </a:effectRef>
+      <a:fontRef idx="minor"/>
+    </dgm:style>
+  </dgm:styleLbl>
+  <dgm:styleLbl name="fgShp">
+    <dgm:scene3d>
+      <a:camera prst="orthographicFront"/>
+      <a:lightRig rig="threePt" dir="t"/>
+    </dgm:scene3d>
+    <dgm:sp3d/>
+    <dgm:txPr/>
+    <dgm:style>
+      <a:lnRef idx="2">
+        <a:scrgbClr r="0" g="0" b="0"/>
+      </a:lnRef>
+      <a:fillRef idx="1">
+        <a:scrgbClr r="0" g="0" b="0"/>
+      </a:fillRef>
+      <a:effectRef idx="0">
         <a:scrgbClr r="0" g="0" b="0"/>
       </a:effectRef>
       <a:fontRef idx="minor"/>
@@ -3355,7 +5972,7 @@
           <a:p>
             <a:fld id="{7050AA78-93B5-4A4F-9F57-7E5980B5CEFD}" type="datetimeFigureOut">
               <a:rPr lang="zh-CN" altLang="en-US" smtClean="0"/>
-              <a:t>2021/1/18 Monday</a:t>
+              <a:t>2021/1/19 Tuesday</a:t>
             </a:fld>
             <a:endParaRPr lang="zh-CN" altLang="en-US"/>
           </a:p>
@@ -5635,159 +8252,6 @@
       </p:grpSpPr>
       <p:sp>
         <p:nvSpPr>
-          <p:cNvPr id="3" name="标题 2">
-            <a:extLst>
-              <a:ext uri="{FF2B5EF4-FFF2-40B4-BE49-F238E27FC236}">
-                <a16:creationId xmlns:a16="http://schemas.microsoft.com/office/drawing/2014/main" id="{9AD8A09F-9A03-4681-8663-8EF16C7B7A06}"/>
-              </a:ext>
-            </a:extLst>
-          </p:cNvPr>
-          <p:cNvSpPr>
-            <a:spLocks noGrp="1"/>
-          </p:cNvSpPr>
-          <p:nvPr>
-            <p:ph type="title"/>
-          </p:nvPr>
-        </p:nvSpPr>
-        <p:spPr/>
-        <p:txBody>
-          <a:bodyPr/>
-          <a:lstStyle/>
-          <a:p>
-            <a:r>
-              <a:rPr lang="en-US" altLang="zh-CN" dirty="0"/>
-              <a:t>Continue.. Adversarial examples</a:t>
-            </a:r>
-            <a:endParaRPr lang="zh-CN" altLang="en-US" dirty="0"/>
-          </a:p>
-        </p:txBody>
-      </p:sp>
-      <p:sp>
-        <p:nvSpPr>
-          <p:cNvPr id="4" name="灯片编号占位符 3">
-            <a:extLst>
-              <a:ext uri="{FF2B5EF4-FFF2-40B4-BE49-F238E27FC236}">
-                <a16:creationId xmlns:a16="http://schemas.microsoft.com/office/drawing/2014/main" id="{1AF15AC6-579C-44C4-85FD-D864BEA9CB06}"/>
-              </a:ext>
-            </a:extLst>
-          </p:cNvPr>
-          <p:cNvSpPr>
-            <a:spLocks noGrp="1"/>
-          </p:cNvSpPr>
-          <p:nvPr>
-            <p:ph type="sldNum" sz="quarter" idx="11"/>
-          </p:nvPr>
-        </p:nvSpPr>
-        <p:spPr/>
-        <p:txBody>
-          <a:bodyPr/>
-          <a:lstStyle/>
-          <a:p>
-            <a:fld id="{CE58CB1E-F828-4F11-99E0-327109AF9DA4}" type="slidenum">
-              <a:rPr lang="de-DE" smtClean="0"/>
-              <a:pPr/>
-              <a:t>10</a:t>
-            </a:fld>
-            <a:endParaRPr lang="de-DE" dirty="0"/>
-          </a:p>
-        </p:txBody>
-      </p:sp>
-      <p:sp>
-        <p:nvSpPr>
-          <p:cNvPr id="5" name="页脚占位符 4">
-            <a:extLst>
-              <a:ext uri="{FF2B5EF4-FFF2-40B4-BE49-F238E27FC236}">
-                <a16:creationId xmlns:a16="http://schemas.microsoft.com/office/drawing/2014/main" id="{6E7B7951-2AFB-460D-A12B-ADA455B8F1ED}"/>
-              </a:ext>
-            </a:extLst>
-          </p:cNvPr>
-          <p:cNvSpPr>
-            <a:spLocks noGrp="1"/>
-          </p:cNvSpPr>
-          <p:nvPr>
-            <p:ph type="ftr" sz="quarter" idx="12"/>
-          </p:nvPr>
-        </p:nvSpPr>
-        <p:spPr/>
-        <p:txBody>
-          <a:bodyPr/>
-          <a:lstStyle/>
-          <a:p>
-            <a:r>
-              <a:rPr lang="de-DE" altLang="zh-CN"/>
-              <a:t>Topic 6 | Counterfactual Explanation</a:t>
-            </a:r>
-            <a:endParaRPr lang="en-US" altLang="zh-CN" dirty="0"/>
-          </a:p>
-        </p:txBody>
-      </p:sp>
-      <p:pic>
-        <p:nvPicPr>
-          <p:cNvPr id="6" name="内容占位符 6">
-            <a:extLst>
-              <a:ext uri="{FF2B5EF4-FFF2-40B4-BE49-F238E27FC236}">
-                <a16:creationId xmlns:a16="http://schemas.microsoft.com/office/drawing/2014/main" id="{C8136BA8-206E-4330-8E18-7162D05F1404}"/>
-              </a:ext>
-            </a:extLst>
-          </p:cNvPr>
-          <p:cNvPicPr>
-            <a:picLocks noGrp="1" noChangeAspect="1"/>
-          </p:cNvPicPr>
-          <p:nvPr>
-            <p:ph idx="1"/>
-          </p:nvPr>
-        </p:nvPicPr>
-        <p:blipFill>
-          <a:blip r:embed="rId2">
-            <a:extLst>
-              <a:ext uri="{28A0092B-C50C-407E-A947-70E740481C1C}">
-                <a14:useLocalDpi xmlns:a14="http://schemas.microsoft.com/office/drawing/2010/main" val="0"/>
-              </a:ext>
-            </a:extLst>
-          </a:blip>
-          <a:stretch>
-            <a:fillRect/>
-          </a:stretch>
-        </p:blipFill>
-        <p:spPr>
-          <a:xfrm>
-            <a:off x="326990" y="3064566"/>
-            <a:ext cx="3776909" cy="1463046"/>
-          </a:xfrm>
-        </p:spPr>
-      </p:pic>
-    </p:spTree>
-    <p:extLst>
-      <p:ext uri="{BB962C8B-B14F-4D97-AF65-F5344CB8AC3E}">
-        <p14:creationId xmlns:p14="http://schemas.microsoft.com/office/powerpoint/2010/main" val="586582551"/>
-      </p:ext>
-    </p:extLst>
-  </p:cSld>
-  <p:clrMapOvr>
-    <a:masterClrMapping/>
-  </p:clrMapOvr>
-</p:sld>
-</file>
-
-<file path=ppt/slides/slide11.xml><?xml version="1.0" encoding="utf-8"?>
-<p:sld xmlns:a="http://schemas.openxmlformats.org/drawingml/2006/main" xmlns:r="http://schemas.openxmlformats.org/officeDocument/2006/relationships" xmlns:p="http://schemas.openxmlformats.org/presentationml/2006/main">
-  <p:cSld>
-    <p:spTree>
-      <p:nvGrpSpPr>
-        <p:cNvPr id="1" name=""/>
-        <p:cNvGrpSpPr/>
-        <p:nvPr/>
-      </p:nvGrpSpPr>
-      <p:grpSpPr>
-        <a:xfrm>
-          <a:off x="0" y="0"/>
-          <a:ext cx="0" cy="0"/>
-          <a:chOff x="0" y="0"/>
-          <a:chExt cx="0" cy="0"/>
-        </a:xfrm>
-      </p:grpSpPr>
-      <p:sp>
-        <p:nvSpPr>
           <p:cNvPr id="2" name="内容占位符 1">
             <a:extLst>
               <a:ext uri="{FF2B5EF4-FFF2-40B4-BE49-F238E27FC236}">
@@ -5807,7 +8271,7 @@
           <a:bodyPr/>
           <a:lstStyle/>
           <a:p>
-            <a:endParaRPr lang="zh-CN" altLang="en-US"/>
+            <a:endParaRPr lang="zh-CN" altLang="en-US" dirty="0"/>
           </a:p>
         </p:txBody>
       </p:sp>
@@ -5834,7 +8298,7 @@
           <a:p>
             <a:r>
               <a:rPr lang="en-US" altLang="zh-CN" dirty="0"/>
-              <a:t>Solution with adversarial example</a:t>
+              <a:t>Solution to the pitfall of adversarial example</a:t>
             </a:r>
             <a:endParaRPr lang="zh-CN" altLang="en-US" dirty="0"/>
           </a:p>
@@ -5864,7 +8328,7 @@
             <a:fld id="{CE58CB1E-F828-4F11-99E0-327109AF9DA4}" type="slidenum">
               <a:rPr lang="de-DE" smtClean="0"/>
               <a:pPr/>
-              <a:t>11</a:t>
+              <a:t>10</a:t>
             </a:fld>
             <a:endParaRPr lang="de-DE" dirty="0"/>
           </a:p>
@@ -5912,7 +8376,7 @@
 </p:sld>
 </file>
 
-<file path=ppt/slides/slide12.xml><?xml version="1.0" encoding="utf-8"?>
+<file path=ppt/slides/slide11.xml><?xml version="1.0" encoding="utf-8"?>
 <p:sld xmlns:a="http://schemas.openxmlformats.org/drawingml/2006/main" xmlns:r="http://schemas.openxmlformats.org/officeDocument/2006/relationships" xmlns:p="http://schemas.openxmlformats.org/presentationml/2006/main">
   <p:cSld>
     <p:spTree>
@@ -5931,26 +8395,193 @@
       </p:grpSpPr>
       <p:sp>
         <p:nvSpPr>
-          <p:cNvPr id="2" name="内容占位符 1">
+          <p:cNvPr id="38" name="矩形 37">
             <a:extLst>
               <a:ext uri="{FF2B5EF4-FFF2-40B4-BE49-F238E27FC236}">
-                <a16:creationId xmlns:a16="http://schemas.microsoft.com/office/drawing/2014/main" id="{827E8557-4645-401D-AEA2-3B41EC839BD8}"/>
+                <a16:creationId xmlns:a16="http://schemas.microsoft.com/office/drawing/2014/main" id="{442472DC-7A36-4FB8-B3C3-A923843B055C}"/>
               </a:ext>
             </a:extLst>
           </p:cNvPr>
-          <p:cNvSpPr>
-            <a:spLocks noGrp="1"/>
-          </p:cNvSpPr>
-          <p:nvPr>
-            <p:ph idx="1"/>
-          </p:nvPr>
+          <p:cNvSpPr/>
+          <p:nvPr/>
         </p:nvSpPr>
-        <p:spPr/>
+        <p:spPr>
+          <a:xfrm>
+            <a:off x="8048367" y="3968214"/>
+            <a:ext cx="3997062" cy="1401898"/>
+          </a:xfrm>
+          <a:prstGeom prst="rect">
+            <a:avLst/>
+          </a:prstGeom>
+          <a:solidFill>
+            <a:schemeClr val="accent5">
+              <a:lumMod val="20000"/>
+              <a:lumOff val="80000"/>
+            </a:schemeClr>
+          </a:solidFill>
+          <a:ln>
+            <a:noFill/>
+          </a:ln>
+        </p:spPr>
+        <p:style>
+          <a:lnRef idx="2">
+            <a:schemeClr val="accent1">
+              <a:shade val="50000"/>
+            </a:schemeClr>
+          </a:lnRef>
+          <a:fillRef idx="1">
+            <a:schemeClr val="accent1"/>
+          </a:fillRef>
+          <a:effectRef idx="0">
+            <a:schemeClr val="accent1"/>
+          </a:effectRef>
+          <a:fontRef idx="minor">
+            <a:schemeClr val="lt1"/>
+          </a:fontRef>
+        </p:style>
         <p:txBody>
-          <a:bodyPr/>
+          <a:bodyPr rot="0" spcFirstLastPara="0" vertOverflow="overflow" horzOverflow="overflow" vert="horz" wrap="square" lIns="91440" tIns="45720" rIns="91440" bIns="45720" numCol="1" spcCol="0" rtlCol="0" fromWordArt="0" anchor="t" anchorCtr="0" forceAA="0" compatLnSpc="1">
+            <a:prstTxWarp prst="textNoShape">
+              <a:avLst/>
+            </a:prstTxWarp>
+            <a:noAutofit/>
+          </a:bodyPr>
           <a:lstStyle/>
           <a:p>
-            <a:endParaRPr lang="zh-CN" altLang="en-US"/>
+            <a:pPr algn="ctr">
+              <a:lnSpc>
+                <a:spcPct val="114000"/>
+              </a:lnSpc>
+            </a:pPr>
+            <a:endParaRPr lang="zh-CN" altLang="en-US" dirty="0"/>
+          </a:p>
+        </p:txBody>
+      </p:sp>
+      <p:sp>
+        <p:nvSpPr>
+          <p:cNvPr id="37" name="矩形 36">
+            <a:extLst>
+              <a:ext uri="{FF2B5EF4-FFF2-40B4-BE49-F238E27FC236}">
+                <a16:creationId xmlns:a16="http://schemas.microsoft.com/office/drawing/2014/main" id="{C0BC7949-6B40-43E9-B7A1-61525A15E544}"/>
+              </a:ext>
+            </a:extLst>
+          </p:cNvPr>
+          <p:cNvSpPr/>
+          <p:nvPr/>
+        </p:nvSpPr>
+        <p:spPr>
+          <a:xfrm>
+            <a:off x="8041058" y="2449061"/>
+            <a:ext cx="3997062" cy="1401898"/>
+          </a:xfrm>
+          <a:prstGeom prst="rect">
+            <a:avLst/>
+          </a:prstGeom>
+          <a:solidFill>
+            <a:schemeClr val="accent5">
+              <a:lumMod val="20000"/>
+              <a:lumOff val="80000"/>
+            </a:schemeClr>
+          </a:solidFill>
+          <a:ln>
+            <a:noFill/>
+          </a:ln>
+        </p:spPr>
+        <p:style>
+          <a:lnRef idx="2">
+            <a:schemeClr val="accent1">
+              <a:shade val="50000"/>
+            </a:schemeClr>
+          </a:lnRef>
+          <a:fillRef idx="1">
+            <a:schemeClr val="accent1"/>
+          </a:fillRef>
+          <a:effectRef idx="0">
+            <a:schemeClr val="accent1"/>
+          </a:effectRef>
+          <a:fontRef idx="minor">
+            <a:schemeClr val="lt1"/>
+          </a:fontRef>
+        </p:style>
+        <p:txBody>
+          <a:bodyPr rot="0" spcFirstLastPara="0" vertOverflow="overflow" horzOverflow="overflow" vert="horz" wrap="square" lIns="91440" tIns="45720" rIns="91440" bIns="45720" numCol="1" spcCol="0" rtlCol="0" fromWordArt="0" anchor="t" anchorCtr="0" forceAA="0" compatLnSpc="1">
+            <a:prstTxWarp prst="textNoShape">
+              <a:avLst/>
+            </a:prstTxWarp>
+            <a:noAutofit/>
+          </a:bodyPr>
+          <a:lstStyle/>
+          <a:p>
+            <a:pPr algn="ctr">
+              <a:lnSpc>
+                <a:spcPct val="114000"/>
+              </a:lnSpc>
+            </a:pPr>
+            <a:endParaRPr lang="zh-CN" altLang="en-US" dirty="0"/>
+          </a:p>
+        </p:txBody>
+      </p:sp>
+      <p:sp>
+        <p:nvSpPr>
+          <p:cNvPr id="35" name="矩形 34">
+            <a:extLst>
+              <a:ext uri="{FF2B5EF4-FFF2-40B4-BE49-F238E27FC236}">
+                <a16:creationId xmlns:a16="http://schemas.microsoft.com/office/drawing/2014/main" id="{2A741615-26A8-4D90-A272-BEB17A44CEFD}"/>
+              </a:ext>
+            </a:extLst>
+          </p:cNvPr>
+          <p:cNvSpPr/>
+          <p:nvPr/>
+        </p:nvSpPr>
+        <p:spPr>
+          <a:xfrm>
+            <a:off x="4229280" y="1842620"/>
+            <a:ext cx="3143304" cy="1212882"/>
+          </a:xfrm>
+          <a:prstGeom prst="rect">
+            <a:avLst/>
+          </a:prstGeom>
+          <a:solidFill>
+            <a:schemeClr val="accent3">
+              <a:lumMod val="20000"/>
+              <a:lumOff val="80000"/>
+            </a:schemeClr>
+          </a:solidFill>
+          <a:ln>
+            <a:noFill/>
+          </a:ln>
+        </p:spPr>
+        <p:style>
+          <a:lnRef idx="2">
+            <a:schemeClr val="accent1">
+              <a:shade val="50000"/>
+            </a:schemeClr>
+          </a:lnRef>
+          <a:fillRef idx="1">
+            <a:schemeClr val="accent1"/>
+          </a:fillRef>
+          <a:effectRef idx="0">
+            <a:schemeClr val="accent1"/>
+          </a:effectRef>
+          <a:fontRef idx="minor">
+            <a:schemeClr val="lt1"/>
+          </a:fontRef>
+        </p:style>
+        <p:txBody>
+          <a:bodyPr rot="0" spcFirstLastPara="0" vertOverflow="overflow" horzOverflow="overflow" vert="horz" wrap="square" lIns="91440" tIns="45720" rIns="91440" bIns="45720" numCol="1" spcCol="0" rtlCol="0" fromWordArt="0" anchor="t" anchorCtr="0" forceAA="0" compatLnSpc="1">
+            <a:prstTxWarp prst="textNoShape">
+              <a:avLst/>
+            </a:prstTxWarp>
+            <a:noAutofit/>
+          </a:bodyPr>
+          <a:lstStyle/>
+          <a:p>
+            <a:pPr algn="ctr">
+              <a:lnSpc>
+                <a:spcPct val="114000"/>
+              </a:lnSpc>
+            </a:pPr>
+            <a:endParaRPr lang="zh-CN" altLang="en-US" dirty="0"/>
           </a:p>
         </p:txBody>
       </p:sp>
@@ -6007,7 +8638,7 @@
             <a:fld id="{CE58CB1E-F828-4F11-99E0-327109AF9DA4}" type="slidenum">
               <a:rPr lang="de-DE" smtClean="0"/>
               <a:pPr/>
-              <a:t>12</a:t>
+              <a:t>11</a:t>
             </a:fld>
             <a:endParaRPr lang="de-DE" dirty="0"/>
           </a:p>
@@ -6042,6 +8673,996 @@
           </a:p>
         </p:txBody>
       </p:sp>
+      <p:pic>
+        <p:nvPicPr>
+          <p:cNvPr id="7" name="图片 6">
+            <a:extLst>
+              <a:ext uri="{FF2B5EF4-FFF2-40B4-BE49-F238E27FC236}">
+                <a16:creationId xmlns:a16="http://schemas.microsoft.com/office/drawing/2014/main" id="{393451F9-CA85-4D1D-866A-7A38249AB638}"/>
+              </a:ext>
+            </a:extLst>
+          </p:cNvPr>
+          <p:cNvPicPr>
+            <a:picLocks noChangeAspect="1"/>
+          </p:cNvPicPr>
+          <p:nvPr/>
+        </p:nvPicPr>
+        <p:blipFill>
+          <a:blip r:embed="rId2">
+            <a:extLst>
+              <a:ext uri="{28A0092B-C50C-407E-A947-70E740481C1C}">
+                <a14:useLocalDpi xmlns:a14="http://schemas.microsoft.com/office/drawing/2010/main" val="0"/>
+              </a:ext>
+            </a:extLst>
+          </a:blip>
+          <a:stretch>
+            <a:fillRect/>
+          </a:stretch>
+        </p:blipFill>
+        <p:spPr>
+          <a:xfrm>
+            <a:off x="432618" y="2633886"/>
+            <a:ext cx="2482335" cy="2867940"/>
+          </a:xfrm>
+          <a:prstGeom prst="rect">
+            <a:avLst/>
+          </a:prstGeom>
+        </p:spPr>
+      </p:pic>
+      <p:sp>
+        <p:nvSpPr>
+          <p:cNvPr id="8" name="椭圆 7">
+            <a:extLst>
+              <a:ext uri="{FF2B5EF4-FFF2-40B4-BE49-F238E27FC236}">
+                <a16:creationId xmlns:a16="http://schemas.microsoft.com/office/drawing/2014/main" id="{FA129985-9677-4C18-854B-716919D70B66}"/>
+              </a:ext>
+            </a:extLst>
+          </p:cNvPr>
+          <p:cNvSpPr/>
+          <p:nvPr/>
+        </p:nvSpPr>
+        <p:spPr>
+          <a:xfrm>
+            <a:off x="241064" y="4321326"/>
+            <a:ext cx="2935097" cy="365125"/>
+          </a:xfrm>
+          <a:prstGeom prst="ellipse">
+            <a:avLst/>
+          </a:prstGeom>
+          <a:noFill/>
+          <a:ln>
+            <a:solidFill>
+              <a:srgbClr val="FF0000"/>
+            </a:solidFill>
+          </a:ln>
+        </p:spPr>
+        <p:style>
+          <a:lnRef idx="2">
+            <a:schemeClr val="accent1">
+              <a:shade val="50000"/>
+            </a:schemeClr>
+          </a:lnRef>
+          <a:fillRef idx="1">
+            <a:schemeClr val="accent1"/>
+          </a:fillRef>
+          <a:effectRef idx="0">
+            <a:schemeClr val="accent1"/>
+          </a:effectRef>
+          <a:fontRef idx="minor">
+            <a:schemeClr val="lt1"/>
+          </a:fontRef>
+        </p:style>
+        <p:txBody>
+          <a:bodyPr rot="0" spcFirstLastPara="0" vertOverflow="overflow" horzOverflow="overflow" vert="horz" wrap="square" lIns="91440" tIns="45720" rIns="91440" bIns="45720" numCol="1" spcCol="0" rtlCol="0" fromWordArt="0" anchor="t" anchorCtr="0" forceAA="0" compatLnSpc="1">
+            <a:prstTxWarp prst="textNoShape">
+              <a:avLst/>
+            </a:prstTxWarp>
+            <a:noAutofit/>
+          </a:bodyPr>
+          <a:lstStyle/>
+          <a:p>
+            <a:pPr algn="ctr">
+              <a:lnSpc>
+                <a:spcPct val="114000"/>
+              </a:lnSpc>
+            </a:pPr>
+            <a:endParaRPr lang="zh-CN" altLang="en-US" dirty="0"/>
+          </a:p>
+        </p:txBody>
+      </p:sp>
+      <p:grpSp>
+        <p:nvGrpSpPr>
+          <p:cNvPr id="33" name="组合 32">
+            <a:extLst>
+              <a:ext uri="{FF2B5EF4-FFF2-40B4-BE49-F238E27FC236}">
+                <a16:creationId xmlns:a16="http://schemas.microsoft.com/office/drawing/2014/main" id="{A0C2DAD1-8A03-4F15-96FA-52C5D966F782}"/>
+              </a:ext>
+            </a:extLst>
+          </p:cNvPr>
+          <p:cNvGrpSpPr/>
+          <p:nvPr/>
+        </p:nvGrpSpPr>
+        <p:grpSpPr>
+          <a:xfrm>
+            <a:off x="3424390" y="2302388"/>
+            <a:ext cx="5953857" cy="3962897"/>
+            <a:chOff x="3713827" y="2222976"/>
+            <a:chExt cx="5953857" cy="3962897"/>
+          </a:xfrm>
+        </p:grpSpPr>
+        <p:pic>
+          <p:nvPicPr>
+            <p:cNvPr id="13" name="图片 12">
+              <a:extLst>
+                <a:ext uri="{FF2B5EF4-FFF2-40B4-BE49-F238E27FC236}">
+                  <a16:creationId xmlns:a16="http://schemas.microsoft.com/office/drawing/2014/main" id="{B8A5D0F8-B491-4123-A9B4-1312B3EC0421}"/>
+                </a:ext>
+              </a:extLst>
+            </p:cNvPr>
+            <p:cNvPicPr>
+              <a:picLocks noChangeAspect="1"/>
+            </p:cNvPicPr>
+            <p:nvPr/>
+          </p:nvPicPr>
+          <p:blipFill rotWithShape="1">
+            <a:blip r:embed="rId3">
+              <a:extLst>
+                <a:ext uri="{28A0092B-C50C-407E-A947-70E740481C1C}">
+                  <a14:useLocalDpi xmlns:a14="http://schemas.microsoft.com/office/drawing/2010/main" val="0"/>
+                </a:ext>
+              </a:extLst>
+            </a:blip>
+            <a:srcRect l="943" b="3015"/>
+            <a:stretch/>
+          </p:blipFill>
+          <p:spPr>
+            <a:xfrm>
+              <a:off x="4100448" y="3062036"/>
+              <a:ext cx="4083729" cy="2724883"/>
+            </a:xfrm>
+            <a:prstGeom prst="rect">
+              <a:avLst/>
+            </a:prstGeom>
+          </p:spPr>
+        </p:pic>
+        <p:sp>
+          <p:nvSpPr>
+            <p:cNvPr id="14" name="箭头: 直角双向 13">
+              <a:extLst>
+                <a:ext uri="{FF2B5EF4-FFF2-40B4-BE49-F238E27FC236}">
+                  <a16:creationId xmlns:a16="http://schemas.microsoft.com/office/drawing/2014/main" id="{97B8A732-4245-49A1-BA8A-862A284F8AF5}"/>
+                </a:ext>
+              </a:extLst>
+            </p:cNvPr>
+            <p:cNvSpPr/>
+            <p:nvPr/>
+          </p:nvSpPr>
+          <p:spPr>
+            <a:xfrm rot="5400000">
+              <a:off x="4691332" y="1902421"/>
+              <a:ext cx="3293614" cy="4475381"/>
+            </a:xfrm>
+            <a:prstGeom prst="leftUpArrow">
+              <a:avLst>
+                <a:gd name="adj1" fmla="val 10115"/>
+                <a:gd name="adj2" fmla="val 1569"/>
+                <a:gd name="adj3" fmla="val 6903"/>
+              </a:avLst>
+            </a:prstGeom>
+            <a:ln>
+              <a:noFill/>
+            </a:ln>
+          </p:spPr>
+          <p:style>
+            <a:lnRef idx="2">
+              <a:schemeClr val="accent1">
+                <a:shade val="50000"/>
+              </a:schemeClr>
+            </a:lnRef>
+            <a:fillRef idx="1">
+              <a:schemeClr val="accent1"/>
+            </a:fillRef>
+            <a:effectRef idx="0">
+              <a:schemeClr val="accent1"/>
+            </a:effectRef>
+            <a:fontRef idx="minor">
+              <a:schemeClr val="lt1"/>
+            </a:fontRef>
+          </p:style>
+          <p:txBody>
+            <a:bodyPr rot="0" spcFirstLastPara="0" vertOverflow="overflow" horzOverflow="overflow" vert="horz" wrap="square" lIns="91440" tIns="45720" rIns="91440" bIns="45720" numCol="1" spcCol="0" rtlCol="0" fromWordArt="0" anchor="t" anchorCtr="0" forceAA="0" compatLnSpc="1">
+              <a:prstTxWarp prst="textNoShape">
+                <a:avLst/>
+              </a:prstTxWarp>
+              <a:noAutofit/>
+            </a:bodyPr>
+            <a:lstStyle/>
+            <a:p>
+              <a:pPr algn="ctr">
+                <a:lnSpc>
+                  <a:spcPct val="114000"/>
+                </a:lnSpc>
+              </a:pPr>
+              <a:endParaRPr lang="zh-CN" altLang="en-US" dirty="0"/>
+            </a:p>
+          </p:txBody>
+        </p:sp>
+        <p:sp>
+          <p:nvSpPr>
+            <p:cNvPr id="15" name="文本框 14">
+              <a:extLst>
+                <a:ext uri="{FF2B5EF4-FFF2-40B4-BE49-F238E27FC236}">
+                  <a16:creationId xmlns:a16="http://schemas.microsoft.com/office/drawing/2014/main" id="{C0321EA2-845A-4835-9FE3-ED24580C6CEE}"/>
+                </a:ext>
+              </a:extLst>
+            </p:cNvPr>
+            <p:cNvSpPr txBox="1"/>
+            <p:nvPr/>
+          </p:nvSpPr>
+          <p:spPr>
+            <a:xfrm>
+              <a:off x="3713827" y="2222976"/>
+              <a:ext cx="436017" cy="3447354"/>
+            </a:xfrm>
+            <a:prstGeom prst="rect">
+              <a:avLst/>
+            </a:prstGeom>
+            <a:noFill/>
+          </p:spPr>
+          <p:txBody>
+            <a:bodyPr wrap="none" lIns="0" tIns="0" rIns="0" bIns="0" rtlCol="0">
+              <a:spAutoFit/>
+            </a:bodyPr>
+            <a:lstStyle/>
+            <a:p>
+              <a:pPr>
+                <a:lnSpc>
+                  <a:spcPct val="114000"/>
+                </a:lnSpc>
+              </a:pPr>
+              <a:r>
+                <a:rPr lang="en-US" altLang="zh-CN" b="1" dirty="0">
+                  <a:latin typeface="+mn-lt"/>
+                </a:rPr>
+                <a:t>Age</a:t>
+              </a:r>
+            </a:p>
+            <a:p>
+              <a:pPr>
+                <a:lnSpc>
+                  <a:spcPct val="114000"/>
+                </a:lnSpc>
+              </a:pPr>
+              <a:endParaRPr lang="en-US" altLang="zh-CN" b="1" dirty="0">
+                <a:latin typeface="+mn-lt"/>
+              </a:endParaRPr>
+            </a:p>
+            <a:p>
+              <a:pPr>
+                <a:lnSpc>
+                  <a:spcPct val="114000"/>
+                </a:lnSpc>
+              </a:pPr>
+              <a:endParaRPr lang="en-US" altLang="zh-CN" b="1" dirty="0">
+                <a:latin typeface="+mn-lt"/>
+              </a:endParaRPr>
+            </a:p>
+            <a:p>
+              <a:pPr>
+                <a:lnSpc>
+                  <a:spcPct val="114000"/>
+                </a:lnSpc>
+              </a:pPr>
+              <a:endParaRPr lang="en-US" altLang="zh-CN" b="1" dirty="0">
+                <a:latin typeface="+mn-lt"/>
+              </a:endParaRPr>
+            </a:p>
+            <a:p>
+              <a:pPr>
+                <a:lnSpc>
+                  <a:spcPct val="114000"/>
+                </a:lnSpc>
+              </a:pPr>
+              <a:r>
+                <a:rPr lang="en-US" altLang="zh-CN" b="1" dirty="0">
+                  <a:latin typeface="+mn-lt"/>
+                </a:rPr>
+                <a:t>  </a:t>
+              </a:r>
+            </a:p>
+            <a:p>
+              <a:pPr>
+                <a:lnSpc>
+                  <a:spcPct val="114000"/>
+                </a:lnSpc>
+              </a:pPr>
+              <a:r>
+                <a:rPr lang="en-US" altLang="zh-CN" b="1" dirty="0">
+                  <a:latin typeface="+mn-lt"/>
+                </a:rPr>
+                <a:t>  30</a:t>
+              </a:r>
+            </a:p>
+            <a:p>
+              <a:pPr>
+                <a:lnSpc>
+                  <a:spcPct val="114000"/>
+                </a:lnSpc>
+              </a:pPr>
+              <a:endParaRPr lang="en-US" altLang="zh-CN" b="1" dirty="0">
+                <a:latin typeface="+mn-lt"/>
+              </a:endParaRPr>
+            </a:p>
+            <a:p>
+              <a:pPr>
+                <a:lnSpc>
+                  <a:spcPct val="114000"/>
+                </a:lnSpc>
+              </a:pPr>
+              <a:endParaRPr lang="en-US" altLang="zh-CN" b="1" dirty="0">
+                <a:latin typeface="+mn-lt"/>
+              </a:endParaRPr>
+            </a:p>
+            <a:p>
+              <a:pPr>
+                <a:lnSpc>
+                  <a:spcPct val="114000"/>
+                </a:lnSpc>
+              </a:pPr>
+              <a:endParaRPr lang="en-US" altLang="zh-CN" b="1" dirty="0">
+                <a:latin typeface="+mn-lt"/>
+              </a:endParaRPr>
+            </a:p>
+            <a:p>
+              <a:pPr>
+                <a:lnSpc>
+                  <a:spcPct val="114000"/>
+                </a:lnSpc>
+              </a:pPr>
+              <a:endParaRPr lang="en-US" altLang="zh-CN" b="1" dirty="0">
+                <a:latin typeface="+mn-lt"/>
+              </a:endParaRPr>
+            </a:p>
+            <a:p>
+              <a:pPr>
+                <a:lnSpc>
+                  <a:spcPct val="114000"/>
+                </a:lnSpc>
+              </a:pPr>
+              <a:r>
+                <a:rPr lang="en-US" altLang="zh-CN" b="1" dirty="0">
+                  <a:latin typeface="+mn-lt"/>
+                </a:rPr>
+                <a:t>  23</a:t>
+              </a:r>
+              <a:endParaRPr lang="zh-CN" altLang="en-US" b="1" dirty="0" err="1">
+                <a:latin typeface="+mn-lt"/>
+              </a:endParaRPr>
+            </a:p>
+          </p:txBody>
+        </p:sp>
+        <p:sp>
+          <p:nvSpPr>
+            <p:cNvPr id="16" name="文本框 15">
+              <a:extLst>
+                <a:ext uri="{FF2B5EF4-FFF2-40B4-BE49-F238E27FC236}">
+                  <a16:creationId xmlns:a16="http://schemas.microsoft.com/office/drawing/2014/main" id="{0BE2231C-C5C8-4FBD-B48D-03E839D5D2F5}"/>
+                </a:ext>
+              </a:extLst>
+            </p:cNvPr>
+            <p:cNvSpPr txBox="1"/>
+            <p:nvPr/>
+          </p:nvSpPr>
+          <p:spPr>
+            <a:xfrm>
+              <a:off x="7974913" y="5896435"/>
+              <a:ext cx="1692771" cy="289438"/>
+            </a:xfrm>
+            <a:prstGeom prst="rect">
+              <a:avLst/>
+            </a:prstGeom>
+            <a:noFill/>
+          </p:spPr>
+          <p:txBody>
+            <a:bodyPr wrap="none" lIns="0" tIns="0" rIns="0" bIns="0" rtlCol="0">
+              <a:spAutoFit/>
+            </a:bodyPr>
+            <a:lstStyle/>
+            <a:p>
+              <a:pPr>
+                <a:lnSpc>
+                  <a:spcPct val="114000"/>
+                </a:lnSpc>
+              </a:pPr>
+              <a:r>
+                <a:rPr lang="en-US" altLang="zh-CN" b="1" dirty="0">
+                  <a:latin typeface="+mn-lt"/>
+                </a:rPr>
+                <a:t>Education level</a:t>
+              </a:r>
+              <a:endParaRPr lang="zh-CN" altLang="en-US" b="1" dirty="0" err="1">
+                <a:latin typeface="+mn-lt"/>
+              </a:endParaRPr>
+            </a:p>
+          </p:txBody>
+        </p:sp>
+        <p:sp>
+          <p:nvSpPr>
+            <p:cNvPr id="17" name="文本框 16">
+              <a:extLst>
+                <a:ext uri="{FF2B5EF4-FFF2-40B4-BE49-F238E27FC236}">
+                  <a16:creationId xmlns:a16="http://schemas.microsoft.com/office/drawing/2014/main" id="{8A30E52B-3E2D-4673-8033-5D34075C98F0}"/>
+                </a:ext>
+              </a:extLst>
+            </p:cNvPr>
+            <p:cNvSpPr txBox="1"/>
+            <p:nvPr/>
+          </p:nvSpPr>
+          <p:spPr>
+            <a:xfrm>
+              <a:off x="4457950" y="5872866"/>
+              <a:ext cx="3276100" cy="176908"/>
+            </a:xfrm>
+            <a:prstGeom prst="rect">
+              <a:avLst/>
+            </a:prstGeom>
+            <a:noFill/>
+          </p:spPr>
+          <p:txBody>
+            <a:bodyPr wrap="square" lIns="0" tIns="0" rIns="0" bIns="0" rtlCol="0">
+              <a:spAutoFit/>
+            </a:bodyPr>
+            <a:lstStyle/>
+            <a:p>
+              <a:pPr>
+                <a:lnSpc>
+                  <a:spcPct val="114000"/>
+                </a:lnSpc>
+              </a:pPr>
+              <a:r>
+                <a:rPr lang="en-US" altLang="zh-CN" sz="1100" b="1" dirty="0">
+                  <a:latin typeface="+mn-lt"/>
+                </a:rPr>
+                <a:t>High school      Bachelor         Master        Doctor</a:t>
+              </a:r>
+              <a:endParaRPr lang="zh-CN" altLang="en-US" sz="1100" b="1" dirty="0" err="1">
+                <a:latin typeface="+mn-lt"/>
+              </a:endParaRPr>
+            </a:p>
+          </p:txBody>
+        </p:sp>
+        <p:sp>
+          <p:nvSpPr>
+            <p:cNvPr id="18" name="十字形 17">
+              <a:extLst>
+                <a:ext uri="{FF2B5EF4-FFF2-40B4-BE49-F238E27FC236}">
+                  <a16:creationId xmlns:a16="http://schemas.microsoft.com/office/drawing/2014/main" id="{A5F70CC7-3EB4-4DD1-8B13-F6501A252F36}"/>
+                </a:ext>
+              </a:extLst>
+            </p:cNvPr>
+            <p:cNvSpPr/>
+            <p:nvPr/>
+          </p:nvSpPr>
+          <p:spPr>
+            <a:xfrm rot="2870259">
+              <a:off x="4676231" y="3833033"/>
+              <a:ext cx="284085" cy="266471"/>
+            </a:xfrm>
+            <a:prstGeom prst="plus">
+              <a:avLst>
+                <a:gd name="adj" fmla="val 38793"/>
+              </a:avLst>
+            </a:prstGeom>
+            <a:solidFill>
+              <a:srgbClr val="92D050"/>
+            </a:solidFill>
+            <a:ln>
+              <a:noFill/>
+            </a:ln>
+          </p:spPr>
+          <p:style>
+            <a:lnRef idx="2">
+              <a:schemeClr val="accent1">
+                <a:shade val="50000"/>
+              </a:schemeClr>
+            </a:lnRef>
+            <a:fillRef idx="1">
+              <a:schemeClr val="accent1"/>
+            </a:fillRef>
+            <a:effectRef idx="0">
+              <a:schemeClr val="accent1"/>
+            </a:effectRef>
+            <a:fontRef idx="minor">
+              <a:schemeClr val="lt1"/>
+            </a:fontRef>
+          </p:style>
+          <p:txBody>
+            <a:bodyPr rot="0" spcFirstLastPara="0" vertOverflow="overflow" horzOverflow="overflow" vert="horz" wrap="square" lIns="91440" tIns="45720" rIns="91440" bIns="45720" numCol="1" spcCol="0" rtlCol="0" fromWordArt="0" anchor="t" anchorCtr="0" forceAA="0" compatLnSpc="1">
+              <a:prstTxWarp prst="textNoShape">
+                <a:avLst/>
+              </a:prstTxWarp>
+              <a:noAutofit/>
+            </a:bodyPr>
+            <a:lstStyle/>
+            <a:p>
+              <a:pPr algn="ctr">
+                <a:lnSpc>
+                  <a:spcPct val="114000"/>
+                </a:lnSpc>
+              </a:pPr>
+              <a:endParaRPr lang="zh-CN" altLang="en-US" dirty="0"/>
+            </a:p>
+          </p:txBody>
+        </p:sp>
+        <p:sp>
+          <p:nvSpPr>
+            <p:cNvPr id="19" name="十字形 18">
+              <a:extLst>
+                <a:ext uri="{FF2B5EF4-FFF2-40B4-BE49-F238E27FC236}">
+                  <a16:creationId xmlns:a16="http://schemas.microsoft.com/office/drawing/2014/main" id="{CF251956-CA25-434D-BAA3-285A9BDFD810}"/>
+                </a:ext>
+              </a:extLst>
+            </p:cNvPr>
+            <p:cNvSpPr/>
+            <p:nvPr/>
+          </p:nvSpPr>
+          <p:spPr>
+            <a:xfrm rot="2870259">
+              <a:off x="6515389" y="5339849"/>
+              <a:ext cx="284085" cy="266471"/>
+            </a:xfrm>
+            <a:prstGeom prst="plus">
+              <a:avLst>
+                <a:gd name="adj" fmla="val 38793"/>
+              </a:avLst>
+            </a:prstGeom>
+            <a:solidFill>
+              <a:schemeClr val="accent4">
+                <a:lumMod val="40000"/>
+                <a:lumOff val="60000"/>
+              </a:schemeClr>
+            </a:solidFill>
+            <a:ln>
+              <a:noFill/>
+            </a:ln>
+          </p:spPr>
+          <p:style>
+            <a:lnRef idx="2">
+              <a:schemeClr val="accent1">
+                <a:shade val="50000"/>
+              </a:schemeClr>
+            </a:lnRef>
+            <a:fillRef idx="1">
+              <a:schemeClr val="accent1"/>
+            </a:fillRef>
+            <a:effectRef idx="0">
+              <a:schemeClr val="accent1"/>
+            </a:effectRef>
+            <a:fontRef idx="minor">
+              <a:schemeClr val="lt1"/>
+            </a:fontRef>
+          </p:style>
+          <p:txBody>
+            <a:bodyPr rot="0" spcFirstLastPara="0" vertOverflow="overflow" horzOverflow="overflow" vert="horz" wrap="square" lIns="91440" tIns="45720" rIns="91440" bIns="45720" numCol="1" spcCol="0" rtlCol="0" fromWordArt="0" anchor="t" anchorCtr="0" forceAA="0" compatLnSpc="1">
+              <a:prstTxWarp prst="textNoShape">
+                <a:avLst/>
+              </a:prstTxWarp>
+              <a:noAutofit/>
+            </a:bodyPr>
+            <a:lstStyle/>
+            <a:p>
+              <a:pPr algn="ctr">
+                <a:lnSpc>
+                  <a:spcPct val="114000"/>
+                </a:lnSpc>
+              </a:pPr>
+              <a:endParaRPr lang="zh-CN" altLang="en-US" dirty="0"/>
+            </a:p>
+          </p:txBody>
+        </p:sp>
+        <p:sp>
+          <p:nvSpPr>
+            <p:cNvPr id="20" name="十字形 19">
+              <a:extLst>
+                <a:ext uri="{FF2B5EF4-FFF2-40B4-BE49-F238E27FC236}">
+                  <a16:creationId xmlns:a16="http://schemas.microsoft.com/office/drawing/2014/main" id="{C6A28703-FED2-4AE3-AE41-A2F85CD5FA2F}"/>
+                </a:ext>
+              </a:extLst>
+            </p:cNvPr>
+            <p:cNvSpPr/>
+            <p:nvPr/>
+          </p:nvSpPr>
+          <p:spPr>
+            <a:xfrm rot="2870259">
+              <a:off x="6709494" y="3558013"/>
+              <a:ext cx="284085" cy="266471"/>
+            </a:xfrm>
+            <a:prstGeom prst="plus">
+              <a:avLst>
+                <a:gd name="adj" fmla="val 38793"/>
+              </a:avLst>
+            </a:prstGeom>
+            <a:solidFill>
+              <a:schemeClr val="accent4">
+                <a:lumMod val="40000"/>
+                <a:lumOff val="60000"/>
+              </a:schemeClr>
+            </a:solidFill>
+            <a:ln>
+              <a:noFill/>
+            </a:ln>
+          </p:spPr>
+          <p:style>
+            <a:lnRef idx="2">
+              <a:schemeClr val="accent1">
+                <a:shade val="50000"/>
+              </a:schemeClr>
+            </a:lnRef>
+            <a:fillRef idx="1">
+              <a:schemeClr val="accent1"/>
+            </a:fillRef>
+            <a:effectRef idx="0">
+              <a:schemeClr val="accent1"/>
+            </a:effectRef>
+            <a:fontRef idx="minor">
+              <a:schemeClr val="lt1"/>
+            </a:fontRef>
+          </p:style>
+          <p:txBody>
+            <a:bodyPr rot="0" spcFirstLastPara="0" vertOverflow="overflow" horzOverflow="overflow" vert="horz" wrap="square" lIns="91440" tIns="45720" rIns="91440" bIns="45720" numCol="1" spcCol="0" rtlCol="0" fromWordArt="0" anchor="t" anchorCtr="0" forceAA="0" compatLnSpc="1">
+              <a:prstTxWarp prst="textNoShape">
+                <a:avLst/>
+              </a:prstTxWarp>
+              <a:noAutofit/>
+            </a:bodyPr>
+            <a:lstStyle/>
+            <a:p>
+              <a:pPr algn="ctr">
+                <a:lnSpc>
+                  <a:spcPct val="114000"/>
+                </a:lnSpc>
+              </a:pPr>
+              <a:endParaRPr lang="zh-CN" altLang="en-US" dirty="0"/>
+            </a:p>
+          </p:txBody>
+        </p:sp>
+        <p:cxnSp>
+          <p:nvCxnSpPr>
+            <p:cNvPr id="22" name="直接箭头连接符 21">
+              <a:extLst>
+                <a:ext uri="{FF2B5EF4-FFF2-40B4-BE49-F238E27FC236}">
+                  <a16:creationId xmlns:a16="http://schemas.microsoft.com/office/drawing/2014/main" id="{0D693885-FF65-42D9-B84E-C023BCA698C3}"/>
+                </a:ext>
+              </a:extLst>
+            </p:cNvPr>
+            <p:cNvCxnSpPr>
+              <a:cxnSpLocks/>
+            </p:cNvCxnSpPr>
+            <p:nvPr/>
+          </p:nvCxnSpPr>
+          <p:spPr>
+            <a:xfrm>
+              <a:off x="4977059" y="4140111"/>
+              <a:ext cx="1556906" cy="1258710"/>
+            </a:xfrm>
+            <a:prstGeom prst="straightConnector1">
+              <a:avLst/>
+            </a:prstGeom>
+            <a:ln w="57150">
+              <a:solidFill>
+                <a:schemeClr val="tx1"/>
+              </a:solidFill>
+              <a:prstDash val="dash"/>
+              <a:tailEnd type="triangle"/>
+            </a:ln>
+          </p:spPr>
+          <p:style>
+            <a:lnRef idx="1">
+              <a:schemeClr val="accent1"/>
+            </a:lnRef>
+            <a:fillRef idx="0">
+              <a:schemeClr val="accent1"/>
+            </a:fillRef>
+            <a:effectRef idx="0">
+              <a:schemeClr val="accent1"/>
+            </a:effectRef>
+            <a:fontRef idx="minor">
+              <a:schemeClr val="tx1"/>
+            </a:fontRef>
+          </p:style>
+        </p:cxnSp>
+        <p:cxnSp>
+          <p:nvCxnSpPr>
+            <p:cNvPr id="24" name="直接箭头连接符 23">
+              <a:extLst>
+                <a:ext uri="{FF2B5EF4-FFF2-40B4-BE49-F238E27FC236}">
+                  <a16:creationId xmlns:a16="http://schemas.microsoft.com/office/drawing/2014/main" id="{395E9135-2D78-40EB-9B4A-EB12B1AB3BF7}"/>
+                </a:ext>
+              </a:extLst>
+            </p:cNvPr>
+            <p:cNvCxnSpPr>
+              <a:cxnSpLocks/>
+            </p:cNvCxnSpPr>
+            <p:nvPr/>
+          </p:nvCxnSpPr>
+          <p:spPr>
+            <a:xfrm flipV="1">
+              <a:off x="5029932" y="3720133"/>
+              <a:ext cx="1627499" cy="303104"/>
+            </a:xfrm>
+            <a:prstGeom prst="straightConnector1">
+              <a:avLst/>
+            </a:prstGeom>
+            <a:ln w="57150">
+              <a:solidFill>
+                <a:schemeClr val="tx1"/>
+              </a:solidFill>
+              <a:prstDash val="solid"/>
+              <a:tailEnd type="triangle"/>
+            </a:ln>
+          </p:spPr>
+          <p:style>
+            <a:lnRef idx="1">
+              <a:schemeClr val="accent1"/>
+            </a:lnRef>
+            <a:fillRef idx="0">
+              <a:schemeClr val="accent1"/>
+            </a:fillRef>
+            <a:effectRef idx="0">
+              <a:schemeClr val="accent1"/>
+            </a:effectRef>
+            <a:fontRef idx="minor">
+              <a:schemeClr val="tx1"/>
+            </a:fontRef>
+          </p:style>
+        </p:cxnSp>
+      </p:grpSp>
+      <p:sp>
+        <p:nvSpPr>
+          <p:cNvPr id="28" name="文本框 27">
+            <a:extLst>
+              <a:ext uri="{FF2B5EF4-FFF2-40B4-BE49-F238E27FC236}">
+                <a16:creationId xmlns:a16="http://schemas.microsoft.com/office/drawing/2014/main" id="{E9033C72-7F19-4F55-A793-BC3BD37B038A}"/>
+              </a:ext>
+            </a:extLst>
+          </p:cNvPr>
+          <p:cNvSpPr txBox="1"/>
+          <p:nvPr/>
+        </p:nvSpPr>
+        <p:spPr>
+          <a:xfrm>
+            <a:off x="8148113" y="4102649"/>
+            <a:ext cx="3754233" cy="1099404"/>
+          </a:xfrm>
+          <a:prstGeom prst="rect">
+            <a:avLst/>
+          </a:prstGeom>
+          <a:noFill/>
+        </p:spPr>
+        <p:txBody>
+          <a:bodyPr wrap="none" lIns="0" tIns="0" rIns="0" bIns="0" rtlCol="0">
+            <a:spAutoFit/>
+          </a:bodyPr>
+          <a:lstStyle/>
+          <a:p>
+            <a:pPr>
+              <a:lnSpc>
+                <a:spcPct val="114000"/>
+              </a:lnSpc>
+            </a:pPr>
+            <a:r>
+              <a:rPr lang="en-US" altLang="zh-CN" sz="1600" b="1" dirty="0">
+                <a:latin typeface="+mn-lt"/>
+              </a:rPr>
+              <a:t>Understand the decision– </a:t>
+            </a:r>
+          </a:p>
+          <a:p>
+            <a:pPr>
+              <a:lnSpc>
+                <a:spcPct val="114000"/>
+              </a:lnSpc>
+            </a:pPr>
+            <a:r>
+              <a:rPr lang="en-US" altLang="zh-CN" sz="1600" i="1" dirty="0">
+                <a:latin typeface="+mn-lt"/>
+              </a:rPr>
+              <a:t>“What could have been done in the past.”</a:t>
+            </a:r>
+          </a:p>
+          <a:p>
+            <a:pPr>
+              <a:lnSpc>
+                <a:spcPct val="114000"/>
+              </a:lnSpc>
+            </a:pPr>
+            <a:r>
+              <a:rPr lang="en-US" altLang="zh-CN" sz="1600" b="1" dirty="0"/>
+              <a:t>Understand &amp; act – </a:t>
+            </a:r>
+          </a:p>
+          <a:p>
+            <a:pPr>
+              <a:lnSpc>
+                <a:spcPct val="114000"/>
+              </a:lnSpc>
+            </a:pPr>
+            <a:r>
+              <a:rPr lang="en-US" altLang="zh-CN" sz="1600" i="1" dirty="0"/>
+              <a:t>“What to do in the future.”</a:t>
+            </a:r>
+          </a:p>
+        </p:txBody>
+      </p:sp>
+      <p:sp>
+        <p:nvSpPr>
+          <p:cNvPr id="30" name="矩形 29">
+            <a:extLst>
+              <a:ext uri="{FF2B5EF4-FFF2-40B4-BE49-F238E27FC236}">
+                <a16:creationId xmlns:a16="http://schemas.microsoft.com/office/drawing/2014/main" id="{337A8D32-4241-41DC-BE30-68E297907774}"/>
+              </a:ext>
+            </a:extLst>
+          </p:cNvPr>
+          <p:cNvSpPr/>
+          <p:nvPr/>
+        </p:nvSpPr>
+        <p:spPr>
+          <a:xfrm>
+            <a:off x="8041059" y="2604472"/>
+            <a:ext cx="4506362" cy="943207"/>
+          </a:xfrm>
+          <a:prstGeom prst="rect">
+            <a:avLst/>
+          </a:prstGeom>
+        </p:spPr>
+        <p:txBody>
+          <a:bodyPr wrap="square">
+            <a:spAutoFit/>
+          </a:bodyPr>
+          <a:lstStyle/>
+          <a:p>
+            <a:pPr>
+              <a:lnSpc>
+                <a:spcPct val="114000"/>
+              </a:lnSpc>
+            </a:pPr>
+            <a:r>
+              <a:rPr lang="en-US" altLang="zh-CN" sz="1600" b="1" dirty="0"/>
+              <a:t>Plausible CF may not be actionable CF!</a:t>
+            </a:r>
+          </a:p>
+          <a:p>
+            <a:pPr>
+              <a:lnSpc>
+                <a:spcPct val="114000"/>
+              </a:lnSpc>
+            </a:pPr>
+            <a:r>
+              <a:rPr lang="en-US" altLang="zh-CN" sz="1600" dirty="0"/>
+              <a:t>Irreversible variables, e.g. age</a:t>
+            </a:r>
+          </a:p>
+          <a:p>
+            <a:pPr>
+              <a:lnSpc>
+                <a:spcPct val="114000"/>
+              </a:lnSpc>
+            </a:pPr>
+            <a:r>
+              <a:rPr lang="en-US" altLang="zh-CN" sz="1600" dirty="0"/>
+              <a:t>Unchangeable variables, e.g. gender, race</a:t>
+            </a:r>
+          </a:p>
+        </p:txBody>
+      </p:sp>
+      <p:sp>
+        <p:nvSpPr>
+          <p:cNvPr id="34" name="矩形 33">
+            <a:extLst>
+              <a:ext uri="{FF2B5EF4-FFF2-40B4-BE49-F238E27FC236}">
+                <a16:creationId xmlns:a16="http://schemas.microsoft.com/office/drawing/2014/main" id="{B2428239-1231-4A88-A478-E6101A27E6FD}"/>
+              </a:ext>
+            </a:extLst>
+          </p:cNvPr>
+          <p:cNvSpPr/>
+          <p:nvPr/>
+        </p:nvSpPr>
+        <p:spPr>
+          <a:xfrm>
+            <a:off x="4198454" y="1883854"/>
+            <a:ext cx="3174129" cy="1477328"/>
+          </a:xfrm>
+          <a:prstGeom prst="rect">
+            <a:avLst/>
+          </a:prstGeom>
+        </p:spPr>
+        <p:txBody>
+          <a:bodyPr wrap="square">
+            <a:spAutoFit/>
+          </a:bodyPr>
+          <a:lstStyle/>
+          <a:p>
+            <a:r>
+              <a:rPr lang="en-US" altLang="zh-CN" b="1" dirty="0"/>
+              <a:t>Example 2</a:t>
+            </a:r>
+            <a:r>
+              <a:rPr lang="zh-CN" altLang="en-US" b="1" dirty="0"/>
+              <a:t> </a:t>
+            </a:r>
+            <a:r>
+              <a:rPr lang="en-US" altLang="zh-CN" b="1" dirty="0"/>
+              <a:t>-</a:t>
+            </a:r>
+            <a:r>
+              <a:rPr lang="zh-CN" altLang="en-US" b="1" dirty="0"/>
+              <a:t> </a:t>
+            </a:r>
+            <a:r>
+              <a:rPr lang="en-US" altLang="zh-CN" i="1" dirty="0">
+                <a:solidFill>
+                  <a:srgbClr val="000000"/>
+                </a:solidFill>
+                <a:latin typeface="CMR10"/>
+              </a:rPr>
+              <a:t>“You will receive the loan if you decrease your age by three and change the education level to master.”</a:t>
+            </a:r>
+            <a:r>
+              <a:rPr lang="en-US" altLang="zh-CN" i="1" dirty="0"/>
+              <a:t> </a:t>
+            </a:r>
+            <a:br>
+              <a:rPr lang="en-US" altLang="zh-CN" dirty="0"/>
+            </a:br>
+            <a:endParaRPr lang="zh-CN" altLang="en-US" dirty="0"/>
+          </a:p>
+        </p:txBody>
+      </p:sp>
+      <p:sp>
+        <p:nvSpPr>
+          <p:cNvPr id="36" name="文本框 35">
+            <a:extLst>
+              <a:ext uri="{FF2B5EF4-FFF2-40B4-BE49-F238E27FC236}">
+                <a16:creationId xmlns:a16="http://schemas.microsoft.com/office/drawing/2014/main" id="{1E9B6A4E-B72B-419B-BB33-711357B42C9C}"/>
+              </a:ext>
+            </a:extLst>
+          </p:cNvPr>
+          <p:cNvSpPr txBox="1"/>
+          <p:nvPr/>
+        </p:nvSpPr>
+        <p:spPr>
+          <a:xfrm>
+            <a:off x="916802" y="2174438"/>
+            <a:ext cx="1141338" cy="289438"/>
+          </a:xfrm>
+          <a:prstGeom prst="rect">
+            <a:avLst/>
+          </a:prstGeom>
+          <a:noFill/>
+        </p:spPr>
+        <p:txBody>
+          <a:bodyPr wrap="none" lIns="0" tIns="0" rIns="0" bIns="0" rtlCol="0">
+            <a:spAutoFit/>
+          </a:bodyPr>
+          <a:lstStyle/>
+          <a:p>
+            <a:pPr>
+              <a:lnSpc>
+                <a:spcPct val="114000"/>
+              </a:lnSpc>
+            </a:pPr>
+            <a:r>
+              <a:rPr lang="en-US" altLang="zh-CN" b="1" dirty="0">
+                <a:latin typeface="+mn-lt"/>
+              </a:rPr>
+              <a:t>Example 1</a:t>
+            </a:r>
+            <a:endParaRPr lang="zh-CN" altLang="en-US" b="1" dirty="0" err="1">
+              <a:latin typeface="+mn-lt"/>
+            </a:endParaRPr>
+          </a:p>
+        </p:txBody>
+      </p:sp>
     </p:spTree>
     <p:extLst>
       <p:ext uri="{BB962C8B-B14F-4D97-AF65-F5344CB8AC3E}">
@@ -6055,7 +9676,7 @@
 </p:sld>
 </file>
 
-<file path=ppt/slides/slide13.xml><?xml version="1.0" encoding="utf-8"?>
+<file path=ppt/slides/slide12.xml><?xml version="1.0" encoding="utf-8"?>
 <p:sld xmlns:a="http://schemas.openxmlformats.org/drawingml/2006/main" xmlns:r="http://schemas.openxmlformats.org/officeDocument/2006/relationships" xmlns:p="http://schemas.openxmlformats.org/presentationml/2006/main">
   <p:cSld>
     <p:spTree>
@@ -6088,12 +9709,21 @@
             <p:ph idx="1"/>
           </p:nvPr>
         </p:nvSpPr>
-        <p:spPr/>
+        <p:spPr>
+          <a:xfrm>
+            <a:off x="1061687" y="2243271"/>
+            <a:ext cx="5034313" cy="510909"/>
+          </a:xfrm>
+        </p:spPr>
         <p:txBody>
           <a:bodyPr/>
           <a:lstStyle/>
           <a:p>
-            <a:endParaRPr lang="zh-CN" altLang="en-US"/>
+            <a:r>
+              <a:rPr lang="en-US" altLang="zh-CN" dirty="0"/>
+              <a:t>Offer extra causality information to the model.</a:t>
+            </a:r>
+            <a:endParaRPr lang="zh-CN" altLang="en-US" dirty="0"/>
           </a:p>
         </p:txBody>
       </p:sp>
@@ -6120,7 +9750,7 @@
           <a:p>
             <a:r>
               <a:rPr lang="en-US" altLang="zh-CN" dirty="0"/>
-              <a:t>Solution: causal graph</a:t>
+              <a:t>Solution to lack of actionability: causal graph</a:t>
             </a:r>
             <a:endParaRPr lang="zh-CN" altLang="en-US" dirty="0"/>
           </a:p>
@@ -6150,7 +9780,7 @@
             <a:fld id="{CE58CB1E-F828-4F11-99E0-327109AF9DA4}" type="slidenum">
               <a:rPr lang="de-DE" smtClean="0"/>
               <a:pPr/>
-              <a:t>13</a:t>
+              <a:t>12</a:t>
             </a:fld>
             <a:endParaRPr lang="de-DE" dirty="0"/>
           </a:p>
@@ -6189,6 +9819,412 @@
     <p:extLst>
       <p:ext uri="{BB962C8B-B14F-4D97-AF65-F5344CB8AC3E}">
         <p14:creationId xmlns:p14="http://schemas.microsoft.com/office/powerpoint/2010/main" val="212900967"/>
+      </p:ext>
+    </p:extLst>
+  </p:cSld>
+  <p:clrMapOvr>
+    <a:masterClrMapping/>
+  </p:clrMapOvr>
+</p:sld>
+</file>
+
+<file path=ppt/slides/slide13.xml><?xml version="1.0" encoding="utf-8"?>
+<p:sld xmlns:a="http://schemas.openxmlformats.org/drawingml/2006/main" xmlns:r="http://schemas.openxmlformats.org/officeDocument/2006/relationships" xmlns:p="http://schemas.openxmlformats.org/presentationml/2006/main">
+  <p:cSld>
+    <p:spTree>
+      <p:nvGrpSpPr>
+        <p:cNvPr id="1" name=""/>
+        <p:cNvGrpSpPr/>
+        <p:nvPr/>
+      </p:nvGrpSpPr>
+      <p:grpSpPr>
+        <a:xfrm>
+          <a:off x="0" y="0"/>
+          <a:ext cx="0" cy="0"/>
+          <a:chOff x="0" y="0"/>
+          <a:chExt cx="0" cy="0"/>
+        </a:xfrm>
+      </p:grpSpPr>
+      <p:graphicFrame>
+        <p:nvGraphicFramePr>
+          <p:cNvPr id="6" name="内容占位符 5">
+            <a:extLst>
+              <a:ext uri="{FF2B5EF4-FFF2-40B4-BE49-F238E27FC236}">
+                <a16:creationId xmlns:a16="http://schemas.microsoft.com/office/drawing/2014/main" id="{96348C03-E281-47D4-B0E7-348873B7EA18}"/>
+              </a:ext>
+            </a:extLst>
+          </p:cNvPr>
+          <p:cNvGraphicFramePr>
+            <a:graphicFrameLocks noGrp="1"/>
+          </p:cNvGraphicFramePr>
+          <p:nvPr>
+            <p:ph idx="1"/>
+            <p:extLst>
+              <p:ext uri="{D42A27DB-BD31-4B8C-83A1-F6EECF244321}">
+                <p14:modId xmlns:p14="http://schemas.microsoft.com/office/powerpoint/2010/main" val="2328390729"/>
+              </p:ext>
+            </p:extLst>
+          </p:nvPr>
+        </p:nvGraphicFramePr>
+        <p:xfrm>
+          <a:off x="760759" y="1776142"/>
+          <a:ext cx="10549392" cy="4387911"/>
+        </p:xfrm>
+        <a:graphic>
+          <a:graphicData uri="http://schemas.openxmlformats.org/drawingml/2006/diagram">
+            <dgm:relIds xmlns:dgm="http://schemas.openxmlformats.org/drawingml/2006/diagram" xmlns:r="http://schemas.openxmlformats.org/officeDocument/2006/relationships" r:dm="rId2" r:lo="rId3" r:qs="rId4" r:cs="rId5"/>
+          </a:graphicData>
+        </a:graphic>
+      </p:graphicFrame>
+      <p:sp>
+        <p:nvSpPr>
+          <p:cNvPr id="3" name="标题 2">
+            <a:extLst>
+              <a:ext uri="{FF2B5EF4-FFF2-40B4-BE49-F238E27FC236}">
+                <a16:creationId xmlns:a16="http://schemas.microsoft.com/office/drawing/2014/main" id="{BA50F263-3654-43EE-94CF-9C63671B77C2}"/>
+              </a:ext>
+            </a:extLst>
+          </p:cNvPr>
+          <p:cNvSpPr>
+            <a:spLocks noGrp="1"/>
+          </p:cNvSpPr>
+          <p:nvPr>
+            <p:ph type="title"/>
+          </p:nvPr>
+        </p:nvSpPr>
+        <p:spPr/>
+        <p:txBody>
+          <a:bodyPr/>
+          <a:lstStyle/>
+          <a:p>
+            <a:r>
+              <a:rPr lang="en-US" altLang="zh-CN" dirty="0"/>
+              <a:t>Summary of counterfactual explanation</a:t>
+            </a:r>
+            <a:endParaRPr lang="zh-CN" altLang="en-US" dirty="0"/>
+          </a:p>
+        </p:txBody>
+      </p:sp>
+      <p:sp>
+        <p:nvSpPr>
+          <p:cNvPr id="4" name="灯片编号占位符 3">
+            <a:extLst>
+              <a:ext uri="{FF2B5EF4-FFF2-40B4-BE49-F238E27FC236}">
+                <a16:creationId xmlns:a16="http://schemas.microsoft.com/office/drawing/2014/main" id="{820A2909-DECB-479E-8763-A17993B6723C}"/>
+              </a:ext>
+            </a:extLst>
+          </p:cNvPr>
+          <p:cNvSpPr>
+            <a:spLocks noGrp="1"/>
+          </p:cNvSpPr>
+          <p:nvPr>
+            <p:ph type="sldNum" sz="quarter" idx="11"/>
+          </p:nvPr>
+        </p:nvSpPr>
+        <p:spPr/>
+        <p:txBody>
+          <a:bodyPr/>
+          <a:lstStyle/>
+          <a:p>
+            <a:fld id="{CE58CB1E-F828-4F11-99E0-327109AF9DA4}" type="slidenum">
+              <a:rPr lang="de-DE" smtClean="0"/>
+              <a:pPr/>
+              <a:t>13</a:t>
+            </a:fld>
+            <a:endParaRPr lang="de-DE" dirty="0"/>
+          </a:p>
+        </p:txBody>
+      </p:sp>
+      <p:sp>
+        <p:nvSpPr>
+          <p:cNvPr id="5" name="页脚占位符 4">
+            <a:extLst>
+              <a:ext uri="{FF2B5EF4-FFF2-40B4-BE49-F238E27FC236}">
+                <a16:creationId xmlns:a16="http://schemas.microsoft.com/office/drawing/2014/main" id="{AD626946-A7DC-45FE-A74B-0E462B0BB518}"/>
+              </a:ext>
+            </a:extLst>
+          </p:cNvPr>
+          <p:cNvSpPr>
+            <a:spLocks noGrp="1"/>
+          </p:cNvSpPr>
+          <p:nvPr>
+            <p:ph type="ftr" sz="quarter" idx="12"/>
+          </p:nvPr>
+        </p:nvSpPr>
+        <p:spPr/>
+        <p:txBody>
+          <a:bodyPr/>
+          <a:lstStyle/>
+          <a:p>
+            <a:r>
+              <a:rPr lang="de-DE" altLang="zh-CN"/>
+              <a:t>Topic 6 | Counterfactual Explanation</a:t>
+            </a:r>
+            <a:endParaRPr lang="en-US" altLang="zh-CN" dirty="0"/>
+          </a:p>
+        </p:txBody>
+      </p:sp>
+    </p:spTree>
+    <p:extLst>
+      <p:ext uri="{BB962C8B-B14F-4D97-AF65-F5344CB8AC3E}">
+        <p14:creationId xmlns:p14="http://schemas.microsoft.com/office/powerpoint/2010/main" val="380927550"/>
+      </p:ext>
+    </p:extLst>
+  </p:cSld>
+  <p:clrMapOvr>
+    <a:masterClrMapping/>
+  </p:clrMapOvr>
+</p:sld>
+</file>
+
+<file path=ppt/slides/slide14.xml><?xml version="1.0" encoding="utf-8"?>
+<p:sld xmlns:a="http://schemas.openxmlformats.org/drawingml/2006/main" xmlns:r="http://schemas.openxmlformats.org/officeDocument/2006/relationships" xmlns:p="http://schemas.openxmlformats.org/presentationml/2006/main">
+  <p:cSld>
+    <p:spTree>
+      <p:nvGrpSpPr>
+        <p:cNvPr id="1" name=""/>
+        <p:cNvGrpSpPr/>
+        <p:nvPr/>
+      </p:nvGrpSpPr>
+      <p:grpSpPr>
+        <a:xfrm>
+          <a:off x="0" y="0"/>
+          <a:ext cx="0" cy="0"/>
+          <a:chOff x="0" y="0"/>
+          <a:chExt cx="0" cy="0"/>
+        </a:xfrm>
+      </p:grpSpPr>
+      <p:sp>
+        <p:nvSpPr>
+          <p:cNvPr id="6" name="标题 5">
+            <a:extLst>
+              <a:ext uri="{FF2B5EF4-FFF2-40B4-BE49-F238E27FC236}">
+                <a16:creationId xmlns:a16="http://schemas.microsoft.com/office/drawing/2014/main" id="{4F2887DE-3206-47F8-9566-326B14CE283D}"/>
+              </a:ext>
+            </a:extLst>
+          </p:cNvPr>
+          <p:cNvSpPr>
+            <a:spLocks noGrp="1"/>
+          </p:cNvSpPr>
+          <p:nvPr>
+            <p:ph type="title"/>
+          </p:nvPr>
+        </p:nvSpPr>
+        <p:spPr/>
+        <p:txBody>
+          <a:bodyPr/>
+          <a:lstStyle/>
+          <a:p>
+            <a:r>
+              <a:rPr lang="en-US" altLang="zh-CN" dirty="0"/>
+              <a:t>Backup slides</a:t>
+            </a:r>
+            <a:endParaRPr lang="zh-CN" altLang="en-US" dirty="0"/>
+          </a:p>
+        </p:txBody>
+      </p:sp>
+      <p:sp>
+        <p:nvSpPr>
+          <p:cNvPr id="4" name="灯片编号占位符 3">
+            <a:extLst>
+              <a:ext uri="{FF2B5EF4-FFF2-40B4-BE49-F238E27FC236}">
+                <a16:creationId xmlns:a16="http://schemas.microsoft.com/office/drawing/2014/main" id="{AFAF0254-45C8-4DDA-AD1B-53E1D90905BA}"/>
+              </a:ext>
+            </a:extLst>
+          </p:cNvPr>
+          <p:cNvSpPr>
+            <a:spLocks noGrp="1"/>
+          </p:cNvSpPr>
+          <p:nvPr>
+            <p:ph type="sldNum" sz="quarter" idx="12"/>
+          </p:nvPr>
+        </p:nvSpPr>
+        <p:spPr/>
+        <p:txBody>
+          <a:bodyPr/>
+          <a:lstStyle/>
+          <a:p>
+            <a:fld id="{CE58CB1E-F828-4F11-99E0-327109AF9DA4}" type="slidenum">
+              <a:rPr lang="de-DE" smtClean="0"/>
+              <a:pPr/>
+              <a:t>14</a:t>
+            </a:fld>
+            <a:endParaRPr lang="de-DE" dirty="0"/>
+          </a:p>
+        </p:txBody>
+      </p:sp>
+      <p:sp>
+        <p:nvSpPr>
+          <p:cNvPr id="5" name="页脚占位符 4">
+            <a:extLst>
+              <a:ext uri="{FF2B5EF4-FFF2-40B4-BE49-F238E27FC236}">
+                <a16:creationId xmlns:a16="http://schemas.microsoft.com/office/drawing/2014/main" id="{C16B4FA7-F647-4F9A-8376-C1931FCC946C}"/>
+              </a:ext>
+            </a:extLst>
+          </p:cNvPr>
+          <p:cNvSpPr>
+            <a:spLocks noGrp="1"/>
+          </p:cNvSpPr>
+          <p:nvPr>
+            <p:ph type="ftr" sz="quarter" idx="13"/>
+          </p:nvPr>
+        </p:nvSpPr>
+        <p:spPr/>
+        <p:txBody>
+          <a:bodyPr/>
+          <a:lstStyle/>
+          <a:p>
+            <a:r>
+              <a:rPr lang="de-DE" altLang="zh-CN"/>
+              <a:t>Topic 6 | Counterfactual Explanation</a:t>
+            </a:r>
+            <a:endParaRPr lang="en-US" altLang="zh-CN" dirty="0"/>
+          </a:p>
+        </p:txBody>
+      </p:sp>
+    </p:spTree>
+    <p:extLst>
+      <p:ext uri="{BB962C8B-B14F-4D97-AF65-F5344CB8AC3E}">
+        <p14:creationId xmlns:p14="http://schemas.microsoft.com/office/powerpoint/2010/main" val="1065411650"/>
+      </p:ext>
+    </p:extLst>
+  </p:cSld>
+  <p:clrMapOvr>
+    <a:masterClrMapping/>
+  </p:clrMapOvr>
+</p:sld>
+</file>
+
+<file path=ppt/slides/slide15.xml><?xml version="1.0" encoding="utf-8"?>
+<p:sld xmlns:a="http://schemas.openxmlformats.org/drawingml/2006/main" xmlns:r="http://schemas.openxmlformats.org/officeDocument/2006/relationships" xmlns:p="http://schemas.openxmlformats.org/presentationml/2006/main">
+  <p:cSld>
+    <p:spTree>
+      <p:nvGrpSpPr>
+        <p:cNvPr id="1" name=""/>
+        <p:cNvGrpSpPr/>
+        <p:nvPr/>
+      </p:nvGrpSpPr>
+      <p:grpSpPr>
+        <a:xfrm>
+          <a:off x="0" y="0"/>
+          <a:ext cx="0" cy="0"/>
+          <a:chOff x="0" y="0"/>
+          <a:chExt cx="0" cy="0"/>
+        </a:xfrm>
+      </p:grpSpPr>
+      <p:sp>
+        <p:nvSpPr>
+          <p:cNvPr id="6" name="标题 5">
+            <a:extLst>
+              <a:ext uri="{FF2B5EF4-FFF2-40B4-BE49-F238E27FC236}">
+                <a16:creationId xmlns:a16="http://schemas.microsoft.com/office/drawing/2014/main" id="{5AA00817-EB85-4077-B631-A1D24F927289}"/>
+              </a:ext>
+            </a:extLst>
+          </p:cNvPr>
+          <p:cNvSpPr>
+            <a:spLocks noGrp="1"/>
+          </p:cNvSpPr>
+          <p:nvPr>
+            <p:ph type="title"/>
+          </p:nvPr>
+        </p:nvSpPr>
+        <p:spPr/>
+        <p:txBody>
+          <a:bodyPr/>
+          <a:lstStyle/>
+          <a:p>
+            <a:endParaRPr lang="zh-CN" altLang="en-US"/>
+          </a:p>
+        </p:txBody>
+      </p:sp>
+      <p:sp>
+        <p:nvSpPr>
+          <p:cNvPr id="7" name="内容占位符 6">
+            <a:extLst>
+              <a:ext uri="{FF2B5EF4-FFF2-40B4-BE49-F238E27FC236}">
+                <a16:creationId xmlns:a16="http://schemas.microsoft.com/office/drawing/2014/main" id="{AA5E19ED-4E0C-470C-A42A-833069AFB466}"/>
+              </a:ext>
+            </a:extLst>
+          </p:cNvPr>
+          <p:cNvSpPr>
+            <a:spLocks noGrp="1"/>
+          </p:cNvSpPr>
+          <p:nvPr>
+            <p:ph idx="10"/>
+          </p:nvPr>
+        </p:nvSpPr>
+        <p:spPr/>
+        <p:txBody>
+          <a:bodyPr/>
+          <a:lstStyle/>
+          <a:p>
+            <a:endParaRPr lang="zh-CN" altLang="en-US"/>
+          </a:p>
+        </p:txBody>
+      </p:sp>
+      <p:sp>
+        <p:nvSpPr>
+          <p:cNvPr id="4" name="灯片编号占位符 3">
+            <a:extLst>
+              <a:ext uri="{FF2B5EF4-FFF2-40B4-BE49-F238E27FC236}">
+                <a16:creationId xmlns:a16="http://schemas.microsoft.com/office/drawing/2014/main" id="{77F1EB66-602B-4777-9C76-EB2266305BAE}"/>
+              </a:ext>
+            </a:extLst>
+          </p:cNvPr>
+          <p:cNvSpPr>
+            <a:spLocks noGrp="1"/>
+          </p:cNvSpPr>
+          <p:nvPr>
+            <p:ph type="sldNum" sz="quarter" idx="12"/>
+          </p:nvPr>
+        </p:nvSpPr>
+        <p:spPr/>
+        <p:txBody>
+          <a:bodyPr/>
+          <a:lstStyle/>
+          <a:p>
+            <a:fld id="{CE58CB1E-F828-4F11-99E0-327109AF9DA4}" type="slidenum">
+              <a:rPr lang="de-DE" smtClean="0"/>
+              <a:pPr/>
+              <a:t>15</a:t>
+            </a:fld>
+            <a:endParaRPr lang="de-DE" dirty="0"/>
+          </a:p>
+        </p:txBody>
+      </p:sp>
+      <p:sp>
+        <p:nvSpPr>
+          <p:cNvPr id="5" name="页脚占位符 4">
+            <a:extLst>
+              <a:ext uri="{FF2B5EF4-FFF2-40B4-BE49-F238E27FC236}">
+                <a16:creationId xmlns:a16="http://schemas.microsoft.com/office/drawing/2014/main" id="{DE07DBA7-2595-40AE-A556-13A8AFAEB4DF}"/>
+              </a:ext>
+            </a:extLst>
+          </p:cNvPr>
+          <p:cNvSpPr>
+            <a:spLocks noGrp="1"/>
+          </p:cNvSpPr>
+          <p:nvPr>
+            <p:ph type="ftr" sz="quarter" idx="13"/>
+          </p:nvPr>
+        </p:nvSpPr>
+        <p:spPr/>
+        <p:txBody>
+          <a:bodyPr/>
+          <a:lstStyle/>
+          <a:p>
+            <a:r>
+              <a:rPr lang="de-DE"/>
+              <a:t>Dr. rer. nat. Erika Mustermann (TUM) | kann beliebig erweitert werden | Infos mit Strich trennen</a:t>
+            </a:r>
+            <a:endParaRPr lang="en-US" dirty="0"/>
+          </a:p>
+        </p:txBody>
+      </p:sp>
+    </p:spTree>
+    <p:extLst>
+      <p:ext uri="{BB962C8B-B14F-4D97-AF65-F5344CB8AC3E}">
+        <p14:creationId xmlns:p14="http://schemas.microsoft.com/office/powerpoint/2010/main" val="4179725480"/>
       </p:ext>
     </p:extLst>
   </p:cSld>
@@ -8531,14 +12567,14 @@
           <p:nvPr>
             <p:extLst>
               <p:ext uri="{D42A27DB-BD31-4B8C-83A1-F6EECF244321}">
-                <p14:modId xmlns:p14="http://schemas.microsoft.com/office/powerpoint/2010/main" val="3332848213"/>
+                <p14:modId xmlns:p14="http://schemas.microsoft.com/office/powerpoint/2010/main" val="3828778593"/>
               </p:ext>
             </p:extLst>
           </p:nvPr>
         </p:nvGraphicFramePr>
         <p:xfrm>
-          <a:off x="538440" y="2179771"/>
-          <a:ext cx="8916277" cy="3474720"/>
+          <a:off x="2488193" y="2087279"/>
+          <a:ext cx="8916277" cy="3901440"/>
         </p:xfrm>
         <a:graphic>
           <a:graphicData uri="http://schemas.openxmlformats.org/drawingml/2006/table">
@@ -8692,7 +12728,7 @@
                       <a:endParaRPr lang="zh-CN" altLang="en-US" sz="1600" dirty="0"/>
                     </a:p>
                   </a:txBody>
-                  <a:tcPr/>
+                  <a:tcPr anchor="ctr"/>
                 </a:tc>
                 <a:tc>
                   <a:txBody>
@@ -8702,7 +12738,7 @@
                       <a:pPr algn="l"/>
                       <a:r>
                         <a:rPr lang="en-US" altLang="zh-CN" sz="1600" dirty="0"/>
-                        <a:t>education level, occupation, race, age, gender</a:t>
+                        <a:t>education level, occupation, race, age, gender…</a:t>
                       </a:r>
                       <a:endParaRPr lang="zh-CN" altLang="en-US" sz="1600" dirty="0"/>
                     </a:p>
@@ -8744,7 +12780,7 @@
                       <a:endParaRPr lang="zh-CN" altLang="en-US" sz="1600" dirty="0"/>
                     </a:p>
                   </a:txBody>
-                  <a:tcPr/>
+                  <a:tcPr anchor="ctr"/>
                 </a:tc>
                 <a:tc>
                   <a:txBody>
@@ -8802,7 +12838,7 @@
                       <a:endParaRPr lang="zh-CN" altLang="en-US" sz="1600" dirty="0"/>
                     </a:p>
                   </a:txBody>
-                  <a:tcPr/>
+                  <a:tcPr anchor="ctr"/>
                 </a:tc>
                 <a:tc>
                   <a:txBody>
@@ -8810,6 +12846,10 @@
                     <a:lstStyle/>
                     <a:p>
                       <a:pPr algn="l"/>
+                      <a:r>
+                        <a:rPr lang="en-US" altLang="zh-CN" sz="1600" dirty="0"/>
+                        <a:t>credit history, credit amount, savings, employment length, age…</a:t>
+                      </a:r>
                       <a:endParaRPr lang="zh-CN" altLang="en-US" sz="1600" dirty="0"/>
                     </a:p>
                   </a:txBody>
@@ -8850,7 +12890,7 @@
                       <a:endParaRPr lang="zh-CN" altLang="en-US" sz="1600" dirty="0"/>
                     </a:p>
                   </a:txBody>
-                  <a:tcPr/>
+                  <a:tcPr anchor="ctr"/>
                 </a:tc>
                 <a:tc>
                   <a:txBody>
@@ -8874,7 +12914,7 @@
                       <a:pPr algn="l"/>
                       <a:r>
                         <a:rPr lang="en-US" altLang="zh-CN" sz="1600" dirty="0"/>
-                        <a:t>race, age, gender</a:t>
+                        <a:t>race, age, gender…</a:t>
                       </a:r>
                     </a:p>
                   </a:txBody>
@@ -8915,7 +12955,7 @@
                       <a:endParaRPr lang="zh-CN" altLang="en-US" sz="1600" dirty="0"/>
                     </a:p>
                   </a:txBody>
-                  <a:tcPr/>
+                  <a:tcPr anchor="ctr"/>
                 </a:tc>
                 <a:tc>
                   <a:txBody>
@@ -8987,15 +13027,47 @@
             <p:ph idx="1"/>
           </p:nvPr>
         </p:nvSpPr>
-        <p:spPr/>
+        <p:spPr>
+          <a:xfrm>
+            <a:off x="824948" y="4446711"/>
+            <a:ext cx="4510531" cy="1115288"/>
+          </a:xfrm>
+        </p:spPr>
         <p:txBody>
           <a:bodyPr/>
           <a:lstStyle/>
           <a:p>
+            <a:pPr marL="457200" indent="-457200">
+              <a:buFont typeface="+mj-lt"/>
+              <a:buAutoNum type="arabicPeriod"/>
+            </a:pPr>
             <a:r>
-              <a:rPr lang="zh-CN" altLang="en-US" dirty="0"/>
-              <a:t>具体步骤</a:t>
+              <a:rPr lang="en-US" altLang="zh-CN" dirty="0"/>
+              <a:t>Predict an output</a:t>
             </a:r>
+            <a:endParaRPr lang="zh-CN" altLang="zh-CN" dirty="0"/>
+          </a:p>
+          <a:p>
+            <a:pPr marL="457200" indent="-457200">
+              <a:buFont typeface="+mj-lt"/>
+              <a:buAutoNum type="arabicPeriod"/>
+            </a:pPr>
+            <a:r>
+              <a:rPr lang="en-US" altLang="zh-CN" dirty="0"/>
+              <a:t>Calculate the loss/error of the output</a:t>
+            </a:r>
+            <a:endParaRPr lang="zh-CN" altLang="zh-CN" dirty="0"/>
+          </a:p>
+          <a:p>
+            <a:pPr marL="457200" indent="-457200">
+              <a:buFont typeface="+mj-lt"/>
+              <a:buAutoNum type="arabicPeriod"/>
+            </a:pPr>
+            <a:r>
+              <a:rPr lang="en-US" altLang="zh-CN" dirty="0"/>
+              <a:t>Update the prediction system</a:t>
+            </a:r>
+            <a:endParaRPr lang="zh-CN" altLang="zh-CN" dirty="0"/>
           </a:p>
         </p:txBody>
       </p:sp>
@@ -9022,7 +13094,7 @@
           <a:p>
             <a:r>
               <a:rPr lang="en-US" altLang="zh-CN" dirty="0"/>
-              <a:t>Popular techniques – gradient based method</a:t>
+              <a:t>Popular technique – gradient based method</a:t>
             </a:r>
             <a:endParaRPr lang="zh-CN" altLang="en-US" dirty="0"/>
           </a:p>
@@ -9087,6 +13159,597 @@
           </a:p>
         </p:txBody>
       </p:sp>
+      <mc:AlternateContent xmlns:mc="http://schemas.openxmlformats.org/markup-compatibility/2006">
+        <mc:Choice xmlns:a14="http://schemas.microsoft.com/office/drawing/2010/main" Requires="a14">
+          <p:sp>
+            <p:nvSpPr>
+              <p:cNvPr id="6" name="文本框 5">
+                <a:extLst>
+                  <a:ext uri="{FF2B5EF4-FFF2-40B4-BE49-F238E27FC236}">
+                    <a16:creationId xmlns:a16="http://schemas.microsoft.com/office/drawing/2014/main" id="{1A403DDD-6A2F-4A47-8F9F-3AB91393E3C8}"/>
+                  </a:ext>
+                </a:extLst>
+              </p:cNvPr>
+              <p:cNvSpPr txBox="1"/>
+              <p:nvPr/>
+            </p:nvSpPr>
+            <p:spPr>
+              <a:xfrm>
+                <a:off x="3790764" y="2319838"/>
+                <a:ext cx="4234650" cy="396070"/>
+              </a:xfrm>
+              <a:prstGeom prst="rect">
+                <a:avLst/>
+              </a:prstGeom>
+              <a:noFill/>
+            </p:spPr>
+            <p:txBody>
+              <a:bodyPr wrap="square" lIns="0" tIns="0" rIns="0" bIns="0" rtlCol="0">
+                <a:spAutoFit/>
+              </a:bodyPr>
+              <a:lstStyle/>
+              <a:p>
+                <a:pPr>
+                  <a:lnSpc>
+                    <a:spcPct val="114000"/>
+                  </a:lnSpc>
+                </a:pPr>
+                <a14:m>
+                  <m:oMathPara xmlns:m="http://schemas.openxmlformats.org/officeDocument/2006/math">
+                    <m:oMathParaPr>
+                      <m:jc m:val="centerGroup"/>
+                    </m:oMathParaPr>
+                    <m:oMath xmlns:m="http://schemas.openxmlformats.org/officeDocument/2006/math">
+                      <m:r>
+                        <a:rPr lang="en-US" altLang="zh-CN" sz="2000" b="1" i="1" smtClean="0">
+                          <a:latin typeface="Cambria Math" panose="02040503050406030204" pitchFamily="18" charset="0"/>
+                        </a:rPr>
+                        <m:t>𝒄</m:t>
+                      </m:r>
+                      <m:r>
+                        <a:rPr lang="en-US" altLang="zh-CN" sz="2000" b="0" i="1" smtClean="0">
+                          <a:latin typeface="Cambria Math" panose="02040503050406030204" pitchFamily="18" charset="0"/>
+                        </a:rPr>
+                        <m:t>=</m:t>
+                      </m:r>
+                      <m:sSub>
+                        <m:sSubPr>
+                          <m:ctrlPr>
+                            <a:rPr lang="en-US" altLang="zh-CN" sz="2000" b="1" i="1" smtClean="0">
+                              <a:latin typeface="Cambria Math" panose="02040503050406030204" pitchFamily="18" charset="0"/>
+                            </a:rPr>
+                          </m:ctrlPr>
+                        </m:sSubPr>
+                        <m:e>
+                          <m:r>
+                            <a:rPr lang="en-US" altLang="zh-CN" sz="2000" b="0" i="1" smtClean="0">
+                              <a:latin typeface="Cambria Math" panose="02040503050406030204" pitchFamily="18" charset="0"/>
+                            </a:rPr>
+                            <m:t>𝑎𝑟𝑔𝑚𝑎𝑥</m:t>
+                          </m:r>
+                        </m:e>
+                        <m:sub>
+                          <m:r>
+                            <a:rPr lang="en-US" altLang="zh-CN" sz="2000" b="1" i="1" smtClean="0">
+                              <a:latin typeface="Cambria Math" panose="02040503050406030204" pitchFamily="18" charset="0"/>
+                            </a:rPr>
+                            <m:t>𝒄</m:t>
+                          </m:r>
+                        </m:sub>
+                      </m:sSub>
+                      <m:r>
+                        <a:rPr lang="en-US" altLang="zh-CN" sz="2000" b="1" i="1" smtClean="0">
+                          <a:latin typeface="Cambria Math" panose="02040503050406030204" pitchFamily="18" charset="0"/>
+                        </a:rPr>
+                        <m:t> </m:t>
+                      </m:r>
+                      <m:r>
+                        <a:rPr lang="en-US" altLang="zh-CN" sz="2000" b="0" i="1" smtClean="0">
+                          <a:latin typeface="Cambria Math" panose="02040503050406030204" pitchFamily="18" charset="0"/>
+                        </a:rPr>
+                        <m:t>𝑙𝑜𝑠𝑠</m:t>
+                      </m:r>
+                      <m:d>
+                        <m:dPr>
+                          <m:ctrlPr>
+                            <a:rPr lang="en-US" altLang="zh-CN" sz="2000" b="0" i="1" smtClean="0">
+                              <a:latin typeface="Cambria Math" panose="02040503050406030204" pitchFamily="18" charset="0"/>
+                            </a:rPr>
+                          </m:ctrlPr>
+                        </m:dPr>
+                        <m:e>
+                          <m:r>
+                            <a:rPr lang="en-US" altLang="zh-CN" sz="2000" b="1" i="1" smtClean="0">
+                              <a:latin typeface="Cambria Math" panose="02040503050406030204" pitchFamily="18" charset="0"/>
+                            </a:rPr>
+                            <m:t>𝒚</m:t>
+                          </m:r>
+                          <m:r>
+                            <a:rPr lang="en-US" altLang="zh-CN" sz="2000" b="0" i="1" smtClean="0">
+                              <a:latin typeface="Cambria Math" panose="02040503050406030204" pitchFamily="18" charset="0"/>
+                            </a:rPr>
+                            <m:t>,</m:t>
+                          </m:r>
+                          <m:r>
+                            <a:rPr lang="en-US" altLang="zh-CN" sz="2000" b="0" i="1" smtClean="0">
+                              <a:latin typeface="Cambria Math" panose="02040503050406030204" pitchFamily="18" charset="0"/>
+                            </a:rPr>
+                            <m:t>𝑓</m:t>
+                          </m:r>
+                          <m:d>
+                            <m:dPr>
+                              <m:ctrlPr>
+                                <a:rPr lang="en-US" altLang="zh-CN" sz="2000" b="1" i="1" smtClean="0">
+                                  <a:latin typeface="Cambria Math" panose="02040503050406030204" pitchFamily="18" charset="0"/>
+                                </a:rPr>
+                              </m:ctrlPr>
+                            </m:dPr>
+                            <m:e>
+                              <m:r>
+                                <a:rPr lang="en-US" altLang="zh-CN" sz="2000" b="1" i="1" smtClean="0">
+                                  <a:latin typeface="Cambria Math" panose="02040503050406030204" pitchFamily="18" charset="0"/>
+                                </a:rPr>
+                                <m:t>𝒄</m:t>
+                              </m:r>
+                            </m:e>
+                          </m:d>
+                        </m:e>
+                      </m:d>
+                      <m:r>
+                        <a:rPr lang="en-US" altLang="zh-CN" sz="2000" b="0" i="1" smtClean="0">
+                          <a:latin typeface="Cambria Math" panose="02040503050406030204" pitchFamily="18" charset="0"/>
+                        </a:rPr>
+                        <m:t>+</m:t>
+                      </m:r>
+                      <m:r>
+                        <a:rPr lang="en-US" altLang="zh-CN" sz="2000" b="0" i="1" smtClean="0">
+                          <a:latin typeface="Cambria Math" panose="02040503050406030204" pitchFamily="18" charset="0"/>
+                        </a:rPr>
+                        <m:t>𝑑</m:t>
+                      </m:r>
+                      <m:r>
+                        <a:rPr lang="en-US" altLang="zh-CN" sz="2000" b="0" i="1" smtClean="0">
+                          <a:latin typeface="Cambria Math" panose="02040503050406030204" pitchFamily="18" charset="0"/>
+                        </a:rPr>
+                        <m:t>(</m:t>
+                      </m:r>
+                      <m:r>
+                        <a:rPr lang="en-US" altLang="zh-CN" sz="2000" b="1" i="1" smtClean="0">
+                          <a:latin typeface="Cambria Math" panose="02040503050406030204" pitchFamily="18" charset="0"/>
+                        </a:rPr>
+                        <m:t>𝒙</m:t>
+                      </m:r>
+                      <m:r>
+                        <a:rPr lang="en-US" altLang="zh-CN" sz="2000" b="1" i="1" smtClean="0">
+                          <a:latin typeface="Cambria Math" panose="02040503050406030204" pitchFamily="18" charset="0"/>
+                        </a:rPr>
+                        <m:t>,</m:t>
+                      </m:r>
+                      <m:r>
+                        <a:rPr lang="en-US" altLang="zh-CN" sz="2000" b="1" i="1" smtClean="0">
+                          <a:latin typeface="Cambria Math" panose="02040503050406030204" pitchFamily="18" charset="0"/>
+                        </a:rPr>
+                        <m:t>𝒄</m:t>
+                      </m:r>
+                      <m:r>
+                        <a:rPr lang="en-US" altLang="zh-CN" sz="2000" b="0" i="1" smtClean="0">
+                          <a:latin typeface="Cambria Math" panose="02040503050406030204" pitchFamily="18" charset="0"/>
+                        </a:rPr>
+                        <m:t>)</m:t>
+                      </m:r>
+                    </m:oMath>
+                  </m:oMathPara>
+                </a14:m>
+                <a:endParaRPr lang="zh-CN" altLang="en-US" sz="1600" dirty="0" err="1">
+                  <a:latin typeface="+mn-lt"/>
+                </a:endParaRPr>
+              </a:p>
+            </p:txBody>
+          </p:sp>
+        </mc:Choice>
+        <mc:Fallback>
+          <p:sp>
+            <p:nvSpPr>
+              <p:cNvPr id="6" name="文本框 5">
+                <a:extLst>
+                  <a:ext uri="{FF2B5EF4-FFF2-40B4-BE49-F238E27FC236}">
+                    <a16:creationId xmlns:a16="http://schemas.microsoft.com/office/drawing/2014/main" id="{1A403DDD-6A2F-4A47-8F9F-3AB91393E3C8}"/>
+                  </a:ext>
+                </a:extLst>
+              </p:cNvPr>
+              <p:cNvSpPr txBox="1">
+                <a:spLocks noRot="1" noChangeAspect="1" noMove="1" noResize="1" noEditPoints="1" noAdjustHandles="1" noChangeArrowheads="1" noChangeShapeType="1" noTextEdit="1"/>
+              </p:cNvSpPr>
+              <p:nvPr/>
+            </p:nvSpPr>
+            <p:spPr>
+              <a:xfrm>
+                <a:off x="3790764" y="2319838"/>
+                <a:ext cx="4234650" cy="396070"/>
+              </a:xfrm>
+              <a:prstGeom prst="rect">
+                <a:avLst/>
+              </a:prstGeom>
+              <a:blipFill>
+                <a:blip r:embed="rId2"/>
+                <a:stretch>
+                  <a:fillRect/>
+                </a:stretch>
+              </a:blipFill>
+            </p:spPr>
+            <p:txBody>
+              <a:bodyPr/>
+              <a:lstStyle/>
+              <a:p>
+                <a:r>
+                  <a:rPr lang="zh-CN" altLang="en-US">
+                    <a:noFill/>
+                  </a:rPr>
+                  <a:t> </a:t>
+                </a:r>
+              </a:p>
+            </p:txBody>
+          </p:sp>
+        </mc:Fallback>
+      </mc:AlternateContent>
+      <p:sp>
+        <p:nvSpPr>
+          <p:cNvPr id="7" name="文本框 6">
+            <a:extLst>
+              <a:ext uri="{FF2B5EF4-FFF2-40B4-BE49-F238E27FC236}">
+                <a16:creationId xmlns:a16="http://schemas.microsoft.com/office/drawing/2014/main" id="{A70909FF-16DE-49DB-983C-F9E49E3A7328}"/>
+              </a:ext>
+            </a:extLst>
+          </p:cNvPr>
+          <p:cNvSpPr txBox="1"/>
+          <p:nvPr/>
+        </p:nvSpPr>
+        <p:spPr>
+          <a:xfrm>
+            <a:off x="6471146" y="2997641"/>
+            <a:ext cx="1021607" cy="470642"/>
+          </a:xfrm>
+          <a:prstGeom prst="rect">
+            <a:avLst/>
+          </a:prstGeom>
+          <a:noFill/>
+        </p:spPr>
+        <p:txBody>
+          <a:bodyPr wrap="square" lIns="0" tIns="0" rIns="0" bIns="0" rtlCol="0">
+            <a:spAutoFit/>
+          </a:bodyPr>
+          <a:lstStyle/>
+          <a:p>
+            <a:pPr>
+              <a:lnSpc>
+                <a:spcPct val="114000"/>
+              </a:lnSpc>
+            </a:pPr>
+            <a:r>
+              <a:rPr lang="en-US" altLang="zh-CN" sz="1400" dirty="0">
+                <a:latin typeface="+mn-lt"/>
+              </a:rPr>
+              <a:t>new prediction</a:t>
+            </a:r>
+            <a:endParaRPr lang="zh-CN" altLang="en-US" sz="1400" dirty="0" err="1">
+              <a:latin typeface="+mn-lt"/>
+            </a:endParaRPr>
+          </a:p>
+        </p:txBody>
+      </p:sp>
+      <p:sp>
+        <p:nvSpPr>
+          <p:cNvPr id="8" name="文本框 7">
+            <a:extLst>
+              <a:ext uri="{FF2B5EF4-FFF2-40B4-BE49-F238E27FC236}">
+                <a16:creationId xmlns:a16="http://schemas.microsoft.com/office/drawing/2014/main" id="{BDB50EB4-EC4F-49FA-8F51-2282E488475E}"/>
+              </a:ext>
+            </a:extLst>
+          </p:cNvPr>
+          <p:cNvSpPr txBox="1"/>
+          <p:nvPr/>
+        </p:nvSpPr>
+        <p:spPr>
+          <a:xfrm>
+            <a:off x="8025415" y="2997641"/>
+            <a:ext cx="1722268" cy="470642"/>
+          </a:xfrm>
+          <a:prstGeom prst="rect">
+            <a:avLst/>
+          </a:prstGeom>
+          <a:noFill/>
+        </p:spPr>
+        <p:txBody>
+          <a:bodyPr wrap="square" lIns="0" tIns="0" rIns="0" bIns="0" rtlCol="0">
+            <a:spAutoFit/>
+          </a:bodyPr>
+          <a:lstStyle/>
+          <a:p>
+            <a:pPr>
+              <a:lnSpc>
+                <a:spcPct val="114000"/>
+              </a:lnSpc>
+            </a:pPr>
+            <a:r>
+              <a:rPr lang="en-US" altLang="zh-CN" sz="1400" dirty="0">
+                <a:latin typeface="+mn-lt"/>
+              </a:rPr>
+              <a:t>distance between CF and original input</a:t>
+            </a:r>
+            <a:endParaRPr lang="zh-CN" altLang="en-US" sz="1400" dirty="0" err="1">
+              <a:latin typeface="+mn-lt"/>
+            </a:endParaRPr>
+          </a:p>
+        </p:txBody>
+      </p:sp>
+      <p:sp>
+        <p:nvSpPr>
+          <p:cNvPr id="9" name="文本框 8">
+            <a:extLst>
+              <a:ext uri="{FF2B5EF4-FFF2-40B4-BE49-F238E27FC236}">
+                <a16:creationId xmlns:a16="http://schemas.microsoft.com/office/drawing/2014/main" id="{A47C635C-0C7B-471D-B0B3-996E6F6D5398}"/>
+              </a:ext>
+            </a:extLst>
+          </p:cNvPr>
+          <p:cNvSpPr txBox="1"/>
+          <p:nvPr/>
+        </p:nvSpPr>
+        <p:spPr>
+          <a:xfrm>
+            <a:off x="4983799" y="2997641"/>
+            <a:ext cx="1112202" cy="470642"/>
+          </a:xfrm>
+          <a:prstGeom prst="rect">
+            <a:avLst/>
+          </a:prstGeom>
+          <a:noFill/>
+        </p:spPr>
+        <p:txBody>
+          <a:bodyPr wrap="square" lIns="0" tIns="0" rIns="0" bIns="0" rtlCol="0">
+            <a:spAutoFit/>
+          </a:bodyPr>
+          <a:lstStyle/>
+          <a:p>
+            <a:pPr>
+              <a:lnSpc>
+                <a:spcPct val="114000"/>
+              </a:lnSpc>
+            </a:pPr>
+            <a:r>
+              <a:rPr lang="en-US" altLang="zh-CN" sz="1400" dirty="0">
+                <a:latin typeface="+mn-lt"/>
+              </a:rPr>
+              <a:t>original prediction</a:t>
+            </a:r>
+            <a:endParaRPr lang="zh-CN" altLang="en-US" sz="1400" dirty="0" err="1">
+              <a:latin typeface="+mn-lt"/>
+            </a:endParaRPr>
+          </a:p>
+        </p:txBody>
+      </p:sp>
+      <p:sp>
+        <p:nvSpPr>
+          <p:cNvPr id="10" name="文本框 9">
+            <a:extLst>
+              <a:ext uri="{FF2B5EF4-FFF2-40B4-BE49-F238E27FC236}">
+                <a16:creationId xmlns:a16="http://schemas.microsoft.com/office/drawing/2014/main" id="{2CE68F43-8DF1-4746-92FB-F6AE1D555595}"/>
+              </a:ext>
+            </a:extLst>
+          </p:cNvPr>
+          <p:cNvSpPr txBox="1"/>
+          <p:nvPr/>
+        </p:nvSpPr>
+        <p:spPr>
+          <a:xfrm>
+            <a:off x="3147028" y="2993515"/>
+            <a:ext cx="1287472" cy="470642"/>
+          </a:xfrm>
+          <a:prstGeom prst="rect">
+            <a:avLst/>
+          </a:prstGeom>
+          <a:noFill/>
+        </p:spPr>
+        <p:txBody>
+          <a:bodyPr wrap="square" lIns="0" tIns="0" rIns="0" bIns="0" rtlCol="0">
+            <a:spAutoFit/>
+          </a:bodyPr>
+          <a:lstStyle/>
+          <a:p>
+            <a:pPr>
+              <a:lnSpc>
+                <a:spcPct val="114000"/>
+              </a:lnSpc>
+            </a:pPr>
+            <a:r>
+              <a:rPr lang="en-US" altLang="zh-CN" sz="1400" dirty="0">
+                <a:latin typeface="+mn-lt"/>
+              </a:rPr>
+              <a:t>counterfactual example (CF) </a:t>
+            </a:r>
+            <a:endParaRPr lang="zh-CN" altLang="en-US" sz="1400" dirty="0" err="1">
+              <a:latin typeface="+mn-lt"/>
+            </a:endParaRPr>
+          </a:p>
+        </p:txBody>
+      </p:sp>
+      <p:cxnSp>
+        <p:nvCxnSpPr>
+          <p:cNvPr id="11" name="直接箭头连接符 10">
+            <a:extLst>
+              <a:ext uri="{FF2B5EF4-FFF2-40B4-BE49-F238E27FC236}">
+                <a16:creationId xmlns:a16="http://schemas.microsoft.com/office/drawing/2014/main" id="{8E45AB93-B047-416F-9A9D-5FE05B15CDD2}"/>
+              </a:ext>
+            </a:extLst>
+          </p:cNvPr>
+          <p:cNvCxnSpPr>
+            <a:cxnSpLocks/>
+            <a:endCxn id="10" idx="0"/>
+          </p:cNvCxnSpPr>
+          <p:nvPr/>
+        </p:nvCxnSpPr>
+        <p:spPr>
+          <a:xfrm flipH="1">
+            <a:off x="3790764" y="2698419"/>
+            <a:ext cx="112756" cy="295096"/>
+          </a:xfrm>
+          <a:prstGeom prst="straightConnector1">
+            <a:avLst/>
+          </a:prstGeom>
+          <a:ln w="57150">
+            <a:solidFill>
+              <a:srgbClr val="0166BD"/>
+            </a:solidFill>
+            <a:tailEnd type="triangle"/>
+          </a:ln>
+        </p:spPr>
+        <p:style>
+          <a:lnRef idx="1">
+            <a:schemeClr val="accent1"/>
+          </a:lnRef>
+          <a:fillRef idx="0">
+            <a:schemeClr val="accent1"/>
+          </a:fillRef>
+          <a:effectRef idx="0">
+            <a:schemeClr val="accent1"/>
+          </a:effectRef>
+          <a:fontRef idx="minor">
+            <a:schemeClr val="tx1"/>
+          </a:fontRef>
+        </p:style>
+      </p:cxnSp>
+      <p:cxnSp>
+        <p:nvCxnSpPr>
+          <p:cNvPr id="13" name="直接箭头连接符 12">
+            <a:extLst>
+              <a:ext uri="{FF2B5EF4-FFF2-40B4-BE49-F238E27FC236}">
+                <a16:creationId xmlns:a16="http://schemas.microsoft.com/office/drawing/2014/main" id="{A7C1171B-3B33-44BA-8B34-099A5D739A87}"/>
+              </a:ext>
+            </a:extLst>
+          </p:cNvPr>
+          <p:cNvCxnSpPr>
+            <a:cxnSpLocks/>
+            <a:endCxn id="9" idx="0"/>
+          </p:cNvCxnSpPr>
+          <p:nvPr/>
+        </p:nvCxnSpPr>
+        <p:spPr>
+          <a:xfrm flipH="1">
+            <a:off x="5539900" y="2715908"/>
+            <a:ext cx="443346" cy="281733"/>
+          </a:xfrm>
+          <a:prstGeom prst="straightConnector1">
+            <a:avLst/>
+          </a:prstGeom>
+          <a:ln w="57150">
+            <a:solidFill>
+              <a:srgbClr val="0166BD"/>
+            </a:solidFill>
+            <a:tailEnd type="triangle"/>
+          </a:ln>
+        </p:spPr>
+        <p:style>
+          <a:lnRef idx="1">
+            <a:schemeClr val="accent1"/>
+          </a:lnRef>
+          <a:fillRef idx="0">
+            <a:schemeClr val="accent1"/>
+          </a:fillRef>
+          <a:effectRef idx="0">
+            <a:schemeClr val="accent1"/>
+          </a:effectRef>
+          <a:fontRef idx="minor">
+            <a:schemeClr val="tx1"/>
+          </a:fontRef>
+        </p:style>
+      </p:cxnSp>
+      <p:cxnSp>
+        <p:nvCxnSpPr>
+          <p:cNvPr id="16" name="直接箭头连接符 15">
+            <a:extLst>
+              <a:ext uri="{FF2B5EF4-FFF2-40B4-BE49-F238E27FC236}">
+                <a16:creationId xmlns:a16="http://schemas.microsoft.com/office/drawing/2014/main" id="{856B0346-BD60-4CE4-A44A-6222FE7F9EA9}"/>
+              </a:ext>
+            </a:extLst>
+          </p:cNvPr>
+          <p:cNvCxnSpPr>
+            <a:cxnSpLocks/>
+          </p:cNvCxnSpPr>
+          <p:nvPr/>
+        </p:nvCxnSpPr>
+        <p:spPr>
+          <a:xfrm>
+            <a:off x="6515908" y="2698419"/>
+            <a:ext cx="298412" cy="325897"/>
+          </a:xfrm>
+          <a:prstGeom prst="straightConnector1">
+            <a:avLst/>
+          </a:prstGeom>
+          <a:ln w="57150">
+            <a:solidFill>
+              <a:srgbClr val="0166BD"/>
+            </a:solidFill>
+            <a:tailEnd type="triangle"/>
+          </a:ln>
+        </p:spPr>
+        <p:style>
+          <a:lnRef idx="1">
+            <a:schemeClr val="accent1"/>
+          </a:lnRef>
+          <a:fillRef idx="0">
+            <a:schemeClr val="accent1"/>
+          </a:fillRef>
+          <a:effectRef idx="0">
+            <a:schemeClr val="accent1"/>
+          </a:effectRef>
+          <a:fontRef idx="minor">
+            <a:schemeClr val="tx1"/>
+          </a:fontRef>
+        </p:style>
+      </p:cxnSp>
+      <p:cxnSp>
+        <p:nvCxnSpPr>
+          <p:cNvPr id="19" name="直接箭头连接符 18">
+            <a:extLst>
+              <a:ext uri="{FF2B5EF4-FFF2-40B4-BE49-F238E27FC236}">
+                <a16:creationId xmlns:a16="http://schemas.microsoft.com/office/drawing/2014/main" id="{33C29258-834D-441C-81B2-A4DC692903C6}"/>
+              </a:ext>
+            </a:extLst>
+          </p:cNvPr>
+          <p:cNvCxnSpPr>
+            <a:cxnSpLocks/>
+          </p:cNvCxnSpPr>
+          <p:nvPr/>
+        </p:nvCxnSpPr>
+        <p:spPr>
+          <a:xfrm>
+            <a:off x="7537515" y="2698419"/>
+            <a:ext cx="631572" cy="325897"/>
+          </a:xfrm>
+          <a:prstGeom prst="straightConnector1">
+            <a:avLst/>
+          </a:prstGeom>
+          <a:ln w="57150">
+            <a:solidFill>
+              <a:srgbClr val="0166BD"/>
+            </a:solidFill>
+            <a:tailEnd type="triangle"/>
+          </a:ln>
+        </p:spPr>
+        <p:style>
+          <a:lnRef idx="1">
+            <a:schemeClr val="accent1"/>
+          </a:lnRef>
+          <a:fillRef idx="0">
+            <a:schemeClr val="accent1"/>
+          </a:fillRef>
+          <a:effectRef idx="0">
+            <a:schemeClr val="accent1"/>
+          </a:effectRef>
+          <a:fontRef idx="minor">
+            <a:schemeClr val="tx1"/>
+          </a:fontRef>
+        </p:style>
+      </p:cxnSp>
     </p:spTree>
     <p:extLst>
       <p:ext uri="{BB962C8B-B14F-4D97-AF65-F5344CB8AC3E}">
@@ -9101,149 +13764,6 @@
 </file>
 
 <file path=ppt/slides/slide8.xml><?xml version="1.0" encoding="utf-8"?>
-<p:sld xmlns:a="http://schemas.openxmlformats.org/drawingml/2006/main" xmlns:r="http://schemas.openxmlformats.org/officeDocument/2006/relationships" xmlns:p="http://schemas.openxmlformats.org/presentationml/2006/main">
-  <p:cSld>
-    <p:spTree>
-      <p:nvGrpSpPr>
-        <p:cNvPr id="1" name=""/>
-        <p:cNvGrpSpPr/>
-        <p:nvPr/>
-      </p:nvGrpSpPr>
-      <p:grpSpPr>
-        <a:xfrm>
-          <a:off x="0" y="0"/>
-          <a:ext cx="0" cy="0"/>
-          <a:chOff x="0" y="0"/>
-          <a:chExt cx="0" cy="0"/>
-        </a:xfrm>
-      </p:grpSpPr>
-      <p:sp>
-        <p:nvSpPr>
-          <p:cNvPr id="2" name="内容占位符 1">
-            <a:extLst>
-              <a:ext uri="{FF2B5EF4-FFF2-40B4-BE49-F238E27FC236}">
-                <a16:creationId xmlns:a16="http://schemas.microsoft.com/office/drawing/2014/main" id="{BE45D37D-3E36-4844-A682-4D7531518E01}"/>
-              </a:ext>
-            </a:extLst>
-          </p:cNvPr>
-          <p:cNvSpPr>
-            <a:spLocks noGrp="1"/>
-          </p:cNvSpPr>
-          <p:nvPr>
-            <p:ph idx="1"/>
-          </p:nvPr>
-        </p:nvSpPr>
-        <p:spPr/>
-        <p:txBody>
-          <a:bodyPr/>
-          <a:lstStyle/>
-          <a:p>
-            <a:endParaRPr lang="zh-CN" altLang="en-US"/>
-          </a:p>
-        </p:txBody>
-      </p:sp>
-      <p:sp>
-        <p:nvSpPr>
-          <p:cNvPr id="3" name="标题 2">
-            <a:extLst>
-              <a:ext uri="{FF2B5EF4-FFF2-40B4-BE49-F238E27FC236}">
-                <a16:creationId xmlns:a16="http://schemas.microsoft.com/office/drawing/2014/main" id="{DB3349C0-D014-451B-A50B-60CC818E8195}"/>
-              </a:ext>
-            </a:extLst>
-          </p:cNvPr>
-          <p:cNvSpPr>
-            <a:spLocks noGrp="1"/>
-          </p:cNvSpPr>
-          <p:nvPr>
-            <p:ph type="title"/>
-          </p:nvPr>
-        </p:nvSpPr>
-        <p:spPr/>
-        <p:txBody>
-          <a:bodyPr/>
-          <a:lstStyle/>
-          <a:p>
-            <a:r>
-              <a:rPr lang="en-US" altLang="zh-CN" dirty="0"/>
-              <a:t>Popular techniques – data evolution</a:t>
-            </a:r>
-            <a:endParaRPr lang="zh-CN" altLang="en-US" dirty="0"/>
-          </a:p>
-        </p:txBody>
-      </p:sp>
-      <p:sp>
-        <p:nvSpPr>
-          <p:cNvPr id="4" name="灯片编号占位符 3">
-            <a:extLst>
-              <a:ext uri="{FF2B5EF4-FFF2-40B4-BE49-F238E27FC236}">
-                <a16:creationId xmlns:a16="http://schemas.microsoft.com/office/drawing/2014/main" id="{ECC6C564-FC71-4781-8857-B7FD4B138D41}"/>
-              </a:ext>
-            </a:extLst>
-          </p:cNvPr>
-          <p:cNvSpPr>
-            <a:spLocks noGrp="1"/>
-          </p:cNvSpPr>
-          <p:nvPr>
-            <p:ph type="sldNum" sz="quarter" idx="11"/>
-          </p:nvPr>
-        </p:nvSpPr>
-        <p:spPr/>
-        <p:txBody>
-          <a:bodyPr/>
-          <a:lstStyle/>
-          <a:p>
-            <a:fld id="{CE58CB1E-F828-4F11-99E0-327109AF9DA4}" type="slidenum">
-              <a:rPr lang="de-DE" smtClean="0"/>
-              <a:pPr/>
-              <a:t>8</a:t>
-            </a:fld>
-            <a:endParaRPr lang="de-DE" dirty="0"/>
-          </a:p>
-        </p:txBody>
-      </p:sp>
-      <p:sp>
-        <p:nvSpPr>
-          <p:cNvPr id="5" name="页脚占位符 4">
-            <a:extLst>
-              <a:ext uri="{FF2B5EF4-FFF2-40B4-BE49-F238E27FC236}">
-                <a16:creationId xmlns:a16="http://schemas.microsoft.com/office/drawing/2014/main" id="{4C9571E9-D42C-4B78-A096-B985EF115CB4}"/>
-              </a:ext>
-            </a:extLst>
-          </p:cNvPr>
-          <p:cNvSpPr>
-            <a:spLocks noGrp="1"/>
-          </p:cNvSpPr>
-          <p:nvPr>
-            <p:ph type="ftr" sz="quarter" idx="12"/>
-          </p:nvPr>
-        </p:nvSpPr>
-        <p:spPr/>
-        <p:txBody>
-          <a:bodyPr/>
-          <a:lstStyle/>
-          <a:p>
-            <a:r>
-              <a:rPr lang="de-DE" altLang="zh-CN"/>
-              <a:t>Topic 6 | Counterfactual Explanation</a:t>
-            </a:r>
-            <a:endParaRPr lang="en-US" altLang="zh-CN" dirty="0"/>
-          </a:p>
-        </p:txBody>
-      </p:sp>
-    </p:spTree>
-    <p:extLst>
-      <p:ext uri="{BB962C8B-B14F-4D97-AF65-F5344CB8AC3E}">
-        <p14:creationId xmlns:p14="http://schemas.microsoft.com/office/powerpoint/2010/main" val="3939180569"/>
-      </p:ext>
-    </p:extLst>
-  </p:cSld>
-  <p:clrMapOvr>
-    <a:masterClrMapping/>
-  </p:clrMapOvr>
-</p:sld>
-</file>
-
-<file path=ppt/slides/slide9.xml><?xml version="1.0" encoding="utf-8"?>
 <p:sld xmlns:a="http://schemas.openxmlformats.org/drawingml/2006/main" xmlns:r="http://schemas.openxmlformats.org/officeDocument/2006/relationships" xmlns:p="http://schemas.openxmlformats.org/presentationml/2006/main">
   <p:cSld>
     <p:spTree>
@@ -9313,7 +13833,7 @@
             <a:fld id="{CE58CB1E-F828-4F11-99E0-327109AF9DA4}" type="slidenum">
               <a:rPr lang="de-DE" smtClean="0"/>
               <a:pPr/>
-              <a:t>9</a:t>
+              <a:t>8</a:t>
             </a:fld>
             <a:endParaRPr lang="de-DE" dirty="0"/>
           </a:p>
@@ -9628,6 +14148,1152 @@
     <p:extLst>
       <p:ext uri="{BB962C8B-B14F-4D97-AF65-F5344CB8AC3E}">
         <p14:creationId xmlns:p14="http://schemas.microsoft.com/office/powerpoint/2010/main" val="3851721300"/>
+      </p:ext>
+    </p:extLst>
+  </p:cSld>
+  <p:clrMapOvr>
+    <a:masterClrMapping/>
+  </p:clrMapOvr>
+</p:sld>
+</file>
+
+<file path=ppt/slides/slide9.xml><?xml version="1.0" encoding="utf-8"?>
+<p:sld xmlns:a="http://schemas.openxmlformats.org/drawingml/2006/main" xmlns:r="http://schemas.openxmlformats.org/officeDocument/2006/relationships" xmlns:p="http://schemas.openxmlformats.org/presentationml/2006/main">
+  <p:cSld>
+    <p:spTree>
+      <p:nvGrpSpPr>
+        <p:cNvPr id="1" name=""/>
+        <p:cNvGrpSpPr/>
+        <p:nvPr/>
+      </p:nvGrpSpPr>
+      <p:grpSpPr>
+        <a:xfrm>
+          <a:off x="0" y="0"/>
+          <a:ext cx="0" cy="0"/>
+          <a:chOff x="0" y="0"/>
+          <a:chExt cx="0" cy="0"/>
+        </a:xfrm>
+      </p:grpSpPr>
+      <p:sp>
+        <p:nvSpPr>
+          <p:cNvPr id="3" name="标题 2">
+            <a:extLst>
+              <a:ext uri="{FF2B5EF4-FFF2-40B4-BE49-F238E27FC236}">
+                <a16:creationId xmlns:a16="http://schemas.microsoft.com/office/drawing/2014/main" id="{9AD8A09F-9A03-4681-8663-8EF16C7B7A06}"/>
+              </a:ext>
+            </a:extLst>
+          </p:cNvPr>
+          <p:cNvSpPr>
+            <a:spLocks noGrp="1"/>
+          </p:cNvSpPr>
+          <p:nvPr>
+            <p:ph type="title"/>
+          </p:nvPr>
+        </p:nvSpPr>
+        <p:spPr/>
+        <p:txBody>
+          <a:bodyPr/>
+          <a:lstStyle/>
+          <a:p>
+            <a:r>
+              <a:rPr lang="en-US" altLang="zh-CN" dirty="0"/>
+              <a:t>Continue.. Adversarial examples</a:t>
+            </a:r>
+            <a:endParaRPr lang="zh-CN" altLang="en-US" dirty="0"/>
+          </a:p>
+        </p:txBody>
+      </p:sp>
+      <p:sp>
+        <p:nvSpPr>
+          <p:cNvPr id="4" name="灯片编号占位符 3">
+            <a:extLst>
+              <a:ext uri="{FF2B5EF4-FFF2-40B4-BE49-F238E27FC236}">
+                <a16:creationId xmlns:a16="http://schemas.microsoft.com/office/drawing/2014/main" id="{1AF15AC6-579C-44C4-85FD-D864BEA9CB06}"/>
+              </a:ext>
+            </a:extLst>
+          </p:cNvPr>
+          <p:cNvSpPr>
+            <a:spLocks noGrp="1"/>
+          </p:cNvSpPr>
+          <p:nvPr>
+            <p:ph type="sldNum" sz="quarter" idx="11"/>
+          </p:nvPr>
+        </p:nvSpPr>
+        <p:spPr>
+          <a:xfrm>
+            <a:off x="9034687" y="6473314"/>
+            <a:ext cx="2736099" cy="365125"/>
+          </a:xfrm>
+        </p:spPr>
+        <p:txBody>
+          <a:bodyPr/>
+          <a:lstStyle/>
+          <a:p>
+            <a:fld id="{CE58CB1E-F828-4F11-99E0-327109AF9DA4}" type="slidenum">
+              <a:rPr lang="de-DE" smtClean="0"/>
+              <a:pPr/>
+              <a:t>9</a:t>
+            </a:fld>
+            <a:endParaRPr lang="de-DE" dirty="0"/>
+          </a:p>
+        </p:txBody>
+      </p:sp>
+      <p:sp>
+        <p:nvSpPr>
+          <p:cNvPr id="5" name="页脚占位符 4">
+            <a:extLst>
+              <a:ext uri="{FF2B5EF4-FFF2-40B4-BE49-F238E27FC236}">
+                <a16:creationId xmlns:a16="http://schemas.microsoft.com/office/drawing/2014/main" id="{6E7B7951-2AFB-460D-A12B-ADA455B8F1ED}"/>
+              </a:ext>
+            </a:extLst>
+          </p:cNvPr>
+          <p:cNvSpPr>
+            <a:spLocks noGrp="1"/>
+          </p:cNvSpPr>
+          <p:nvPr>
+            <p:ph type="ftr" sz="quarter" idx="12"/>
+          </p:nvPr>
+        </p:nvSpPr>
+        <p:spPr/>
+        <p:txBody>
+          <a:bodyPr/>
+          <a:lstStyle/>
+          <a:p>
+            <a:r>
+              <a:rPr lang="de-DE" altLang="zh-CN"/>
+              <a:t>Topic 6 | Counterfactual Explanation</a:t>
+            </a:r>
+            <a:endParaRPr lang="en-US" altLang="zh-CN" dirty="0"/>
+          </a:p>
+        </p:txBody>
+      </p:sp>
+      <p:pic>
+        <p:nvPicPr>
+          <p:cNvPr id="6" name="内容占位符 6">
+            <a:extLst>
+              <a:ext uri="{FF2B5EF4-FFF2-40B4-BE49-F238E27FC236}">
+                <a16:creationId xmlns:a16="http://schemas.microsoft.com/office/drawing/2014/main" id="{C8136BA8-206E-4330-8E18-7162D05F1404}"/>
+              </a:ext>
+            </a:extLst>
+          </p:cNvPr>
+          <p:cNvPicPr>
+            <a:picLocks noGrp="1" noChangeAspect="1"/>
+          </p:cNvPicPr>
+          <p:nvPr>
+            <p:ph idx="1"/>
+          </p:nvPr>
+        </p:nvPicPr>
+        <p:blipFill rotWithShape="1">
+          <a:blip r:embed="rId2">
+            <a:extLst>
+              <a:ext uri="{28A0092B-C50C-407E-A947-70E740481C1C}">
+                <a14:useLocalDpi xmlns:a14="http://schemas.microsoft.com/office/drawing/2010/main" val="0"/>
+              </a:ext>
+            </a:extLst>
+          </a:blip>
+          <a:srcRect r="32477"/>
+          <a:stretch/>
+        </p:blipFill>
+        <p:spPr>
+          <a:xfrm>
+            <a:off x="650905" y="2049407"/>
+            <a:ext cx="2550259" cy="1463046"/>
+          </a:xfrm>
+        </p:spPr>
+      </p:pic>
+      <p:pic>
+        <p:nvPicPr>
+          <p:cNvPr id="7" name="图片 6">
+            <a:extLst>
+              <a:ext uri="{FF2B5EF4-FFF2-40B4-BE49-F238E27FC236}">
+                <a16:creationId xmlns:a16="http://schemas.microsoft.com/office/drawing/2014/main" id="{C8FE9EED-3E83-4A1F-B5BA-EC3EEF044DB8}"/>
+              </a:ext>
+            </a:extLst>
+          </p:cNvPr>
+          <p:cNvPicPr>
+            <a:picLocks noChangeAspect="1"/>
+          </p:cNvPicPr>
+          <p:nvPr/>
+        </p:nvPicPr>
+        <p:blipFill>
+          <a:blip r:embed="rId3">
+            <a:extLst>
+              <a:ext uri="{28A0092B-C50C-407E-A947-70E740481C1C}">
+                <a14:useLocalDpi xmlns:a14="http://schemas.microsoft.com/office/drawing/2010/main" val="0"/>
+              </a:ext>
+            </a:extLst>
+          </a:blip>
+          <a:stretch>
+            <a:fillRect/>
+          </a:stretch>
+        </p:blipFill>
+        <p:spPr>
+          <a:xfrm>
+            <a:off x="9647191" y="1551455"/>
+            <a:ext cx="1090539" cy="1094091"/>
+          </a:xfrm>
+          <a:prstGeom prst="rect">
+            <a:avLst/>
+          </a:prstGeom>
+        </p:spPr>
+      </p:pic>
+      <p:pic>
+        <p:nvPicPr>
+          <p:cNvPr id="9" name="图片 8">
+            <a:extLst>
+              <a:ext uri="{FF2B5EF4-FFF2-40B4-BE49-F238E27FC236}">
+                <a16:creationId xmlns:a16="http://schemas.microsoft.com/office/drawing/2014/main" id="{F9FEB60D-2119-4946-9D50-80202A365E99}"/>
+              </a:ext>
+            </a:extLst>
+          </p:cNvPr>
+          <p:cNvPicPr>
+            <a:picLocks noChangeAspect="1"/>
+          </p:cNvPicPr>
+          <p:nvPr/>
+        </p:nvPicPr>
+        <p:blipFill>
+          <a:blip r:embed="rId4">
+            <a:extLst>
+              <a:ext uri="{28A0092B-C50C-407E-A947-70E740481C1C}">
+                <a14:useLocalDpi xmlns:a14="http://schemas.microsoft.com/office/drawing/2010/main" val="0"/>
+              </a:ext>
+            </a:extLst>
+          </a:blip>
+          <a:stretch>
+            <a:fillRect/>
+          </a:stretch>
+        </p:blipFill>
+        <p:spPr>
+          <a:xfrm>
+            <a:off x="8774941" y="3378794"/>
+            <a:ext cx="1302109" cy="1286546"/>
+          </a:xfrm>
+          <a:prstGeom prst="rect">
+            <a:avLst/>
+          </a:prstGeom>
+        </p:spPr>
+      </p:pic>
+      <p:pic>
+        <p:nvPicPr>
+          <p:cNvPr id="11" name="图片 10">
+            <a:extLst>
+              <a:ext uri="{FF2B5EF4-FFF2-40B4-BE49-F238E27FC236}">
+                <a16:creationId xmlns:a16="http://schemas.microsoft.com/office/drawing/2014/main" id="{A59F85DA-CE70-4A46-8E66-8E9AEE61988A}"/>
+              </a:ext>
+            </a:extLst>
+          </p:cNvPr>
+          <p:cNvPicPr>
+            <a:picLocks noChangeAspect="1"/>
+          </p:cNvPicPr>
+          <p:nvPr/>
+        </p:nvPicPr>
+        <p:blipFill>
+          <a:blip r:embed="rId5">
+            <a:extLst>
+              <a:ext uri="{28A0092B-C50C-407E-A947-70E740481C1C}">
+                <a14:useLocalDpi xmlns:a14="http://schemas.microsoft.com/office/drawing/2010/main" val="0"/>
+              </a:ext>
+            </a:extLst>
+          </a:blip>
+          <a:stretch>
+            <a:fillRect/>
+          </a:stretch>
+        </p:blipFill>
+        <p:spPr>
+          <a:xfrm>
+            <a:off x="10329020" y="3378794"/>
+            <a:ext cx="1302108" cy="1286545"/>
+          </a:xfrm>
+          <a:prstGeom prst="rect">
+            <a:avLst/>
+          </a:prstGeom>
+        </p:spPr>
+      </p:pic>
+      <p:pic>
+        <p:nvPicPr>
+          <p:cNvPr id="12" name="内容占位符 6">
+            <a:extLst>
+              <a:ext uri="{FF2B5EF4-FFF2-40B4-BE49-F238E27FC236}">
+                <a16:creationId xmlns:a16="http://schemas.microsoft.com/office/drawing/2014/main" id="{DA47C70D-B3D6-4AD0-909A-7EA357CDA18E}"/>
+              </a:ext>
+            </a:extLst>
+          </p:cNvPr>
+          <p:cNvPicPr>
+            <a:picLocks noChangeAspect="1"/>
+          </p:cNvPicPr>
+          <p:nvPr/>
+        </p:nvPicPr>
+        <p:blipFill rotWithShape="1">
+          <a:blip r:embed="rId2">
+            <a:extLst>
+              <a:ext uri="{28A0092B-C50C-407E-A947-70E740481C1C}">
+                <a14:useLocalDpi xmlns:a14="http://schemas.microsoft.com/office/drawing/2010/main" val="0"/>
+              </a:ext>
+            </a:extLst>
+          </a:blip>
+          <a:srcRect l="68257"/>
+          <a:stretch/>
+        </p:blipFill>
+        <p:spPr>
+          <a:xfrm>
+            <a:off x="1074198" y="4455874"/>
+            <a:ext cx="1198913" cy="1463046"/>
+          </a:xfrm>
+          <a:prstGeom prst="rect">
+            <a:avLst/>
+          </a:prstGeom>
+          <a:noFill/>
+          <a:ln w="9525">
+            <a:noFill/>
+            <a:miter lim="800000"/>
+            <a:headEnd/>
+            <a:tailEnd/>
+          </a:ln>
+        </p:spPr>
+      </p:pic>
+      <p:cxnSp>
+        <p:nvCxnSpPr>
+          <p:cNvPr id="14" name="直接箭头连接符 13">
+            <a:extLst>
+              <a:ext uri="{FF2B5EF4-FFF2-40B4-BE49-F238E27FC236}">
+                <a16:creationId xmlns:a16="http://schemas.microsoft.com/office/drawing/2014/main" id="{2E91AB68-C2AB-4029-9CBA-5B1E2DAAF4CC}"/>
+              </a:ext>
+            </a:extLst>
+          </p:cNvPr>
+          <p:cNvCxnSpPr>
+            <a:cxnSpLocks/>
+          </p:cNvCxnSpPr>
+          <p:nvPr/>
+        </p:nvCxnSpPr>
+        <p:spPr>
+          <a:xfrm>
+            <a:off x="1828801" y="3439200"/>
+            <a:ext cx="0" cy="1016674"/>
+          </a:xfrm>
+          <a:prstGeom prst="straightConnector1">
+            <a:avLst/>
+          </a:prstGeom>
+          <a:ln w="57150">
+            <a:solidFill>
+              <a:srgbClr val="0166BD"/>
+            </a:solidFill>
+            <a:tailEnd type="triangle"/>
+          </a:ln>
+        </p:spPr>
+        <p:style>
+          <a:lnRef idx="1">
+            <a:schemeClr val="accent1"/>
+          </a:lnRef>
+          <a:fillRef idx="0">
+            <a:schemeClr val="accent1"/>
+          </a:fillRef>
+          <a:effectRef idx="0">
+            <a:schemeClr val="accent1"/>
+          </a:effectRef>
+          <a:fontRef idx="minor">
+            <a:schemeClr val="tx1"/>
+          </a:fontRef>
+        </p:style>
+      </p:cxnSp>
+      <p:sp>
+        <p:nvSpPr>
+          <p:cNvPr id="18" name="文本框 17">
+            <a:extLst>
+              <a:ext uri="{FF2B5EF4-FFF2-40B4-BE49-F238E27FC236}">
+                <a16:creationId xmlns:a16="http://schemas.microsoft.com/office/drawing/2014/main" id="{E1ABC96F-8F8E-41EB-B2C7-D077BF0F7E76}"/>
+              </a:ext>
+            </a:extLst>
+          </p:cNvPr>
+          <p:cNvSpPr txBox="1"/>
+          <p:nvPr/>
+        </p:nvSpPr>
+        <p:spPr>
+          <a:xfrm>
+            <a:off x="921782" y="3581046"/>
+            <a:ext cx="671659" cy="818686"/>
+          </a:xfrm>
+          <a:prstGeom prst="rect">
+            <a:avLst/>
+          </a:prstGeom>
+          <a:noFill/>
+        </p:spPr>
+        <p:txBody>
+          <a:bodyPr wrap="none" lIns="0" tIns="0" rIns="0" bIns="0" rtlCol="0">
+            <a:spAutoFit/>
+          </a:bodyPr>
+          <a:lstStyle/>
+          <a:p>
+            <a:pPr>
+              <a:lnSpc>
+                <a:spcPct val="114000"/>
+              </a:lnSpc>
+            </a:pPr>
+            <a:r>
+              <a:rPr lang="en-US" altLang="zh-CN" sz="1600" dirty="0">
+                <a:latin typeface="+mn-lt"/>
+              </a:rPr>
+              <a:t>panda</a:t>
+            </a:r>
+          </a:p>
+          <a:p>
+            <a:pPr>
+              <a:lnSpc>
+                <a:spcPct val="114000"/>
+              </a:lnSpc>
+            </a:pPr>
+            <a:r>
+              <a:rPr lang="zh-CN" altLang="en-US" sz="1600" dirty="0">
+                <a:latin typeface="+mn-lt"/>
+              </a:rPr>
+              <a:t>    ↓</a:t>
+            </a:r>
+            <a:endParaRPr lang="en-US" altLang="zh-CN" sz="1600" dirty="0">
+              <a:latin typeface="+mn-lt"/>
+            </a:endParaRPr>
+          </a:p>
+          <a:p>
+            <a:pPr>
+              <a:lnSpc>
+                <a:spcPct val="114000"/>
+              </a:lnSpc>
+            </a:pPr>
+            <a:r>
+              <a:rPr lang="en-US" altLang="zh-CN" sz="1600" dirty="0">
+                <a:latin typeface="+mn-lt"/>
+              </a:rPr>
+              <a:t>gibbon</a:t>
+            </a:r>
+            <a:r>
+              <a:rPr lang="zh-CN" altLang="en-US" sz="1600" dirty="0">
+                <a:latin typeface="+mn-lt"/>
+              </a:rPr>
+              <a:t> </a:t>
+            </a:r>
+          </a:p>
+        </p:txBody>
+      </p:sp>
+      <p:pic>
+        <p:nvPicPr>
+          <p:cNvPr id="20" name="图片 19">
+            <a:extLst>
+              <a:ext uri="{FF2B5EF4-FFF2-40B4-BE49-F238E27FC236}">
+                <a16:creationId xmlns:a16="http://schemas.microsoft.com/office/drawing/2014/main" id="{A7161B23-129D-4BF5-B0F7-1133DE298237}"/>
+              </a:ext>
+            </a:extLst>
+          </p:cNvPr>
+          <p:cNvPicPr>
+            <a:picLocks noChangeAspect="1"/>
+          </p:cNvPicPr>
+          <p:nvPr/>
+        </p:nvPicPr>
+        <p:blipFill rotWithShape="1">
+          <a:blip r:embed="rId6">
+            <a:extLst>
+              <a:ext uri="{28A0092B-C50C-407E-A947-70E740481C1C}">
+                <a14:useLocalDpi xmlns:a14="http://schemas.microsoft.com/office/drawing/2010/main" val="0"/>
+              </a:ext>
+            </a:extLst>
+          </a:blip>
+          <a:srcRect l="27426" t="4951" r="40270" b="37419"/>
+          <a:stretch/>
+        </p:blipFill>
+        <p:spPr>
+          <a:xfrm>
+            <a:off x="2618917" y="4455874"/>
+            <a:ext cx="976540" cy="981014"/>
+          </a:xfrm>
+          <a:prstGeom prst="rect">
+            <a:avLst/>
+          </a:prstGeom>
+        </p:spPr>
+      </p:pic>
+      <p:sp>
+        <p:nvSpPr>
+          <p:cNvPr id="21" name="文本框 20">
+            <a:extLst>
+              <a:ext uri="{FF2B5EF4-FFF2-40B4-BE49-F238E27FC236}">
+                <a16:creationId xmlns:a16="http://schemas.microsoft.com/office/drawing/2014/main" id="{D55113E1-8BA6-4071-B1B1-19376B33693B}"/>
+              </a:ext>
+            </a:extLst>
+          </p:cNvPr>
+          <p:cNvSpPr txBox="1"/>
+          <p:nvPr/>
+        </p:nvSpPr>
+        <p:spPr>
+          <a:xfrm>
+            <a:off x="2367467" y="4679210"/>
+            <a:ext cx="157094" cy="672428"/>
+          </a:xfrm>
+          <a:prstGeom prst="rect">
+            <a:avLst/>
+          </a:prstGeom>
+          <a:noFill/>
+        </p:spPr>
+        <p:txBody>
+          <a:bodyPr wrap="none" lIns="0" tIns="0" rIns="0" bIns="0" rtlCol="0">
+            <a:spAutoFit/>
+          </a:bodyPr>
+          <a:lstStyle/>
+          <a:p>
+            <a:pPr>
+              <a:lnSpc>
+                <a:spcPct val="114000"/>
+              </a:lnSpc>
+            </a:pPr>
+            <a:r>
+              <a:rPr lang="en-US" altLang="zh-CN" sz="2000" b="1" dirty="0">
+                <a:solidFill>
+                  <a:srgbClr val="FF0000"/>
+                </a:solidFill>
+                <a:latin typeface="+mn-lt"/>
+              </a:rPr>
+              <a:t>?</a:t>
+            </a:r>
+          </a:p>
+          <a:p>
+            <a:pPr>
+              <a:lnSpc>
+                <a:spcPct val="114000"/>
+              </a:lnSpc>
+            </a:pPr>
+            <a:r>
+              <a:rPr lang="en-US" altLang="zh-CN" sz="2000" b="1" dirty="0">
+                <a:solidFill>
+                  <a:srgbClr val="FF0000"/>
+                </a:solidFill>
+                <a:latin typeface="+mn-lt"/>
+              </a:rPr>
+              <a:t>=</a:t>
+            </a:r>
+            <a:endParaRPr lang="zh-CN" altLang="en-US" sz="2000" b="1" dirty="0" err="1">
+              <a:solidFill>
+                <a:srgbClr val="FF0000"/>
+              </a:solidFill>
+              <a:latin typeface="+mn-lt"/>
+            </a:endParaRPr>
+          </a:p>
+        </p:txBody>
+      </p:sp>
+      <p:cxnSp>
+        <p:nvCxnSpPr>
+          <p:cNvPr id="22" name="直接箭头连接符 21">
+            <a:extLst>
+              <a:ext uri="{FF2B5EF4-FFF2-40B4-BE49-F238E27FC236}">
+                <a16:creationId xmlns:a16="http://schemas.microsoft.com/office/drawing/2014/main" id="{6995BBF4-52F2-4AE9-9523-B626974190EE}"/>
+              </a:ext>
+            </a:extLst>
+          </p:cNvPr>
+          <p:cNvCxnSpPr>
+            <a:cxnSpLocks/>
+            <a:endCxn id="9" idx="0"/>
+          </p:cNvCxnSpPr>
+          <p:nvPr/>
+        </p:nvCxnSpPr>
+        <p:spPr>
+          <a:xfrm flipH="1">
+            <a:off x="9425996" y="2712710"/>
+            <a:ext cx="758172" cy="666084"/>
+          </a:xfrm>
+          <a:prstGeom prst="straightConnector1">
+            <a:avLst/>
+          </a:prstGeom>
+          <a:ln w="57150">
+            <a:solidFill>
+              <a:srgbClr val="0166BD"/>
+            </a:solidFill>
+            <a:tailEnd type="triangle"/>
+          </a:ln>
+        </p:spPr>
+        <p:style>
+          <a:lnRef idx="1">
+            <a:schemeClr val="accent1"/>
+          </a:lnRef>
+          <a:fillRef idx="0">
+            <a:schemeClr val="accent1"/>
+          </a:fillRef>
+          <a:effectRef idx="0">
+            <a:schemeClr val="accent1"/>
+          </a:effectRef>
+          <a:fontRef idx="minor">
+            <a:schemeClr val="tx1"/>
+          </a:fontRef>
+        </p:style>
+      </p:cxnSp>
+      <p:cxnSp>
+        <p:nvCxnSpPr>
+          <p:cNvPr id="24" name="直接箭头连接符 23">
+            <a:extLst>
+              <a:ext uri="{FF2B5EF4-FFF2-40B4-BE49-F238E27FC236}">
+                <a16:creationId xmlns:a16="http://schemas.microsoft.com/office/drawing/2014/main" id="{27C3E98B-3C74-49CE-BD7C-83620B3832D2}"/>
+              </a:ext>
+            </a:extLst>
+          </p:cNvPr>
+          <p:cNvCxnSpPr>
+            <a:cxnSpLocks/>
+            <a:endCxn id="11" idx="0"/>
+          </p:cNvCxnSpPr>
+          <p:nvPr/>
+        </p:nvCxnSpPr>
+        <p:spPr>
+          <a:xfrm>
+            <a:off x="10185649" y="2712710"/>
+            <a:ext cx="794425" cy="666084"/>
+          </a:xfrm>
+          <a:prstGeom prst="straightConnector1">
+            <a:avLst/>
+          </a:prstGeom>
+          <a:ln w="57150">
+            <a:solidFill>
+              <a:srgbClr val="0166BD"/>
+            </a:solidFill>
+            <a:tailEnd type="triangle"/>
+          </a:ln>
+        </p:spPr>
+        <p:style>
+          <a:lnRef idx="1">
+            <a:schemeClr val="accent1"/>
+          </a:lnRef>
+          <a:fillRef idx="0">
+            <a:schemeClr val="accent1"/>
+          </a:fillRef>
+          <a:effectRef idx="0">
+            <a:schemeClr val="accent1"/>
+          </a:effectRef>
+          <a:fontRef idx="minor">
+            <a:schemeClr val="tx1"/>
+          </a:fontRef>
+        </p:style>
+      </p:cxnSp>
+      <p:sp>
+        <p:nvSpPr>
+          <p:cNvPr id="26" name="文本框 25">
+            <a:extLst>
+              <a:ext uri="{FF2B5EF4-FFF2-40B4-BE49-F238E27FC236}">
+                <a16:creationId xmlns:a16="http://schemas.microsoft.com/office/drawing/2014/main" id="{3FE5246D-54CE-40CF-B2FD-96420B4B7F1A}"/>
+              </a:ext>
+            </a:extLst>
+          </p:cNvPr>
+          <p:cNvSpPr txBox="1"/>
+          <p:nvPr/>
+        </p:nvSpPr>
+        <p:spPr>
+          <a:xfrm>
+            <a:off x="9252045" y="2670236"/>
+            <a:ext cx="553037" cy="537968"/>
+          </a:xfrm>
+          <a:prstGeom prst="rect">
+            <a:avLst/>
+          </a:prstGeom>
+          <a:noFill/>
+        </p:spPr>
+        <p:txBody>
+          <a:bodyPr wrap="none" lIns="0" tIns="0" rIns="0" bIns="0" rtlCol="0">
+            <a:spAutoFit/>
+          </a:bodyPr>
+          <a:lstStyle/>
+          <a:p>
+            <a:pPr>
+              <a:lnSpc>
+                <a:spcPct val="114000"/>
+              </a:lnSpc>
+            </a:pPr>
+            <a:r>
+              <a:rPr lang="zh-CN" altLang="en-US" sz="1600" dirty="0">
+                <a:latin typeface="+mn-lt"/>
+              </a:rPr>
+              <a:t>     ↙</a:t>
+            </a:r>
+            <a:r>
+              <a:rPr lang="en-US" altLang="zh-CN" sz="1600" dirty="0">
+                <a:latin typeface="+mn-lt"/>
+              </a:rPr>
+              <a:t>9</a:t>
+            </a:r>
+          </a:p>
+          <a:p>
+            <a:pPr>
+              <a:lnSpc>
+                <a:spcPct val="114000"/>
+              </a:lnSpc>
+            </a:pPr>
+            <a:r>
+              <a:rPr lang="en-US" altLang="zh-CN" sz="1600" dirty="0">
+                <a:latin typeface="+mn-lt"/>
+              </a:rPr>
+              <a:t>4</a:t>
+            </a:r>
+            <a:endParaRPr lang="zh-CN" altLang="en-US" sz="1600" dirty="0" err="1">
+              <a:latin typeface="+mn-lt"/>
+            </a:endParaRPr>
+          </a:p>
+        </p:txBody>
+      </p:sp>
+      <p:sp>
+        <p:nvSpPr>
+          <p:cNvPr id="27" name="文本框 26">
+            <a:extLst>
+              <a:ext uri="{FF2B5EF4-FFF2-40B4-BE49-F238E27FC236}">
+                <a16:creationId xmlns:a16="http://schemas.microsoft.com/office/drawing/2014/main" id="{F468B7BB-6195-41C4-8713-1F135231243B}"/>
+              </a:ext>
+            </a:extLst>
+          </p:cNvPr>
+          <p:cNvSpPr txBox="1"/>
+          <p:nvPr/>
+        </p:nvSpPr>
+        <p:spPr>
+          <a:xfrm>
+            <a:off x="10547483" y="2701834"/>
+            <a:ext cx="575479" cy="537968"/>
+          </a:xfrm>
+          <a:prstGeom prst="rect">
+            <a:avLst/>
+          </a:prstGeom>
+          <a:noFill/>
+        </p:spPr>
+        <p:txBody>
+          <a:bodyPr wrap="none" lIns="0" tIns="0" rIns="0" bIns="0" rtlCol="0">
+            <a:spAutoFit/>
+          </a:bodyPr>
+          <a:lstStyle/>
+          <a:p>
+            <a:pPr>
+              <a:lnSpc>
+                <a:spcPct val="114000"/>
+              </a:lnSpc>
+            </a:pPr>
+            <a:r>
+              <a:rPr lang="en-US" altLang="zh-CN" sz="1600" dirty="0">
+                <a:latin typeface="+mn-lt"/>
+              </a:rPr>
+              <a:t>9</a:t>
+            </a:r>
+            <a:r>
+              <a:rPr lang="zh-CN" altLang="en-US" sz="1600" dirty="0">
+                <a:latin typeface="+mn-lt"/>
+              </a:rPr>
+              <a:t>↘</a:t>
+            </a:r>
+            <a:endParaRPr lang="en-US" altLang="zh-CN" sz="1600" dirty="0">
+              <a:latin typeface="+mn-lt"/>
+            </a:endParaRPr>
+          </a:p>
+          <a:p>
+            <a:pPr>
+              <a:lnSpc>
+                <a:spcPct val="114000"/>
+              </a:lnSpc>
+            </a:pPr>
+            <a:r>
+              <a:rPr lang="en-US" altLang="zh-CN" sz="1600" dirty="0">
+                <a:latin typeface="+mn-lt"/>
+              </a:rPr>
+              <a:t>        7</a:t>
+            </a:r>
+            <a:endParaRPr lang="zh-CN" altLang="en-US" sz="1600" dirty="0" err="1">
+              <a:latin typeface="+mn-lt"/>
+            </a:endParaRPr>
+          </a:p>
+        </p:txBody>
+      </p:sp>
+      <p:sp>
+        <p:nvSpPr>
+          <p:cNvPr id="28" name="文本框 27">
+            <a:extLst>
+              <a:ext uri="{FF2B5EF4-FFF2-40B4-BE49-F238E27FC236}">
+                <a16:creationId xmlns:a16="http://schemas.microsoft.com/office/drawing/2014/main" id="{16D7AF3B-6F01-48B0-981E-90036E255A4E}"/>
+              </a:ext>
+            </a:extLst>
+          </p:cNvPr>
+          <p:cNvSpPr txBox="1"/>
+          <p:nvPr/>
+        </p:nvSpPr>
+        <p:spPr>
+          <a:xfrm>
+            <a:off x="9401561" y="4708524"/>
+            <a:ext cx="171522" cy="385811"/>
+          </a:xfrm>
+          <a:prstGeom prst="rect">
+            <a:avLst/>
+          </a:prstGeom>
+          <a:noFill/>
+        </p:spPr>
+        <p:txBody>
+          <a:bodyPr wrap="none" lIns="0" tIns="0" rIns="0" bIns="0" rtlCol="0">
+            <a:spAutoFit/>
+          </a:bodyPr>
+          <a:lstStyle/>
+          <a:p>
+            <a:pPr>
+              <a:lnSpc>
+                <a:spcPct val="114000"/>
+              </a:lnSpc>
+            </a:pPr>
+            <a:r>
+              <a:rPr lang="en-US" altLang="zh-CN" sz="2400" b="1" dirty="0">
+                <a:latin typeface="+mn-lt"/>
+              </a:rPr>
+              <a:t>4</a:t>
+            </a:r>
+            <a:endParaRPr lang="zh-CN" altLang="en-US" sz="2400" b="1" dirty="0" err="1">
+              <a:latin typeface="+mn-lt"/>
+            </a:endParaRPr>
+          </a:p>
+        </p:txBody>
+      </p:sp>
+      <p:sp>
+        <p:nvSpPr>
+          <p:cNvPr id="29" name="文本框 28">
+            <a:extLst>
+              <a:ext uri="{FF2B5EF4-FFF2-40B4-BE49-F238E27FC236}">
+                <a16:creationId xmlns:a16="http://schemas.microsoft.com/office/drawing/2014/main" id="{6D357935-2A14-4A55-BC13-D9F03BAB8382}"/>
+              </a:ext>
+            </a:extLst>
+          </p:cNvPr>
+          <p:cNvSpPr txBox="1"/>
+          <p:nvPr/>
+        </p:nvSpPr>
+        <p:spPr>
+          <a:xfrm>
+            <a:off x="10946280" y="4696994"/>
+            <a:ext cx="171522" cy="385811"/>
+          </a:xfrm>
+          <a:prstGeom prst="rect">
+            <a:avLst/>
+          </a:prstGeom>
+          <a:noFill/>
+        </p:spPr>
+        <p:txBody>
+          <a:bodyPr wrap="none" lIns="0" tIns="0" rIns="0" bIns="0" rtlCol="0">
+            <a:spAutoFit/>
+          </a:bodyPr>
+          <a:lstStyle/>
+          <a:p>
+            <a:pPr>
+              <a:lnSpc>
+                <a:spcPct val="114000"/>
+              </a:lnSpc>
+            </a:pPr>
+            <a:r>
+              <a:rPr lang="en-US" altLang="zh-CN" sz="2400" b="1" dirty="0">
+                <a:latin typeface="+mn-lt"/>
+              </a:rPr>
+              <a:t>7</a:t>
+            </a:r>
+            <a:endParaRPr lang="zh-CN" altLang="en-US" sz="2400" b="1" dirty="0" err="1">
+              <a:latin typeface="+mn-lt"/>
+            </a:endParaRPr>
+          </a:p>
+        </p:txBody>
+      </p:sp>
+      <p:sp>
+        <p:nvSpPr>
+          <p:cNvPr id="30" name="文本框 29">
+            <a:extLst>
+              <a:ext uri="{FF2B5EF4-FFF2-40B4-BE49-F238E27FC236}">
+                <a16:creationId xmlns:a16="http://schemas.microsoft.com/office/drawing/2014/main" id="{09C8F205-0CE0-4AB3-B043-8693DE4C2B21}"/>
+              </a:ext>
+            </a:extLst>
+          </p:cNvPr>
+          <p:cNvSpPr txBox="1"/>
+          <p:nvPr/>
+        </p:nvSpPr>
+        <p:spPr>
+          <a:xfrm>
+            <a:off x="2645551" y="5523689"/>
+            <a:ext cx="856004" cy="321563"/>
+          </a:xfrm>
+          <a:prstGeom prst="rect">
+            <a:avLst/>
+          </a:prstGeom>
+          <a:noFill/>
+        </p:spPr>
+        <p:txBody>
+          <a:bodyPr wrap="none" lIns="0" tIns="0" rIns="0" bIns="0" rtlCol="0">
+            <a:spAutoFit/>
+          </a:bodyPr>
+          <a:lstStyle/>
+          <a:p>
+            <a:pPr>
+              <a:lnSpc>
+                <a:spcPct val="114000"/>
+              </a:lnSpc>
+            </a:pPr>
+            <a:r>
+              <a:rPr lang="en-US" altLang="zh-CN" sz="2000" b="1" dirty="0">
+                <a:latin typeface="+mn-lt"/>
+              </a:rPr>
+              <a:t>gibbon</a:t>
+            </a:r>
+            <a:endParaRPr lang="zh-CN" altLang="en-US" sz="2000" b="1" dirty="0" err="1">
+              <a:latin typeface="+mn-lt"/>
+            </a:endParaRPr>
+          </a:p>
+        </p:txBody>
+      </p:sp>
+      <p:graphicFrame>
+        <p:nvGraphicFramePr>
+          <p:cNvPr id="31" name="表格 31">
+            <a:extLst>
+              <a:ext uri="{FF2B5EF4-FFF2-40B4-BE49-F238E27FC236}">
+                <a16:creationId xmlns:a16="http://schemas.microsoft.com/office/drawing/2014/main" id="{3C9ED346-51A7-4519-BB42-EDD0AB6E3ECD}"/>
+              </a:ext>
+            </a:extLst>
+          </p:cNvPr>
+          <p:cNvGraphicFramePr>
+            <a:graphicFrameLocks noGrp="1"/>
+          </p:cNvGraphicFramePr>
+          <p:nvPr>
+            <p:extLst>
+              <p:ext uri="{D42A27DB-BD31-4B8C-83A1-F6EECF244321}">
+                <p14:modId xmlns:p14="http://schemas.microsoft.com/office/powerpoint/2010/main" val="3833970756"/>
+              </p:ext>
+            </p:extLst>
+          </p:nvPr>
+        </p:nvGraphicFramePr>
+        <p:xfrm>
+          <a:off x="3720867" y="2034112"/>
+          <a:ext cx="4964232" cy="2540000"/>
+        </p:xfrm>
+        <a:graphic>
+          <a:graphicData uri="http://schemas.openxmlformats.org/drawingml/2006/table">
+            <a:tbl>
+              <a:tblPr firstRow="1" bandRow="1">
+                <a:tableStyleId>{F5AB1C69-6EDB-4FF4-983F-18BD219EF322}</a:tableStyleId>
+              </a:tblPr>
+              <a:tblGrid>
+                <a:gridCol w="2482116">
+                  <a:extLst>
+                    <a:ext uri="{9D8B030D-6E8A-4147-A177-3AD203B41FA5}">
+                      <a16:colId xmlns:a16="http://schemas.microsoft.com/office/drawing/2014/main" val="2792505407"/>
+                    </a:ext>
+                  </a:extLst>
+                </a:gridCol>
+                <a:gridCol w="2482116">
+                  <a:extLst>
+                    <a:ext uri="{9D8B030D-6E8A-4147-A177-3AD203B41FA5}">
+                      <a16:colId xmlns:a16="http://schemas.microsoft.com/office/drawing/2014/main" val="2565142458"/>
+                    </a:ext>
+                  </a:extLst>
+                </a:gridCol>
+              </a:tblGrid>
+              <a:tr h="370840">
+                <a:tc>
+                  <a:txBody>
+                    <a:bodyPr/>
+                    <a:lstStyle/>
+                    <a:p>
+                      <a:r>
+                        <a:rPr lang="en-US" altLang="zh-CN" sz="1800" dirty="0"/>
+                        <a:t>Adversarial examples…</a:t>
+                      </a:r>
+                      <a:endParaRPr lang="zh-CN" altLang="en-US" sz="1800" dirty="0"/>
+                    </a:p>
+                  </a:txBody>
+                  <a:tcPr>
+                    <a:solidFill>
+                      <a:schemeClr val="accent5">
+                        <a:lumMod val="40000"/>
+                        <a:lumOff val="60000"/>
+                      </a:schemeClr>
+                    </a:solidFill>
+                  </a:tcPr>
+                </a:tc>
+                <a:tc>
+                  <a:txBody>
+                    <a:bodyPr/>
+                    <a:lstStyle/>
+                    <a:p>
+                      <a:r>
+                        <a:rPr lang="en-US" altLang="zh-CN" sz="1800" dirty="0"/>
+                        <a:t>Counterfactual examples…</a:t>
+                      </a:r>
+                      <a:endParaRPr lang="zh-CN" altLang="en-US" sz="1800" dirty="0"/>
+                    </a:p>
+                  </a:txBody>
+                  <a:tcPr/>
+                </a:tc>
+                <a:extLst>
+                  <a:ext uri="{0D108BD9-81ED-4DB2-BD59-A6C34878D82A}">
+                    <a16:rowId xmlns:a16="http://schemas.microsoft.com/office/drawing/2014/main" val="1406318179"/>
+                  </a:ext>
+                </a:extLst>
+              </a:tr>
+              <a:tr h="370840">
+                <a:tc>
+                  <a:txBody>
+                    <a:bodyPr/>
+                    <a:lstStyle/>
+                    <a:p>
+                      <a:r>
+                        <a:rPr lang="en-US" altLang="zh-CN" sz="1600" dirty="0"/>
+                        <a:t>hide the changes</a:t>
+                      </a:r>
+                      <a:endParaRPr lang="zh-CN" altLang="en-US" sz="1600" dirty="0"/>
+                    </a:p>
+                  </a:txBody>
+                  <a:tcPr>
+                    <a:solidFill>
+                      <a:schemeClr val="accent5">
+                        <a:lumMod val="40000"/>
+                        <a:lumOff val="60000"/>
+                      </a:schemeClr>
+                    </a:solidFill>
+                  </a:tcPr>
+                </a:tc>
+                <a:tc>
+                  <a:txBody>
+                    <a:bodyPr/>
+                    <a:lstStyle/>
+                    <a:p>
+                      <a:r>
+                        <a:rPr lang="en-US" altLang="zh-CN" sz="1600" dirty="0"/>
+                        <a:t>highlight the changes</a:t>
+                      </a:r>
+                      <a:endParaRPr lang="zh-CN" altLang="en-US" sz="1600" dirty="0"/>
+                    </a:p>
+                  </a:txBody>
+                  <a:tcPr/>
+                </a:tc>
+                <a:extLst>
+                  <a:ext uri="{0D108BD9-81ED-4DB2-BD59-A6C34878D82A}">
+                    <a16:rowId xmlns:a16="http://schemas.microsoft.com/office/drawing/2014/main" val="3350782608"/>
+                  </a:ext>
+                </a:extLst>
+              </a:tr>
+              <a:tr h="370840">
+                <a:tc>
+                  <a:txBody>
+                    <a:bodyPr/>
+                    <a:lstStyle/>
+                    <a:p>
+                      <a:r>
+                        <a:rPr lang="en-US" altLang="zh-CN" sz="1600" dirty="0"/>
+                        <a:t>“fool” the model</a:t>
+                      </a:r>
+                      <a:endParaRPr lang="zh-CN" altLang="en-US" sz="1600" dirty="0"/>
+                    </a:p>
+                  </a:txBody>
+                  <a:tcPr>
+                    <a:solidFill>
+                      <a:schemeClr val="accent5">
+                        <a:lumMod val="40000"/>
+                        <a:lumOff val="60000"/>
+                      </a:schemeClr>
+                    </a:solidFill>
+                  </a:tcPr>
+                </a:tc>
+                <a:tc>
+                  <a:txBody>
+                    <a:bodyPr/>
+                    <a:lstStyle/>
+                    <a:p>
+                      <a:r>
+                        <a:rPr lang="en-US" altLang="zh-CN" sz="1600" dirty="0"/>
+                        <a:t>give plausible advices</a:t>
+                      </a:r>
+                      <a:endParaRPr lang="zh-CN" altLang="en-US" sz="1600" dirty="0"/>
+                    </a:p>
+                  </a:txBody>
+                  <a:tcPr/>
+                </a:tc>
+                <a:extLst>
+                  <a:ext uri="{0D108BD9-81ED-4DB2-BD59-A6C34878D82A}">
+                    <a16:rowId xmlns:a16="http://schemas.microsoft.com/office/drawing/2014/main" val="1394833779"/>
+                  </a:ext>
+                </a:extLst>
+              </a:tr>
+              <a:tr h="370840">
+                <a:tc>
+                  <a:txBody>
+                    <a:bodyPr/>
+                    <a:lstStyle/>
+                    <a:p>
+                      <a:r>
+                        <a:rPr lang="en-US" altLang="zh-CN" sz="1600" dirty="0"/>
+                        <a:t>are almost identical to the original input</a:t>
+                      </a:r>
+                      <a:endParaRPr lang="zh-CN" altLang="en-US" sz="1600" dirty="0"/>
+                    </a:p>
+                  </a:txBody>
+                  <a:tcPr>
+                    <a:solidFill>
+                      <a:schemeClr val="accent5">
+                        <a:lumMod val="40000"/>
+                        <a:lumOff val="60000"/>
+                      </a:schemeClr>
+                    </a:solidFill>
+                  </a:tcPr>
+                </a:tc>
+                <a:tc>
+                  <a:txBody>
+                    <a:bodyPr/>
+                    <a:lstStyle/>
+                    <a:p>
+                      <a:r>
+                        <a:rPr lang="en-US" altLang="zh-CN" sz="1600" dirty="0"/>
+                        <a:t>are similar, but not identical to original input</a:t>
+                      </a:r>
+                      <a:endParaRPr lang="zh-CN" altLang="en-US" sz="1600" dirty="0"/>
+                    </a:p>
+                  </a:txBody>
+                  <a:tcPr/>
+                </a:tc>
+                <a:extLst>
+                  <a:ext uri="{0D108BD9-81ED-4DB2-BD59-A6C34878D82A}">
+                    <a16:rowId xmlns:a16="http://schemas.microsoft.com/office/drawing/2014/main" val="2397326497"/>
+                  </a:ext>
+                </a:extLst>
+              </a:tr>
+              <a:tr h="370840">
+                <a:tc>
+                  <a:txBody>
+                    <a:bodyPr/>
+                    <a:lstStyle/>
+                    <a:p>
+                      <a:r>
+                        <a:rPr lang="en-US" altLang="zh-CN" sz="1600" dirty="0"/>
+                        <a:t>take advantage of the model weak point</a:t>
+                      </a:r>
+                      <a:endParaRPr lang="zh-CN" altLang="en-US" sz="1600" dirty="0"/>
+                    </a:p>
+                  </a:txBody>
+                  <a:tcPr>
+                    <a:solidFill>
+                      <a:schemeClr val="accent5">
+                        <a:lumMod val="40000"/>
+                        <a:lumOff val="60000"/>
+                      </a:schemeClr>
+                    </a:solidFill>
+                  </a:tcPr>
+                </a:tc>
+                <a:tc>
+                  <a:txBody>
+                    <a:bodyPr/>
+                    <a:lstStyle/>
+                    <a:p>
+                      <a:r>
+                        <a:rPr lang="en-US" altLang="zh-CN" sz="1600" dirty="0"/>
+                        <a:t>avoid the model weak point</a:t>
+                      </a:r>
+                      <a:endParaRPr lang="zh-CN" altLang="en-US" sz="1600" dirty="0"/>
+                    </a:p>
+                  </a:txBody>
+                  <a:tcPr/>
+                </a:tc>
+                <a:extLst>
+                  <a:ext uri="{0D108BD9-81ED-4DB2-BD59-A6C34878D82A}">
+                    <a16:rowId xmlns:a16="http://schemas.microsoft.com/office/drawing/2014/main" val="3568549630"/>
+                  </a:ext>
+                </a:extLst>
+              </a:tr>
+            </a:tbl>
+          </a:graphicData>
+        </a:graphic>
+      </p:graphicFrame>
+    </p:spTree>
+    <p:extLst>
+      <p:ext uri="{BB962C8B-B14F-4D97-AF65-F5344CB8AC3E}">
+        <p14:creationId xmlns:p14="http://schemas.microsoft.com/office/powerpoint/2010/main" val="586582551"/>
       </p:ext>
     </p:extLst>
   </p:cSld>

--- a/presentation/XAI_counterfactual.pptx
+++ b/presentation/XAI_counterfactual.pptx
@@ -14,8 +14,8 @@
     <p:sldId id="261" r:id="rId5"/>
     <p:sldId id="262" r:id="rId6"/>
     <p:sldId id="266" r:id="rId7"/>
-    <p:sldId id="270" r:id="rId8"/>
-    <p:sldId id="264" r:id="rId9"/>
+    <p:sldId id="264" r:id="rId8"/>
+    <p:sldId id="270" r:id="rId9"/>
     <p:sldId id="263" r:id="rId10"/>
     <p:sldId id="271" r:id="rId11"/>
     <p:sldId id="267" r:id="rId12"/>
@@ -162,8 +162,8 @@
             <p14:sldId id="261"/>
             <p14:sldId id="262"/>
             <p14:sldId id="266"/>
+            <p14:sldId id="264"/>
             <p14:sldId id="270"/>
-            <p14:sldId id="264"/>
             <p14:sldId id="263"/>
             <p14:sldId id="271"/>
             <p14:sldId id="267"/>
@@ -5972,7 +5972,7 @@
           <a:p>
             <a:fld id="{7050AA78-93B5-4A4F-9F57-7E5980B5CEFD}" type="datetimeFigureOut">
               <a:rPr lang="zh-CN" altLang="en-US" smtClean="0"/>
-              <a:t>2021/1/19 Tuesday</a:t>
+              <a:t>2021/1/21 Thursday</a:t>
             </a:fld>
             <a:endParaRPr lang="zh-CN" altLang="en-US"/>
           </a:p>
@@ -8252,25 +8252,128 @@
       </p:grpSpPr>
       <p:sp>
         <p:nvSpPr>
-          <p:cNvPr id="2" name="内容占位符 1">
+          <p:cNvPr id="22" name="矩形 21">
             <a:extLst>
               <a:ext uri="{FF2B5EF4-FFF2-40B4-BE49-F238E27FC236}">
-                <a16:creationId xmlns:a16="http://schemas.microsoft.com/office/drawing/2014/main" id="{A1B0D5E6-8C9D-49CA-8B2D-B42F6DCBF33B}"/>
+                <a16:creationId xmlns:a16="http://schemas.microsoft.com/office/drawing/2014/main" id="{AAB3A38D-F990-4E00-BF46-4994A10A4FF8}"/>
               </a:ext>
             </a:extLst>
           </p:cNvPr>
-          <p:cNvSpPr>
-            <a:spLocks noGrp="1"/>
-          </p:cNvSpPr>
-          <p:nvPr>
-            <p:ph idx="1"/>
-          </p:nvPr>
+          <p:cNvSpPr/>
+          <p:nvPr/>
         </p:nvSpPr>
-        <p:spPr/>
+        <p:spPr>
+          <a:xfrm>
+            <a:off x="7537142" y="1806910"/>
+            <a:ext cx="4313541" cy="4593890"/>
+          </a:xfrm>
+          <a:prstGeom prst="rect">
+            <a:avLst/>
+          </a:prstGeom>
+          <a:solidFill>
+            <a:schemeClr val="accent5">
+              <a:lumMod val="20000"/>
+              <a:lumOff val="80000"/>
+            </a:schemeClr>
+          </a:solidFill>
+          <a:ln>
+            <a:noFill/>
+          </a:ln>
+        </p:spPr>
+        <p:style>
+          <a:lnRef idx="2">
+            <a:schemeClr val="accent1">
+              <a:shade val="50000"/>
+            </a:schemeClr>
+          </a:lnRef>
+          <a:fillRef idx="1">
+            <a:schemeClr val="accent1"/>
+          </a:fillRef>
+          <a:effectRef idx="0">
+            <a:schemeClr val="accent1"/>
+          </a:effectRef>
+          <a:fontRef idx="minor">
+            <a:schemeClr val="lt1"/>
+          </a:fontRef>
+        </p:style>
         <p:txBody>
-          <a:bodyPr/>
+          <a:bodyPr rot="0" spcFirstLastPara="0" vertOverflow="overflow" horzOverflow="overflow" vert="horz" wrap="square" lIns="91440" tIns="45720" rIns="91440" bIns="45720" numCol="1" spcCol="0" rtlCol="0" fromWordArt="0" anchor="t" anchorCtr="0" forceAA="0" compatLnSpc="1">
+            <a:prstTxWarp prst="textNoShape">
+              <a:avLst/>
+            </a:prstTxWarp>
+            <a:noAutofit/>
+          </a:bodyPr>
           <a:lstStyle/>
           <a:p>
+            <a:pPr algn="ctr">
+              <a:lnSpc>
+                <a:spcPct val="114000"/>
+              </a:lnSpc>
+            </a:pPr>
+            <a:endParaRPr lang="zh-CN" altLang="en-US" dirty="0"/>
+          </a:p>
+        </p:txBody>
+      </p:sp>
+      <p:sp>
+        <p:nvSpPr>
+          <p:cNvPr id="21" name="矩形 20">
+            <a:extLst>
+              <a:ext uri="{FF2B5EF4-FFF2-40B4-BE49-F238E27FC236}">
+                <a16:creationId xmlns:a16="http://schemas.microsoft.com/office/drawing/2014/main" id="{AC13B58D-699A-4901-A5C2-851CDF3E74E8}"/>
+              </a:ext>
+            </a:extLst>
+          </p:cNvPr>
+          <p:cNvSpPr/>
+          <p:nvPr/>
+        </p:nvSpPr>
+        <p:spPr>
+          <a:xfrm>
+            <a:off x="177553" y="1806910"/>
+            <a:ext cx="7217546" cy="4593890"/>
+          </a:xfrm>
+          <a:prstGeom prst="rect">
+            <a:avLst/>
+          </a:prstGeom>
+          <a:solidFill>
+            <a:schemeClr val="accent3">
+              <a:lumMod val="20000"/>
+              <a:lumOff val="80000"/>
+            </a:schemeClr>
+          </a:solidFill>
+          <a:ln>
+            <a:noFill/>
+          </a:ln>
+        </p:spPr>
+        <p:style>
+          <a:lnRef idx="2">
+            <a:schemeClr val="accent1">
+              <a:shade val="50000"/>
+            </a:schemeClr>
+          </a:lnRef>
+          <a:fillRef idx="1">
+            <a:schemeClr val="accent1"/>
+          </a:fillRef>
+          <a:effectRef idx="0">
+            <a:schemeClr val="accent1"/>
+          </a:effectRef>
+          <a:fontRef idx="minor">
+            <a:schemeClr val="lt1"/>
+          </a:fontRef>
+        </p:style>
+        <p:txBody>
+          <a:bodyPr rot="0" spcFirstLastPara="0" vertOverflow="overflow" horzOverflow="overflow" vert="horz" wrap="square" lIns="91440" tIns="45720" rIns="91440" bIns="45720" numCol="1" spcCol="0" rtlCol="0" fromWordArt="0" anchor="t" anchorCtr="0" forceAA="0" compatLnSpc="1">
+            <a:prstTxWarp prst="textNoShape">
+              <a:avLst/>
+            </a:prstTxWarp>
+            <a:noAutofit/>
+          </a:bodyPr>
+          <a:lstStyle/>
+          <a:p>
+            <a:pPr algn="ctr">
+              <a:lnSpc>
+                <a:spcPct val="114000"/>
+              </a:lnSpc>
+            </a:pPr>
             <a:endParaRPr lang="zh-CN" altLang="en-US" dirty="0"/>
           </a:p>
         </p:txBody>
@@ -8291,14 +8394,19 @@
             <p:ph type="title"/>
           </p:nvPr>
         </p:nvSpPr>
-        <p:spPr/>
+        <p:spPr>
+          <a:xfrm>
+            <a:off x="424012" y="1173174"/>
+            <a:ext cx="11345332" cy="510909"/>
+          </a:xfrm>
+        </p:spPr>
         <p:txBody>
           <a:bodyPr/>
           <a:lstStyle/>
           <a:p>
             <a:r>
               <a:rPr lang="en-US" altLang="zh-CN" dirty="0"/>
-              <a:t>Solution to the pitfall of adversarial example</a:t>
+              <a:t>Solution to the adversarial pitfall: prototype guidance</a:t>
             </a:r>
             <a:endParaRPr lang="zh-CN" altLang="en-US" dirty="0"/>
           </a:p>
@@ -8360,6 +8468,969 @@
               <a:t>Topic 6 | Counterfactual Explanation</a:t>
             </a:r>
             <a:endParaRPr lang="en-US" altLang="zh-CN" dirty="0"/>
+          </a:p>
+        </p:txBody>
+      </p:sp>
+      <p:pic>
+        <p:nvPicPr>
+          <p:cNvPr id="7" name="图片 6">
+            <a:extLst>
+              <a:ext uri="{FF2B5EF4-FFF2-40B4-BE49-F238E27FC236}">
+                <a16:creationId xmlns:a16="http://schemas.microsoft.com/office/drawing/2014/main" id="{A682D7EF-D2AA-45CF-AD0A-232D96A825E8}"/>
+              </a:ext>
+            </a:extLst>
+          </p:cNvPr>
+          <p:cNvPicPr>
+            <a:picLocks noChangeAspect="1"/>
+          </p:cNvPicPr>
+          <p:nvPr/>
+        </p:nvPicPr>
+        <p:blipFill>
+          <a:blip r:embed="rId2">
+            <a:extLst>
+              <a:ext uri="{28A0092B-C50C-407E-A947-70E740481C1C}">
+                <a14:useLocalDpi xmlns:a14="http://schemas.microsoft.com/office/drawing/2010/main" val="0"/>
+              </a:ext>
+            </a:extLst>
+          </a:blip>
+          <a:stretch>
+            <a:fillRect/>
+          </a:stretch>
+        </p:blipFill>
+        <p:spPr>
+          <a:xfrm>
+            <a:off x="2815117" y="4532235"/>
+            <a:ext cx="4326495" cy="1734360"/>
+          </a:xfrm>
+          <a:prstGeom prst="rect">
+            <a:avLst/>
+          </a:prstGeom>
+        </p:spPr>
+      </p:pic>
+      <p:pic>
+        <p:nvPicPr>
+          <p:cNvPr id="11" name="图片 10">
+            <a:extLst>
+              <a:ext uri="{FF2B5EF4-FFF2-40B4-BE49-F238E27FC236}">
+                <a16:creationId xmlns:a16="http://schemas.microsoft.com/office/drawing/2014/main" id="{7AEE9F0F-3D9E-41B0-B7FB-68062F9BAAC0}"/>
+              </a:ext>
+            </a:extLst>
+          </p:cNvPr>
+          <p:cNvPicPr>
+            <a:picLocks noChangeAspect="1"/>
+          </p:cNvPicPr>
+          <p:nvPr/>
+        </p:nvPicPr>
+        <p:blipFill>
+          <a:blip r:embed="rId3">
+            <a:extLst>
+              <a:ext uri="{28A0092B-C50C-407E-A947-70E740481C1C}">
+                <a14:useLocalDpi xmlns:a14="http://schemas.microsoft.com/office/drawing/2010/main" val="0"/>
+              </a:ext>
+            </a:extLst>
+          </a:blip>
+          <a:stretch>
+            <a:fillRect/>
+          </a:stretch>
+        </p:blipFill>
+        <p:spPr>
+          <a:xfrm>
+            <a:off x="1311529" y="2155991"/>
+            <a:ext cx="4485591" cy="1809838"/>
+          </a:xfrm>
+          <a:prstGeom prst="rect">
+            <a:avLst/>
+          </a:prstGeom>
+        </p:spPr>
+      </p:pic>
+      <p:sp>
+        <p:nvSpPr>
+          <p:cNvPr id="12" name="文本框 11">
+            <a:extLst>
+              <a:ext uri="{FF2B5EF4-FFF2-40B4-BE49-F238E27FC236}">
+                <a16:creationId xmlns:a16="http://schemas.microsoft.com/office/drawing/2014/main" id="{1E069AF6-4929-46CF-ADF3-92049554FEC4}"/>
+              </a:ext>
+            </a:extLst>
+          </p:cNvPr>
+          <p:cNvSpPr txBox="1"/>
+          <p:nvPr/>
+        </p:nvSpPr>
+        <p:spPr>
+          <a:xfrm>
+            <a:off x="249338" y="2258921"/>
+            <a:ext cx="974689" cy="1552605"/>
+          </a:xfrm>
+          <a:prstGeom prst="rect">
+            <a:avLst/>
+          </a:prstGeom>
+          <a:noFill/>
+        </p:spPr>
+        <p:txBody>
+          <a:bodyPr wrap="none" lIns="0" tIns="0" rIns="0" bIns="0" rtlCol="0">
+            <a:spAutoFit/>
+          </a:bodyPr>
+          <a:lstStyle/>
+          <a:p>
+            <a:pPr algn="r">
+              <a:lnSpc>
+                <a:spcPct val="114000"/>
+              </a:lnSpc>
+            </a:pPr>
+            <a:r>
+              <a:rPr lang="en-US" altLang="zh-CN" b="1" dirty="0">
+                <a:latin typeface="+mn-lt"/>
+              </a:rPr>
+              <a:t>Origin</a:t>
+            </a:r>
+          </a:p>
+          <a:p>
+            <a:pPr algn="r">
+              <a:lnSpc>
+                <a:spcPct val="114000"/>
+              </a:lnSpc>
+            </a:pPr>
+            <a:r>
+              <a:rPr lang="en-US" altLang="zh-CN" b="1" dirty="0">
+                <a:latin typeface="+mn-lt"/>
+              </a:rPr>
+              <a:t>(28x28)</a:t>
+            </a:r>
+          </a:p>
+          <a:p>
+            <a:pPr algn="r">
+              <a:lnSpc>
+                <a:spcPct val="114000"/>
+              </a:lnSpc>
+            </a:pPr>
+            <a:endParaRPr lang="en-US" altLang="zh-CN" b="1" dirty="0">
+              <a:latin typeface="+mn-lt"/>
+            </a:endParaRPr>
+          </a:p>
+          <a:p>
+            <a:pPr algn="r">
+              <a:lnSpc>
+                <a:spcPct val="114000"/>
+              </a:lnSpc>
+            </a:pPr>
+            <a:r>
+              <a:rPr lang="en-US" altLang="zh-CN" b="1" dirty="0">
+                <a:latin typeface="+mn-lt"/>
+              </a:rPr>
+              <a:t>Encoded</a:t>
+            </a:r>
+          </a:p>
+          <a:p>
+            <a:pPr algn="r">
+              <a:lnSpc>
+                <a:spcPct val="114000"/>
+              </a:lnSpc>
+            </a:pPr>
+            <a:r>
+              <a:rPr lang="en-US" altLang="zh-CN" b="1" dirty="0">
+                <a:latin typeface="+mn-lt"/>
+              </a:rPr>
+              <a:t>(14x14)</a:t>
+            </a:r>
+            <a:endParaRPr lang="zh-CN" altLang="en-US" b="1" dirty="0" err="1">
+              <a:latin typeface="+mn-lt"/>
+            </a:endParaRPr>
+          </a:p>
+        </p:txBody>
+      </p:sp>
+      <p:sp>
+        <p:nvSpPr>
+          <p:cNvPr id="13" name="矩形: 圆角 12">
+            <a:extLst>
+              <a:ext uri="{FF2B5EF4-FFF2-40B4-BE49-F238E27FC236}">
+                <a16:creationId xmlns:a16="http://schemas.microsoft.com/office/drawing/2014/main" id="{25EA7AA0-B4E9-43CC-8C29-ED96358EA21A}"/>
+              </a:ext>
+            </a:extLst>
+          </p:cNvPr>
+          <p:cNvSpPr/>
+          <p:nvPr/>
+        </p:nvSpPr>
+        <p:spPr>
+          <a:xfrm>
+            <a:off x="1311529" y="3060909"/>
+            <a:ext cx="4565488" cy="904919"/>
+          </a:xfrm>
+          <a:prstGeom prst="roundRect">
+            <a:avLst/>
+          </a:prstGeom>
+          <a:noFill/>
+          <a:ln w="57150">
+            <a:solidFill>
+              <a:srgbClr val="0065BD"/>
+            </a:solidFill>
+          </a:ln>
+        </p:spPr>
+        <p:style>
+          <a:lnRef idx="2">
+            <a:schemeClr val="accent1">
+              <a:shade val="50000"/>
+            </a:schemeClr>
+          </a:lnRef>
+          <a:fillRef idx="1">
+            <a:schemeClr val="accent1"/>
+          </a:fillRef>
+          <a:effectRef idx="0">
+            <a:schemeClr val="accent1"/>
+          </a:effectRef>
+          <a:fontRef idx="minor">
+            <a:schemeClr val="lt1"/>
+          </a:fontRef>
+        </p:style>
+        <p:txBody>
+          <a:bodyPr rot="0" spcFirstLastPara="0" vertOverflow="overflow" horzOverflow="overflow" vert="horz" wrap="square" lIns="91440" tIns="45720" rIns="91440" bIns="45720" numCol="1" spcCol="0" rtlCol="0" fromWordArt="0" anchor="t" anchorCtr="0" forceAA="0" compatLnSpc="1">
+            <a:prstTxWarp prst="textNoShape">
+              <a:avLst/>
+            </a:prstTxWarp>
+            <a:noAutofit/>
+          </a:bodyPr>
+          <a:lstStyle/>
+          <a:p>
+            <a:pPr algn="ctr">
+              <a:lnSpc>
+                <a:spcPct val="114000"/>
+              </a:lnSpc>
+            </a:pPr>
+            <a:endParaRPr lang="zh-CN" altLang="en-US" dirty="0"/>
+          </a:p>
+        </p:txBody>
+      </p:sp>
+      <p:cxnSp>
+        <p:nvCxnSpPr>
+          <p:cNvPr id="15" name="直接箭头连接符 14">
+            <a:extLst>
+              <a:ext uri="{FF2B5EF4-FFF2-40B4-BE49-F238E27FC236}">
+                <a16:creationId xmlns:a16="http://schemas.microsoft.com/office/drawing/2014/main" id="{EF3C857C-1B76-445C-84C0-3A9958E56AF1}"/>
+              </a:ext>
+            </a:extLst>
+          </p:cNvPr>
+          <p:cNvCxnSpPr>
+            <a:cxnSpLocks/>
+            <a:stCxn id="13" idx="3"/>
+          </p:cNvCxnSpPr>
+          <p:nvPr/>
+        </p:nvCxnSpPr>
+        <p:spPr>
+          <a:xfrm>
+            <a:off x="5877017" y="3513369"/>
+            <a:ext cx="541536" cy="0"/>
+          </a:xfrm>
+          <a:prstGeom prst="straightConnector1">
+            <a:avLst/>
+          </a:prstGeom>
+          <a:ln w="57150">
+            <a:solidFill>
+              <a:srgbClr val="0065BD"/>
+            </a:solidFill>
+            <a:tailEnd type="triangle"/>
+          </a:ln>
+        </p:spPr>
+        <p:style>
+          <a:lnRef idx="1">
+            <a:schemeClr val="accent1"/>
+          </a:lnRef>
+          <a:fillRef idx="0">
+            <a:schemeClr val="accent1"/>
+          </a:fillRef>
+          <a:effectRef idx="0">
+            <a:schemeClr val="accent1"/>
+          </a:effectRef>
+          <a:fontRef idx="minor">
+            <a:schemeClr val="tx1"/>
+          </a:fontRef>
+        </p:style>
+      </p:cxnSp>
+      <p:pic>
+        <p:nvPicPr>
+          <p:cNvPr id="18" name="图片 17">
+            <a:extLst>
+              <a:ext uri="{FF2B5EF4-FFF2-40B4-BE49-F238E27FC236}">
+                <a16:creationId xmlns:a16="http://schemas.microsoft.com/office/drawing/2014/main" id="{0A255AA3-C902-4450-81B3-151E4EEDEE8E}"/>
+              </a:ext>
+            </a:extLst>
+          </p:cNvPr>
+          <p:cNvPicPr>
+            <a:picLocks noChangeAspect="1"/>
+          </p:cNvPicPr>
+          <p:nvPr/>
+        </p:nvPicPr>
+        <p:blipFill rotWithShape="1">
+          <a:blip r:embed="rId2">
+            <a:extLst>
+              <a:ext uri="{28A0092B-C50C-407E-A947-70E740481C1C}">
+                <a14:useLocalDpi xmlns:a14="http://schemas.microsoft.com/office/drawing/2010/main" val="0"/>
+              </a:ext>
+            </a:extLst>
+          </a:blip>
+          <a:srcRect l="80894" b="51744"/>
+          <a:stretch/>
+        </p:blipFill>
+        <p:spPr>
+          <a:xfrm>
+            <a:off x="6314985" y="3128898"/>
+            <a:ext cx="826627" cy="836930"/>
+          </a:xfrm>
+          <a:prstGeom prst="rect">
+            <a:avLst/>
+          </a:prstGeom>
+        </p:spPr>
+      </p:pic>
+      <p:pic>
+        <p:nvPicPr>
+          <p:cNvPr id="19" name="图片 18">
+            <a:extLst>
+              <a:ext uri="{FF2B5EF4-FFF2-40B4-BE49-F238E27FC236}">
+                <a16:creationId xmlns:a16="http://schemas.microsoft.com/office/drawing/2014/main" id="{88DE9B5E-2CBB-4246-A758-68E1A9D924F1}"/>
+              </a:ext>
+            </a:extLst>
+          </p:cNvPr>
+          <p:cNvPicPr>
+            <a:picLocks noChangeAspect="1"/>
+          </p:cNvPicPr>
+          <p:nvPr/>
+        </p:nvPicPr>
+        <p:blipFill>
+          <a:blip r:embed="rId4">
+            <a:extLst>
+              <a:ext uri="{28A0092B-C50C-407E-A947-70E740481C1C}">
+                <a14:useLocalDpi xmlns:a14="http://schemas.microsoft.com/office/drawing/2010/main" val="0"/>
+              </a:ext>
+            </a:extLst>
+          </a:blip>
+          <a:stretch>
+            <a:fillRect/>
+          </a:stretch>
+        </p:blipFill>
+        <p:spPr>
+          <a:xfrm>
+            <a:off x="8530291" y="1915714"/>
+            <a:ext cx="817991" cy="820655"/>
+          </a:xfrm>
+          <a:prstGeom prst="rect">
+            <a:avLst/>
+          </a:prstGeom>
+        </p:spPr>
+      </p:pic>
+      <p:sp>
+        <p:nvSpPr>
+          <p:cNvPr id="20" name="文本框 19">
+            <a:extLst>
+              <a:ext uri="{FF2B5EF4-FFF2-40B4-BE49-F238E27FC236}">
+                <a16:creationId xmlns:a16="http://schemas.microsoft.com/office/drawing/2014/main" id="{E94FD163-A0FA-4CFD-BFAA-3716ED5C58A3}"/>
+              </a:ext>
+            </a:extLst>
+          </p:cNvPr>
+          <p:cNvSpPr txBox="1"/>
+          <p:nvPr/>
+        </p:nvSpPr>
+        <p:spPr>
+          <a:xfrm>
+            <a:off x="460104" y="5161543"/>
+            <a:ext cx="1974808" cy="544188"/>
+          </a:xfrm>
+          <a:prstGeom prst="rect">
+            <a:avLst/>
+          </a:prstGeom>
+          <a:noFill/>
+        </p:spPr>
+        <p:txBody>
+          <a:bodyPr wrap="square" lIns="0" tIns="0" rIns="0" bIns="0" rtlCol="0">
+            <a:spAutoFit/>
+          </a:bodyPr>
+          <a:lstStyle/>
+          <a:p>
+            <a:pPr>
+              <a:lnSpc>
+                <a:spcPct val="114000"/>
+              </a:lnSpc>
+            </a:pPr>
+            <a:r>
+              <a:rPr lang="en-US" altLang="zh-CN" sz="3200" b="1" dirty="0">
+                <a:solidFill>
+                  <a:schemeClr val="accent1"/>
+                </a:solidFill>
+                <a:latin typeface="Aharoni" panose="02010803020104030203" pitchFamily="2" charset="-79"/>
+                <a:cs typeface="Aharoni" panose="02010803020104030203" pitchFamily="2" charset="-79"/>
+              </a:rPr>
+              <a:t>Training</a:t>
+            </a:r>
+            <a:endParaRPr lang="zh-CN" altLang="en-US" sz="3200" b="1" dirty="0" err="1">
+              <a:solidFill>
+                <a:schemeClr val="accent1"/>
+              </a:solidFill>
+              <a:latin typeface="Aharoni" panose="02010803020104030203" pitchFamily="2" charset="-79"/>
+              <a:cs typeface="Aharoni" panose="02010803020104030203" pitchFamily="2" charset="-79"/>
+            </a:endParaRPr>
+          </a:p>
+        </p:txBody>
+      </p:sp>
+      <p:sp>
+        <p:nvSpPr>
+          <p:cNvPr id="23" name="文本框 22">
+            <a:extLst>
+              <a:ext uri="{FF2B5EF4-FFF2-40B4-BE49-F238E27FC236}">
+                <a16:creationId xmlns:a16="http://schemas.microsoft.com/office/drawing/2014/main" id="{6C60A5A5-5A54-4809-8B04-4D7FB0D0A54F}"/>
+              </a:ext>
+            </a:extLst>
+          </p:cNvPr>
+          <p:cNvSpPr txBox="1"/>
+          <p:nvPr/>
+        </p:nvSpPr>
+        <p:spPr>
+          <a:xfrm>
+            <a:off x="10401294" y="5161543"/>
+            <a:ext cx="1318616" cy="544188"/>
+          </a:xfrm>
+          <a:prstGeom prst="rect">
+            <a:avLst/>
+          </a:prstGeom>
+          <a:noFill/>
+        </p:spPr>
+        <p:txBody>
+          <a:bodyPr wrap="square" lIns="0" tIns="0" rIns="0" bIns="0" rtlCol="0">
+            <a:spAutoFit/>
+          </a:bodyPr>
+          <a:lstStyle/>
+          <a:p>
+            <a:pPr>
+              <a:lnSpc>
+                <a:spcPct val="114000"/>
+              </a:lnSpc>
+            </a:pPr>
+            <a:r>
+              <a:rPr lang="en-US" altLang="zh-CN" sz="3200" b="1" dirty="0">
+                <a:solidFill>
+                  <a:schemeClr val="accent5"/>
+                </a:solidFill>
+                <a:latin typeface="Aharoni" panose="02010803020104030203" pitchFamily="2" charset="-79"/>
+                <a:cs typeface="Aharoni" panose="02010803020104030203" pitchFamily="2" charset="-79"/>
+              </a:rPr>
+              <a:t>Fitting</a:t>
+            </a:r>
+            <a:endParaRPr lang="zh-CN" altLang="en-US" sz="3200" b="1" dirty="0" err="1">
+              <a:solidFill>
+                <a:schemeClr val="accent5"/>
+              </a:solidFill>
+              <a:latin typeface="Aharoni" panose="02010803020104030203" pitchFamily="2" charset="-79"/>
+              <a:cs typeface="Aharoni" panose="02010803020104030203" pitchFamily="2" charset="-79"/>
+            </a:endParaRPr>
+          </a:p>
+        </p:txBody>
+      </p:sp>
+      <p:sp>
+        <p:nvSpPr>
+          <p:cNvPr id="24" name="文本框 23">
+            <a:extLst>
+              <a:ext uri="{FF2B5EF4-FFF2-40B4-BE49-F238E27FC236}">
+                <a16:creationId xmlns:a16="http://schemas.microsoft.com/office/drawing/2014/main" id="{24598C0C-445C-4B72-BD90-F45625B3040E}"/>
+              </a:ext>
+            </a:extLst>
+          </p:cNvPr>
+          <p:cNvSpPr txBox="1"/>
+          <p:nvPr/>
+        </p:nvSpPr>
+        <p:spPr>
+          <a:xfrm>
+            <a:off x="9638192" y="2136870"/>
+            <a:ext cx="626775" cy="321563"/>
+          </a:xfrm>
+          <a:prstGeom prst="rect">
+            <a:avLst/>
+          </a:prstGeom>
+          <a:noFill/>
+        </p:spPr>
+        <p:txBody>
+          <a:bodyPr wrap="none" lIns="0" tIns="0" rIns="0" bIns="0" rtlCol="0">
+            <a:spAutoFit/>
+          </a:bodyPr>
+          <a:lstStyle/>
+          <a:p>
+            <a:pPr algn="r">
+              <a:lnSpc>
+                <a:spcPct val="114000"/>
+              </a:lnSpc>
+            </a:pPr>
+            <a:r>
+              <a:rPr lang="en-US" altLang="zh-CN" sz="2000" b="1" dirty="0">
+                <a:latin typeface="+mn-lt"/>
+              </a:rPr>
+              <a:t>Input</a:t>
+            </a:r>
+          </a:p>
+        </p:txBody>
+      </p:sp>
+      <p:sp>
+        <p:nvSpPr>
+          <p:cNvPr id="25" name="文本框 24">
+            <a:extLst>
+              <a:ext uri="{FF2B5EF4-FFF2-40B4-BE49-F238E27FC236}">
+                <a16:creationId xmlns:a16="http://schemas.microsoft.com/office/drawing/2014/main" id="{95EAB1BF-3498-4A5D-8FB6-FA49752C6AEB}"/>
+              </a:ext>
+            </a:extLst>
+          </p:cNvPr>
+          <p:cNvSpPr txBox="1"/>
+          <p:nvPr/>
+        </p:nvSpPr>
+        <p:spPr>
+          <a:xfrm>
+            <a:off x="4801925" y="4099090"/>
+            <a:ext cx="2279470" cy="321563"/>
+          </a:xfrm>
+          <a:prstGeom prst="rect">
+            <a:avLst/>
+          </a:prstGeom>
+          <a:noFill/>
+        </p:spPr>
+        <p:txBody>
+          <a:bodyPr wrap="none" lIns="0" tIns="0" rIns="0" bIns="0" rtlCol="0">
+            <a:spAutoFit/>
+          </a:bodyPr>
+          <a:lstStyle/>
+          <a:p>
+            <a:pPr algn="r">
+              <a:lnSpc>
+                <a:spcPct val="114000"/>
+              </a:lnSpc>
+            </a:pPr>
+            <a:r>
+              <a:rPr lang="en-US" altLang="zh-CN" sz="2000" b="1" dirty="0">
+                <a:latin typeface="+mn-lt"/>
+              </a:rPr>
+              <a:t>prototypes (14x14)</a:t>
+            </a:r>
+          </a:p>
+        </p:txBody>
+      </p:sp>
+      <p:cxnSp>
+        <p:nvCxnSpPr>
+          <p:cNvPr id="26" name="直接箭头连接符 25">
+            <a:extLst>
+              <a:ext uri="{FF2B5EF4-FFF2-40B4-BE49-F238E27FC236}">
+                <a16:creationId xmlns:a16="http://schemas.microsoft.com/office/drawing/2014/main" id="{3BD86005-BF08-4D1B-A1CC-32224E7576B6}"/>
+              </a:ext>
+            </a:extLst>
+          </p:cNvPr>
+          <p:cNvCxnSpPr>
+            <a:cxnSpLocks/>
+            <a:stCxn id="30" idx="0"/>
+            <a:endCxn id="19" idx="2"/>
+          </p:cNvCxnSpPr>
+          <p:nvPr/>
+        </p:nvCxnSpPr>
+        <p:spPr>
+          <a:xfrm flipV="1">
+            <a:off x="8939287" y="2736369"/>
+            <a:ext cx="0" cy="249310"/>
+          </a:xfrm>
+          <a:prstGeom prst="straightConnector1">
+            <a:avLst/>
+          </a:prstGeom>
+          <a:ln w="57150">
+            <a:solidFill>
+              <a:schemeClr val="accent5"/>
+            </a:solidFill>
+            <a:tailEnd type="triangle"/>
+          </a:ln>
+        </p:spPr>
+        <p:style>
+          <a:lnRef idx="1">
+            <a:schemeClr val="accent1"/>
+          </a:lnRef>
+          <a:fillRef idx="0">
+            <a:schemeClr val="accent1"/>
+          </a:fillRef>
+          <a:effectRef idx="0">
+            <a:schemeClr val="accent1"/>
+          </a:effectRef>
+          <a:fontRef idx="minor">
+            <a:schemeClr val="tx1"/>
+          </a:fontRef>
+        </p:style>
+      </p:cxnSp>
+      <p:pic>
+        <p:nvPicPr>
+          <p:cNvPr id="30" name="图片 29">
+            <a:extLst>
+              <a:ext uri="{FF2B5EF4-FFF2-40B4-BE49-F238E27FC236}">
+                <a16:creationId xmlns:a16="http://schemas.microsoft.com/office/drawing/2014/main" id="{671BDB63-1B54-4666-97AF-0436A6FD9DA3}"/>
+              </a:ext>
+            </a:extLst>
+          </p:cNvPr>
+          <p:cNvPicPr>
+            <a:picLocks noChangeAspect="1"/>
+          </p:cNvPicPr>
+          <p:nvPr/>
+        </p:nvPicPr>
+        <p:blipFill>
+          <a:blip r:embed="rId5">
+            <a:extLst>
+              <a:ext uri="{28A0092B-C50C-407E-A947-70E740481C1C}">
+                <a14:useLocalDpi xmlns:a14="http://schemas.microsoft.com/office/drawing/2010/main" val="0"/>
+              </a:ext>
+            </a:extLst>
+          </a:blip>
+          <a:stretch>
+            <a:fillRect/>
+          </a:stretch>
+        </p:blipFill>
+        <p:spPr>
+          <a:xfrm>
+            <a:off x="8364440" y="2985679"/>
+            <a:ext cx="1149694" cy="1135953"/>
+          </a:xfrm>
+          <a:prstGeom prst="rect">
+            <a:avLst/>
+          </a:prstGeom>
+        </p:spPr>
+      </p:pic>
+      <p:pic>
+        <p:nvPicPr>
+          <p:cNvPr id="36" name="图片 35">
+            <a:extLst>
+              <a:ext uri="{FF2B5EF4-FFF2-40B4-BE49-F238E27FC236}">
+                <a16:creationId xmlns:a16="http://schemas.microsoft.com/office/drawing/2014/main" id="{906118A7-D292-4EDE-8397-1DEA01201A26}"/>
+              </a:ext>
+            </a:extLst>
+          </p:cNvPr>
+          <p:cNvPicPr>
+            <a:picLocks noChangeAspect="1"/>
+          </p:cNvPicPr>
+          <p:nvPr/>
+        </p:nvPicPr>
+        <p:blipFill rotWithShape="1">
+          <a:blip r:embed="rId6">
+            <a:extLst>
+              <a:ext uri="{28A0092B-C50C-407E-A947-70E740481C1C}">
+                <a14:useLocalDpi xmlns:a14="http://schemas.microsoft.com/office/drawing/2010/main" val="0"/>
+              </a:ext>
+            </a:extLst>
+          </a:blip>
+          <a:srcRect l="69038" t="31711" r="363" b="27422"/>
+          <a:stretch/>
+        </p:blipFill>
+        <p:spPr>
+          <a:xfrm>
+            <a:off x="8151580" y="4509598"/>
+            <a:ext cx="1575414" cy="1156905"/>
+          </a:xfrm>
+          <a:prstGeom prst="rect">
+            <a:avLst/>
+          </a:prstGeom>
+        </p:spPr>
+      </p:pic>
+      <p:cxnSp>
+        <p:nvCxnSpPr>
+          <p:cNvPr id="41" name="直接箭头连接符 40">
+            <a:extLst>
+              <a:ext uri="{FF2B5EF4-FFF2-40B4-BE49-F238E27FC236}">
+                <a16:creationId xmlns:a16="http://schemas.microsoft.com/office/drawing/2014/main" id="{6D05B0BE-1E72-446C-A659-02EE6CCC823E}"/>
+              </a:ext>
+            </a:extLst>
+          </p:cNvPr>
+          <p:cNvCxnSpPr>
+            <a:cxnSpLocks/>
+            <a:stCxn id="30" idx="1"/>
+            <a:endCxn id="18" idx="3"/>
+          </p:cNvCxnSpPr>
+          <p:nvPr/>
+        </p:nvCxnSpPr>
+        <p:spPr>
+          <a:xfrm flipH="1" flipV="1">
+            <a:off x="7141612" y="3547363"/>
+            <a:ext cx="1222828" cy="6293"/>
+          </a:xfrm>
+          <a:prstGeom prst="straightConnector1">
+            <a:avLst/>
+          </a:prstGeom>
+          <a:ln w="57150">
+            <a:solidFill>
+              <a:schemeClr val="accent5"/>
+            </a:solidFill>
+            <a:tailEnd type="triangle"/>
+          </a:ln>
+        </p:spPr>
+        <p:style>
+          <a:lnRef idx="1">
+            <a:schemeClr val="accent1"/>
+          </a:lnRef>
+          <a:fillRef idx="0">
+            <a:schemeClr val="accent1"/>
+          </a:fillRef>
+          <a:effectRef idx="0">
+            <a:schemeClr val="accent1"/>
+          </a:effectRef>
+          <a:fontRef idx="minor">
+            <a:schemeClr val="tx1"/>
+          </a:fontRef>
+        </p:style>
+      </p:cxnSp>
+      <p:cxnSp>
+        <p:nvCxnSpPr>
+          <p:cNvPr id="46" name="直接箭头连接符 45">
+            <a:extLst>
+              <a:ext uri="{FF2B5EF4-FFF2-40B4-BE49-F238E27FC236}">
+                <a16:creationId xmlns:a16="http://schemas.microsoft.com/office/drawing/2014/main" id="{DBABA262-DB0E-4282-AB45-508403729B7A}"/>
+              </a:ext>
+            </a:extLst>
+          </p:cNvPr>
+          <p:cNvCxnSpPr>
+            <a:cxnSpLocks/>
+            <a:stCxn id="30" idx="2"/>
+            <a:endCxn id="36" idx="0"/>
+          </p:cNvCxnSpPr>
+          <p:nvPr/>
+        </p:nvCxnSpPr>
+        <p:spPr>
+          <a:xfrm>
+            <a:off x="8939287" y="4121632"/>
+            <a:ext cx="0" cy="387966"/>
+          </a:xfrm>
+          <a:prstGeom prst="straightConnector1">
+            <a:avLst/>
+          </a:prstGeom>
+          <a:ln w="57150">
+            <a:solidFill>
+              <a:schemeClr val="accent5"/>
+            </a:solidFill>
+            <a:tailEnd type="triangle"/>
+          </a:ln>
+        </p:spPr>
+        <p:style>
+          <a:lnRef idx="1">
+            <a:schemeClr val="accent1"/>
+          </a:lnRef>
+          <a:fillRef idx="0">
+            <a:schemeClr val="accent1"/>
+          </a:fillRef>
+          <a:effectRef idx="0">
+            <a:schemeClr val="accent1"/>
+          </a:effectRef>
+          <a:fontRef idx="minor">
+            <a:schemeClr val="tx1"/>
+          </a:fontRef>
+        </p:style>
+      </p:cxnSp>
+      <p:sp>
+        <p:nvSpPr>
+          <p:cNvPr id="51" name="文本框 50">
+            <a:extLst>
+              <a:ext uri="{FF2B5EF4-FFF2-40B4-BE49-F238E27FC236}">
+                <a16:creationId xmlns:a16="http://schemas.microsoft.com/office/drawing/2014/main" id="{5D0828C4-C8D9-471E-8398-89E5807D311A}"/>
+              </a:ext>
+            </a:extLst>
+          </p:cNvPr>
+          <p:cNvSpPr txBox="1"/>
+          <p:nvPr/>
+        </p:nvSpPr>
+        <p:spPr>
+          <a:xfrm>
+            <a:off x="9638192" y="3352586"/>
+            <a:ext cx="1110882" cy="321563"/>
+          </a:xfrm>
+          <a:prstGeom prst="rect">
+            <a:avLst/>
+          </a:prstGeom>
+          <a:noFill/>
+        </p:spPr>
+        <p:txBody>
+          <a:bodyPr wrap="none" lIns="0" tIns="0" rIns="0" bIns="0" rtlCol="0">
+            <a:spAutoFit/>
+          </a:bodyPr>
+          <a:lstStyle/>
+          <a:p>
+            <a:pPr algn="r">
+              <a:lnSpc>
+                <a:spcPct val="114000"/>
+              </a:lnSpc>
+            </a:pPr>
+            <a:r>
+              <a:rPr lang="en-US" altLang="zh-CN" sz="2000" b="1" dirty="0">
+                <a:latin typeface="+mn-lt"/>
+              </a:rPr>
+              <a:t>CF result</a:t>
+            </a:r>
+          </a:p>
+        </p:txBody>
+      </p:sp>
+      <p:sp>
+        <p:nvSpPr>
+          <p:cNvPr id="52" name="文本框 51">
+            <a:extLst>
+              <a:ext uri="{FF2B5EF4-FFF2-40B4-BE49-F238E27FC236}">
+                <a16:creationId xmlns:a16="http://schemas.microsoft.com/office/drawing/2014/main" id="{86DA82C2-A479-4951-8509-E41BBEF67D2D}"/>
+              </a:ext>
+            </a:extLst>
+          </p:cNvPr>
+          <p:cNvSpPr txBox="1"/>
+          <p:nvPr/>
+        </p:nvSpPr>
+        <p:spPr>
+          <a:xfrm>
+            <a:off x="8308760" y="6054469"/>
+            <a:ext cx="1370568" cy="257250"/>
+          </a:xfrm>
+          <a:prstGeom prst="rect">
+            <a:avLst/>
+          </a:prstGeom>
+          <a:noFill/>
+        </p:spPr>
+        <p:txBody>
+          <a:bodyPr wrap="none" lIns="0" tIns="0" rIns="0" bIns="0" rtlCol="0">
+            <a:spAutoFit/>
+          </a:bodyPr>
+          <a:lstStyle/>
+          <a:p>
+            <a:pPr>
+              <a:lnSpc>
+                <a:spcPct val="114000"/>
+              </a:lnSpc>
+            </a:pPr>
+            <a:r>
+              <a:rPr lang="en-US" altLang="zh-CN" sz="1600" b="1" dirty="0">
+                <a:latin typeface="+mn-lt"/>
+              </a:rPr>
+              <a:t>Different label</a:t>
+            </a:r>
+            <a:endParaRPr lang="zh-CN" altLang="en-US" sz="1600" b="1" dirty="0" err="1">
+              <a:latin typeface="+mn-lt"/>
+            </a:endParaRPr>
+          </a:p>
+        </p:txBody>
+      </p:sp>
+      <p:cxnSp>
+        <p:nvCxnSpPr>
+          <p:cNvPr id="53" name="直接箭头连接符 52">
+            <a:extLst>
+              <a:ext uri="{FF2B5EF4-FFF2-40B4-BE49-F238E27FC236}">
+                <a16:creationId xmlns:a16="http://schemas.microsoft.com/office/drawing/2014/main" id="{2FB8BD56-828F-4A20-833C-03FC5EF8B4E7}"/>
+              </a:ext>
+            </a:extLst>
+          </p:cNvPr>
+          <p:cNvCxnSpPr>
+            <a:cxnSpLocks/>
+          </p:cNvCxnSpPr>
+          <p:nvPr/>
+        </p:nvCxnSpPr>
+        <p:spPr>
+          <a:xfrm>
+            <a:off x="8949117" y="5666503"/>
+            <a:ext cx="0" cy="387966"/>
+          </a:xfrm>
+          <a:prstGeom prst="straightConnector1">
+            <a:avLst/>
+          </a:prstGeom>
+          <a:ln w="57150">
+            <a:solidFill>
+              <a:schemeClr val="accent5"/>
+            </a:solidFill>
+            <a:tailEnd type="triangle"/>
+          </a:ln>
+        </p:spPr>
+        <p:style>
+          <a:lnRef idx="1">
+            <a:schemeClr val="accent1"/>
+          </a:lnRef>
+          <a:fillRef idx="0">
+            <a:schemeClr val="accent1"/>
+          </a:fillRef>
+          <a:effectRef idx="0">
+            <a:schemeClr val="accent1"/>
+          </a:effectRef>
+          <a:fontRef idx="minor">
+            <a:schemeClr val="tx1"/>
+          </a:fontRef>
+        </p:style>
+      </p:cxnSp>
+      <p:sp>
+        <p:nvSpPr>
+          <p:cNvPr id="54" name="文本框 53">
+            <a:extLst>
+              <a:ext uri="{FF2B5EF4-FFF2-40B4-BE49-F238E27FC236}">
+                <a16:creationId xmlns:a16="http://schemas.microsoft.com/office/drawing/2014/main" id="{08182B4B-7DC2-4A91-BDC9-BA0DB4906F0C}"/>
+              </a:ext>
+            </a:extLst>
+          </p:cNvPr>
+          <p:cNvSpPr txBox="1"/>
+          <p:nvPr/>
+        </p:nvSpPr>
+        <p:spPr>
+          <a:xfrm>
+            <a:off x="7316180" y="3200785"/>
+            <a:ext cx="900888" cy="257250"/>
+          </a:xfrm>
+          <a:prstGeom prst="rect">
+            <a:avLst/>
+          </a:prstGeom>
+          <a:noFill/>
+        </p:spPr>
+        <p:txBody>
+          <a:bodyPr wrap="none" lIns="0" tIns="0" rIns="0" bIns="0" rtlCol="0">
+            <a:spAutoFit/>
+          </a:bodyPr>
+          <a:lstStyle/>
+          <a:p>
+            <a:pPr>
+              <a:lnSpc>
+                <a:spcPct val="114000"/>
+              </a:lnSpc>
+            </a:pPr>
+            <a:r>
+              <a:rPr lang="en-US" altLang="zh-CN" sz="1600" dirty="0">
+                <a:latin typeface="+mn-lt"/>
+              </a:rPr>
+              <a:t>proximate</a:t>
+            </a:r>
+            <a:endParaRPr lang="zh-CN" altLang="en-US" sz="1600" dirty="0" err="1">
+              <a:latin typeface="+mn-lt"/>
+            </a:endParaRPr>
+          </a:p>
+        </p:txBody>
+      </p:sp>
+      <p:sp>
+        <p:nvSpPr>
+          <p:cNvPr id="55" name="文本框 54">
+            <a:extLst>
+              <a:ext uri="{FF2B5EF4-FFF2-40B4-BE49-F238E27FC236}">
+                <a16:creationId xmlns:a16="http://schemas.microsoft.com/office/drawing/2014/main" id="{0146627F-1D62-4712-88B7-27BEDFAA3897}"/>
+              </a:ext>
+            </a:extLst>
+          </p:cNvPr>
+          <p:cNvSpPr txBox="1"/>
+          <p:nvPr/>
+        </p:nvSpPr>
+        <p:spPr>
+          <a:xfrm>
+            <a:off x="9086459" y="2714256"/>
+            <a:ext cx="1654299" cy="257250"/>
+          </a:xfrm>
+          <a:prstGeom prst="rect">
+            <a:avLst/>
+          </a:prstGeom>
+          <a:noFill/>
+        </p:spPr>
+        <p:txBody>
+          <a:bodyPr wrap="none" lIns="0" tIns="0" rIns="0" bIns="0" rtlCol="0">
+            <a:spAutoFit/>
+          </a:bodyPr>
+          <a:lstStyle/>
+          <a:p>
+            <a:pPr>
+              <a:lnSpc>
+                <a:spcPct val="114000"/>
+              </a:lnSpc>
+            </a:pPr>
+            <a:r>
+              <a:rPr lang="en-US" altLang="zh-CN" sz="1600" dirty="0">
+                <a:latin typeface="+mn-lt"/>
+              </a:rPr>
+              <a:t>proximate, sparse</a:t>
+            </a:r>
+            <a:endParaRPr lang="zh-CN" altLang="en-US" sz="1600" dirty="0" err="1">
+              <a:latin typeface="+mn-lt"/>
+            </a:endParaRPr>
           </a:p>
         </p:txBody>
       </p:sp>
@@ -12466,6 +13537,812 @@
       </p:grpSpPr>
       <p:sp>
         <p:nvSpPr>
+          <p:cNvPr id="2" name="内容占位符 1">
+            <a:extLst>
+              <a:ext uri="{FF2B5EF4-FFF2-40B4-BE49-F238E27FC236}">
+                <a16:creationId xmlns:a16="http://schemas.microsoft.com/office/drawing/2014/main" id="{27D9972D-F2EE-4848-B9DD-469CD2E328EB}"/>
+              </a:ext>
+            </a:extLst>
+          </p:cNvPr>
+          <p:cNvSpPr>
+            <a:spLocks noGrp="1"/>
+          </p:cNvSpPr>
+          <p:nvPr>
+            <p:ph idx="1"/>
+          </p:nvPr>
+        </p:nvSpPr>
+        <p:spPr>
+          <a:xfrm>
+            <a:off x="1029369" y="4180120"/>
+            <a:ext cx="4510531" cy="1115288"/>
+          </a:xfrm>
+        </p:spPr>
+        <p:txBody>
+          <a:bodyPr/>
+          <a:lstStyle/>
+          <a:p>
+            <a:pPr marL="457200" indent="-457200">
+              <a:buFont typeface="+mj-lt"/>
+              <a:buAutoNum type="arabicPeriod"/>
+            </a:pPr>
+            <a:r>
+              <a:rPr lang="en-US" altLang="zh-CN" dirty="0"/>
+              <a:t>Predict an output</a:t>
+            </a:r>
+            <a:endParaRPr lang="zh-CN" altLang="zh-CN" dirty="0"/>
+          </a:p>
+          <a:p>
+            <a:pPr marL="457200" indent="-457200">
+              <a:buFont typeface="+mj-lt"/>
+              <a:buAutoNum type="arabicPeriod"/>
+            </a:pPr>
+            <a:r>
+              <a:rPr lang="en-US" altLang="zh-CN" dirty="0"/>
+              <a:t>Calculate the loss/error of the output</a:t>
+            </a:r>
+            <a:endParaRPr lang="zh-CN" altLang="zh-CN" dirty="0"/>
+          </a:p>
+          <a:p>
+            <a:pPr marL="457200" indent="-457200">
+              <a:buFont typeface="+mj-lt"/>
+              <a:buAutoNum type="arabicPeriod"/>
+            </a:pPr>
+            <a:r>
+              <a:rPr lang="en-US" altLang="zh-CN" dirty="0"/>
+              <a:t>Update the prediction system</a:t>
+            </a:r>
+            <a:endParaRPr lang="zh-CN" altLang="zh-CN" dirty="0"/>
+          </a:p>
+        </p:txBody>
+      </p:sp>
+      <p:sp>
+        <p:nvSpPr>
+          <p:cNvPr id="3" name="标题 2">
+            <a:extLst>
+              <a:ext uri="{FF2B5EF4-FFF2-40B4-BE49-F238E27FC236}">
+                <a16:creationId xmlns:a16="http://schemas.microsoft.com/office/drawing/2014/main" id="{67658153-75A8-4421-9C49-D981110B3571}"/>
+              </a:ext>
+            </a:extLst>
+          </p:cNvPr>
+          <p:cNvSpPr>
+            <a:spLocks noGrp="1"/>
+          </p:cNvSpPr>
+          <p:nvPr>
+            <p:ph type="title"/>
+          </p:nvPr>
+        </p:nvSpPr>
+        <p:spPr/>
+        <p:txBody>
+          <a:bodyPr/>
+          <a:lstStyle/>
+          <a:p>
+            <a:r>
+              <a:rPr lang="en-US" altLang="zh-CN" dirty="0"/>
+              <a:t>Popular technique – gradient based method</a:t>
+            </a:r>
+            <a:endParaRPr lang="zh-CN" altLang="en-US" dirty="0"/>
+          </a:p>
+        </p:txBody>
+      </p:sp>
+      <p:sp>
+        <p:nvSpPr>
+          <p:cNvPr id="4" name="灯片编号占位符 3">
+            <a:extLst>
+              <a:ext uri="{FF2B5EF4-FFF2-40B4-BE49-F238E27FC236}">
+                <a16:creationId xmlns:a16="http://schemas.microsoft.com/office/drawing/2014/main" id="{86262F97-2F9B-474D-BB81-6C4F8D0BCEC1}"/>
+              </a:ext>
+            </a:extLst>
+          </p:cNvPr>
+          <p:cNvSpPr>
+            <a:spLocks noGrp="1"/>
+          </p:cNvSpPr>
+          <p:nvPr>
+            <p:ph type="sldNum" sz="quarter" idx="11"/>
+          </p:nvPr>
+        </p:nvSpPr>
+        <p:spPr/>
+        <p:txBody>
+          <a:bodyPr/>
+          <a:lstStyle/>
+          <a:p>
+            <a:fld id="{CE58CB1E-F828-4F11-99E0-327109AF9DA4}" type="slidenum">
+              <a:rPr lang="de-DE" smtClean="0"/>
+              <a:pPr/>
+              <a:t>6</a:t>
+            </a:fld>
+            <a:endParaRPr lang="de-DE" dirty="0"/>
+          </a:p>
+        </p:txBody>
+      </p:sp>
+      <p:sp>
+        <p:nvSpPr>
+          <p:cNvPr id="5" name="页脚占位符 4">
+            <a:extLst>
+              <a:ext uri="{FF2B5EF4-FFF2-40B4-BE49-F238E27FC236}">
+                <a16:creationId xmlns:a16="http://schemas.microsoft.com/office/drawing/2014/main" id="{A667D50F-8291-4070-805E-8B5BC12E10D6}"/>
+              </a:ext>
+            </a:extLst>
+          </p:cNvPr>
+          <p:cNvSpPr>
+            <a:spLocks noGrp="1"/>
+          </p:cNvSpPr>
+          <p:nvPr>
+            <p:ph type="ftr" sz="quarter" idx="12"/>
+          </p:nvPr>
+        </p:nvSpPr>
+        <p:spPr/>
+        <p:txBody>
+          <a:bodyPr/>
+          <a:lstStyle/>
+          <a:p>
+            <a:r>
+              <a:rPr lang="de-DE" altLang="zh-CN"/>
+              <a:t>Topic 6 | Counterfactual Explanation</a:t>
+            </a:r>
+            <a:endParaRPr lang="en-US" altLang="zh-CN" dirty="0"/>
+          </a:p>
+        </p:txBody>
+      </p:sp>
+      <mc:AlternateContent xmlns:mc="http://schemas.openxmlformats.org/markup-compatibility/2006" xmlns:a14="http://schemas.microsoft.com/office/drawing/2010/main">
+        <mc:Choice Requires="a14">
+          <p:sp>
+            <p:nvSpPr>
+              <p:cNvPr id="6" name="文本框 5">
+                <a:extLst>
+                  <a:ext uri="{FF2B5EF4-FFF2-40B4-BE49-F238E27FC236}">
+                    <a16:creationId xmlns:a16="http://schemas.microsoft.com/office/drawing/2014/main" id="{1A403DDD-6A2F-4A47-8F9F-3AB91393E3C8}"/>
+                  </a:ext>
+                </a:extLst>
+              </p:cNvPr>
+              <p:cNvSpPr txBox="1"/>
+              <p:nvPr/>
+            </p:nvSpPr>
+            <p:spPr>
+              <a:xfrm>
+                <a:off x="3790764" y="2319838"/>
+                <a:ext cx="4234650" cy="396070"/>
+              </a:xfrm>
+              <a:prstGeom prst="rect">
+                <a:avLst/>
+              </a:prstGeom>
+              <a:noFill/>
+            </p:spPr>
+            <p:txBody>
+              <a:bodyPr wrap="square" lIns="0" tIns="0" rIns="0" bIns="0" rtlCol="0">
+                <a:spAutoFit/>
+              </a:bodyPr>
+              <a:lstStyle/>
+              <a:p>
+                <a:pPr>
+                  <a:lnSpc>
+                    <a:spcPct val="114000"/>
+                  </a:lnSpc>
+                </a:pPr>
+                <a14:m>
+                  <m:oMathPara xmlns:m="http://schemas.openxmlformats.org/officeDocument/2006/math">
+                    <m:oMathParaPr>
+                      <m:jc m:val="centerGroup"/>
+                    </m:oMathParaPr>
+                    <m:oMath xmlns:m="http://schemas.openxmlformats.org/officeDocument/2006/math">
+                      <m:r>
+                        <a:rPr lang="en-US" altLang="zh-CN" sz="2000" b="1" i="1" smtClean="0">
+                          <a:latin typeface="Cambria Math" panose="02040503050406030204" pitchFamily="18" charset="0"/>
+                        </a:rPr>
+                        <m:t>𝒄</m:t>
+                      </m:r>
+                      <m:r>
+                        <a:rPr lang="en-US" altLang="zh-CN" sz="2000" b="0" i="1" smtClean="0">
+                          <a:latin typeface="Cambria Math" panose="02040503050406030204" pitchFamily="18" charset="0"/>
+                        </a:rPr>
+                        <m:t>=</m:t>
+                      </m:r>
+                      <m:sSub>
+                        <m:sSubPr>
+                          <m:ctrlPr>
+                            <a:rPr lang="en-US" altLang="zh-CN" sz="2000" b="1" i="1" smtClean="0">
+                              <a:latin typeface="Cambria Math" panose="02040503050406030204" pitchFamily="18" charset="0"/>
+                            </a:rPr>
+                          </m:ctrlPr>
+                        </m:sSubPr>
+                        <m:e>
+                          <m:r>
+                            <a:rPr lang="en-US" altLang="zh-CN" sz="2000" b="0" i="1" smtClean="0">
+                              <a:latin typeface="Cambria Math" panose="02040503050406030204" pitchFamily="18" charset="0"/>
+                            </a:rPr>
+                            <m:t>𝑎𝑟𝑔𝑚𝑎𝑥</m:t>
+                          </m:r>
+                        </m:e>
+                        <m:sub>
+                          <m:r>
+                            <a:rPr lang="en-US" altLang="zh-CN" sz="2000" b="1" i="1" smtClean="0">
+                              <a:latin typeface="Cambria Math" panose="02040503050406030204" pitchFamily="18" charset="0"/>
+                            </a:rPr>
+                            <m:t>𝒄</m:t>
+                          </m:r>
+                        </m:sub>
+                      </m:sSub>
+                      <m:r>
+                        <a:rPr lang="en-US" altLang="zh-CN" sz="2000" b="1" i="1" smtClean="0">
+                          <a:latin typeface="Cambria Math" panose="02040503050406030204" pitchFamily="18" charset="0"/>
+                        </a:rPr>
+                        <m:t> </m:t>
+                      </m:r>
+                      <m:r>
+                        <a:rPr lang="en-US" altLang="zh-CN" sz="2000" b="0" i="1" smtClean="0">
+                          <a:latin typeface="Cambria Math" panose="02040503050406030204" pitchFamily="18" charset="0"/>
+                        </a:rPr>
+                        <m:t>𝑙𝑜𝑠𝑠</m:t>
+                      </m:r>
+                      <m:d>
+                        <m:dPr>
+                          <m:ctrlPr>
+                            <a:rPr lang="en-US" altLang="zh-CN" sz="2000" b="0" i="1" smtClean="0">
+                              <a:latin typeface="Cambria Math" panose="02040503050406030204" pitchFamily="18" charset="0"/>
+                            </a:rPr>
+                          </m:ctrlPr>
+                        </m:dPr>
+                        <m:e>
+                          <m:r>
+                            <a:rPr lang="en-US" altLang="zh-CN" sz="2000" b="1" i="1" smtClean="0">
+                              <a:latin typeface="Cambria Math" panose="02040503050406030204" pitchFamily="18" charset="0"/>
+                            </a:rPr>
+                            <m:t>𝒚</m:t>
+                          </m:r>
+                          <m:r>
+                            <a:rPr lang="en-US" altLang="zh-CN" sz="2000" b="0" i="1" smtClean="0">
+                              <a:latin typeface="Cambria Math" panose="02040503050406030204" pitchFamily="18" charset="0"/>
+                            </a:rPr>
+                            <m:t>,</m:t>
+                          </m:r>
+                          <m:r>
+                            <a:rPr lang="en-US" altLang="zh-CN" sz="2000" b="0" i="1" smtClean="0">
+                              <a:latin typeface="Cambria Math" panose="02040503050406030204" pitchFamily="18" charset="0"/>
+                            </a:rPr>
+                            <m:t>𝑓</m:t>
+                          </m:r>
+                          <m:d>
+                            <m:dPr>
+                              <m:ctrlPr>
+                                <a:rPr lang="en-US" altLang="zh-CN" sz="2000" b="1" i="1" smtClean="0">
+                                  <a:latin typeface="Cambria Math" panose="02040503050406030204" pitchFamily="18" charset="0"/>
+                                </a:rPr>
+                              </m:ctrlPr>
+                            </m:dPr>
+                            <m:e>
+                              <m:r>
+                                <a:rPr lang="en-US" altLang="zh-CN" sz="2000" b="1" i="1" smtClean="0">
+                                  <a:latin typeface="Cambria Math" panose="02040503050406030204" pitchFamily="18" charset="0"/>
+                                </a:rPr>
+                                <m:t>𝒄</m:t>
+                              </m:r>
+                            </m:e>
+                          </m:d>
+                        </m:e>
+                      </m:d>
+                      <m:r>
+                        <a:rPr lang="en-US" altLang="zh-CN" sz="2000" b="0" i="1" smtClean="0">
+                          <a:latin typeface="Cambria Math" panose="02040503050406030204" pitchFamily="18" charset="0"/>
+                        </a:rPr>
+                        <m:t>+</m:t>
+                      </m:r>
+                      <m:r>
+                        <a:rPr lang="en-US" altLang="zh-CN" sz="2000" b="0" i="1" smtClean="0">
+                          <a:latin typeface="Cambria Math" panose="02040503050406030204" pitchFamily="18" charset="0"/>
+                        </a:rPr>
+                        <m:t>𝑑</m:t>
+                      </m:r>
+                      <m:r>
+                        <a:rPr lang="en-US" altLang="zh-CN" sz="2000" b="0" i="1" smtClean="0">
+                          <a:latin typeface="Cambria Math" panose="02040503050406030204" pitchFamily="18" charset="0"/>
+                        </a:rPr>
+                        <m:t>(</m:t>
+                      </m:r>
+                      <m:r>
+                        <a:rPr lang="en-US" altLang="zh-CN" sz="2000" b="1" i="1" smtClean="0">
+                          <a:latin typeface="Cambria Math" panose="02040503050406030204" pitchFamily="18" charset="0"/>
+                        </a:rPr>
+                        <m:t>𝒙</m:t>
+                      </m:r>
+                      <m:r>
+                        <a:rPr lang="en-US" altLang="zh-CN" sz="2000" b="1" i="1" smtClean="0">
+                          <a:latin typeface="Cambria Math" panose="02040503050406030204" pitchFamily="18" charset="0"/>
+                        </a:rPr>
+                        <m:t>,</m:t>
+                      </m:r>
+                      <m:r>
+                        <a:rPr lang="en-US" altLang="zh-CN" sz="2000" b="1" i="1" smtClean="0">
+                          <a:latin typeface="Cambria Math" panose="02040503050406030204" pitchFamily="18" charset="0"/>
+                        </a:rPr>
+                        <m:t>𝒄</m:t>
+                      </m:r>
+                      <m:r>
+                        <a:rPr lang="en-US" altLang="zh-CN" sz="2000" b="0" i="1" smtClean="0">
+                          <a:latin typeface="Cambria Math" panose="02040503050406030204" pitchFamily="18" charset="0"/>
+                        </a:rPr>
+                        <m:t>)</m:t>
+                      </m:r>
+                    </m:oMath>
+                  </m:oMathPara>
+                </a14:m>
+                <a:endParaRPr lang="zh-CN" altLang="en-US" sz="1600" dirty="0" err="1">
+                  <a:latin typeface="+mn-lt"/>
+                </a:endParaRPr>
+              </a:p>
+            </p:txBody>
+          </p:sp>
+        </mc:Choice>
+        <mc:Fallback xmlns="">
+          <p:sp>
+            <p:nvSpPr>
+              <p:cNvPr id="6" name="文本框 5">
+                <a:extLst>
+                  <a:ext uri="{FF2B5EF4-FFF2-40B4-BE49-F238E27FC236}">
+                    <a16:creationId xmlns:a16="http://schemas.microsoft.com/office/drawing/2014/main" id="{1A403DDD-6A2F-4A47-8F9F-3AB91393E3C8}"/>
+                  </a:ext>
+                </a:extLst>
+              </p:cNvPr>
+              <p:cNvSpPr txBox="1">
+                <a:spLocks noRot="1" noChangeAspect="1" noMove="1" noResize="1" noEditPoints="1" noAdjustHandles="1" noChangeArrowheads="1" noChangeShapeType="1" noTextEdit="1"/>
+              </p:cNvSpPr>
+              <p:nvPr/>
+            </p:nvSpPr>
+            <p:spPr>
+              <a:xfrm>
+                <a:off x="3790764" y="2319838"/>
+                <a:ext cx="4234650" cy="396070"/>
+              </a:xfrm>
+              <a:prstGeom prst="rect">
+                <a:avLst/>
+              </a:prstGeom>
+              <a:blipFill>
+                <a:blip r:embed="rId2"/>
+                <a:stretch>
+                  <a:fillRect/>
+                </a:stretch>
+              </a:blipFill>
+            </p:spPr>
+            <p:txBody>
+              <a:bodyPr/>
+              <a:lstStyle/>
+              <a:p>
+                <a:r>
+                  <a:rPr lang="zh-CN" altLang="en-US">
+                    <a:noFill/>
+                  </a:rPr>
+                  <a:t> </a:t>
+                </a:r>
+              </a:p>
+            </p:txBody>
+          </p:sp>
+        </mc:Fallback>
+      </mc:AlternateContent>
+      <p:sp>
+        <p:nvSpPr>
+          <p:cNvPr id="7" name="文本框 6">
+            <a:extLst>
+              <a:ext uri="{FF2B5EF4-FFF2-40B4-BE49-F238E27FC236}">
+                <a16:creationId xmlns:a16="http://schemas.microsoft.com/office/drawing/2014/main" id="{A70909FF-16DE-49DB-983C-F9E49E3A7328}"/>
+              </a:ext>
+            </a:extLst>
+          </p:cNvPr>
+          <p:cNvSpPr txBox="1"/>
+          <p:nvPr/>
+        </p:nvSpPr>
+        <p:spPr>
+          <a:xfrm>
+            <a:off x="6471146" y="2997641"/>
+            <a:ext cx="1021607" cy="470642"/>
+          </a:xfrm>
+          <a:prstGeom prst="rect">
+            <a:avLst/>
+          </a:prstGeom>
+          <a:noFill/>
+        </p:spPr>
+        <p:txBody>
+          <a:bodyPr wrap="square" lIns="0" tIns="0" rIns="0" bIns="0" rtlCol="0">
+            <a:spAutoFit/>
+          </a:bodyPr>
+          <a:lstStyle/>
+          <a:p>
+            <a:pPr>
+              <a:lnSpc>
+                <a:spcPct val="114000"/>
+              </a:lnSpc>
+            </a:pPr>
+            <a:r>
+              <a:rPr lang="en-US" altLang="zh-CN" sz="1400" dirty="0">
+                <a:latin typeface="+mn-lt"/>
+              </a:rPr>
+              <a:t>new prediction</a:t>
+            </a:r>
+            <a:endParaRPr lang="zh-CN" altLang="en-US" sz="1400" dirty="0" err="1">
+              <a:latin typeface="+mn-lt"/>
+            </a:endParaRPr>
+          </a:p>
+        </p:txBody>
+      </p:sp>
+      <p:sp>
+        <p:nvSpPr>
+          <p:cNvPr id="8" name="文本框 7">
+            <a:extLst>
+              <a:ext uri="{FF2B5EF4-FFF2-40B4-BE49-F238E27FC236}">
+                <a16:creationId xmlns:a16="http://schemas.microsoft.com/office/drawing/2014/main" id="{BDB50EB4-EC4F-49FA-8F51-2282E488475E}"/>
+              </a:ext>
+            </a:extLst>
+          </p:cNvPr>
+          <p:cNvSpPr txBox="1"/>
+          <p:nvPr/>
+        </p:nvSpPr>
+        <p:spPr>
+          <a:xfrm>
+            <a:off x="8025415" y="2997641"/>
+            <a:ext cx="1722268" cy="470642"/>
+          </a:xfrm>
+          <a:prstGeom prst="rect">
+            <a:avLst/>
+          </a:prstGeom>
+          <a:noFill/>
+        </p:spPr>
+        <p:txBody>
+          <a:bodyPr wrap="square" lIns="0" tIns="0" rIns="0" bIns="0" rtlCol="0">
+            <a:spAutoFit/>
+          </a:bodyPr>
+          <a:lstStyle/>
+          <a:p>
+            <a:pPr>
+              <a:lnSpc>
+                <a:spcPct val="114000"/>
+              </a:lnSpc>
+            </a:pPr>
+            <a:r>
+              <a:rPr lang="en-US" altLang="zh-CN" sz="1400" dirty="0">
+                <a:latin typeface="+mn-lt"/>
+              </a:rPr>
+              <a:t>distance between CF and original input</a:t>
+            </a:r>
+          </a:p>
+        </p:txBody>
+      </p:sp>
+      <p:sp>
+        <p:nvSpPr>
+          <p:cNvPr id="9" name="文本框 8">
+            <a:extLst>
+              <a:ext uri="{FF2B5EF4-FFF2-40B4-BE49-F238E27FC236}">
+                <a16:creationId xmlns:a16="http://schemas.microsoft.com/office/drawing/2014/main" id="{A47C635C-0C7B-471D-B0B3-996E6F6D5398}"/>
+              </a:ext>
+            </a:extLst>
+          </p:cNvPr>
+          <p:cNvSpPr txBox="1"/>
+          <p:nvPr/>
+        </p:nvSpPr>
+        <p:spPr>
+          <a:xfrm>
+            <a:off x="4983799" y="2997641"/>
+            <a:ext cx="1112202" cy="470642"/>
+          </a:xfrm>
+          <a:prstGeom prst="rect">
+            <a:avLst/>
+          </a:prstGeom>
+          <a:noFill/>
+        </p:spPr>
+        <p:txBody>
+          <a:bodyPr wrap="square" lIns="0" tIns="0" rIns="0" bIns="0" rtlCol="0">
+            <a:spAutoFit/>
+          </a:bodyPr>
+          <a:lstStyle/>
+          <a:p>
+            <a:pPr>
+              <a:lnSpc>
+                <a:spcPct val="114000"/>
+              </a:lnSpc>
+            </a:pPr>
+            <a:r>
+              <a:rPr lang="en-US" altLang="zh-CN" sz="1400" dirty="0">
+                <a:latin typeface="+mn-lt"/>
+              </a:rPr>
+              <a:t>original prediction</a:t>
+            </a:r>
+            <a:endParaRPr lang="zh-CN" altLang="en-US" sz="1400" dirty="0" err="1">
+              <a:latin typeface="+mn-lt"/>
+            </a:endParaRPr>
+          </a:p>
+        </p:txBody>
+      </p:sp>
+      <p:sp>
+        <p:nvSpPr>
+          <p:cNvPr id="10" name="文本框 9">
+            <a:extLst>
+              <a:ext uri="{FF2B5EF4-FFF2-40B4-BE49-F238E27FC236}">
+                <a16:creationId xmlns:a16="http://schemas.microsoft.com/office/drawing/2014/main" id="{2CE68F43-8DF1-4746-92FB-F6AE1D555595}"/>
+              </a:ext>
+            </a:extLst>
+          </p:cNvPr>
+          <p:cNvSpPr txBox="1"/>
+          <p:nvPr/>
+        </p:nvSpPr>
+        <p:spPr>
+          <a:xfrm>
+            <a:off x="3147028" y="2993515"/>
+            <a:ext cx="1287472" cy="470642"/>
+          </a:xfrm>
+          <a:prstGeom prst="rect">
+            <a:avLst/>
+          </a:prstGeom>
+          <a:noFill/>
+        </p:spPr>
+        <p:txBody>
+          <a:bodyPr wrap="square" lIns="0" tIns="0" rIns="0" bIns="0" rtlCol="0">
+            <a:spAutoFit/>
+          </a:bodyPr>
+          <a:lstStyle/>
+          <a:p>
+            <a:pPr>
+              <a:lnSpc>
+                <a:spcPct val="114000"/>
+              </a:lnSpc>
+            </a:pPr>
+            <a:r>
+              <a:rPr lang="en-US" altLang="zh-CN" sz="1400" dirty="0">
+                <a:latin typeface="+mn-lt"/>
+              </a:rPr>
+              <a:t>counterfactual example (CF) </a:t>
+            </a:r>
+            <a:endParaRPr lang="zh-CN" altLang="en-US" sz="1400" dirty="0" err="1">
+              <a:latin typeface="+mn-lt"/>
+            </a:endParaRPr>
+          </a:p>
+        </p:txBody>
+      </p:sp>
+      <p:cxnSp>
+        <p:nvCxnSpPr>
+          <p:cNvPr id="11" name="直接箭头连接符 10">
+            <a:extLst>
+              <a:ext uri="{FF2B5EF4-FFF2-40B4-BE49-F238E27FC236}">
+                <a16:creationId xmlns:a16="http://schemas.microsoft.com/office/drawing/2014/main" id="{8E45AB93-B047-416F-9A9D-5FE05B15CDD2}"/>
+              </a:ext>
+            </a:extLst>
+          </p:cNvPr>
+          <p:cNvCxnSpPr>
+            <a:cxnSpLocks/>
+            <a:endCxn id="10" idx="0"/>
+          </p:cNvCxnSpPr>
+          <p:nvPr/>
+        </p:nvCxnSpPr>
+        <p:spPr>
+          <a:xfrm flipH="1">
+            <a:off x="3790764" y="2698419"/>
+            <a:ext cx="112756" cy="295096"/>
+          </a:xfrm>
+          <a:prstGeom prst="straightConnector1">
+            <a:avLst/>
+          </a:prstGeom>
+          <a:ln w="57150">
+            <a:solidFill>
+              <a:srgbClr val="0166BD"/>
+            </a:solidFill>
+            <a:tailEnd type="triangle"/>
+          </a:ln>
+        </p:spPr>
+        <p:style>
+          <a:lnRef idx="1">
+            <a:schemeClr val="accent1"/>
+          </a:lnRef>
+          <a:fillRef idx="0">
+            <a:schemeClr val="accent1"/>
+          </a:fillRef>
+          <a:effectRef idx="0">
+            <a:schemeClr val="accent1"/>
+          </a:effectRef>
+          <a:fontRef idx="minor">
+            <a:schemeClr val="tx1"/>
+          </a:fontRef>
+        </p:style>
+      </p:cxnSp>
+      <p:cxnSp>
+        <p:nvCxnSpPr>
+          <p:cNvPr id="13" name="直接箭头连接符 12">
+            <a:extLst>
+              <a:ext uri="{FF2B5EF4-FFF2-40B4-BE49-F238E27FC236}">
+                <a16:creationId xmlns:a16="http://schemas.microsoft.com/office/drawing/2014/main" id="{A7C1171B-3B33-44BA-8B34-099A5D739A87}"/>
+              </a:ext>
+            </a:extLst>
+          </p:cNvPr>
+          <p:cNvCxnSpPr>
+            <a:cxnSpLocks/>
+            <a:endCxn id="9" idx="0"/>
+          </p:cNvCxnSpPr>
+          <p:nvPr/>
+        </p:nvCxnSpPr>
+        <p:spPr>
+          <a:xfrm flipH="1">
+            <a:off x="5539900" y="2715908"/>
+            <a:ext cx="443346" cy="281733"/>
+          </a:xfrm>
+          <a:prstGeom prst="straightConnector1">
+            <a:avLst/>
+          </a:prstGeom>
+          <a:ln w="57150">
+            <a:solidFill>
+              <a:srgbClr val="0166BD"/>
+            </a:solidFill>
+            <a:tailEnd type="triangle"/>
+          </a:ln>
+        </p:spPr>
+        <p:style>
+          <a:lnRef idx="1">
+            <a:schemeClr val="accent1"/>
+          </a:lnRef>
+          <a:fillRef idx="0">
+            <a:schemeClr val="accent1"/>
+          </a:fillRef>
+          <a:effectRef idx="0">
+            <a:schemeClr val="accent1"/>
+          </a:effectRef>
+          <a:fontRef idx="minor">
+            <a:schemeClr val="tx1"/>
+          </a:fontRef>
+        </p:style>
+      </p:cxnSp>
+      <p:cxnSp>
+        <p:nvCxnSpPr>
+          <p:cNvPr id="16" name="直接箭头连接符 15">
+            <a:extLst>
+              <a:ext uri="{FF2B5EF4-FFF2-40B4-BE49-F238E27FC236}">
+                <a16:creationId xmlns:a16="http://schemas.microsoft.com/office/drawing/2014/main" id="{856B0346-BD60-4CE4-A44A-6222FE7F9EA9}"/>
+              </a:ext>
+            </a:extLst>
+          </p:cNvPr>
+          <p:cNvCxnSpPr>
+            <a:cxnSpLocks/>
+          </p:cNvCxnSpPr>
+          <p:nvPr/>
+        </p:nvCxnSpPr>
+        <p:spPr>
+          <a:xfrm>
+            <a:off x="6515908" y="2698419"/>
+            <a:ext cx="298412" cy="325897"/>
+          </a:xfrm>
+          <a:prstGeom prst="straightConnector1">
+            <a:avLst/>
+          </a:prstGeom>
+          <a:ln w="57150">
+            <a:solidFill>
+              <a:srgbClr val="0166BD"/>
+            </a:solidFill>
+            <a:tailEnd type="triangle"/>
+          </a:ln>
+        </p:spPr>
+        <p:style>
+          <a:lnRef idx="1">
+            <a:schemeClr val="accent1"/>
+          </a:lnRef>
+          <a:fillRef idx="0">
+            <a:schemeClr val="accent1"/>
+          </a:fillRef>
+          <a:effectRef idx="0">
+            <a:schemeClr val="accent1"/>
+          </a:effectRef>
+          <a:fontRef idx="minor">
+            <a:schemeClr val="tx1"/>
+          </a:fontRef>
+        </p:style>
+      </p:cxnSp>
+      <p:cxnSp>
+        <p:nvCxnSpPr>
+          <p:cNvPr id="19" name="直接箭头连接符 18">
+            <a:extLst>
+              <a:ext uri="{FF2B5EF4-FFF2-40B4-BE49-F238E27FC236}">
+                <a16:creationId xmlns:a16="http://schemas.microsoft.com/office/drawing/2014/main" id="{33C29258-834D-441C-81B2-A4DC692903C6}"/>
+              </a:ext>
+            </a:extLst>
+          </p:cNvPr>
+          <p:cNvCxnSpPr>
+            <a:cxnSpLocks/>
+          </p:cNvCxnSpPr>
+          <p:nvPr/>
+        </p:nvCxnSpPr>
+        <p:spPr>
+          <a:xfrm>
+            <a:off x="7537515" y="2698419"/>
+            <a:ext cx="631572" cy="325897"/>
+          </a:xfrm>
+          <a:prstGeom prst="straightConnector1">
+            <a:avLst/>
+          </a:prstGeom>
+          <a:ln w="57150">
+            <a:solidFill>
+              <a:srgbClr val="0166BD"/>
+            </a:solidFill>
+            <a:tailEnd type="triangle"/>
+          </a:ln>
+        </p:spPr>
+        <p:style>
+          <a:lnRef idx="1">
+            <a:schemeClr val="accent1"/>
+          </a:lnRef>
+          <a:fillRef idx="0">
+            <a:schemeClr val="accent1"/>
+          </a:fillRef>
+          <a:effectRef idx="0">
+            <a:schemeClr val="accent1"/>
+          </a:effectRef>
+          <a:fontRef idx="minor">
+            <a:schemeClr val="tx1"/>
+          </a:fontRef>
+        </p:style>
+      </p:cxnSp>
+      <p:sp>
+        <p:nvSpPr>
+          <p:cNvPr id="14" name="矩形 13">
+            <a:extLst>
+              <a:ext uri="{FF2B5EF4-FFF2-40B4-BE49-F238E27FC236}">
+                <a16:creationId xmlns:a16="http://schemas.microsoft.com/office/drawing/2014/main" id="{86EA83A3-DD48-47E0-9D5D-DFEA60FA1515}"/>
+              </a:ext>
+            </a:extLst>
+          </p:cNvPr>
+          <p:cNvSpPr/>
+          <p:nvPr/>
+        </p:nvSpPr>
+        <p:spPr>
+          <a:xfrm>
+            <a:off x="7853301" y="4021599"/>
+            <a:ext cx="3980577" cy="317395"/>
+          </a:xfrm>
+          <a:prstGeom prst="rect">
+            <a:avLst/>
+          </a:prstGeom>
+        </p:spPr>
+        <p:txBody>
+          <a:bodyPr wrap="square">
+            <a:spAutoFit/>
+          </a:bodyPr>
+          <a:lstStyle/>
+          <a:p>
+            <a:pPr>
+              <a:lnSpc>
+                <a:spcPct val="114000"/>
+              </a:lnSpc>
+            </a:pPr>
+            <a:r>
+              <a:rPr lang="en-US" altLang="zh-CN" sz="1400" dirty="0"/>
+              <a:t>Use L1 or L0 norm to ensure sparsity</a:t>
+            </a:r>
+            <a:endParaRPr lang="zh-CN" altLang="en-US" sz="1400" dirty="0" err="1"/>
+          </a:p>
+        </p:txBody>
+      </p:sp>
+    </p:spTree>
+    <p:extLst>
+      <p:ext uri="{BB962C8B-B14F-4D97-AF65-F5344CB8AC3E}">
+        <p14:creationId xmlns:p14="http://schemas.microsoft.com/office/powerpoint/2010/main" val="1200171836"/>
+      </p:ext>
+    </p:extLst>
+  </p:cSld>
+  <p:clrMapOvr>
+    <a:masterClrMapping/>
+  </p:clrMapOvr>
+</p:sld>
+</file>
+
+<file path=ppt/slides/slide7.xml><?xml version="1.0" encoding="utf-8"?>
+<p:sld xmlns:a="http://schemas.openxmlformats.org/drawingml/2006/main" xmlns:r="http://schemas.openxmlformats.org/officeDocument/2006/relationships" xmlns:p="http://schemas.openxmlformats.org/presentationml/2006/main">
+  <p:cSld>
+    <p:spTree>
+      <p:nvGrpSpPr>
+        <p:cNvPr id="1" name=""/>
+        <p:cNvGrpSpPr/>
+        <p:nvPr/>
+      </p:nvGrpSpPr>
+      <p:grpSpPr>
+        <a:xfrm>
+          <a:off x="0" y="0"/>
+          <a:ext cx="0" cy="0"/>
+          <a:chOff x="0" y="0"/>
+          <a:chExt cx="0" cy="0"/>
+        </a:xfrm>
+      </p:grpSpPr>
+      <p:sp>
+        <p:nvSpPr>
           <p:cNvPr id="3" name="标题 2">
             <a:extLst>
               <a:ext uri="{FF2B5EF4-FFF2-40B4-BE49-F238E27FC236}">
@@ -12517,7 +14394,7 @@
             <a:fld id="{CE58CB1E-F828-4F11-99E0-327109AF9DA4}" type="slidenum">
               <a:rPr lang="de-DE" smtClean="0"/>
               <a:pPr/>
-              <a:t>6</a:t>
+              <a:t>7</a:t>
             </a:fld>
             <a:endParaRPr lang="de-DE" dirty="0"/>
           </a:p>
@@ -12985,775 +14862,6 @@
     <p:extLst>
       <p:ext uri="{BB962C8B-B14F-4D97-AF65-F5344CB8AC3E}">
         <p14:creationId xmlns:p14="http://schemas.microsoft.com/office/powerpoint/2010/main" val="2836096872"/>
-      </p:ext>
-    </p:extLst>
-  </p:cSld>
-  <p:clrMapOvr>
-    <a:masterClrMapping/>
-  </p:clrMapOvr>
-</p:sld>
-</file>
-
-<file path=ppt/slides/slide7.xml><?xml version="1.0" encoding="utf-8"?>
-<p:sld xmlns:a="http://schemas.openxmlformats.org/drawingml/2006/main" xmlns:r="http://schemas.openxmlformats.org/officeDocument/2006/relationships" xmlns:p="http://schemas.openxmlformats.org/presentationml/2006/main">
-  <p:cSld>
-    <p:spTree>
-      <p:nvGrpSpPr>
-        <p:cNvPr id="1" name=""/>
-        <p:cNvGrpSpPr/>
-        <p:nvPr/>
-      </p:nvGrpSpPr>
-      <p:grpSpPr>
-        <a:xfrm>
-          <a:off x="0" y="0"/>
-          <a:ext cx="0" cy="0"/>
-          <a:chOff x="0" y="0"/>
-          <a:chExt cx="0" cy="0"/>
-        </a:xfrm>
-      </p:grpSpPr>
-      <p:sp>
-        <p:nvSpPr>
-          <p:cNvPr id="2" name="内容占位符 1">
-            <a:extLst>
-              <a:ext uri="{FF2B5EF4-FFF2-40B4-BE49-F238E27FC236}">
-                <a16:creationId xmlns:a16="http://schemas.microsoft.com/office/drawing/2014/main" id="{27D9972D-F2EE-4848-B9DD-469CD2E328EB}"/>
-              </a:ext>
-            </a:extLst>
-          </p:cNvPr>
-          <p:cNvSpPr>
-            <a:spLocks noGrp="1"/>
-          </p:cNvSpPr>
-          <p:nvPr>
-            <p:ph idx="1"/>
-          </p:nvPr>
-        </p:nvSpPr>
-        <p:spPr>
-          <a:xfrm>
-            <a:off x="824948" y="4446711"/>
-            <a:ext cx="4510531" cy="1115288"/>
-          </a:xfrm>
-        </p:spPr>
-        <p:txBody>
-          <a:bodyPr/>
-          <a:lstStyle/>
-          <a:p>
-            <a:pPr marL="457200" indent="-457200">
-              <a:buFont typeface="+mj-lt"/>
-              <a:buAutoNum type="arabicPeriod"/>
-            </a:pPr>
-            <a:r>
-              <a:rPr lang="en-US" altLang="zh-CN" dirty="0"/>
-              <a:t>Predict an output</a:t>
-            </a:r>
-            <a:endParaRPr lang="zh-CN" altLang="zh-CN" dirty="0"/>
-          </a:p>
-          <a:p>
-            <a:pPr marL="457200" indent="-457200">
-              <a:buFont typeface="+mj-lt"/>
-              <a:buAutoNum type="arabicPeriod"/>
-            </a:pPr>
-            <a:r>
-              <a:rPr lang="en-US" altLang="zh-CN" dirty="0"/>
-              <a:t>Calculate the loss/error of the output</a:t>
-            </a:r>
-            <a:endParaRPr lang="zh-CN" altLang="zh-CN" dirty="0"/>
-          </a:p>
-          <a:p>
-            <a:pPr marL="457200" indent="-457200">
-              <a:buFont typeface="+mj-lt"/>
-              <a:buAutoNum type="arabicPeriod"/>
-            </a:pPr>
-            <a:r>
-              <a:rPr lang="en-US" altLang="zh-CN" dirty="0"/>
-              <a:t>Update the prediction system</a:t>
-            </a:r>
-            <a:endParaRPr lang="zh-CN" altLang="zh-CN" dirty="0"/>
-          </a:p>
-        </p:txBody>
-      </p:sp>
-      <p:sp>
-        <p:nvSpPr>
-          <p:cNvPr id="3" name="标题 2">
-            <a:extLst>
-              <a:ext uri="{FF2B5EF4-FFF2-40B4-BE49-F238E27FC236}">
-                <a16:creationId xmlns:a16="http://schemas.microsoft.com/office/drawing/2014/main" id="{67658153-75A8-4421-9C49-D981110B3571}"/>
-              </a:ext>
-            </a:extLst>
-          </p:cNvPr>
-          <p:cNvSpPr>
-            <a:spLocks noGrp="1"/>
-          </p:cNvSpPr>
-          <p:nvPr>
-            <p:ph type="title"/>
-          </p:nvPr>
-        </p:nvSpPr>
-        <p:spPr/>
-        <p:txBody>
-          <a:bodyPr/>
-          <a:lstStyle/>
-          <a:p>
-            <a:r>
-              <a:rPr lang="en-US" altLang="zh-CN" dirty="0"/>
-              <a:t>Popular technique – gradient based method</a:t>
-            </a:r>
-            <a:endParaRPr lang="zh-CN" altLang="en-US" dirty="0"/>
-          </a:p>
-        </p:txBody>
-      </p:sp>
-      <p:sp>
-        <p:nvSpPr>
-          <p:cNvPr id="4" name="灯片编号占位符 3">
-            <a:extLst>
-              <a:ext uri="{FF2B5EF4-FFF2-40B4-BE49-F238E27FC236}">
-                <a16:creationId xmlns:a16="http://schemas.microsoft.com/office/drawing/2014/main" id="{86262F97-2F9B-474D-BB81-6C4F8D0BCEC1}"/>
-              </a:ext>
-            </a:extLst>
-          </p:cNvPr>
-          <p:cNvSpPr>
-            <a:spLocks noGrp="1"/>
-          </p:cNvSpPr>
-          <p:nvPr>
-            <p:ph type="sldNum" sz="quarter" idx="11"/>
-          </p:nvPr>
-        </p:nvSpPr>
-        <p:spPr/>
-        <p:txBody>
-          <a:bodyPr/>
-          <a:lstStyle/>
-          <a:p>
-            <a:fld id="{CE58CB1E-F828-4F11-99E0-327109AF9DA4}" type="slidenum">
-              <a:rPr lang="de-DE" smtClean="0"/>
-              <a:pPr/>
-              <a:t>7</a:t>
-            </a:fld>
-            <a:endParaRPr lang="de-DE" dirty="0"/>
-          </a:p>
-        </p:txBody>
-      </p:sp>
-      <p:sp>
-        <p:nvSpPr>
-          <p:cNvPr id="5" name="页脚占位符 4">
-            <a:extLst>
-              <a:ext uri="{FF2B5EF4-FFF2-40B4-BE49-F238E27FC236}">
-                <a16:creationId xmlns:a16="http://schemas.microsoft.com/office/drawing/2014/main" id="{A667D50F-8291-4070-805E-8B5BC12E10D6}"/>
-              </a:ext>
-            </a:extLst>
-          </p:cNvPr>
-          <p:cNvSpPr>
-            <a:spLocks noGrp="1"/>
-          </p:cNvSpPr>
-          <p:nvPr>
-            <p:ph type="ftr" sz="quarter" idx="12"/>
-          </p:nvPr>
-        </p:nvSpPr>
-        <p:spPr/>
-        <p:txBody>
-          <a:bodyPr/>
-          <a:lstStyle/>
-          <a:p>
-            <a:r>
-              <a:rPr lang="de-DE" altLang="zh-CN"/>
-              <a:t>Topic 6 | Counterfactual Explanation</a:t>
-            </a:r>
-            <a:endParaRPr lang="en-US" altLang="zh-CN" dirty="0"/>
-          </a:p>
-        </p:txBody>
-      </p:sp>
-      <mc:AlternateContent xmlns:mc="http://schemas.openxmlformats.org/markup-compatibility/2006">
-        <mc:Choice xmlns:a14="http://schemas.microsoft.com/office/drawing/2010/main" Requires="a14">
-          <p:sp>
-            <p:nvSpPr>
-              <p:cNvPr id="6" name="文本框 5">
-                <a:extLst>
-                  <a:ext uri="{FF2B5EF4-FFF2-40B4-BE49-F238E27FC236}">
-                    <a16:creationId xmlns:a16="http://schemas.microsoft.com/office/drawing/2014/main" id="{1A403DDD-6A2F-4A47-8F9F-3AB91393E3C8}"/>
-                  </a:ext>
-                </a:extLst>
-              </p:cNvPr>
-              <p:cNvSpPr txBox="1"/>
-              <p:nvPr/>
-            </p:nvSpPr>
-            <p:spPr>
-              <a:xfrm>
-                <a:off x="3790764" y="2319838"/>
-                <a:ext cx="4234650" cy="396070"/>
-              </a:xfrm>
-              <a:prstGeom prst="rect">
-                <a:avLst/>
-              </a:prstGeom>
-              <a:noFill/>
-            </p:spPr>
-            <p:txBody>
-              <a:bodyPr wrap="square" lIns="0" tIns="0" rIns="0" bIns="0" rtlCol="0">
-                <a:spAutoFit/>
-              </a:bodyPr>
-              <a:lstStyle/>
-              <a:p>
-                <a:pPr>
-                  <a:lnSpc>
-                    <a:spcPct val="114000"/>
-                  </a:lnSpc>
-                </a:pPr>
-                <a14:m>
-                  <m:oMathPara xmlns:m="http://schemas.openxmlformats.org/officeDocument/2006/math">
-                    <m:oMathParaPr>
-                      <m:jc m:val="centerGroup"/>
-                    </m:oMathParaPr>
-                    <m:oMath xmlns:m="http://schemas.openxmlformats.org/officeDocument/2006/math">
-                      <m:r>
-                        <a:rPr lang="en-US" altLang="zh-CN" sz="2000" b="1" i="1" smtClean="0">
-                          <a:latin typeface="Cambria Math" panose="02040503050406030204" pitchFamily="18" charset="0"/>
-                        </a:rPr>
-                        <m:t>𝒄</m:t>
-                      </m:r>
-                      <m:r>
-                        <a:rPr lang="en-US" altLang="zh-CN" sz="2000" b="0" i="1" smtClean="0">
-                          <a:latin typeface="Cambria Math" panose="02040503050406030204" pitchFamily="18" charset="0"/>
-                        </a:rPr>
-                        <m:t>=</m:t>
-                      </m:r>
-                      <m:sSub>
-                        <m:sSubPr>
-                          <m:ctrlPr>
-                            <a:rPr lang="en-US" altLang="zh-CN" sz="2000" b="1" i="1" smtClean="0">
-                              <a:latin typeface="Cambria Math" panose="02040503050406030204" pitchFamily="18" charset="0"/>
-                            </a:rPr>
-                          </m:ctrlPr>
-                        </m:sSubPr>
-                        <m:e>
-                          <m:r>
-                            <a:rPr lang="en-US" altLang="zh-CN" sz="2000" b="0" i="1" smtClean="0">
-                              <a:latin typeface="Cambria Math" panose="02040503050406030204" pitchFamily="18" charset="0"/>
-                            </a:rPr>
-                            <m:t>𝑎𝑟𝑔𝑚𝑎𝑥</m:t>
-                          </m:r>
-                        </m:e>
-                        <m:sub>
-                          <m:r>
-                            <a:rPr lang="en-US" altLang="zh-CN" sz="2000" b="1" i="1" smtClean="0">
-                              <a:latin typeface="Cambria Math" panose="02040503050406030204" pitchFamily="18" charset="0"/>
-                            </a:rPr>
-                            <m:t>𝒄</m:t>
-                          </m:r>
-                        </m:sub>
-                      </m:sSub>
-                      <m:r>
-                        <a:rPr lang="en-US" altLang="zh-CN" sz="2000" b="1" i="1" smtClean="0">
-                          <a:latin typeface="Cambria Math" panose="02040503050406030204" pitchFamily="18" charset="0"/>
-                        </a:rPr>
-                        <m:t> </m:t>
-                      </m:r>
-                      <m:r>
-                        <a:rPr lang="en-US" altLang="zh-CN" sz="2000" b="0" i="1" smtClean="0">
-                          <a:latin typeface="Cambria Math" panose="02040503050406030204" pitchFamily="18" charset="0"/>
-                        </a:rPr>
-                        <m:t>𝑙𝑜𝑠𝑠</m:t>
-                      </m:r>
-                      <m:d>
-                        <m:dPr>
-                          <m:ctrlPr>
-                            <a:rPr lang="en-US" altLang="zh-CN" sz="2000" b="0" i="1" smtClean="0">
-                              <a:latin typeface="Cambria Math" panose="02040503050406030204" pitchFamily="18" charset="0"/>
-                            </a:rPr>
-                          </m:ctrlPr>
-                        </m:dPr>
-                        <m:e>
-                          <m:r>
-                            <a:rPr lang="en-US" altLang="zh-CN" sz="2000" b="1" i="1" smtClean="0">
-                              <a:latin typeface="Cambria Math" panose="02040503050406030204" pitchFamily="18" charset="0"/>
-                            </a:rPr>
-                            <m:t>𝒚</m:t>
-                          </m:r>
-                          <m:r>
-                            <a:rPr lang="en-US" altLang="zh-CN" sz="2000" b="0" i="1" smtClean="0">
-                              <a:latin typeface="Cambria Math" panose="02040503050406030204" pitchFamily="18" charset="0"/>
-                            </a:rPr>
-                            <m:t>,</m:t>
-                          </m:r>
-                          <m:r>
-                            <a:rPr lang="en-US" altLang="zh-CN" sz="2000" b="0" i="1" smtClean="0">
-                              <a:latin typeface="Cambria Math" panose="02040503050406030204" pitchFamily="18" charset="0"/>
-                            </a:rPr>
-                            <m:t>𝑓</m:t>
-                          </m:r>
-                          <m:d>
-                            <m:dPr>
-                              <m:ctrlPr>
-                                <a:rPr lang="en-US" altLang="zh-CN" sz="2000" b="1" i="1" smtClean="0">
-                                  <a:latin typeface="Cambria Math" panose="02040503050406030204" pitchFamily="18" charset="0"/>
-                                </a:rPr>
-                              </m:ctrlPr>
-                            </m:dPr>
-                            <m:e>
-                              <m:r>
-                                <a:rPr lang="en-US" altLang="zh-CN" sz="2000" b="1" i="1" smtClean="0">
-                                  <a:latin typeface="Cambria Math" panose="02040503050406030204" pitchFamily="18" charset="0"/>
-                                </a:rPr>
-                                <m:t>𝒄</m:t>
-                              </m:r>
-                            </m:e>
-                          </m:d>
-                        </m:e>
-                      </m:d>
-                      <m:r>
-                        <a:rPr lang="en-US" altLang="zh-CN" sz="2000" b="0" i="1" smtClean="0">
-                          <a:latin typeface="Cambria Math" panose="02040503050406030204" pitchFamily="18" charset="0"/>
-                        </a:rPr>
-                        <m:t>+</m:t>
-                      </m:r>
-                      <m:r>
-                        <a:rPr lang="en-US" altLang="zh-CN" sz="2000" b="0" i="1" smtClean="0">
-                          <a:latin typeface="Cambria Math" panose="02040503050406030204" pitchFamily="18" charset="0"/>
-                        </a:rPr>
-                        <m:t>𝑑</m:t>
-                      </m:r>
-                      <m:r>
-                        <a:rPr lang="en-US" altLang="zh-CN" sz="2000" b="0" i="1" smtClean="0">
-                          <a:latin typeface="Cambria Math" panose="02040503050406030204" pitchFamily="18" charset="0"/>
-                        </a:rPr>
-                        <m:t>(</m:t>
-                      </m:r>
-                      <m:r>
-                        <a:rPr lang="en-US" altLang="zh-CN" sz="2000" b="1" i="1" smtClean="0">
-                          <a:latin typeface="Cambria Math" panose="02040503050406030204" pitchFamily="18" charset="0"/>
-                        </a:rPr>
-                        <m:t>𝒙</m:t>
-                      </m:r>
-                      <m:r>
-                        <a:rPr lang="en-US" altLang="zh-CN" sz="2000" b="1" i="1" smtClean="0">
-                          <a:latin typeface="Cambria Math" panose="02040503050406030204" pitchFamily="18" charset="0"/>
-                        </a:rPr>
-                        <m:t>,</m:t>
-                      </m:r>
-                      <m:r>
-                        <a:rPr lang="en-US" altLang="zh-CN" sz="2000" b="1" i="1" smtClean="0">
-                          <a:latin typeface="Cambria Math" panose="02040503050406030204" pitchFamily="18" charset="0"/>
-                        </a:rPr>
-                        <m:t>𝒄</m:t>
-                      </m:r>
-                      <m:r>
-                        <a:rPr lang="en-US" altLang="zh-CN" sz="2000" b="0" i="1" smtClean="0">
-                          <a:latin typeface="Cambria Math" panose="02040503050406030204" pitchFamily="18" charset="0"/>
-                        </a:rPr>
-                        <m:t>)</m:t>
-                      </m:r>
-                    </m:oMath>
-                  </m:oMathPara>
-                </a14:m>
-                <a:endParaRPr lang="zh-CN" altLang="en-US" sz="1600" dirty="0" err="1">
-                  <a:latin typeface="+mn-lt"/>
-                </a:endParaRPr>
-              </a:p>
-            </p:txBody>
-          </p:sp>
-        </mc:Choice>
-        <mc:Fallback>
-          <p:sp>
-            <p:nvSpPr>
-              <p:cNvPr id="6" name="文本框 5">
-                <a:extLst>
-                  <a:ext uri="{FF2B5EF4-FFF2-40B4-BE49-F238E27FC236}">
-                    <a16:creationId xmlns:a16="http://schemas.microsoft.com/office/drawing/2014/main" id="{1A403DDD-6A2F-4A47-8F9F-3AB91393E3C8}"/>
-                  </a:ext>
-                </a:extLst>
-              </p:cNvPr>
-              <p:cNvSpPr txBox="1">
-                <a:spLocks noRot="1" noChangeAspect="1" noMove="1" noResize="1" noEditPoints="1" noAdjustHandles="1" noChangeArrowheads="1" noChangeShapeType="1" noTextEdit="1"/>
-              </p:cNvSpPr>
-              <p:nvPr/>
-            </p:nvSpPr>
-            <p:spPr>
-              <a:xfrm>
-                <a:off x="3790764" y="2319838"/>
-                <a:ext cx="4234650" cy="396070"/>
-              </a:xfrm>
-              <a:prstGeom prst="rect">
-                <a:avLst/>
-              </a:prstGeom>
-              <a:blipFill>
-                <a:blip r:embed="rId2"/>
-                <a:stretch>
-                  <a:fillRect/>
-                </a:stretch>
-              </a:blipFill>
-            </p:spPr>
-            <p:txBody>
-              <a:bodyPr/>
-              <a:lstStyle/>
-              <a:p>
-                <a:r>
-                  <a:rPr lang="zh-CN" altLang="en-US">
-                    <a:noFill/>
-                  </a:rPr>
-                  <a:t> </a:t>
-                </a:r>
-              </a:p>
-            </p:txBody>
-          </p:sp>
-        </mc:Fallback>
-      </mc:AlternateContent>
-      <p:sp>
-        <p:nvSpPr>
-          <p:cNvPr id="7" name="文本框 6">
-            <a:extLst>
-              <a:ext uri="{FF2B5EF4-FFF2-40B4-BE49-F238E27FC236}">
-                <a16:creationId xmlns:a16="http://schemas.microsoft.com/office/drawing/2014/main" id="{A70909FF-16DE-49DB-983C-F9E49E3A7328}"/>
-              </a:ext>
-            </a:extLst>
-          </p:cNvPr>
-          <p:cNvSpPr txBox="1"/>
-          <p:nvPr/>
-        </p:nvSpPr>
-        <p:spPr>
-          <a:xfrm>
-            <a:off x="6471146" y="2997641"/>
-            <a:ext cx="1021607" cy="470642"/>
-          </a:xfrm>
-          <a:prstGeom prst="rect">
-            <a:avLst/>
-          </a:prstGeom>
-          <a:noFill/>
-        </p:spPr>
-        <p:txBody>
-          <a:bodyPr wrap="square" lIns="0" tIns="0" rIns="0" bIns="0" rtlCol="0">
-            <a:spAutoFit/>
-          </a:bodyPr>
-          <a:lstStyle/>
-          <a:p>
-            <a:pPr>
-              <a:lnSpc>
-                <a:spcPct val="114000"/>
-              </a:lnSpc>
-            </a:pPr>
-            <a:r>
-              <a:rPr lang="en-US" altLang="zh-CN" sz="1400" dirty="0">
-                <a:latin typeface="+mn-lt"/>
-              </a:rPr>
-              <a:t>new prediction</a:t>
-            </a:r>
-            <a:endParaRPr lang="zh-CN" altLang="en-US" sz="1400" dirty="0" err="1">
-              <a:latin typeface="+mn-lt"/>
-            </a:endParaRPr>
-          </a:p>
-        </p:txBody>
-      </p:sp>
-      <p:sp>
-        <p:nvSpPr>
-          <p:cNvPr id="8" name="文本框 7">
-            <a:extLst>
-              <a:ext uri="{FF2B5EF4-FFF2-40B4-BE49-F238E27FC236}">
-                <a16:creationId xmlns:a16="http://schemas.microsoft.com/office/drawing/2014/main" id="{BDB50EB4-EC4F-49FA-8F51-2282E488475E}"/>
-              </a:ext>
-            </a:extLst>
-          </p:cNvPr>
-          <p:cNvSpPr txBox="1"/>
-          <p:nvPr/>
-        </p:nvSpPr>
-        <p:spPr>
-          <a:xfrm>
-            <a:off x="8025415" y="2997641"/>
-            <a:ext cx="1722268" cy="470642"/>
-          </a:xfrm>
-          <a:prstGeom prst="rect">
-            <a:avLst/>
-          </a:prstGeom>
-          <a:noFill/>
-        </p:spPr>
-        <p:txBody>
-          <a:bodyPr wrap="square" lIns="0" tIns="0" rIns="0" bIns="0" rtlCol="0">
-            <a:spAutoFit/>
-          </a:bodyPr>
-          <a:lstStyle/>
-          <a:p>
-            <a:pPr>
-              <a:lnSpc>
-                <a:spcPct val="114000"/>
-              </a:lnSpc>
-            </a:pPr>
-            <a:r>
-              <a:rPr lang="en-US" altLang="zh-CN" sz="1400" dirty="0">
-                <a:latin typeface="+mn-lt"/>
-              </a:rPr>
-              <a:t>distance between CF and original input</a:t>
-            </a:r>
-            <a:endParaRPr lang="zh-CN" altLang="en-US" sz="1400" dirty="0" err="1">
-              <a:latin typeface="+mn-lt"/>
-            </a:endParaRPr>
-          </a:p>
-        </p:txBody>
-      </p:sp>
-      <p:sp>
-        <p:nvSpPr>
-          <p:cNvPr id="9" name="文本框 8">
-            <a:extLst>
-              <a:ext uri="{FF2B5EF4-FFF2-40B4-BE49-F238E27FC236}">
-                <a16:creationId xmlns:a16="http://schemas.microsoft.com/office/drawing/2014/main" id="{A47C635C-0C7B-471D-B0B3-996E6F6D5398}"/>
-              </a:ext>
-            </a:extLst>
-          </p:cNvPr>
-          <p:cNvSpPr txBox="1"/>
-          <p:nvPr/>
-        </p:nvSpPr>
-        <p:spPr>
-          <a:xfrm>
-            <a:off x="4983799" y="2997641"/>
-            <a:ext cx="1112202" cy="470642"/>
-          </a:xfrm>
-          <a:prstGeom prst="rect">
-            <a:avLst/>
-          </a:prstGeom>
-          <a:noFill/>
-        </p:spPr>
-        <p:txBody>
-          <a:bodyPr wrap="square" lIns="0" tIns="0" rIns="0" bIns="0" rtlCol="0">
-            <a:spAutoFit/>
-          </a:bodyPr>
-          <a:lstStyle/>
-          <a:p>
-            <a:pPr>
-              <a:lnSpc>
-                <a:spcPct val="114000"/>
-              </a:lnSpc>
-            </a:pPr>
-            <a:r>
-              <a:rPr lang="en-US" altLang="zh-CN" sz="1400" dirty="0">
-                <a:latin typeface="+mn-lt"/>
-              </a:rPr>
-              <a:t>original prediction</a:t>
-            </a:r>
-            <a:endParaRPr lang="zh-CN" altLang="en-US" sz="1400" dirty="0" err="1">
-              <a:latin typeface="+mn-lt"/>
-            </a:endParaRPr>
-          </a:p>
-        </p:txBody>
-      </p:sp>
-      <p:sp>
-        <p:nvSpPr>
-          <p:cNvPr id="10" name="文本框 9">
-            <a:extLst>
-              <a:ext uri="{FF2B5EF4-FFF2-40B4-BE49-F238E27FC236}">
-                <a16:creationId xmlns:a16="http://schemas.microsoft.com/office/drawing/2014/main" id="{2CE68F43-8DF1-4746-92FB-F6AE1D555595}"/>
-              </a:ext>
-            </a:extLst>
-          </p:cNvPr>
-          <p:cNvSpPr txBox="1"/>
-          <p:nvPr/>
-        </p:nvSpPr>
-        <p:spPr>
-          <a:xfrm>
-            <a:off x="3147028" y="2993515"/>
-            <a:ext cx="1287472" cy="470642"/>
-          </a:xfrm>
-          <a:prstGeom prst="rect">
-            <a:avLst/>
-          </a:prstGeom>
-          <a:noFill/>
-        </p:spPr>
-        <p:txBody>
-          <a:bodyPr wrap="square" lIns="0" tIns="0" rIns="0" bIns="0" rtlCol="0">
-            <a:spAutoFit/>
-          </a:bodyPr>
-          <a:lstStyle/>
-          <a:p>
-            <a:pPr>
-              <a:lnSpc>
-                <a:spcPct val="114000"/>
-              </a:lnSpc>
-            </a:pPr>
-            <a:r>
-              <a:rPr lang="en-US" altLang="zh-CN" sz="1400" dirty="0">
-                <a:latin typeface="+mn-lt"/>
-              </a:rPr>
-              <a:t>counterfactual example (CF) </a:t>
-            </a:r>
-            <a:endParaRPr lang="zh-CN" altLang="en-US" sz="1400" dirty="0" err="1">
-              <a:latin typeface="+mn-lt"/>
-            </a:endParaRPr>
-          </a:p>
-        </p:txBody>
-      </p:sp>
-      <p:cxnSp>
-        <p:nvCxnSpPr>
-          <p:cNvPr id="11" name="直接箭头连接符 10">
-            <a:extLst>
-              <a:ext uri="{FF2B5EF4-FFF2-40B4-BE49-F238E27FC236}">
-                <a16:creationId xmlns:a16="http://schemas.microsoft.com/office/drawing/2014/main" id="{8E45AB93-B047-416F-9A9D-5FE05B15CDD2}"/>
-              </a:ext>
-            </a:extLst>
-          </p:cNvPr>
-          <p:cNvCxnSpPr>
-            <a:cxnSpLocks/>
-            <a:endCxn id="10" idx="0"/>
-          </p:cNvCxnSpPr>
-          <p:nvPr/>
-        </p:nvCxnSpPr>
-        <p:spPr>
-          <a:xfrm flipH="1">
-            <a:off x="3790764" y="2698419"/>
-            <a:ext cx="112756" cy="295096"/>
-          </a:xfrm>
-          <a:prstGeom prst="straightConnector1">
-            <a:avLst/>
-          </a:prstGeom>
-          <a:ln w="57150">
-            <a:solidFill>
-              <a:srgbClr val="0166BD"/>
-            </a:solidFill>
-            <a:tailEnd type="triangle"/>
-          </a:ln>
-        </p:spPr>
-        <p:style>
-          <a:lnRef idx="1">
-            <a:schemeClr val="accent1"/>
-          </a:lnRef>
-          <a:fillRef idx="0">
-            <a:schemeClr val="accent1"/>
-          </a:fillRef>
-          <a:effectRef idx="0">
-            <a:schemeClr val="accent1"/>
-          </a:effectRef>
-          <a:fontRef idx="minor">
-            <a:schemeClr val="tx1"/>
-          </a:fontRef>
-        </p:style>
-      </p:cxnSp>
-      <p:cxnSp>
-        <p:nvCxnSpPr>
-          <p:cNvPr id="13" name="直接箭头连接符 12">
-            <a:extLst>
-              <a:ext uri="{FF2B5EF4-FFF2-40B4-BE49-F238E27FC236}">
-                <a16:creationId xmlns:a16="http://schemas.microsoft.com/office/drawing/2014/main" id="{A7C1171B-3B33-44BA-8B34-099A5D739A87}"/>
-              </a:ext>
-            </a:extLst>
-          </p:cNvPr>
-          <p:cNvCxnSpPr>
-            <a:cxnSpLocks/>
-            <a:endCxn id="9" idx="0"/>
-          </p:cNvCxnSpPr>
-          <p:nvPr/>
-        </p:nvCxnSpPr>
-        <p:spPr>
-          <a:xfrm flipH="1">
-            <a:off x="5539900" y="2715908"/>
-            <a:ext cx="443346" cy="281733"/>
-          </a:xfrm>
-          <a:prstGeom prst="straightConnector1">
-            <a:avLst/>
-          </a:prstGeom>
-          <a:ln w="57150">
-            <a:solidFill>
-              <a:srgbClr val="0166BD"/>
-            </a:solidFill>
-            <a:tailEnd type="triangle"/>
-          </a:ln>
-        </p:spPr>
-        <p:style>
-          <a:lnRef idx="1">
-            <a:schemeClr val="accent1"/>
-          </a:lnRef>
-          <a:fillRef idx="0">
-            <a:schemeClr val="accent1"/>
-          </a:fillRef>
-          <a:effectRef idx="0">
-            <a:schemeClr val="accent1"/>
-          </a:effectRef>
-          <a:fontRef idx="minor">
-            <a:schemeClr val="tx1"/>
-          </a:fontRef>
-        </p:style>
-      </p:cxnSp>
-      <p:cxnSp>
-        <p:nvCxnSpPr>
-          <p:cNvPr id="16" name="直接箭头连接符 15">
-            <a:extLst>
-              <a:ext uri="{FF2B5EF4-FFF2-40B4-BE49-F238E27FC236}">
-                <a16:creationId xmlns:a16="http://schemas.microsoft.com/office/drawing/2014/main" id="{856B0346-BD60-4CE4-A44A-6222FE7F9EA9}"/>
-              </a:ext>
-            </a:extLst>
-          </p:cNvPr>
-          <p:cNvCxnSpPr>
-            <a:cxnSpLocks/>
-          </p:cNvCxnSpPr>
-          <p:nvPr/>
-        </p:nvCxnSpPr>
-        <p:spPr>
-          <a:xfrm>
-            <a:off x="6515908" y="2698419"/>
-            <a:ext cx="298412" cy="325897"/>
-          </a:xfrm>
-          <a:prstGeom prst="straightConnector1">
-            <a:avLst/>
-          </a:prstGeom>
-          <a:ln w="57150">
-            <a:solidFill>
-              <a:srgbClr val="0166BD"/>
-            </a:solidFill>
-            <a:tailEnd type="triangle"/>
-          </a:ln>
-        </p:spPr>
-        <p:style>
-          <a:lnRef idx="1">
-            <a:schemeClr val="accent1"/>
-          </a:lnRef>
-          <a:fillRef idx="0">
-            <a:schemeClr val="accent1"/>
-          </a:fillRef>
-          <a:effectRef idx="0">
-            <a:schemeClr val="accent1"/>
-          </a:effectRef>
-          <a:fontRef idx="minor">
-            <a:schemeClr val="tx1"/>
-          </a:fontRef>
-        </p:style>
-      </p:cxnSp>
-      <p:cxnSp>
-        <p:nvCxnSpPr>
-          <p:cNvPr id="19" name="直接箭头连接符 18">
-            <a:extLst>
-              <a:ext uri="{FF2B5EF4-FFF2-40B4-BE49-F238E27FC236}">
-                <a16:creationId xmlns:a16="http://schemas.microsoft.com/office/drawing/2014/main" id="{33C29258-834D-441C-81B2-A4DC692903C6}"/>
-              </a:ext>
-            </a:extLst>
-          </p:cNvPr>
-          <p:cNvCxnSpPr>
-            <a:cxnSpLocks/>
-          </p:cNvCxnSpPr>
-          <p:nvPr/>
-        </p:nvCxnSpPr>
-        <p:spPr>
-          <a:xfrm>
-            <a:off x="7537515" y="2698419"/>
-            <a:ext cx="631572" cy="325897"/>
-          </a:xfrm>
-          <a:prstGeom prst="straightConnector1">
-            <a:avLst/>
-          </a:prstGeom>
-          <a:ln w="57150">
-            <a:solidFill>
-              <a:srgbClr val="0166BD"/>
-            </a:solidFill>
-            <a:tailEnd type="triangle"/>
-          </a:ln>
-        </p:spPr>
-        <p:style>
-          <a:lnRef idx="1">
-            <a:schemeClr val="accent1"/>
-          </a:lnRef>
-          <a:fillRef idx="0">
-            <a:schemeClr val="accent1"/>
-          </a:fillRef>
-          <a:effectRef idx="0">
-            <a:schemeClr val="accent1"/>
-          </a:effectRef>
-          <a:fontRef idx="minor">
-            <a:schemeClr val="tx1"/>
-          </a:fontRef>
-        </p:style>
-      </p:cxnSp>
-    </p:spTree>
-    <p:extLst>
-      <p:ext uri="{BB962C8B-B14F-4D97-AF65-F5344CB8AC3E}">
-        <p14:creationId xmlns:p14="http://schemas.microsoft.com/office/powerpoint/2010/main" val="1200171836"/>
       </p:ext>
     </p:extLst>
   </p:cSld>
@@ -14303,114 +15411,6 @@
       </p:pic>
       <p:pic>
         <p:nvPicPr>
-          <p:cNvPr id="7" name="图片 6">
-            <a:extLst>
-              <a:ext uri="{FF2B5EF4-FFF2-40B4-BE49-F238E27FC236}">
-                <a16:creationId xmlns:a16="http://schemas.microsoft.com/office/drawing/2014/main" id="{C8FE9EED-3E83-4A1F-B5BA-EC3EEF044DB8}"/>
-              </a:ext>
-            </a:extLst>
-          </p:cNvPr>
-          <p:cNvPicPr>
-            <a:picLocks noChangeAspect="1"/>
-          </p:cNvPicPr>
-          <p:nvPr/>
-        </p:nvPicPr>
-        <p:blipFill>
-          <a:blip r:embed="rId3">
-            <a:extLst>
-              <a:ext uri="{28A0092B-C50C-407E-A947-70E740481C1C}">
-                <a14:useLocalDpi xmlns:a14="http://schemas.microsoft.com/office/drawing/2010/main" val="0"/>
-              </a:ext>
-            </a:extLst>
-          </a:blip>
-          <a:stretch>
-            <a:fillRect/>
-          </a:stretch>
-        </p:blipFill>
-        <p:spPr>
-          <a:xfrm>
-            <a:off x="9647191" y="1551455"/>
-            <a:ext cx="1090539" cy="1094091"/>
-          </a:xfrm>
-          <a:prstGeom prst="rect">
-            <a:avLst/>
-          </a:prstGeom>
-        </p:spPr>
-      </p:pic>
-      <p:pic>
-        <p:nvPicPr>
-          <p:cNvPr id="9" name="图片 8">
-            <a:extLst>
-              <a:ext uri="{FF2B5EF4-FFF2-40B4-BE49-F238E27FC236}">
-                <a16:creationId xmlns:a16="http://schemas.microsoft.com/office/drawing/2014/main" id="{F9FEB60D-2119-4946-9D50-80202A365E99}"/>
-              </a:ext>
-            </a:extLst>
-          </p:cNvPr>
-          <p:cNvPicPr>
-            <a:picLocks noChangeAspect="1"/>
-          </p:cNvPicPr>
-          <p:nvPr/>
-        </p:nvPicPr>
-        <p:blipFill>
-          <a:blip r:embed="rId4">
-            <a:extLst>
-              <a:ext uri="{28A0092B-C50C-407E-A947-70E740481C1C}">
-                <a14:useLocalDpi xmlns:a14="http://schemas.microsoft.com/office/drawing/2010/main" val="0"/>
-              </a:ext>
-            </a:extLst>
-          </a:blip>
-          <a:stretch>
-            <a:fillRect/>
-          </a:stretch>
-        </p:blipFill>
-        <p:spPr>
-          <a:xfrm>
-            <a:off x="8774941" y="3378794"/>
-            <a:ext cx="1302109" cy="1286546"/>
-          </a:xfrm>
-          <a:prstGeom prst="rect">
-            <a:avLst/>
-          </a:prstGeom>
-        </p:spPr>
-      </p:pic>
-      <p:pic>
-        <p:nvPicPr>
-          <p:cNvPr id="11" name="图片 10">
-            <a:extLst>
-              <a:ext uri="{FF2B5EF4-FFF2-40B4-BE49-F238E27FC236}">
-                <a16:creationId xmlns:a16="http://schemas.microsoft.com/office/drawing/2014/main" id="{A59F85DA-CE70-4A46-8E66-8E9AEE61988A}"/>
-              </a:ext>
-            </a:extLst>
-          </p:cNvPr>
-          <p:cNvPicPr>
-            <a:picLocks noChangeAspect="1"/>
-          </p:cNvPicPr>
-          <p:nvPr/>
-        </p:nvPicPr>
-        <p:blipFill>
-          <a:blip r:embed="rId5">
-            <a:extLst>
-              <a:ext uri="{28A0092B-C50C-407E-A947-70E740481C1C}">
-                <a14:useLocalDpi xmlns:a14="http://schemas.microsoft.com/office/drawing/2010/main" val="0"/>
-              </a:ext>
-            </a:extLst>
-          </a:blip>
-          <a:stretch>
-            <a:fillRect/>
-          </a:stretch>
-        </p:blipFill>
-        <p:spPr>
-          <a:xfrm>
-            <a:off x="10329020" y="3378794"/>
-            <a:ext cx="1302108" cy="1286545"/>
-          </a:xfrm>
-          <a:prstGeom prst="rect">
-            <a:avLst/>
-          </a:prstGeom>
-        </p:spPr>
-      </p:pic>
-      <p:pic>
-        <p:nvPicPr>
           <p:cNvPr id="12" name="内容占位符 6">
             <a:extLst>
               <a:ext uri="{FF2B5EF4-FFF2-40B4-BE49-F238E27FC236}">
@@ -14587,7 +15587,7 @@
           <p:nvPr/>
         </p:nvPicPr>
         <p:blipFill rotWithShape="1">
-          <a:blip r:embed="rId6">
+          <a:blip r:embed="rId3">
             <a:extLst>
               <a:ext uri="{28A0092B-C50C-407E-A947-70E740481C1C}">
                 <a14:useLocalDpi xmlns:a14="http://schemas.microsoft.com/office/drawing/2010/main" val="0"/>
@@ -14674,317 +15674,446 @@
           </a:p>
         </p:txBody>
       </p:sp>
-      <p:cxnSp>
-        <p:nvCxnSpPr>
-          <p:cNvPr id="22" name="直接箭头连接符 21">
+      <p:grpSp>
+        <p:nvGrpSpPr>
+          <p:cNvPr id="2" name="组合 1">
             <a:extLst>
               <a:ext uri="{FF2B5EF4-FFF2-40B4-BE49-F238E27FC236}">
-                <a16:creationId xmlns:a16="http://schemas.microsoft.com/office/drawing/2014/main" id="{6995BBF4-52F2-4AE9-9523-B626974190EE}"/>
+                <a16:creationId xmlns:a16="http://schemas.microsoft.com/office/drawing/2014/main" id="{86D239F3-2A2B-4C51-A287-F0FDEAB2FFA1}"/>
               </a:ext>
             </a:extLst>
           </p:cNvPr>
-          <p:cNvCxnSpPr>
-            <a:cxnSpLocks/>
-            <a:endCxn id="9" idx="0"/>
-          </p:cNvCxnSpPr>
+          <p:cNvGrpSpPr/>
           <p:nvPr/>
-        </p:nvCxnSpPr>
-        <p:spPr>
-          <a:xfrm flipH="1">
-            <a:off x="9425996" y="2712710"/>
-            <a:ext cx="758172" cy="666084"/>
+        </p:nvGrpSpPr>
+        <p:grpSpPr>
+          <a:xfrm>
+            <a:off x="8904411" y="2312851"/>
+            <a:ext cx="2856187" cy="3542880"/>
+            <a:chOff x="8895394" y="2208598"/>
+            <a:chExt cx="2856187" cy="3542880"/>
           </a:xfrm>
-          <a:prstGeom prst="straightConnector1">
-            <a:avLst/>
-          </a:prstGeom>
-          <a:ln w="57150">
-            <a:solidFill>
-              <a:srgbClr val="0166BD"/>
-            </a:solidFill>
-            <a:tailEnd type="triangle"/>
-          </a:ln>
-        </p:spPr>
-        <p:style>
-          <a:lnRef idx="1">
-            <a:schemeClr val="accent1"/>
-          </a:lnRef>
-          <a:fillRef idx="0">
-            <a:schemeClr val="accent1"/>
-          </a:fillRef>
-          <a:effectRef idx="0">
-            <a:schemeClr val="accent1"/>
-          </a:effectRef>
-          <a:fontRef idx="minor">
-            <a:schemeClr val="tx1"/>
-          </a:fontRef>
-        </p:style>
-      </p:cxnSp>
-      <p:cxnSp>
-        <p:nvCxnSpPr>
-          <p:cNvPr id="24" name="直接箭头连接符 23">
-            <a:extLst>
-              <a:ext uri="{FF2B5EF4-FFF2-40B4-BE49-F238E27FC236}">
-                <a16:creationId xmlns:a16="http://schemas.microsoft.com/office/drawing/2014/main" id="{27C3E98B-3C74-49CE-BD7C-83620B3832D2}"/>
-              </a:ext>
-            </a:extLst>
-          </p:cNvPr>
-          <p:cNvCxnSpPr>
-            <a:cxnSpLocks/>
-            <a:endCxn id="11" idx="0"/>
-          </p:cNvCxnSpPr>
-          <p:nvPr/>
-        </p:nvCxnSpPr>
-        <p:spPr>
-          <a:xfrm>
-            <a:off x="10185649" y="2712710"/>
-            <a:ext cx="794425" cy="666084"/>
-          </a:xfrm>
-          <a:prstGeom prst="straightConnector1">
-            <a:avLst/>
-          </a:prstGeom>
-          <a:ln w="57150">
-            <a:solidFill>
-              <a:srgbClr val="0166BD"/>
-            </a:solidFill>
-            <a:tailEnd type="triangle"/>
-          </a:ln>
-        </p:spPr>
-        <p:style>
-          <a:lnRef idx="1">
-            <a:schemeClr val="accent1"/>
-          </a:lnRef>
-          <a:fillRef idx="0">
-            <a:schemeClr val="accent1"/>
-          </a:fillRef>
-          <a:effectRef idx="0">
-            <a:schemeClr val="accent1"/>
-          </a:effectRef>
-          <a:fontRef idx="minor">
-            <a:schemeClr val="tx1"/>
-          </a:fontRef>
-        </p:style>
-      </p:cxnSp>
-      <p:sp>
-        <p:nvSpPr>
-          <p:cNvPr id="26" name="文本框 25">
-            <a:extLst>
-              <a:ext uri="{FF2B5EF4-FFF2-40B4-BE49-F238E27FC236}">
-                <a16:creationId xmlns:a16="http://schemas.microsoft.com/office/drawing/2014/main" id="{3FE5246D-54CE-40CF-B2FD-96420B4B7F1A}"/>
-              </a:ext>
-            </a:extLst>
-          </p:cNvPr>
-          <p:cNvSpPr txBox="1"/>
-          <p:nvPr/>
-        </p:nvSpPr>
-        <p:spPr>
-          <a:xfrm>
-            <a:off x="9252045" y="2670236"/>
-            <a:ext cx="553037" cy="537968"/>
-          </a:xfrm>
-          <a:prstGeom prst="rect">
-            <a:avLst/>
-          </a:prstGeom>
-          <a:noFill/>
-        </p:spPr>
-        <p:txBody>
-          <a:bodyPr wrap="none" lIns="0" tIns="0" rIns="0" bIns="0" rtlCol="0">
-            <a:spAutoFit/>
-          </a:bodyPr>
-          <a:lstStyle/>
-          <a:p>
-            <a:pPr>
-              <a:lnSpc>
-                <a:spcPct val="114000"/>
-              </a:lnSpc>
-            </a:pPr>
-            <a:r>
-              <a:rPr lang="zh-CN" altLang="en-US" sz="1600" dirty="0">
+        </p:grpSpPr>
+        <p:pic>
+          <p:nvPicPr>
+            <p:cNvPr id="7" name="图片 6">
+              <a:extLst>
+                <a:ext uri="{FF2B5EF4-FFF2-40B4-BE49-F238E27FC236}">
+                  <a16:creationId xmlns:a16="http://schemas.microsoft.com/office/drawing/2014/main" id="{C8FE9EED-3E83-4A1F-B5BA-EC3EEF044DB8}"/>
+                </a:ext>
+              </a:extLst>
+            </p:cNvPr>
+            <p:cNvPicPr>
+              <a:picLocks noChangeAspect="1"/>
+            </p:cNvPicPr>
+            <p:nvPr/>
+          </p:nvPicPr>
+          <p:blipFill>
+            <a:blip r:embed="rId4">
+              <a:extLst>
+                <a:ext uri="{28A0092B-C50C-407E-A947-70E740481C1C}">
+                  <a14:useLocalDpi xmlns:a14="http://schemas.microsoft.com/office/drawing/2010/main" val="0"/>
+                </a:ext>
+              </a:extLst>
+            </a:blip>
+            <a:stretch>
+              <a:fillRect/>
+            </a:stretch>
+          </p:blipFill>
+          <p:spPr>
+            <a:xfrm>
+              <a:off x="9767644" y="2208598"/>
+              <a:ext cx="1090539" cy="1094091"/>
+            </a:xfrm>
+            <a:prstGeom prst="rect">
+              <a:avLst/>
+            </a:prstGeom>
+          </p:spPr>
+        </p:pic>
+        <p:pic>
+          <p:nvPicPr>
+            <p:cNvPr id="9" name="图片 8">
+              <a:extLst>
+                <a:ext uri="{FF2B5EF4-FFF2-40B4-BE49-F238E27FC236}">
+                  <a16:creationId xmlns:a16="http://schemas.microsoft.com/office/drawing/2014/main" id="{F9FEB60D-2119-4946-9D50-80202A365E99}"/>
+                </a:ext>
+              </a:extLst>
+            </p:cNvPr>
+            <p:cNvPicPr>
+              <a:picLocks noChangeAspect="1"/>
+            </p:cNvPicPr>
+            <p:nvPr/>
+          </p:nvPicPr>
+          <p:blipFill>
+            <a:blip r:embed="rId5">
+              <a:extLst>
+                <a:ext uri="{28A0092B-C50C-407E-A947-70E740481C1C}">
+                  <a14:useLocalDpi xmlns:a14="http://schemas.microsoft.com/office/drawing/2010/main" val="0"/>
+                </a:ext>
+              </a:extLst>
+            </a:blip>
+            <a:stretch>
+              <a:fillRect/>
+            </a:stretch>
+          </p:blipFill>
+          <p:spPr>
+            <a:xfrm>
+              <a:off x="8895394" y="4035937"/>
+              <a:ext cx="1302109" cy="1286546"/>
+            </a:xfrm>
+            <a:prstGeom prst="rect">
+              <a:avLst/>
+            </a:prstGeom>
+          </p:spPr>
+        </p:pic>
+        <p:pic>
+          <p:nvPicPr>
+            <p:cNvPr id="11" name="图片 10">
+              <a:extLst>
+                <a:ext uri="{FF2B5EF4-FFF2-40B4-BE49-F238E27FC236}">
+                  <a16:creationId xmlns:a16="http://schemas.microsoft.com/office/drawing/2014/main" id="{A59F85DA-CE70-4A46-8E66-8E9AEE61988A}"/>
+                </a:ext>
+              </a:extLst>
+            </p:cNvPr>
+            <p:cNvPicPr>
+              <a:picLocks noChangeAspect="1"/>
+            </p:cNvPicPr>
+            <p:nvPr/>
+          </p:nvPicPr>
+          <p:blipFill>
+            <a:blip r:embed="rId6">
+              <a:extLst>
+                <a:ext uri="{28A0092B-C50C-407E-A947-70E740481C1C}">
+                  <a14:useLocalDpi xmlns:a14="http://schemas.microsoft.com/office/drawing/2010/main" val="0"/>
+                </a:ext>
+              </a:extLst>
+            </a:blip>
+            <a:stretch>
+              <a:fillRect/>
+            </a:stretch>
+          </p:blipFill>
+          <p:spPr>
+            <a:xfrm>
+              <a:off x="10449473" y="4035937"/>
+              <a:ext cx="1302108" cy="1286545"/>
+            </a:xfrm>
+            <a:prstGeom prst="rect">
+              <a:avLst/>
+            </a:prstGeom>
+          </p:spPr>
+        </p:pic>
+        <p:cxnSp>
+          <p:nvCxnSpPr>
+            <p:cNvPr id="22" name="直接箭头连接符 21">
+              <a:extLst>
+                <a:ext uri="{FF2B5EF4-FFF2-40B4-BE49-F238E27FC236}">
+                  <a16:creationId xmlns:a16="http://schemas.microsoft.com/office/drawing/2014/main" id="{6995BBF4-52F2-4AE9-9523-B626974190EE}"/>
+                </a:ext>
+              </a:extLst>
+            </p:cNvPr>
+            <p:cNvCxnSpPr>
+              <a:cxnSpLocks/>
+              <a:endCxn id="9" idx="0"/>
+            </p:cNvCxnSpPr>
+            <p:nvPr/>
+          </p:nvCxnSpPr>
+          <p:spPr>
+            <a:xfrm flipH="1">
+              <a:off x="9546449" y="3369853"/>
+              <a:ext cx="758172" cy="666084"/>
+            </a:xfrm>
+            <a:prstGeom prst="straightConnector1">
+              <a:avLst/>
+            </a:prstGeom>
+            <a:ln w="57150">
+              <a:solidFill>
+                <a:srgbClr val="0166BD"/>
+              </a:solidFill>
+              <a:tailEnd type="triangle"/>
+            </a:ln>
+          </p:spPr>
+          <p:style>
+            <a:lnRef idx="1">
+              <a:schemeClr val="accent1"/>
+            </a:lnRef>
+            <a:fillRef idx="0">
+              <a:schemeClr val="accent1"/>
+            </a:fillRef>
+            <a:effectRef idx="0">
+              <a:schemeClr val="accent1"/>
+            </a:effectRef>
+            <a:fontRef idx="minor">
+              <a:schemeClr val="tx1"/>
+            </a:fontRef>
+          </p:style>
+        </p:cxnSp>
+        <p:cxnSp>
+          <p:nvCxnSpPr>
+            <p:cNvPr id="24" name="直接箭头连接符 23">
+              <a:extLst>
+                <a:ext uri="{FF2B5EF4-FFF2-40B4-BE49-F238E27FC236}">
+                  <a16:creationId xmlns:a16="http://schemas.microsoft.com/office/drawing/2014/main" id="{27C3E98B-3C74-49CE-BD7C-83620B3832D2}"/>
+                </a:ext>
+              </a:extLst>
+            </p:cNvPr>
+            <p:cNvCxnSpPr>
+              <a:cxnSpLocks/>
+              <a:endCxn id="11" idx="0"/>
+            </p:cNvCxnSpPr>
+            <p:nvPr/>
+          </p:nvCxnSpPr>
+          <p:spPr>
+            <a:xfrm>
+              <a:off x="10306102" y="3369853"/>
+              <a:ext cx="794425" cy="666084"/>
+            </a:xfrm>
+            <a:prstGeom prst="straightConnector1">
+              <a:avLst/>
+            </a:prstGeom>
+            <a:ln w="57150">
+              <a:solidFill>
+                <a:srgbClr val="0166BD"/>
+              </a:solidFill>
+              <a:tailEnd type="triangle"/>
+            </a:ln>
+          </p:spPr>
+          <p:style>
+            <a:lnRef idx="1">
+              <a:schemeClr val="accent1"/>
+            </a:lnRef>
+            <a:fillRef idx="0">
+              <a:schemeClr val="accent1"/>
+            </a:fillRef>
+            <a:effectRef idx="0">
+              <a:schemeClr val="accent1"/>
+            </a:effectRef>
+            <a:fontRef idx="minor">
+              <a:schemeClr val="tx1"/>
+            </a:fontRef>
+          </p:style>
+        </p:cxnSp>
+        <p:sp>
+          <p:nvSpPr>
+            <p:cNvPr id="26" name="文本框 25">
+              <a:extLst>
+                <a:ext uri="{FF2B5EF4-FFF2-40B4-BE49-F238E27FC236}">
+                  <a16:creationId xmlns:a16="http://schemas.microsoft.com/office/drawing/2014/main" id="{3FE5246D-54CE-40CF-B2FD-96420B4B7F1A}"/>
+                </a:ext>
+              </a:extLst>
+            </p:cNvPr>
+            <p:cNvSpPr txBox="1"/>
+            <p:nvPr/>
+          </p:nvSpPr>
+          <p:spPr>
+            <a:xfrm>
+              <a:off x="9372498" y="3327379"/>
+              <a:ext cx="553037" cy="537968"/>
+            </a:xfrm>
+            <a:prstGeom prst="rect">
+              <a:avLst/>
+            </a:prstGeom>
+            <a:noFill/>
+          </p:spPr>
+          <p:txBody>
+            <a:bodyPr wrap="none" lIns="0" tIns="0" rIns="0" bIns="0" rtlCol="0">
+              <a:spAutoFit/>
+            </a:bodyPr>
+            <a:lstStyle/>
+            <a:p>
+              <a:pPr>
+                <a:lnSpc>
+                  <a:spcPct val="114000"/>
+                </a:lnSpc>
+              </a:pPr>
+              <a:r>
+                <a:rPr lang="zh-CN" altLang="en-US" sz="1600" dirty="0">
+                  <a:latin typeface="+mn-lt"/>
+                </a:rPr>
+                <a:t>     ↙</a:t>
+              </a:r>
+              <a:r>
+                <a:rPr lang="en-US" altLang="zh-CN" sz="1600" dirty="0">
+                  <a:latin typeface="+mn-lt"/>
+                </a:rPr>
+                <a:t>9</a:t>
+              </a:r>
+            </a:p>
+            <a:p>
+              <a:pPr>
+                <a:lnSpc>
+                  <a:spcPct val="114000"/>
+                </a:lnSpc>
+              </a:pPr>
+              <a:r>
+                <a:rPr lang="en-US" altLang="zh-CN" sz="1600" dirty="0">
+                  <a:latin typeface="+mn-lt"/>
+                </a:rPr>
+                <a:t>4</a:t>
+              </a:r>
+              <a:endParaRPr lang="zh-CN" altLang="en-US" sz="1600" dirty="0" err="1">
                 <a:latin typeface="+mn-lt"/>
-              </a:rPr>
-              <a:t>     ↙</a:t>
-            </a:r>
-            <a:r>
-              <a:rPr lang="en-US" altLang="zh-CN" sz="1600" dirty="0">
+              </a:endParaRPr>
+            </a:p>
+          </p:txBody>
+        </p:sp>
+        <p:sp>
+          <p:nvSpPr>
+            <p:cNvPr id="27" name="文本框 26">
+              <a:extLst>
+                <a:ext uri="{FF2B5EF4-FFF2-40B4-BE49-F238E27FC236}">
+                  <a16:creationId xmlns:a16="http://schemas.microsoft.com/office/drawing/2014/main" id="{F468B7BB-6195-41C4-8713-1F135231243B}"/>
+                </a:ext>
+              </a:extLst>
+            </p:cNvPr>
+            <p:cNvSpPr txBox="1"/>
+            <p:nvPr/>
+          </p:nvSpPr>
+          <p:spPr>
+            <a:xfrm>
+              <a:off x="10667936" y="3358977"/>
+              <a:ext cx="575479" cy="537968"/>
+            </a:xfrm>
+            <a:prstGeom prst="rect">
+              <a:avLst/>
+            </a:prstGeom>
+            <a:noFill/>
+          </p:spPr>
+          <p:txBody>
+            <a:bodyPr wrap="none" lIns="0" tIns="0" rIns="0" bIns="0" rtlCol="0">
+              <a:spAutoFit/>
+            </a:bodyPr>
+            <a:lstStyle/>
+            <a:p>
+              <a:pPr>
+                <a:lnSpc>
+                  <a:spcPct val="114000"/>
+                </a:lnSpc>
+              </a:pPr>
+              <a:r>
+                <a:rPr lang="en-US" altLang="zh-CN" sz="1600" dirty="0">
+                  <a:latin typeface="+mn-lt"/>
+                </a:rPr>
+                <a:t>9</a:t>
+              </a:r>
+              <a:r>
+                <a:rPr lang="zh-CN" altLang="en-US" sz="1600" dirty="0">
+                  <a:latin typeface="+mn-lt"/>
+                </a:rPr>
+                <a:t>↘</a:t>
+              </a:r>
+              <a:endParaRPr lang="en-US" altLang="zh-CN" sz="1600" dirty="0">
                 <a:latin typeface="+mn-lt"/>
-              </a:rPr>
-              <a:t>9</a:t>
-            </a:r>
-          </a:p>
-          <a:p>
-            <a:pPr>
-              <a:lnSpc>
-                <a:spcPct val="114000"/>
-              </a:lnSpc>
-            </a:pPr>
-            <a:r>
-              <a:rPr lang="en-US" altLang="zh-CN" sz="1600" dirty="0">
+              </a:endParaRPr>
+            </a:p>
+            <a:p>
+              <a:pPr>
+                <a:lnSpc>
+                  <a:spcPct val="114000"/>
+                </a:lnSpc>
+              </a:pPr>
+              <a:r>
+                <a:rPr lang="en-US" altLang="zh-CN" sz="1600" dirty="0">
+                  <a:latin typeface="+mn-lt"/>
+                </a:rPr>
+                <a:t>        7</a:t>
+              </a:r>
+              <a:endParaRPr lang="zh-CN" altLang="en-US" sz="1600" dirty="0" err="1">
                 <a:latin typeface="+mn-lt"/>
-              </a:rPr>
-              <a:t>4</a:t>
-            </a:r>
-            <a:endParaRPr lang="zh-CN" altLang="en-US" sz="1600" dirty="0" err="1">
-              <a:latin typeface="+mn-lt"/>
-            </a:endParaRPr>
-          </a:p>
-        </p:txBody>
-      </p:sp>
-      <p:sp>
-        <p:nvSpPr>
-          <p:cNvPr id="27" name="文本框 26">
-            <a:extLst>
-              <a:ext uri="{FF2B5EF4-FFF2-40B4-BE49-F238E27FC236}">
-                <a16:creationId xmlns:a16="http://schemas.microsoft.com/office/drawing/2014/main" id="{F468B7BB-6195-41C4-8713-1F135231243B}"/>
-              </a:ext>
-            </a:extLst>
-          </p:cNvPr>
-          <p:cNvSpPr txBox="1"/>
-          <p:nvPr/>
-        </p:nvSpPr>
-        <p:spPr>
-          <a:xfrm>
-            <a:off x="10547483" y="2701834"/>
-            <a:ext cx="575479" cy="537968"/>
-          </a:xfrm>
-          <a:prstGeom prst="rect">
-            <a:avLst/>
-          </a:prstGeom>
-          <a:noFill/>
-        </p:spPr>
-        <p:txBody>
-          <a:bodyPr wrap="none" lIns="0" tIns="0" rIns="0" bIns="0" rtlCol="0">
-            <a:spAutoFit/>
-          </a:bodyPr>
-          <a:lstStyle/>
-          <a:p>
-            <a:pPr>
-              <a:lnSpc>
-                <a:spcPct val="114000"/>
-              </a:lnSpc>
-            </a:pPr>
-            <a:r>
-              <a:rPr lang="en-US" altLang="zh-CN" sz="1600" dirty="0">
+              </a:endParaRPr>
+            </a:p>
+          </p:txBody>
+        </p:sp>
+        <p:sp>
+          <p:nvSpPr>
+            <p:cNvPr id="28" name="文本框 27">
+              <a:extLst>
+                <a:ext uri="{FF2B5EF4-FFF2-40B4-BE49-F238E27FC236}">
+                  <a16:creationId xmlns:a16="http://schemas.microsoft.com/office/drawing/2014/main" id="{16D7AF3B-6F01-48B0-981E-90036E255A4E}"/>
+                </a:ext>
+              </a:extLst>
+            </p:cNvPr>
+            <p:cNvSpPr txBox="1"/>
+            <p:nvPr/>
+          </p:nvSpPr>
+          <p:spPr>
+            <a:xfrm>
+              <a:off x="9522014" y="5365667"/>
+              <a:ext cx="171522" cy="385811"/>
+            </a:xfrm>
+            <a:prstGeom prst="rect">
+              <a:avLst/>
+            </a:prstGeom>
+            <a:noFill/>
+          </p:spPr>
+          <p:txBody>
+            <a:bodyPr wrap="none" lIns="0" tIns="0" rIns="0" bIns="0" rtlCol="0">
+              <a:spAutoFit/>
+            </a:bodyPr>
+            <a:lstStyle/>
+            <a:p>
+              <a:pPr>
+                <a:lnSpc>
+                  <a:spcPct val="114000"/>
+                </a:lnSpc>
+              </a:pPr>
+              <a:r>
+                <a:rPr lang="en-US" altLang="zh-CN" sz="2400" b="1" dirty="0">
+                  <a:latin typeface="+mn-lt"/>
+                </a:rPr>
+                <a:t>4</a:t>
+              </a:r>
+              <a:endParaRPr lang="zh-CN" altLang="en-US" sz="2400" b="1" dirty="0" err="1">
                 <a:latin typeface="+mn-lt"/>
-              </a:rPr>
-              <a:t>9</a:t>
-            </a:r>
-            <a:r>
-              <a:rPr lang="zh-CN" altLang="en-US" sz="1600" dirty="0">
+              </a:endParaRPr>
+            </a:p>
+          </p:txBody>
+        </p:sp>
+        <p:sp>
+          <p:nvSpPr>
+            <p:cNvPr id="29" name="文本框 28">
+              <a:extLst>
+                <a:ext uri="{FF2B5EF4-FFF2-40B4-BE49-F238E27FC236}">
+                  <a16:creationId xmlns:a16="http://schemas.microsoft.com/office/drawing/2014/main" id="{6D357935-2A14-4A55-BC13-D9F03BAB8382}"/>
+                </a:ext>
+              </a:extLst>
+            </p:cNvPr>
+            <p:cNvSpPr txBox="1"/>
+            <p:nvPr/>
+          </p:nvSpPr>
+          <p:spPr>
+            <a:xfrm>
+              <a:off x="11066733" y="5354137"/>
+              <a:ext cx="171522" cy="385811"/>
+            </a:xfrm>
+            <a:prstGeom prst="rect">
+              <a:avLst/>
+            </a:prstGeom>
+            <a:noFill/>
+          </p:spPr>
+          <p:txBody>
+            <a:bodyPr wrap="none" lIns="0" tIns="0" rIns="0" bIns="0" rtlCol="0">
+              <a:spAutoFit/>
+            </a:bodyPr>
+            <a:lstStyle/>
+            <a:p>
+              <a:pPr>
+                <a:lnSpc>
+                  <a:spcPct val="114000"/>
+                </a:lnSpc>
+              </a:pPr>
+              <a:r>
+                <a:rPr lang="en-US" altLang="zh-CN" sz="2400" b="1" dirty="0">
+                  <a:latin typeface="+mn-lt"/>
+                </a:rPr>
+                <a:t>7</a:t>
+              </a:r>
+              <a:endParaRPr lang="zh-CN" altLang="en-US" sz="2400" b="1" dirty="0" err="1">
                 <a:latin typeface="+mn-lt"/>
-              </a:rPr>
-              <a:t>↘</a:t>
-            </a:r>
-            <a:endParaRPr lang="en-US" altLang="zh-CN" sz="1600" dirty="0">
-              <a:latin typeface="+mn-lt"/>
-            </a:endParaRPr>
-          </a:p>
-          <a:p>
-            <a:pPr>
-              <a:lnSpc>
-                <a:spcPct val="114000"/>
-              </a:lnSpc>
-            </a:pPr>
-            <a:r>
-              <a:rPr lang="en-US" altLang="zh-CN" sz="1600" dirty="0">
-                <a:latin typeface="+mn-lt"/>
-              </a:rPr>
-              <a:t>        7</a:t>
-            </a:r>
-            <a:endParaRPr lang="zh-CN" altLang="en-US" sz="1600" dirty="0" err="1">
-              <a:latin typeface="+mn-lt"/>
-            </a:endParaRPr>
-          </a:p>
-        </p:txBody>
-      </p:sp>
-      <p:sp>
-        <p:nvSpPr>
-          <p:cNvPr id="28" name="文本框 27">
-            <a:extLst>
-              <a:ext uri="{FF2B5EF4-FFF2-40B4-BE49-F238E27FC236}">
-                <a16:creationId xmlns:a16="http://schemas.microsoft.com/office/drawing/2014/main" id="{16D7AF3B-6F01-48B0-981E-90036E255A4E}"/>
-              </a:ext>
-            </a:extLst>
-          </p:cNvPr>
-          <p:cNvSpPr txBox="1"/>
-          <p:nvPr/>
-        </p:nvSpPr>
-        <p:spPr>
-          <a:xfrm>
-            <a:off x="9401561" y="4708524"/>
-            <a:ext cx="171522" cy="385811"/>
-          </a:xfrm>
-          <a:prstGeom prst="rect">
-            <a:avLst/>
-          </a:prstGeom>
-          <a:noFill/>
-        </p:spPr>
-        <p:txBody>
-          <a:bodyPr wrap="none" lIns="0" tIns="0" rIns="0" bIns="0" rtlCol="0">
-            <a:spAutoFit/>
-          </a:bodyPr>
-          <a:lstStyle/>
-          <a:p>
-            <a:pPr>
-              <a:lnSpc>
-                <a:spcPct val="114000"/>
-              </a:lnSpc>
-            </a:pPr>
-            <a:r>
-              <a:rPr lang="en-US" altLang="zh-CN" sz="2400" b="1" dirty="0">
-                <a:latin typeface="+mn-lt"/>
-              </a:rPr>
-              <a:t>4</a:t>
-            </a:r>
-            <a:endParaRPr lang="zh-CN" altLang="en-US" sz="2400" b="1" dirty="0" err="1">
-              <a:latin typeface="+mn-lt"/>
-            </a:endParaRPr>
-          </a:p>
-        </p:txBody>
-      </p:sp>
-      <p:sp>
-        <p:nvSpPr>
-          <p:cNvPr id="29" name="文本框 28">
-            <a:extLst>
-              <a:ext uri="{FF2B5EF4-FFF2-40B4-BE49-F238E27FC236}">
-                <a16:creationId xmlns:a16="http://schemas.microsoft.com/office/drawing/2014/main" id="{6D357935-2A14-4A55-BC13-D9F03BAB8382}"/>
-              </a:ext>
-            </a:extLst>
-          </p:cNvPr>
-          <p:cNvSpPr txBox="1"/>
-          <p:nvPr/>
-        </p:nvSpPr>
-        <p:spPr>
-          <a:xfrm>
-            <a:off x="10946280" y="4696994"/>
-            <a:ext cx="171522" cy="385811"/>
-          </a:xfrm>
-          <a:prstGeom prst="rect">
-            <a:avLst/>
-          </a:prstGeom>
-          <a:noFill/>
-        </p:spPr>
-        <p:txBody>
-          <a:bodyPr wrap="none" lIns="0" tIns="0" rIns="0" bIns="0" rtlCol="0">
-            <a:spAutoFit/>
-          </a:bodyPr>
-          <a:lstStyle/>
-          <a:p>
-            <a:pPr>
-              <a:lnSpc>
-                <a:spcPct val="114000"/>
-              </a:lnSpc>
-            </a:pPr>
-            <a:r>
-              <a:rPr lang="en-US" altLang="zh-CN" sz="2400" b="1" dirty="0">
-                <a:latin typeface="+mn-lt"/>
-              </a:rPr>
-              <a:t>7</a:t>
-            </a:r>
-            <a:endParaRPr lang="zh-CN" altLang="en-US" sz="2400" b="1" dirty="0" err="1">
-              <a:latin typeface="+mn-lt"/>
-            </a:endParaRPr>
-          </a:p>
-        </p:txBody>
-      </p:sp>
+              </a:endParaRPr>
+            </a:p>
+          </p:txBody>
+        </p:sp>
+      </p:grpSp>
       <p:sp>
         <p:nvSpPr>
           <p:cNvPr id="30" name="文本框 29">
@@ -15045,14 +16174,14 @@
           <p:nvPr>
             <p:extLst>
               <p:ext uri="{D42A27DB-BD31-4B8C-83A1-F6EECF244321}">
-                <p14:modId xmlns:p14="http://schemas.microsoft.com/office/powerpoint/2010/main" val="3833970756"/>
+                <p14:modId xmlns:p14="http://schemas.microsoft.com/office/powerpoint/2010/main" val="3419816184"/>
               </p:ext>
             </p:extLst>
           </p:nvPr>
         </p:nvGraphicFramePr>
         <p:xfrm>
           <a:off x="3720867" y="2034112"/>
-          <a:ext cx="4964232" cy="2540000"/>
+          <a:ext cx="4964232" cy="4100358"/>
         </p:xfrm>
         <a:graphic>
           <a:graphicData uri="http://schemas.openxmlformats.org/drawingml/2006/table">
@@ -15076,20 +16205,28 @@
                   </a:extLst>
                 </a:gridCol>
               </a:tblGrid>
-              <a:tr h="370840">
+              <a:tr h="1033290">
                 <a:tc>
                   <a:txBody>
                     <a:bodyPr/>
                     <a:lstStyle/>
                     <a:p>
                       <a:r>
-                        <a:rPr lang="en-US" altLang="zh-CN" sz="1800" dirty="0"/>
+                        <a:rPr lang="en-US" altLang="zh-CN" sz="1800" dirty="0">
+                          <a:solidFill>
+                            <a:schemeClr val="tx1"/>
+                          </a:solidFill>
+                        </a:rPr>
                         <a:t>Adversarial examples…</a:t>
                       </a:r>
-                      <a:endParaRPr lang="zh-CN" altLang="en-US" sz="1800" dirty="0"/>
+                      <a:endParaRPr lang="zh-CN" altLang="en-US" sz="1800" dirty="0">
+                        <a:solidFill>
+                          <a:schemeClr val="tx1"/>
+                        </a:solidFill>
+                      </a:endParaRPr>
                     </a:p>
                   </a:txBody>
-                  <a:tcPr>
+                  <a:tcPr anchor="ctr">
                     <a:solidFill>
                       <a:schemeClr val="accent5">
                         <a:lumMod val="40000"/>
@@ -15104,13 +16241,21 @@
                     <a:lstStyle/>
                     <a:p>
                       <a:r>
-                        <a:rPr lang="en-US" altLang="zh-CN" sz="1800" dirty="0"/>
+                        <a:rPr lang="en-US" altLang="zh-CN" sz="1800" dirty="0">
+                          <a:solidFill>
+                            <a:schemeClr val="tx1"/>
+                          </a:solidFill>
+                        </a:rPr>
                         <a:t>Counterfactual examples…</a:t>
                       </a:r>
-                      <a:endParaRPr lang="zh-CN" altLang="en-US" sz="1800" dirty="0"/>
+                      <a:endParaRPr lang="zh-CN" altLang="en-US" sz="1800" dirty="0">
+                        <a:solidFill>
+                          <a:schemeClr val="tx1"/>
+                        </a:solidFill>
+                      </a:endParaRPr>
                     </a:p>
                   </a:txBody>
-                  <a:tcPr/>
+                  <a:tcPr anchor="ctr"/>
                 </a:tc>
                 <a:extLst>
                   <a:ext uri="{0D108BD9-81ED-4DB2-BD59-A6C34878D82A}">
@@ -15118,7 +16263,7 @@
                   </a:ext>
                 </a:extLst>
               </a:tr>
-              <a:tr h="370840">
+              <a:tr h="598652">
                 <a:tc>
                   <a:txBody>
                     <a:bodyPr/>
@@ -15131,7 +16276,7 @@
                       <a:endParaRPr lang="zh-CN" altLang="en-US" sz="1600" dirty="0"/>
                     </a:p>
                   </a:txBody>
-                  <a:tcPr>
+                  <a:tcPr anchor="ctr">
                     <a:solidFill>
                       <a:schemeClr val="accent5">
                         <a:lumMod val="40000"/>
@@ -15152,7 +16297,7 @@
                       <a:endParaRPr lang="zh-CN" altLang="en-US" sz="1600" dirty="0"/>
                     </a:p>
                   </a:txBody>
-                  <a:tcPr/>
+                  <a:tcPr anchor="ctr"/>
                 </a:tc>
                 <a:extLst>
                   <a:ext uri="{0D108BD9-81ED-4DB2-BD59-A6C34878D82A}">
@@ -15160,7 +16305,7 @@
                   </a:ext>
                 </a:extLst>
               </a:tr>
-              <a:tr h="370840">
+              <a:tr h="598652">
                 <a:tc>
                   <a:txBody>
                     <a:bodyPr/>
@@ -15173,7 +16318,7 @@
                       <a:endParaRPr lang="zh-CN" altLang="en-US" sz="1600" dirty="0"/>
                     </a:p>
                   </a:txBody>
-                  <a:tcPr>
+                  <a:tcPr anchor="ctr">
                     <a:solidFill>
                       <a:schemeClr val="accent5">
                         <a:lumMod val="40000"/>
@@ -15194,7 +16339,7 @@
                       <a:endParaRPr lang="zh-CN" altLang="en-US" sz="1600" dirty="0"/>
                     </a:p>
                   </a:txBody>
-                  <a:tcPr/>
+                  <a:tcPr anchor="ctr"/>
                 </a:tc>
                 <a:extLst>
                   <a:ext uri="{0D108BD9-81ED-4DB2-BD59-A6C34878D82A}">
@@ -15202,7 +16347,7 @@
                   </a:ext>
                 </a:extLst>
               </a:tr>
-              <a:tr h="370840">
+              <a:tr h="934882">
                 <a:tc>
                   <a:txBody>
                     <a:bodyPr/>
@@ -15215,7 +16360,7 @@
                       <a:endParaRPr lang="zh-CN" altLang="en-US" sz="1600" dirty="0"/>
                     </a:p>
                   </a:txBody>
-                  <a:tcPr>
+                  <a:tcPr anchor="ctr">
                     <a:solidFill>
                       <a:schemeClr val="accent5">
                         <a:lumMod val="40000"/>
@@ -15236,7 +16381,7 @@
                       <a:endParaRPr lang="zh-CN" altLang="en-US" sz="1600" dirty="0"/>
                     </a:p>
                   </a:txBody>
-                  <a:tcPr/>
+                  <a:tcPr anchor="ctr"/>
                 </a:tc>
                 <a:extLst>
                   <a:ext uri="{0D108BD9-81ED-4DB2-BD59-A6C34878D82A}">
@@ -15244,7 +16389,7 @@
                   </a:ext>
                 </a:extLst>
               </a:tr>
-              <a:tr h="370840">
+              <a:tr h="934882">
                 <a:tc>
                   <a:txBody>
                     <a:bodyPr/>
@@ -15257,7 +16402,7 @@
                       <a:endParaRPr lang="zh-CN" altLang="en-US" sz="1600" dirty="0"/>
                     </a:p>
                   </a:txBody>
-                  <a:tcPr>
+                  <a:tcPr anchor="ctr">
                     <a:solidFill>
                       <a:schemeClr val="accent5">
                         <a:lumMod val="40000"/>
@@ -15278,7 +16423,7 @@
                       <a:endParaRPr lang="zh-CN" altLang="en-US" sz="1600" dirty="0"/>
                     </a:p>
                   </a:txBody>
-                  <a:tcPr/>
+                  <a:tcPr anchor="ctr"/>
                 </a:tc>
                 <a:extLst>
                   <a:ext uri="{0D108BD9-81ED-4DB2-BD59-A6C34878D82A}">
